--- a/Crime Rate Analysis/catherine part.pptx
+++ b/Crime Rate Analysis/catherine part.pptx
@@ -4,20 +4,46 @@
   <p:sldMasterIdLst>
     <p:sldMasterId id="2147483673" r:id="rId4"/>
   </p:sldMasterIdLst>
+  <p:notesMasterIdLst>
+    <p:notesMasterId r:id="rId41"/>
+  </p:notesMasterIdLst>
   <p:sldIdLst>
     <p:sldId id="257" r:id="rId5"/>
-    <p:sldId id="262" r:id="rId6"/>
-    <p:sldId id="273" r:id="rId7"/>
-    <p:sldId id="265" r:id="rId8"/>
-    <p:sldId id="263" r:id="rId9"/>
-    <p:sldId id="274" r:id="rId10"/>
-    <p:sldId id="268" r:id="rId11"/>
-    <p:sldId id="275" r:id="rId12"/>
-    <p:sldId id="267" r:id="rId13"/>
-    <p:sldId id="266" r:id="rId14"/>
-    <p:sldId id="269" r:id="rId15"/>
-    <p:sldId id="271" r:id="rId16"/>
-    <p:sldId id="272" r:id="rId17"/>
+    <p:sldId id="279" r:id="rId6"/>
+    <p:sldId id="297" r:id="rId7"/>
+    <p:sldId id="273" r:id="rId8"/>
+    <p:sldId id="281" r:id="rId9"/>
+    <p:sldId id="282" r:id="rId10"/>
+    <p:sldId id="276" r:id="rId11"/>
+    <p:sldId id="298" r:id="rId12"/>
+    <p:sldId id="299" r:id="rId13"/>
+    <p:sldId id="277" r:id="rId14"/>
+    <p:sldId id="283" r:id="rId15"/>
+    <p:sldId id="284" r:id="rId16"/>
+    <p:sldId id="285" r:id="rId17"/>
+    <p:sldId id="286" r:id="rId18"/>
+    <p:sldId id="287" r:id="rId19"/>
+    <p:sldId id="288" r:id="rId20"/>
+    <p:sldId id="289" r:id="rId21"/>
+    <p:sldId id="290" r:id="rId22"/>
+    <p:sldId id="291" r:id="rId23"/>
+    <p:sldId id="292" r:id="rId24"/>
+    <p:sldId id="293" r:id="rId25"/>
+    <p:sldId id="294" r:id="rId26"/>
+    <p:sldId id="295" r:id="rId27"/>
+    <p:sldId id="296" r:id="rId28"/>
+    <p:sldId id="265" r:id="rId29"/>
+    <p:sldId id="263" r:id="rId30"/>
+    <p:sldId id="274" r:id="rId31"/>
+    <p:sldId id="268" r:id="rId32"/>
+    <p:sldId id="275" r:id="rId33"/>
+    <p:sldId id="267" r:id="rId34"/>
+    <p:sldId id="266" r:id="rId35"/>
+    <p:sldId id="269" r:id="rId36"/>
+    <p:sldId id="271" r:id="rId37"/>
+    <p:sldId id="272" r:id="rId38"/>
+    <p:sldId id="262" r:id="rId39"/>
+    <p:sldId id="278" r:id="rId40"/>
   </p:sldIdLst>
   <p:sldSz cx="12192000" cy="6858000"/>
   <p:notesSz cx="6858000" cy="9144000"/>
@@ -127,6 +153,7 @@
 <file path=ppt/revisionInfo.xml><?xml version="1.0" encoding="utf-8"?>
 <p1510:revInfo xmlns:a="http://schemas.openxmlformats.org/drawingml/2006/main" xmlns:r="http://schemas.openxmlformats.org/officeDocument/2006/relationships" xmlns:p1510="http://schemas.microsoft.com/office/powerpoint/2015/10/main">
   <p1510:revLst>
+    <p1510:client id="{832B5093-1020-4F03-ADE9-295C2E8D988C}" v="172" dt="2021-09-23T05:24:11.898"/>
     <p1510:client id="{D63D7899-0D9D-45FA-8C94-833CBD731201}" v="226" dt="2021-09-22T21:15:15.693"/>
   </p1510:revLst>
 </p1510:revInfo>
@@ -134,6 +161,1232 @@
 
 <file path=ppt/changesInfos/changesInfo1.xml><?xml version="1.0" encoding="utf-8"?>
 <pc:chgInfo xmlns:a="http://schemas.openxmlformats.org/drawingml/2006/main" xmlns:r="http://schemas.openxmlformats.org/officeDocument/2006/relationships" xmlns:ac="http://schemas.microsoft.com/office/drawing/2013/main/command" xmlns:pc="http://schemas.microsoft.com/office/powerpoint/2013/main/command">
+  <pc:docChgLst>
+    <pc:chgData name="Franco Hung" userId="50f19df39372ef09" providerId="LiveId" clId="{832B5093-1020-4F03-ADE9-295C2E8D988C}"/>
+    <pc:docChg chg="undo custSel addSld delSld modSld sldOrd">
+      <pc:chgData name="Franco Hung" userId="50f19df39372ef09" providerId="LiveId" clId="{832B5093-1020-4F03-ADE9-295C2E8D988C}" dt="2021-09-23T05:24:11.897" v="2483"/>
+      <pc:docMkLst>
+        <pc:docMk/>
+      </pc:docMkLst>
+      <pc:sldChg chg="modSp mod modNotesTx">
+        <pc:chgData name="Franco Hung" userId="50f19df39372ef09" providerId="LiveId" clId="{832B5093-1020-4F03-ADE9-295C2E8D988C}" dt="2021-09-23T04:38:41.583" v="1798" actId="6549"/>
+        <pc:sldMkLst>
+          <pc:docMk/>
+          <pc:sldMk cId="2584280759" sldId="257"/>
+        </pc:sldMkLst>
+        <pc:spChg chg="mod">
+          <ac:chgData name="Franco Hung" userId="50f19df39372ef09" providerId="LiveId" clId="{832B5093-1020-4F03-ADE9-295C2E8D988C}" dt="2021-09-23T03:52:20.488" v="9" actId="6549"/>
+          <ac:spMkLst>
+            <pc:docMk/>
+            <pc:sldMk cId="2584280759" sldId="257"/>
+            <ac:spMk id="2" creationId="{18C3B467-088C-4F3D-A9A7-105C4E1E20CD}"/>
+          </ac:spMkLst>
+        </pc:spChg>
+      </pc:sldChg>
+      <pc:sldChg chg="addSp delSp modSp del mod ord">
+        <pc:chgData name="Franco Hung" userId="50f19df39372ef09" providerId="LiveId" clId="{832B5093-1020-4F03-ADE9-295C2E8D988C}" dt="2021-09-23T05:24:05.047" v="2482" actId="2696"/>
+        <pc:sldMkLst>
+          <pc:docMk/>
+          <pc:sldMk cId="410048684" sldId="262"/>
+        </pc:sldMkLst>
+        <pc:spChg chg="del mod">
+          <ac:chgData name="Franco Hung" userId="50f19df39372ef09" providerId="LiveId" clId="{832B5093-1020-4F03-ADE9-295C2E8D988C}" dt="2021-09-23T03:57:22.536" v="100" actId="478"/>
+          <ac:spMkLst>
+            <pc:docMk/>
+            <pc:sldMk cId="410048684" sldId="262"/>
+            <ac:spMk id="2" creationId="{7591929A-4E77-4EC4-BC25-A02DD40EC5CA}"/>
+          </ac:spMkLst>
+        </pc:spChg>
+        <pc:spChg chg="add del mod">
+          <ac:chgData name="Franco Hung" userId="50f19df39372ef09" providerId="LiveId" clId="{832B5093-1020-4F03-ADE9-295C2E8D988C}" dt="2021-09-23T03:57:42.899" v="102" actId="478"/>
+          <ac:spMkLst>
+            <pc:docMk/>
+            <pc:sldMk cId="410048684" sldId="262"/>
+            <ac:spMk id="5" creationId="{5C68AADC-3DB5-4C82-9EC5-1CF5C78FF513}"/>
+          </ac:spMkLst>
+        </pc:spChg>
+        <pc:spChg chg="add mod">
+          <ac:chgData name="Franco Hung" userId="50f19df39372ef09" providerId="LiveId" clId="{832B5093-1020-4F03-ADE9-295C2E8D988C}" dt="2021-09-23T05:04:33.172" v="2214" actId="20577"/>
+          <ac:spMkLst>
+            <pc:docMk/>
+            <pc:sldMk cId="410048684" sldId="262"/>
+            <ac:spMk id="6" creationId="{EF5F4E01-4FF5-4D8D-94B7-937E52836F70}"/>
+          </ac:spMkLst>
+        </pc:spChg>
+      </pc:sldChg>
+      <pc:sldChg chg="add">
+        <pc:chgData name="Franco Hung" userId="50f19df39372ef09" providerId="LiveId" clId="{832B5093-1020-4F03-ADE9-295C2E8D988C}" dt="2021-09-23T05:24:11.897" v="2483"/>
+        <pc:sldMkLst>
+          <pc:docMk/>
+          <pc:sldMk cId="2817077212" sldId="262"/>
+        </pc:sldMkLst>
+      </pc:sldChg>
+      <pc:sldChg chg="ord">
+        <pc:chgData name="Franco Hung" userId="50f19df39372ef09" providerId="LiveId" clId="{832B5093-1020-4F03-ADE9-295C2E8D988C}" dt="2021-09-23T04:42:49.893" v="1814"/>
+        <pc:sldMkLst>
+          <pc:docMk/>
+          <pc:sldMk cId="2954409869" sldId="263"/>
+        </pc:sldMkLst>
+      </pc:sldChg>
+      <pc:sldChg chg="modSp mod ord">
+        <pc:chgData name="Franco Hung" userId="50f19df39372ef09" providerId="LiveId" clId="{832B5093-1020-4F03-ADE9-295C2E8D988C}" dt="2021-09-23T05:05:01.667" v="2217"/>
+        <pc:sldMkLst>
+          <pc:docMk/>
+          <pc:sldMk cId="3109107181" sldId="265"/>
+        </pc:sldMkLst>
+        <pc:spChg chg="mod">
+          <ac:chgData name="Franco Hung" userId="50f19df39372ef09" providerId="LiveId" clId="{832B5093-1020-4F03-ADE9-295C2E8D988C}" dt="2021-09-23T04:18:17.704" v="931" actId="20577"/>
+          <ac:spMkLst>
+            <pc:docMk/>
+            <pc:sldMk cId="3109107181" sldId="265"/>
+            <ac:spMk id="5" creationId="{0939216F-8277-4039-9B5E-311B83E79313}"/>
+          </ac:spMkLst>
+        </pc:spChg>
+      </pc:sldChg>
+      <pc:sldChg chg="modSp mod modNotesTx">
+        <pc:chgData name="Franco Hung" userId="50f19df39372ef09" providerId="LiveId" clId="{832B5093-1020-4F03-ADE9-295C2E8D988C}" dt="2021-09-23T04:17:02.362" v="890" actId="20577"/>
+        <pc:sldMkLst>
+          <pc:docMk/>
+          <pc:sldMk cId="2757353475" sldId="273"/>
+        </pc:sldMkLst>
+        <pc:spChg chg="mod">
+          <ac:chgData name="Franco Hung" userId="50f19df39372ef09" providerId="LiveId" clId="{832B5093-1020-4F03-ADE9-295C2E8D988C}" dt="2021-09-23T04:17:02.362" v="890" actId="20577"/>
+          <ac:spMkLst>
+            <pc:docMk/>
+            <pc:sldMk cId="2757353475" sldId="273"/>
+            <ac:spMk id="11" creationId="{1D00AAB8-024F-408F-B475-F1AF2779B0A4}"/>
+          </ac:spMkLst>
+        </pc:spChg>
+      </pc:sldChg>
+      <pc:sldChg chg="modSp new mod ord">
+        <pc:chgData name="Franco Hung" userId="50f19df39372ef09" providerId="LiveId" clId="{832B5093-1020-4F03-ADE9-295C2E8D988C}" dt="2021-09-23T05:18:56.540" v="2450"/>
+        <pc:sldMkLst>
+          <pc:docMk/>
+          <pc:sldMk cId="3154856830" sldId="276"/>
+        </pc:sldMkLst>
+        <pc:spChg chg="mod">
+          <ac:chgData name="Franco Hung" userId="50f19df39372ef09" providerId="LiveId" clId="{832B5093-1020-4F03-ADE9-295C2E8D988C}" dt="2021-09-23T03:58:16.504" v="110" actId="20577"/>
+          <ac:spMkLst>
+            <pc:docMk/>
+            <pc:sldMk cId="3154856830" sldId="276"/>
+            <ac:spMk id="2" creationId="{9BDB6C41-5248-4287-B42B-C3EAC5E82658}"/>
+          </ac:spMkLst>
+        </pc:spChg>
+        <pc:spChg chg="mod">
+          <ac:chgData name="Franco Hung" userId="50f19df39372ef09" providerId="LiveId" clId="{832B5093-1020-4F03-ADE9-295C2E8D988C}" dt="2021-09-23T05:18:56.540" v="2450"/>
+          <ac:spMkLst>
+            <pc:docMk/>
+            <pc:sldMk cId="3154856830" sldId="276"/>
+            <ac:spMk id="3" creationId="{8E1A89B5-B78D-4EEE-B5BB-E07AE435DF87}"/>
+          </ac:spMkLst>
+        </pc:spChg>
+      </pc:sldChg>
+      <pc:sldChg chg="addSp delSp modSp new mod ord">
+        <pc:chgData name="Franco Hung" userId="50f19df39372ef09" providerId="LiveId" clId="{832B5093-1020-4F03-ADE9-295C2E8D988C}" dt="2021-09-23T05:17:59.302" v="2447"/>
+        <pc:sldMkLst>
+          <pc:docMk/>
+          <pc:sldMk cId="3223906642" sldId="277"/>
+        </pc:sldMkLst>
+        <pc:spChg chg="mod">
+          <ac:chgData name="Franco Hung" userId="50f19df39372ef09" providerId="LiveId" clId="{832B5093-1020-4F03-ADE9-295C2E8D988C}" dt="2021-09-23T05:04:29.587" v="2213" actId="20577"/>
+          <ac:spMkLst>
+            <pc:docMk/>
+            <pc:sldMk cId="3223906642" sldId="277"/>
+            <ac:spMk id="2" creationId="{C9A64C64-25F2-4151-8E36-FCCF0ADF5AF0}"/>
+          </ac:spMkLst>
+        </pc:spChg>
+        <pc:spChg chg="del mod">
+          <ac:chgData name="Franco Hung" userId="50f19df39372ef09" providerId="LiveId" clId="{832B5093-1020-4F03-ADE9-295C2E8D988C}" dt="2021-09-23T03:59:17.395" v="120" actId="478"/>
+          <ac:spMkLst>
+            <pc:docMk/>
+            <pc:sldMk cId="3223906642" sldId="277"/>
+            <ac:spMk id="3" creationId="{B95E118F-66F9-454C-8A48-8D403C591FA6}"/>
+          </ac:spMkLst>
+        </pc:spChg>
+        <pc:spChg chg="add mod">
+          <ac:chgData name="Franco Hung" userId="50f19df39372ef09" providerId="LiveId" clId="{832B5093-1020-4F03-ADE9-295C2E8D988C}" dt="2021-09-23T05:04:16.368" v="2209" actId="21"/>
+          <ac:spMkLst>
+            <pc:docMk/>
+            <pc:sldMk cId="3223906642" sldId="277"/>
+            <ac:spMk id="4" creationId="{8B33DC3C-FA15-4F90-985F-117C1C53D3EE}"/>
+          </ac:spMkLst>
+        </pc:spChg>
+        <pc:spChg chg="add del mod">
+          <ac:chgData name="Franco Hung" userId="50f19df39372ef09" providerId="LiveId" clId="{832B5093-1020-4F03-ADE9-295C2E8D988C}" dt="2021-09-23T03:59:23.608" v="121" actId="478"/>
+          <ac:spMkLst>
+            <pc:docMk/>
+            <pc:sldMk cId="3223906642" sldId="277"/>
+            <ac:spMk id="6" creationId="{D11662E1-9ADA-4DB4-BA0F-D8CBEF7D1C77}"/>
+          </ac:spMkLst>
+        </pc:spChg>
+      </pc:sldChg>
+      <pc:sldChg chg="addSp delSp modSp new del mod">
+        <pc:chgData name="Franco Hung" userId="50f19df39372ef09" providerId="LiveId" clId="{832B5093-1020-4F03-ADE9-295C2E8D988C}" dt="2021-09-23T05:24:05.047" v="2482" actId="2696"/>
+        <pc:sldMkLst>
+          <pc:docMk/>
+          <pc:sldMk cId="1677750022" sldId="278"/>
+        </pc:sldMkLst>
+        <pc:spChg chg="del">
+          <ac:chgData name="Franco Hung" userId="50f19df39372ef09" providerId="LiveId" clId="{832B5093-1020-4F03-ADE9-295C2E8D988C}" dt="2021-09-23T04:01:26.891" v="204" actId="478"/>
+          <ac:spMkLst>
+            <pc:docMk/>
+            <pc:sldMk cId="1677750022" sldId="278"/>
+            <ac:spMk id="2" creationId="{02413377-7212-4B9A-B25E-11D53DBBAD45}"/>
+          </ac:spMkLst>
+        </pc:spChg>
+        <pc:spChg chg="del">
+          <ac:chgData name="Franco Hung" userId="50f19df39372ef09" providerId="LiveId" clId="{832B5093-1020-4F03-ADE9-295C2E8D988C}" dt="2021-09-23T04:01:31.903" v="205" actId="478"/>
+          <ac:spMkLst>
+            <pc:docMk/>
+            <pc:sldMk cId="1677750022" sldId="278"/>
+            <ac:spMk id="3" creationId="{BD21FCEC-016B-49D0-8432-33B2D58F43AB}"/>
+          </ac:spMkLst>
+        </pc:spChg>
+        <pc:spChg chg="add mod">
+          <ac:chgData name="Franco Hung" userId="50f19df39372ef09" providerId="LiveId" clId="{832B5093-1020-4F03-ADE9-295C2E8D988C}" dt="2021-09-23T04:01:42.051" v="206" actId="20577"/>
+          <ac:spMkLst>
+            <pc:docMk/>
+            <pc:sldMk cId="1677750022" sldId="278"/>
+            <ac:spMk id="4" creationId="{03E62CCD-F9F9-474C-94AC-071C7C8F80B3}"/>
+          </ac:spMkLst>
+        </pc:spChg>
+        <pc:spChg chg="add mod">
+          <ac:chgData name="Franco Hung" userId="50f19df39372ef09" providerId="LiveId" clId="{832B5093-1020-4F03-ADE9-295C2E8D988C}" dt="2021-09-23T05:04:44.433" v="2215" actId="20577"/>
+          <ac:spMkLst>
+            <pc:docMk/>
+            <pc:sldMk cId="1677750022" sldId="278"/>
+            <ac:spMk id="5" creationId="{CE0E0483-0432-47E1-BD1C-95450F0AAF60}"/>
+          </ac:spMkLst>
+        </pc:spChg>
+      </pc:sldChg>
+      <pc:sldChg chg="add">
+        <pc:chgData name="Franco Hung" userId="50f19df39372ef09" providerId="LiveId" clId="{832B5093-1020-4F03-ADE9-295C2E8D988C}" dt="2021-09-23T05:24:11.897" v="2483"/>
+        <pc:sldMkLst>
+          <pc:docMk/>
+          <pc:sldMk cId="3934855275" sldId="278"/>
+        </pc:sldMkLst>
+      </pc:sldChg>
+      <pc:sldChg chg="addSp delSp modSp new mod modClrScheme chgLayout">
+        <pc:chgData name="Franco Hung" userId="50f19df39372ef09" providerId="LiveId" clId="{832B5093-1020-4F03-ADE9-295C2E8D988C}" dt="2021-09-23T04:13:34.328" v="835" actId="20577"/>
+        <pc:sldMkLst>
+          <pc:docMk/>
+          <pc:sldMk cId="615609825" sldId="279"/>
+        </pc:sldMkLst>
+        <pc:spChg chg="mod">
+          <ac:chgData name="Franco Hung" userId="50f19df39372ef09" providerId="LiveId" clId="{832B5093-1020-4F03-ADE9-295C2E8D988C}" dt="2021-09-23T04:12:15.162" v="765" actId="26606"/>
+          <ac:spMkLst>
+            <pc:docMk/>
+            <pc:sldMk cId="615609825" sldId="279"/>
+            <ac:spMk id="2" creationId="{D3E2D524-66E4-4B3A-876D-42EAEA5689FB}"/>
+          </ac:spMkLst>
+        </pc:spChg>
+        <pc:spChg chg="mod">
+          <ac:chgData name="Franco Hung" userId="50f19df39372ef09" providerId="LiveId" clId="{832B5093-1020-4F03-ADE9-295C2E8D988C}" dt="2021-09-23T04:13:34.328" v="835" actId="20577"/>
+          <ac:spMkLst>
+            <pc:docMk/>
+            <pc:sldMk cId="615609825" sldId="279"/>
+            <ac:spMk id="3" creationId="{D4FC96BF-5C76-4A93-91BF-722C066473F6}"/>
+          </ac:spMkLst>
+        </pc:spChg>
+        <pc:picChg chg="add del mod">
+          <ac:chgData name="Franco Hung" userId="50f19df39372ef09" providerId="LiveId" clId="{832B5093-1020-4F03-ADE9-295C2E8D988C}" dt="2021-09-23T04:10:50.019" v="749" actId="478"/>
+          <ac:picMkLst>
+            <pc:docMk/>
+            <pc:sldMk cId="615609825" sldId="279"/>
+            <ac:picMk id="1026" creationId="{C85DE57E-6477-4055-B440-2AE4F0DD189D}"/>
+          </ac:picMkLst>
+        </pc:picChg>
+        <pc:picChg chg="add mod ord">
+          <ac:chgData name="Franco Hung" userId="50f19df39372ef09" providerId="LiveId" clId="{832B5093-1020-4F03-ADE9-295C2E8D988C}" dt="2021-09-23T04:12:15.162" v="765" actId="26606"/>
+          <ac:picMkLst>
+            <pc:docMk/>
+            <pc:sldMk cId="615609825" sldId="279"/>
+            <ac:picMk id="1028" creationId="{FA7A67E5-676B-447F-B413-91163BAD3EDA}"/>
+          </ac:picMkLst>
+        </pc:picChg>
+      </pc:sldChg>
+      <pc:sldChg chg="new del">
+        <pc:chgData name="Franco Hung" userId="50f19df39372ef09" providerId="LiveId" clId="{832B5093-1020-4F03-ADE9-295C2E8D988C}" dt="2021-09-23T04:23:33.691" v="934" actId="47"/>
+        <pc:sldMkLst>
+          <pc:docMk/>
+          <pc:sldMk cId="1648187177" sldId="280"/>
+        </pc:sldMkLst>
+      </pc:sldChg>
+      <pc:sldChg chg="addSp delSp modSp add mod">
+        <pc:chgData name="Franco Hung" userId="50f19df39372ef09" providerId="LiveId" clId="{832B5093-1020-4F03-ADE9-295C2E8D988C}" dt="2021-09-23T04:30:45.251" v="1392" actId="20577"/>
+        <pc:sldMkLst>
+          <pc:docMk/>
+          <pc:sldMk cId="381745583" sldId="281"/>
+        </pc:sldMkLst>
+        <pc:spChg chg="add mod">
+          <ac:chgData name="Franco Hung" userId="50f19df39372ef09" providerId="LiveId" clId="{832B5093-1020-4F03-ADE9-295C2E8D988C}" dt="2021-09-23T04:25:59.729" v="1063" actId="1076"/>
+          <ac:spMkLst>
+            <pc:docMk/>
+            <pc:sldMk cId="381745583" sldId="281"/>
+            <ac:spMk id="3" creationId="{8D7A46A1-71D5-4012-AA96-436115667E7E}"/>
+          </ac:spMkLst>
+        </pc:spChg>
+        <pc:spChg chg="del">
+          <ac:chgData name="Franco Hung" userId="50f19df39372ef09" providerId="LiveId" clId="{832B5093-1020-4F03-ADE9-295C2E8D988C}" dt="2021-09-23T04:24:10.337" v="935" actId="478"/>
+          <ac:spMkLst>
+            <pc:docMk/>
+            <pc:sldMk cId="381745583" sldId="281"/>
+            <ac:spMk id="5" creationId="{0939216F-8277-4039-9B5E-311B83E79313}"/>
+          </ac:spMkLst>
+        </pc:spChg>
+        <pc:spChg chg="del">
+          <ac:chgData name="Franco Hung" userId="50f19df39372ef09" providerId="LiveId" clId="{832B5093-1020-4F03-ADE9-295C2E8D988C}" dt="2021-09-23T04:24:10.337" v="935" actId="478"/>
+          <ac:spMkLst>
+            <pc:docMk/>
+            <pc:sldMk cId="381745583" sldId="281"/>
+            <ac:spMk id="9" creationId="{23329156-BAD4-42E8-91C2-27062B18E581}"/>
+          </ac:spMkLst>
+        </pc:spChg>
+        <pc:spChg chg="add mod">
+          <ac:chgData name="Franco Hung" userId="50f19df39372ef09" providerId="LiveId" clId="{832B5093-1020-4F03-ADE9-295C2E8D988C}" dt="2021-09-23T04:27:13.129" v="1068" actId="255"/>
+          <ac:spMkLst>
+            <pc:docMk/>
+            <pc:sldMk cId="381745583" sldId="281"/>
+            <ac:spMk id="19" creationId="{12999D15-0A4B-4A1B-8C30-844B1B0CBD02}"/>
+          </ac:spMkLst>
+        </pc:spChg>
+        <pc:spChg chg="add mod">
+          <ac:chgData name="Franco Hung" userId="50f19df39372ef09" providerId="LiveId" clId="{832B5093-1020-4F03-ADE9-295C2E8D988C}" dt="2021-09-23T04:27:13.129" v="1068" actId="255"/>
+          <ac:spMkLst>
+            <pc:docMk/>
+            <pc:sldMk cId="381745583" sldId="281"/>
+            <ac:spMk id="20" creationId="{230C31C5-E75C-42E3-8290-A43FA282497E}"/>
+          </ac:spMkLst>
+        </pc:spChg>
+        <pc:spChg chg="add mod">
+          <ac:chgData name="Franco Hung" userId="50f19df39372ef09" providerId="LiveId" clId="{832B5093-1020-4F03-ADE9-295C2E8D988C}" dt="2021-09-23T04:27:13.129" v="1068" actId="255"/>
+          <ac:spMkLst>
+            <pc:docMk/>
+            <pc:sldMk cId="381745583" sldId="281"/>
+            <ac:spMk id="21" creationId="{EDF285DF-A211-4EA1-9554-E627AEC3B18C}"/>
+          </ac:spMkLst>
+        </pc:spChg>
+        <pc:spChg chg="add mod">
+          <ac:chgData name="Franco Hung" userId="50f19df39372ef09" providerId="LiveId" clId="{832B5093-1020-4F03-ADE9-295C2E8D988C}" dt="2021-09-23T04:27:13.129" v="1068" actId="255"/>
+          <ac:spMkLst>
+            <pc:docMk/>
+            <pc:sldMk cId="381745583" sldId="281"/>
+            <ac:spMk id="22" creationId="{0ACFBA57-B00B-4191-B5B5-62490F8A6258}"/>
+          </ac:spMkLst>
+        </pc:spChg>
+        <pc:spChg chg="add mod">
+          <ac:chgData name="Franco Hung" userId="50f19df39372ef09" providerId="LiveId" clId="{832B5093-1020-4F03-ADE9-295C2E8D988C}" dt="2021-09-23T04:27:34.520" v="1085" actId="1037"/>
+          <ac:spMkLst>
+            <pc:docMk/>
+            <pc:sldMk cId="381745583" sldId="281"/>
+            <ac:spMk id="23" creationId="{9AA91128-A866-4956-BB1B-CA1A2B01F74F}"/>
+          </ac:spMkLst>
+        </pc:spChg>
+        <pc:spChg chg="add mod">
+          <ac:chgData name="Franco Hung" userId="50f19df39372ef09" providerId="LiveId" clId="{832B5093-1020-4F03-ADE9-295C2E8D988C}" dt="2021-09-23T04:27:34.520" v="1085" actId="1037"/>
+          <ac:spMkLst>
+            <pc:docMk/>
+            <pc:sldMk cId="381745583" sldId="281"/>
+            <ac:spMk id="24" creationId="{38CB4437-0D94-49DE-824F-EDD83486BDB8}"/>
+          </ac:spMkLst>
+        </pc:spChg>
+        <pc:spChg chg="add mod">
+          <ac:chgData name="Franco Hung" userId="50f19df39372ef09" providerId="LiveId" clId="{832B5093-1020-4F03-ADE9-295C2E8D988C}" dt="2021-09-23T04:30:45.251" v="1392" actId="20577"/>
+          <ac:spMkLst>
+            <pc:docMk/>
+            <pc:sldMk cId="381745583" sldId="281"/>
+            <ac:spMk id="25" creationId="{43AE9E28-B0AA-4397-BD95-059659E61C7A}"/>
+          </ac:spMkLst>
+        </pc:spChg>
+        <pc:picChg chg="add mod">
+          <ac:chgData name="Franco Hung" userId="50f19df39372ef09" providerId="LiveId" clId="{832B5093-1020-4F03-ADE9-295C2E8D988C}" dt="2021-09-23T04:27:26.104" v="1078" actId="1038"/>
+          <ac:picMkLst>
+            <pc:docMk/>
+            <pc:sldMk cId="381745583" sldId="281"/>
+            <ac:picMk id="10" creationId="{3AE53E47-C998-45CE-ADE1-5249A323E894}"/>
+          </ac:picMkLst>
+        </pc:picChg>
+        <pc:picChg chg="add mod">
+          <ac:chgData name="Franco Hung" userId="50f19df39372ef09" providerId="LiveId" clId="{832B5093-1020-4F03-ADE9-295C2E8D988C}" dt="2021-09-23T04:27:26.104" v="1078" actId="1038"/>
+          <ac:picMkLst>
+            <pc:docMk/>
+            <pc:sldMk cId="381745583" sldId="281"/>
+            <ac:picMk id="11" creationId="{4CC2D0F5-4A47-4589-ADEB-E1AC0055AA76}"/>
+          </ac:picMkLst>
+        </pc:picChg>
+        <pc:picChg chg="del">
+          <ac:chgData name="Franco Hung" userId="50f19df39372ef09" providerId="LiveId" clId="{832B5093-1020-4F03-ADE9-295C2E8D988C}" dt="2021-09-23T04:24:10.337" v="935" actId="478"/>
+          <ac:picMkLst>
+            <pc:docMk/>
+            <pc:sldMk cId="381745583" sldId="281"/>
+            <ac:picMk id="12" creationId="{7292FEA8-EFA0-436B-A680-0437588080D2}"/>
+          </ac:picMkLst>
+        </pc:picChg>
+        <pc:picChg chg="add mod">
+          <ac:chgData name="Franco Hung" userId="50f19df39372ef09" providerId="LiveId" clId="{832B5093-1020-4F03-ADE9-295C2E8D988C}" dt="2021-09-23T04:27:26.104" v="1078" actId="1038"/>
+          <ac:picMkLst>
+            <pc:docMk/>
+            <pc:sldMk cId="381745583" sldId="281"/>
+            <ac:picMk id="13" creationId="{10C19A11-E41B-459F-9D51-E1E3E05163EA}"/>
+          </ac:picMkLst>
+        </pc:picChg>
+        <pc:picChg chg="del">
+          <ac:chgData name="Franco Hung" userId="50f19df39372ef09" providerId="LiveId" clId="{832B5093-1020-4F03-ADE9-295C2E8D988C}" dt="2021-09-23T04:24:10.337" v="935" actId="478"/>
+          <ac:picMkLst>
+            <pc:docMk/>
+            <pc:sldMk cId="381745583" sldId="281"/>
+            <ac:picMk id="14" creationId="{7F39BA5E-C987-48A5-B744-AC60D14D6C63}"/>
+          </ac:picMkLst>
+        </pc:picChg>
+        <pc:picChg chg="add mod">
+          <ac:chgData name="Franco Hung" userId="50f19df39372ef09" providerId="LiveId" clId="{832B5093-1020-4F03-ADE9-295C2E8D988C}" dt="2021-09-23T04:27:26.104" v="1078" actId="1038"/>
+          <ac:picMkLst>
+            <pc:docMk/>
+            <pc:sldMk cId="381745583" sldId="281"/>
+            <ac:picMk id="15" creationId="{B21FBFCA-CBCD-4225-AE26-B17817B78972}"/>
+          </ac:picMkLst>
+        </pc:picChg>
+        <pc:picChg chg="del">
+          <ac:chgData name="Franco Hung" userId="50f19df39372ef09" providerId="LiveId" clId="{832B5093-1020-4F03-ADE9-295C2E8D988C}" dt="2021-09-23T04:24:10.337" v="935" actId="478"/>
+          <ac:picMkLst>
+            <pc:docMk/>
+            <pc:sldMk cId="381745583" sldId="281"/>
+            <ac:picMk id="16" creationId="{8C048E9C-66CD-41A7-9C3C-781192D80431}"/>
+          </ac:picMkLst>
+        </pc:picChg>
+        <pc:picChg chg="add mod">
+          <ac:chgData name="Franco Hung" userId="50f19df39372ef09" providerId="LiveId" clId="{832B5093-1020-4F03-ADE9-295C2E8D988C}" dt="2021-09-23T04:27:26.104" v="1078" actId="1038"/>
+          <ac:picMkLst>
+            <pc:docMk/>
+            <pc:sldMk cId="381745583" sldId="281"/>
+            <ac:picMk id="17" creationId="{748D84B1-28E1-4AB6-8CB0-7ED282F2B455}"/>
+          </ac:picMkLst>
+        </pc:picChg>
+        <pc:picChg chg="add mod">
+          <ac:chgData name="Franco Hung" userId="50f19df39372ef09" providerId="LiveId" clId="{832B5093-1020-4F03-ADE9-295C2E8D988C}" dt="2021-09-23T04:27:26.104" v="1078" actId="1038"/>
+          <ac:picMkLst>
+            <pc:docMk/>
+            <pc:sldMk cId="381745583" sldId="281"/>
+            <ac:picMk id="18" creationId="{77375F53-D94A-4A17-B819-70560E28B12F}"/>
+          </ac:picMkLst>
+        </pc:picChg>
+      </pc:sldChg>
+      <pc:sldChg chg="addSp delSp modSp new mod">
+        <pc:chgData name="Franco Hung" userId="50f19df39372ef09" providerId="LiveId" clId="{832B5093-1020-4F03-ADE9-295C2E8D988C}" dt="2021-09-23T04:41:20.475" v="1811" actId="14100"/>
+        <pc:sldMkLst>
+          <pc:docMk/>
+          <pc:sldMk cId="2692899491" sldId="282"/>
+        </pc:sldMkLst>
+        <pc:spChg chg="mod">
+          <ac:chgData name="Franco Hung" userId="50f19df39372ef09" providerId="LiveId" clId="{832B5093-1020-4F03-ADE9-295C2E8D988C}" dt="2021-09-23T04:41:20.475" v="1811" actId="14100"/>
+          <ac:spMkLst>
+            <pc:docMk/>
+            <pc:sldMk cId="2692899491" sldId="282"/>
+            <ac:spMk id="2" creationId="{92FCA26F-32DE-4CEF-BC56-6B26C7EA162A}"/>
+          </ac:spMkLst>
+        </pc:spChg>
+        <pc:spChg chg="add mod">
+          <ac:chgData name="Franco Hung" userId="50f19df39372ef09" providerId="LiveId" clId="{832B5093-1020-4F03-ADE9-295C2E8D988C}" dt="2021-09-23T04:41:12.430" v="1810" actId="1076"/>
+          <ac:spMkLst>
+            <pc:docMk/>
+            <pc:sldMk cId="2692899491" sldId="282"/>
+            <ac:spMk id="3" creationId="{37CC6B81-93BD-4849-8D9B-F72F76511BE8}"/>
+          </ac:spMkLst>
+        </pc:spChg>
+        <pc:picChg chg="add del mod">
+          <ac:chgData name="Franco Hung" userId="50f19df39372ef09" providerId="LiveId" clId="{832B5093-1020-4F03-ADE9-295C2E8D988C}" dt="2021-09-23T04:40:36.201" v="1806" actId="478"/>
+          <ac:picMkLst>
+            <pc:docMk/>
+            <pc:sldMk cId="2692899491" sldId="282"/>
+            <ac:picMk id="2050" creationId="{F96E816F-42D5-4A0A-88F2-635CD8908690}"/>
+          </ac:picMkLst>
+        </pc:picChg>
+        <pc:picChg chg="add del mod">
+          <ac:chgData name="Franco Hung" userId="50f19df39372ef09" providerId="LiveId" clId="{832B5093-1020-4F03-ADE9-295C2E8D988C}" dt="2021-09-23T04:40:59.217" v="1809" actId="14100"/>
+          <ac:picMkLst>
+            <pc:docMk/>
+            <pc:sldMk cId="2692899491" sldId="282"/>
+            <ac:picMk id="2052" creationId="{ACE9E91F-0D05-43E8-9431-DBAFF8020216}"/>
+          </ac:picMkLst>
+        </pc:picChg>
+      </pc:sldChg>
+      <pc:sldChg chg="addSp delSp modSp new mod modNotesTx">
+        <pc:chgData name="Franco Hung" userId="50f19df39372ef09" providerId="LiveId" clId="{832B5093-1020-4F03-ADE9-295C2E8D988C}" dt="2021-09-23T05:20:33.649" v="2473" actId="6549"/>
+        <pc:sldMkLst>
+          <pc:docMk/>
+          <pc:sldMk cId="1624840862" sldId="283"/>
+        </pc:sldMkLst>
+        <pc:spChg chg="mod">
+          <ac:chgData name="Franco Hung" userId="50f19df39372ef09" providerId="LiveId" clId="{832B5093-1020-4F03-ADE9-295C2E8D988C}" dt="2021-09-23T05:20:33.649" v="2473" actId="6549"/>
+          <ac:spMkLst>
+            <pc:docMk/>
+            <pc:sldMk cId="1624840862" sldId="283"/>
+            <ac:spMk id="2" creationId="{CB7E4E96-4AFC-4DA9-A8A2-D7A0CEE1DF73}"/>
+          </ac:spMkLst>
+        </pc:spChg>
+        <pc:spChg chg="del">
+          <ac:chgData name="Franco Hung" userId="50f19df39372ef09" providerId="LiveId" clId="{832B5093-1020-4F03-ADE9-295C2E8D988C}" dt="2021-09-23T04:43:35.106" v="1821"/>
+          <ac:spMkLst>
+            <pc:docMk/>
+            <pc:sldMk cId="1624840862" sldId="283"/>
+            <ac:spMk id="3" creationId="{16EA8EC3-C8ED-49CB-B839-E9C36FB64E99}"/>
+          </ac:spMkLst>
+        </pc:spChg>
+        <pc:spChg chg="mod">
+          <ac:chgData name="Franco Hung" userId="50f19df39372ef09" providerId="LiveId" clId="{832B5093-1020-4F03-ADE9-295C2E8D988C}" dt="2021-09-23T04:43:55.212" v="1829"/>
+          <ac:spMkLst>
+            <pc:docMk/>
+            <pc:sldMk cId="1624840862" sldId="283"/>
+            <ac:spMk id="4" creationId="{DF241462-1BE0-4A94-B3CC-44A210968350}"/>
+          </ac:spMkLst>
+        </pc:spChg>
+        <pc:picChg chg="add mod">
+          <ac:chgData name="Franco Hung" userId="50f19df39372ef09" providerId="LiveId" clId="{832B5093-1020-4F03-ADE9-295C2E8D988C}" dt="2021-09-23T04:45:05.772" v="1846" actId="1036"/>
+          <ac:picMkLst>
+            <pc:docMk/>
+            <pc:sldMk cId="1624840862" sldId="283"/>
+            <ac:picMk id="5" creationId="{612E4B36-8553-451B-A3AE-3EFA9ADB7EEE}"/>
+          </ac:picMkLst>
+        </pc:picChg>
+      </pc:sldChg>
+      <pc:sldChg chg="addSp delSp modSp new mod">
+        <pc:chgData name="Franco Hung" userId="50f19df39372ef09" providerId="LiveId" clId="{832B5093-1020-4F03-ADE9-295C2E8D988C}" dt="2021-09-23T04:51:36.257" v="1975" actId="20577"/>
+        <pc:sldMkLst>
+          <pc:docMk/>
+          <pc:sldMk cId="3599645948" sldId="284"/>
+        </pc:sldMkLst>
+        <pc:spChg chg="mod">
+          <ac:chgData name="Franco Hung" userId="50f19df39372ef09" providerId="LiveId" clId="{832B5093-1020-4F03-ADE9-295C2E8D988C}" dt="2021-09-23T04:47:55.716" v="1896" actId="108"/>
+          <ac:spMkLst>
+            <pc:docMk/>
+            <pc:sldMk cId="3599645948" sldId="284"/>
+            <ac:spMk id="2" creationId="{37D063F4-871C-4CD1-8A6A-AA5E0E15D0A8}"/>
+          </ac:spMkLst>
+        </pc:spChg>
+        <pc:spChg chg="del">
+          <ac:chgData name="Franco Hung" userId="50f19df39372ef09" providerId="LiveId" clId="{832B5093-1020-4F03-ADE9-295C2E8D988C}" dt="2021-09-23T04:46:57.546" v="1883"/>
+          <ac:spMkLst>
+            <pc:docMk/>
+            <pc:sldMk cId="3599645948" sldId="284"/>
+            <ac:spMk id="3" creationId="{3943E6BE-5B50-4387-AF7B-3A82FC059164}"/>
+          </ac:spMkLst>
+        </pc:spChg>
+        <pc:spChg chg="mod">
+          <ac:chgData name="Franco Hung" userId="50f19df39372ef09" providerId="LiveId" clId="{832B5093-1020-4F03-ADE9-295C2E8D988C}" dt="2021-09-23T04:51:36.257" v="1975" actId="20577"/>
+          <ac:spMkLst>
+            <pc:docMk/>
+            <pc:sldMk cId="3599645948" sldId="284"/>
+            <ac:spMk id="4" creationId="{6838ABD3-7364-4B64-A3DA-36F161C7D12F}"/>
+          </ac:spMkLst>
+        </pc:spChg>
+        <pc:picChg chg="add del mod">
+          <ac:chgData name="Franco Hung" userId="50f19df39372ef09" providerId="LiveId" clId="{832B5093-1020-4F03-ADE9-295C2E8D988C}" dt="2021-09-23T04:46:51.924" v="1882"/>
+          <ac:picMkLst>
+            <pc:docMk/>
+            <pc:sldMk cId="3599645948" sldId="284"/>
+            <ac:picMk id="5" creationId="{D2D80C8D-05FD-4F79-8AEA-271CAA7E7F25}"/>
+          </ac:picMkLst>
+        </pc:picChg>
+        <pc:picChg chg="add mod">
+          <ac:chgData name="Franco Hung" userId="50f19df39372ef09" providerId="LiveId" clId="{832B5093-1020-4F03-ADE9-295C2E8D988C}" dt="2021-09-23T04:46:57.546" v="1883"/>
+          <ac:picMkLst>
+            <pc:docMk/>
+            <pc:sldMk cId="3599645948" sldId="284"/>
+            <ac:picMk id="6" creationId="{598E635E-C712-404B-B60D-73F7A1611C9D}"/>
+          </ac:picMkLst>
+        </pc:picChg>
+      </pc:sldChg>
+      <pc:sldChg chg="addSp delSp modSp new mod">
+        <pc:chgData name="Franco Hung" userId="50f19df39372ef09" providerId="LiveId" clId="{832B5093-1020-4F03-ADE9-295C2E8D988C}" dt="2021-09-23T04:49:04.203" v="1913" actId="20577"/>
+        <pc:sldMkLst>
+          <pc:docMk/>
+          <pc:sldMk cId="3982819442" sldId="285"/>
+        </pc:sldMkLst>
+        <pc:spChg chg="mod">
+          <ac:chgData name="Franco Hung" userId="50f19df39372ef09" providerId="LiveId" clId="{832B5093-1020-4F03-ADE9-295C2E8D988C}" dt="2021-09-23T04:48:50.804" v="1910" actId="108"/>
+          <ac:spMkLst>
+            <pc:docMk/>
+            <pc:sldMk cId="3982819442" sldId="285"/>
+            <ac:spMk id="2" creationId="{89F0CBEE-7DE8-4412-A384-A60A1EF6AC31}"/>
+          </ac:spMkLst>
+        </pc:spChg>
+        <pc:spChg chg="del">
+          <ac:chgData name="Franco Hung" userId="50f19df39372ef09" providerId="LiveId" clId="{832B5093-1020-4F03-ADE9-295C2E8D988C}" dt="2021-09-23T04:48:12.262" v="1898"/>
+          <ac:spMkLst>
+            <pc:docMk/>
+            <pc:sldMk cId="3982819442" sldId="285"/>
+            <ac:spMk id="3" creationId="{5F3C470A-957F-45D9-9C3E-A3EF8D51EC1F}"/>
+          </ac:spMkLst>
+        </pc:spChg>
+        <pc:spChg chg="mod">
+          <ac:chgData name="Franco Hung" userId="50f19df39372ef09" providerId="LiveId" clId="{832B5093-1020-4F03-ADE9-295C2E8D988C}" dt="2021-09-23T04:49:04.203" v="1913" actId="20577"/>
+          <ac:spMkLst>
+            <pc:docMk/>
+            <pc:sldMk cId="3982819442" sldId="285"/>
+            <ac:spMk id="4" creationId="{F2963BD8-772A-4E84-AC4D-A5E55010C5F8}"/>
+          </ac:spMkLst>
+        </pc:spChg>
+        <pc:picChg chg="add mod">
+          <ac:chgData name="Franco Hung" userId="50f19df39372ef09" providerId="LiveId" clId="{832B5093-1020-4F03-ADE9-295C2E8D988C}" dt="2021-09-23T04:48:12.262" v="1898"/>
+          <ac:picMkLst>
+            <pc:docMk/>
+            <pc:sldMk cId="3982819442" sldId="285"/>
+            <ac:picMk id="5" creationId="{65E15771-4B87-4E4A-951E-5A2A0CD0CDBE}"/>
+          </ac:picMkLst>
+        </pc:picChg>
+      </pc:sldChg>
+      <pc:sldChg chg="addSp delSp modSp new mod">
+        <pc:chgData name="Franco Hung" userId="50f19df39372ef09" providerId="LiveId" clId="{832B5093-1020-4F03-ADE9-295C2E8D988C}" dt="2021-09-23T04:53:12.788" v="2002" actId="20577"/>
+        <pc:sldMkLst>
+          <pc:docMk/>
+          <pc:sldMk cId="2537821750" sldId="286"/>
+        </pc:sldMkLst>
+        <pc:spChg chg="mod">
+          <ac:chgData name="Franco Hung" userId="50f19df39372ef09" providerId="LiveId" clId="{832B5093-1020-4F03-ADE9-295C2E8D988C}" dt="2021-09-23T04:51:05.058" v="1972" actId="20577"/>
+          <ac:spMkLst>
+            <pc:docMk/>
+            <pc:sldMk cId="2537821750" sldId="286"/>
+            <ac:spMk id="2" creationId="{A307EA7A-9767-47F3-96F7-F418FFD779AF}"/>
+          </ac:spMkLst>
+        </pc:spChg>
+        <pc:spChg chg="del">
+          <ac:chgData name="Franco Hung" userId="50f19df39372ef09" providerId="LiveId" clId="{832B5093-1020-4F03-ADE9-295C2E8D988C}" dt="2021-09-23T04:49:17.585" v="1917"/>
+          <ac:spMkLst>
+            <pc:docMk/>
+            <pc:sldMk cId="2537821750" sldId="286"/>
+            <ac:spMk id="3" creationId="{3F704E7C-EC38-42B9-A6CF-2E266CBFE304}"/>
+          </ac:spMkLst>
+        </pc:spChg>
+        <pc:spChg chg="mod">
+          <ac:chgData name="Franco Hung" userId="50f19df39372ef09" providerId="LiveId" clId="{832B5093-1020-4F03-ADE9-295C2E8D988C}" dt="2021-09-23T04:53:12.788" v="2002" actId="20577"/>
+          <ac:spMkLst>
+            <pc:docMk/>
+            <pc:sldMk cId="2537821750" sldId="286"/>
+            <ac:spMk id="4" creationId="{A9C72457-4C7B-45E6-AFE5-AEE915BBFCFB}"/>
+          </ac:spMkLst>
+        </pc:spChg>
+        <pc:picChg chg="add del mod">
+          <ac:chgData name="Franco Hung" userId="50f19df39372ef09" providerId="LiveId" clId="{832B5093-1020-4F03-ADE9-295C2E8D988C}" dt="2021-09-23T04:49:16.388" v="1916"/>
+          <ac:picMkLst>
+            <pc:docMk/>
+            <pc:sldMk cId="2537821750" sldId="286"/>
+            <ac:picMk id="5" creationId="{7D02E09E-22D8-4E57-B24E-F690EBC59EDA}"/>
+          </ac:picMkLst>
+        </pc:picChg>
+        <pc:picChg chg="add mod">
+          <ac:chgData name="Franco Hung" userId="50f19df39372ef09" providerId="LiveId" clId="{832B5093-1020-4F03-ADE9-295C2E8D988C}" dt="2021-09-23T04:49:17.585" v="1917"/>
+          <ac:picMkLst>
+            <pc:docMk/>
+            <pc:sldMk cId="2537821750" sldId="286"/>
+            <ac:picMk id="6" creationId="{E82E2B3A-4FED-460F-9BA6-5485A32E03C5}"/>
+          </ac:picMkLst>
+        </pc:picChg>
+      </pc:sldChg>
+      <pc:sldChg chg="addSp delSp modSp new mod">
+        <pc:chgData name="Franco Hung" userId="50f19df39372ef09" providerId="LiveId" clId="{832B5093-1020-4F03-ADE9-295C2E8D988C}" dt="2021-09-23T04:52:24.081" v="1989" actId="20577"/>
+        <pc:sldMkLst>
+          <pc:docMk/>
+          <pc:sldMk cId="4269727779" sldId="287"/>
+        </pc:sldMkLst>
+        <pc:spChg chg="mod">
+          <ac:chgData name="Franco Hung" userId="50f19df39372ef09" providerId="LiveId" clId="{832B5093-1020-4F03-ADE9-295C2E8D988C}" dt="2021-09-23T04:52:24.081" v="1989" actId="20577"/>
+          <ac:spMkLst>
+            <pc:docMk/>
+            <pc:sldMk cId="4269727779" sldId="287"/>
+            <ac:spMk id="2" creationId="{E4B251DA-9632-4C20-9850-37F9386F8935}"/>
+          </ac:spMkLst>
+        </pc:spChg>
+        <pc:spChg chg="del">
+          <ac:chgData name="Franco Hung" userId="50f19df39372ef09" providerId="LiveId" clId="{832B5093-1020-4F03-ADE9-295C2E8D988C}" dt="2021-09-23T04:51:58.386" v="1977"/>
+          <ac:spMkLst>
+            <pc:docMk/>
+            <pc:sldMk cId="4269727779" sldId="287"/>
+            <ac:spMk id="3" creationId="{80AA0B55-67D5-4743-A1FE-E953ABD31DB7}"/>
+          </ac:spMkLst>
+        </pc:spChg>
+        <pc:spChg chg="mod">
+          <ac:chgData name="Franco Hung" userId="50f19df39372ef09" providerId="LiveId" clId="{832B5093-1020-4F03-ADE9-295C2E8D988C}" dt="2021-09-23T04:52:11.402" v="1986"/>
+          <ac:spMkLst>
+            <pc:docMk/>
+            <pc:sldMk cId="4269727779" sldId="287"/>
+            <ac:spMk id="4" creationId="{87ACD876-EFAC-4040-98B1-1CD4CCDB2646}"/>
+          </ac:spMkLst>
+        </pc:spChg>
+        <pc:picChg chg="add mod">
+          <ac:chgData name="Franco Hung" userId="50f19df39372ef09" providerId="LiveId" clId="{832B5093-1020-4F03-ADE9-295C2E8D988C}" dt="2021-09-23T04:51:58.386" v="1977"/>
+          <ac:picMkLst>
+            <pc:docMk/>
+            <pc:sldMk cId="4269727779" sldId="287"/>
+            <ac:picMk id="5" creationId="{0A3EB2B8-6CED-436A-A12B-5CFA6895C68C}"/>
+          </ac:picMkLst>
+        </pc:picChg>
+      </pc:sldChg>
+      <pc:sldChg chg="addSp delSp modSp new mod">
+        <pc:chgData name="Franco Hung" userId="50f19df39372ef09" providerId="LiveId" clId="{832B5093-1020-4F03-ADE9-295C2E8D988C}" dt="2021-09-23T04:54:11.992" v="2055" actId="6549"/>
+        <pc:sldMkLst>
+          <pc:docMk/>
+          <pc:sldMk cId="2019224371" sldId="288"/>
+        </pc:sldMkLst>
+        <pc:spChg chg="mod">
+          <ac:chgData name="Franco Hung" userId="50f19df39372ef09" providerId="LiveId" clId="{832B5093-1020-4F03-ADE9-295C2E8D988C}" dt="2021-09-23T04:52:59.885" v="2000" actId="108"/>
+          <ac:spMkLst>
+            <pc:docMk/>
+            <pc:sldMk cId="2019224371" sldId="288"/>
+            <ac:spMk id="2" creationId="{4D947DF1-5EB2-40C1-B713-4518F618555B}"/>
+          </ac:spMkLst>
+        </pc:spChg>
+        <pc:spChg chg="del">
+          <ac:chgData name="Franco Hung" userId="50f19df39372ef09" providerId="LiveId" clId="{832B5093-1020-4F03-ADE9-295C2E8D988C}" dt="2021-09-23T04:52:38.759" v="1991"/>
+          <ac:spMkLst>
+            <pc:docMk/>
+            <pc:sldMk cId="2019224371" sldId="288"/>
+            <ac:spMk id="3" creationId="{6F1B01E0-B0AB-4EA4-92A5-F5359C801690}"/>
+          </ac:spMkLst>
+        </pc:spChg>
+        <pc:spChg chg="mod">
+          <ac:chgData name="Franco Hung" userId="50f19df39372ef09" providerId="LiveId" clId="{832B5093-1020-4F03-ADE9-295C2E8D988C}" dt="2021-09-23T04:54:11.992" v="2055" actId="6549"/>
+          <ac:spMkLst>
+            <pc:docMk/>
+            <pc:sldMk cId="2019224371" sldId="288"/>
+            <ac:spMk id="4" creationId="{C38FD47B-C486-4229-9D3C-A68983F84E6A}"/>
+          </ac:spMkLst>
+        </pc:spChg>
+        <pc:picChg chg="add mod">
+          <ac:chgData name="Franco Hung" userId="50f19df39372ef09" providerId="LiveId" clId="{832B5093-1020-4F03-ADE9-295C2E8D988C}" dt="2021-09-23T04:52:38.759" v="1991"/>
+          <ac:picMkLst>
+            <pc:docMk/>
+            <pc:sldMk cId="2019224371" sldId="288"/>
+            <ac:picMk id="5" creationId="{690A0535-A1CE-4182-A9CF-F99DEF391CF7}"/>
+          </ac:picMkLst>
+        </pc:picChg>
+      </pc:sldChg>
+      <pc:sldChg chg="addSp delSp modSp new mod">
+        <pc:chgData name="Franco Hung" userId="50f19df39372ef09" providerId="LiveId" clId="{832B5093-1020-4F03-ADE9-295C2E8D988C}" dt="2021-09-23T04:58:42.867" v="2142" actId="6549"/>
+        <pc:sldMkLst>
+          <pc:docMk/>
+          <pc:sldMk cId="3788460989" sldId="289"/>
+        </pc:sldMkLst>
+        <pc:spChg chg="mod">
+          <ac:chgData name="Franco Hung" userId="50f19df39372ef09" providerId="LiveId" clId="{832B5093-1020-4F03-ADE9-295C2E8D988C}" dt="2021-09-23T04:58:42.867" v="2142" actId="6549"/>
+          <ac:spMkLst>
+            <pc:docMk/>
+            <pc:sldMk cId="3788460989" sldId="289"/>
+            <ac:spMk id="2" creationId="{BBCED276-13BF-4D94-9FE6-CC1DABDF8DB4}"/>
+          </ac:spMkLst>
+        </pc:spChg>
+        <pc:spChg chg="del">
+          <ac:chgData name="Franco Hung" userId="50f19df39372ef09" providerId="LiveId" clId="{832B5093-1020-4F03-ADE9-295C2E8D988C}" dt="2021-09-23T04:54:26.139" v="2057"/>
+          <ac:spMkLst>
+            <pc:docMk/>
+            <pc:sldMk cId="3788460989" sldId="289"/>
+            <ac:spMk id="3" creationId="{CFDAE86E-F203-4D10-902E-53C271D6FAC2}"/>
+          </ac:spMkLst>
+        </pc:spChg>
+        <pc:spChg chg="mod">
+          <ac:chgData name="Franco Hung" userId="50f19df39372ef09" providerId="LiveId" clId="{832B5093-1020-4F03-ADE9-295C2E8D988C}" dt="2021-09-23T04:54:39.780" v="2066"/>
+          <ac:spMkLst>
+            <pc:docMk/>
+            <pc:sldMk cId="3788460989" sldId="289"/>
+            <ac:spMk id="4" creationId="{567EEE8E-7995-43E4-9E87-E9D1DFBCEFF9}"/>
+          </ac:spMkLst>
+        </pc:spChg>
+        <pc:picChg chg="add mod">
+          <ac:chgData name="Franco Hung" userId="50f19df39372ef09" providerId="LiveId" clId="{832B5093-1020-4F03-ADE9-295C2E8D988C}" dt="2021-09-23T04:54:26.139" v="2057"/>
+          <ac:picMkLst>
+            <pc:docMk/>
+            <pc:sldMk cId="3788460989" sldId="289"/>
+            <ac:picMk id="5" creationId="{FC98E822-EB7B-499D-8F14-4395E18661E7}"/>
+          </ac:picMkLst>
+        </pc:picChg>
+      </pc:sldChg>
+      <pc:sldChg chg="addSp delSp modSp new mod">
+        <pc:chgData name="Franco Hung" userId="50f19df39372ef09" providerId="LiveId" clId="{832B5093-1020-4F03-ADE9-295C2E8D988C}" dt="2021-09-23T04:57:02.815" v="2105" actId="20577"/>
+        <pc:sldMkLst>
+          <pc:docMk/>
+          <pc:sldMk cId="3301605028" sldId="290"/>
+        </pc:sldMkLst>
+        <pc:spChg chg="mod">
+          <ac:chgData name="Franco Hung" userId="50f19df39372ef09" providerId="LiveId" clId="{832B5093-1020-4F03-ADE9-295C2E8D988C}" dt="2021-09-23T04:57:02.815" v="2105" actId="20577"/>
+          <ac:spMkLst>
+            <pc:docMk/>
+            <pc:sldMk cId="3301605028" sldId="290"/>
+            <ac:spMk id="2" creationId="{53334FBE-80A3-49F1-B492-F27F1D19BF69}"/>
+          </ac:spMkLst>
+        </pc:spChg>
+        <pc:spChg chg="del">
+          <ac:chgData name="Franco Hung" userId="50f19df39372ef09" providerId="LiveId" clId="{832B5093-1020-4F03-ADE9-295C2E8D988C}" dt="2021-09-23T04:55:54.943" v="2069"/>
+          <ac:spMkLst>
+            <pc:docMk/>
+            <pc:sldMk cId="3301605028" sldId="290"/>
+            <ac:spMk id="3" creationId="{3292D560-BB00-4C3A-9102-721C75D6D2DA}"/>
+          </ac:spMkLst>
+        </pc:spChg>
+        <pc:spChg chg="mod">
+          <ac:chgData name="Franco Hung" userId="50f19df39372ef09" providerId="LiveId" clId="{832B5093-1020-4F03-ADE9-295C2E8D988C}" dt="2021-09-23T04:56:46.627" v="2104" actId="6549"/>
+          <ac:spMkLst>
+            <pc:docMk/>
+            <pc:sldMk cId="3301605028" sldId="290"/>
+            <ac:spMk id="4" creationId="{F629E522-6D7D-44E0-97EF-38B872A06CDD}"/>
+          </ac:spMkLst>
+        </pc:spChg>
+        <pc:picChg chg="add mod">
+          <ac:chgData name="Franco Hung" userId="50f19df39372ef09" providerId="LiveId" clId="{832B5093-1020-4F03-ADE9-295C2E8D988C}" dt="2021-09-23T04:55:54.943" v="2069"/>
+          <ac:picMkLst>
+            <pc:docMk/>
+            <pc:sldMk cId="3301605028" sldId="290"/>
+            <ac:picMk id="5" creationId="{E432E804-98FC-4336-ABEB-E572F688B862}"/>
+          </ac:picMkLst>
+        </pc:picChg>
+      </pc:sldChg>
+      <pc:sldChg chg="addSp delSp modSp new mod">
+        <pc:chgData name="Franco Hung" userId="50f19df39372ef09" providerId="LiveId" clId="{832B5093-1020-4F03-ADE9-295C2E8D988C}" dt="2021-09-23T04:58:34.404" v="2141" actId="27636"/>
+        <pc:sldMkLst>
+          <pc:docMk/>
+          <pc:sldMk cId="3284554259" sldId="291"/>
+        </pc:sldMkLst>
+        <pc:spChg chg="mod">
+          <ac:chgData name="Franco Hung" userId="50f19df39372ef09" providerId="LiveId" clId="{832B5093-1020-4F03-ADE9-295C2E8D988C}" dt="2021-09-23T04:58:34.404" v="2141" actId="27636"/>
+          <ac:spMkLst>
+            <pc:docMk/>
+            <pc:sldMk cId="3284554259" sldId="291"/>
+            <ac:spMk id="2" creationId="{86F08C13-24E1-48A7-85AE-1CB1DA34FF1E}"/>
+          </ac:spMkLst>
+        </pc:spChg>
+        <pc:spChg chg="del">
+          <ac:chgData name="Franco Hung" userId="50f19df39372ef09" providerId="LiveId" clId="{832B5093-1020-4F03-ADE9-295C2E8D988C}" dt="2021-09-23T04:57:17.931" v="2107"/>
+          <ac:spMkLst>
+            <pc:docMk/>
+            <pc:sldMk cId="3284554259" sldId="291"/>
+            <ac:spMk id="3" creationId="{D320A9DE-CAB1-48E2-92FC-52FA784CCB05}"/>
+          </ac:spMkLst>
+        </pc:spChg>
+        <pc:spChg chg="mod">
+          <ac:chgData name="Franco Hung" userId="50f19df39372ef09" providerId="LiveId" clId="{832B5093-1020-4F03-ADE9-295C2E8D988C}" dt="2021-09-23T04:57:29.428" v="2116"/>
+          <ac:spMkLst>
+            <pc:docMk/>
+            <pc:sldMk cId="3284554259" sldId="291"/>
+            <ac:spMk id="4" creationId="{1A1DCBC6-7520-4CBC-A959-DDBBD137E92A}"/>
+          </ac:spMkLst>
+        </pc:spChg>
+        <pc:picChg chg="add mod">
+          <ac:chgData name="Franco Hung" userId="50f19df39372ef09" providerId="LiveId" clId="{832B5093-1020-4F03-ADE9-295C2E8D988C}" dt="2021-09-23T04:57:17.931" v="2107"/>
+          <ac:picMkLst>
+            <pc:docMk/>
+            <pc:sldMk cId="3284554259" sldId="291"/>
+            <ac:picMk id="5" creationId="{8259E869-CEF4-4D9F-B873-FB2FB53B08FB}"/>
+          </ac:picMkLst>
+        </pc:picChg>
+      </pc:sldChg>
+      <pc:sldChg chg="addSp delSp modSp new mod">
+        <pc:chgData name="Franco Hung" userId="50f19df39372ef09" providerId="LiveId" clId="{832B5093-1020-4F03-ADE9-295C2E8D988C}" dt="2021-09-23T05:00:25.138" v="2175" actId="20577"/>
+        <pc:sldMkLst>
+          <pc:docMk/>
+          <pc:sldMk cId="3077988739" sldId="292"/>
+        </pc:sldMkLst>
+        <pc:spChg chg="mod">
+          <ac:chgData name="Franco Hung" userId="50f19df39372ef09" providerId="LiveId" clId="{832B5093-1020-4F03-ADE9-295C2E8D988C}" dt="2021-09-23T04:58:25.112" v="2138" actId="20577"/>
+          <ac:spMkLst>
+            <pc:docMk/>
+            <pc:sldMk cId="3077988739" sldId="292"/>
+            <ac:spMk id="2" creationId="{5144EDDA-AF52-4FD3-89B0-0F7E6BDC8C52}"/>
+          </ac:spMkLst>
+        </pc:spChg>
+        <pc:spChg chg="del">
+          <ac:chgData name="Franco Hung" userId="50f19df39372ef09" providerId="LiveId" clId="{832B5093-1020-4F03-ADE9-295C2E8D988C}" dt="2021-09-23T04:57:51.678" v="2122"/>
+          <ac:spMkLst>
+            <pc:docMk/>
+            <pc:sldMk cId="3077988739" sldId="292"/>
+            <ac:spMk id="3" creationId="{5B08D42D-E4F5-4A8B-A903-A265B82D5098}"/>
+          </ac:spMkLst>
+        </pc:spChg>
+        <pc:spChg chg="mod">
+          <ac:chgData name="Franco Hung" userId="50f19df39372ef09" providerId="LiveId" clId="{832B5093-1020-4F03-ADE9-295C2E8D988C}" dt="2021-09-23T05:00:25.138" v="2175" actId="20577"/>
+          <ac:spMkLst>
+            <pc:docMk/>
+            <pc:sldMk cId="3077988739" sldId="292"/>
+            <ac:spMk id="4" creationId="{77BD29D6-47D4-4782-B863-27F919F8A07D}"/>
+          </ac:spMkLst>
+        </pc:spChg>
+        <pc:picChg chg="add mod">
+          <ac:chgData name="Franco Hung" userId="50f19df39372ef09" providerId="LiveId" clId="{832B5093-1020-4F03-ADE9-295C2E8D988C}" dt="2021-09-23T04:57:51.678" v="2122"/>
+          <ac:picMkLst>
+            <pc:docMk/>
+            <pc:sldMk cId="3077988739" sldId="292"/>
+            <ac:picMk id="5" creationId="{38856E8E-7B45-4521-A504-6CE6B4B3FF8C}"/>
+          </ac:picMkLst>
+        </pc:picChg>
+      </pc:sldChg>
+      <pc:sldChg chg="addSp delSp modSp new mod">
+        <pc:chgData name="Franco Hung" userId="50f19df39372ef09" providerId="LiveId" clId="{832B5093-1020-4F03-ADE9-295C2E8D988C}" dt="2021-09-23T04:59:48.975" v="2157" actId="20577"/>
+        <pc:sldMkLst>
+          <pc:docMk/>
+          <pc:sldMk cId="2220479178" sldId="293"/>
+        </pc:sldMkLst>
+        <pc:spChg chg="mod">
+          <ac:chgData name="Franco Hung" userId="50f19df39372ef09" providerId="LiveId" clId="{832B5093-1020-4F03-ADE9-295C2E8D988C}" dt="2021-09-23T04:59:28.247" v="2156" actId="20577"/>
+          <ac:spMkLst>
+            <pc:docMk/>
+            <pc:sldMk cId="2220479178" sldId="293"/>
+            <ac:spMk id="2" creationId="{4C72A642-930A-44FA-8F8F-72158C4DFD88}"/>
+          </ac:spMkLst>
+        </pc:spChg>
+        <pc:spChg chg="del">
+          <ac:chgData name="Franco Hung" userId="50f19df39372ef09" providerId="LiveId" clId="{832B5093-1020-4F03-ADE9-295C2E8D988C}" dt="2021-09-23T04:58:57.974" v="2144"/>
+          <ac:spMkLst>
+            <pc:docMk/>
+            <pc:sldMk cId="2220479178" sldId="293"/>
+            <ac:spMk id="3" creationId="{E8764CA6-7852-48AD-8A62-557840B21825}"/>
+          </ac:spMkLst>
+        </pc:spChg>
+        <pc:spChg chg="mod">
+          <ac:chgData name="Franco Hung" userId="50f19df39372ef09" providerId="LiveId" clId="{832B5093-1020-4F03-ADE9-295C2E8D988C}" dt="2021-09-23T04:59:48.975" v="2157" actId="20577"/>
+          <ac:spMkLst>
+            <pc:docMk/>
+            <pc:sldMk cId="2220479178" sldId="293"/>
+            <ac:spMk id="4" creationId="{CF8CB348-C46C-4C6E-8698-C26ECDA0E574}"/>
+          </ac:spMkLst>
+        </pc:spChg>
+        <pc:picChg chg="add mod">
+          <ac:chgData name="Franco Hung" userId="50f19df39372ef09" providerId="LiveId" clId="{832B5093-1020-4F03-ADE9-295C2E8D988C}" dt="2021-09-23T04:58:57.974" v="2144"/>
+          <ac:picMkLst>
+            <pc:docMk/>
+            <pc:sldMk cId="2220479178" sldId="293"/>
+            <ac:picMk id="5" creationId="{F65BD5B6-4DEB-4971-A8D3-989584228696}"/>
+          </ac:picMkLst>
+        </pc:picChg>
+      </pc:sldChg>
+      <pc:sldChg chg="addSp delSp modSp new mod">
+        <pc:chgData name="Franco Hung" userId="50f19df39372ef09" providerId="LiveId" clId="{832B5093-1020-4F03-ADE9-295C2E8D988C}" dt="2021-09-23T05:01:10.811" v="2180" actId="27636"/>
+        <pc:sldMkLst>
+          <pc:docMk/>
+          <pc:sldMk cId="1159778972" sldId="294"/>
+        </pc:sldMkLst>
+        <pc:spChg chg="mod">
+          <ac:chgData name="Franco Hung" userId="50f19df39372ef09" providerId="LiveId" clId="{832B5093-1020-4F03-ADE9-295C2E8D988C}" dt="2021-09-23T05:01:10.811" v="2180" actId="27636"/>
+          <ac:spMkLst>
+            <pc:docMk/>
+            <pc:sldMk cId="1159778972" sldId="294"/>
+            <ac:spMk id="2" creationId="{545D6934-4024-49C0-9DC4-4EA75AACCBD1}"/>
+          </ac:spMkLst>
+        </pc:spChg>
+        <pc:spChg chg="del">
+          <ac:chgData name="Franco Hung" userId="50f19df39372ef09" providerId="LiveId" clId="{832B5093-1020-4F03-ADE9-295C2E8D988C}" dt="2021-09-23T04:59:52.693" v="2159"/>
+          <ac:spMkLst>
+            <pc:docMk/>
+            <pc:sldMk cId="1159778972" sldId="294"/>
+            <ac:spMk id="3" creationId="{E889F2E1-2EA1-41EF-8041-C83AABB246F5}"/>
+          </ac:spMkLst>
+        </pc:spChg>
+        <pc:spChg chg="mod">
+          <ac:chgData name="Franco Hung" userId="50f19df39372ef09" providerId="LiveId" clId="{832B5093-1020-4F03-ADE9-295C2E8D988C}" dt="2021-09-23T05:00:40.349" v="2176" actId="108"/>
+          <ac:spMkLst>
+            <pc:docMk/>
+            <pc:sldMk cId="1159778972" sldId="294"/>
+            <ac:spMk id="4" creationId="{E5012FCB-15EC-4316-BAEF-8737E85FFCD9}"/>
+          </ac:spMkLst>
+        </pc:spChg>
+        <pc:picChg chg="add mod">
+          <ac:chgData name="Franco Hung" userId="50f19df39372ef09" providerId="LiveId" clId="{832B5093-1020-4F03-ADE9-295C2E8D988C}" dt="2021-09-23T04:59:52.693" v="2159"/>
+          <ac:picMkLst>
+            <pc:docMk/>
+            <pc:sldMk cId="1159778972" sldId="294"/>
+            <ac:picMk id="5" creationId="{A776FC7D-B6F2-415F-9336-446F359D8160}"/>
+          </ac:picMkLst>
+        </pc:picChg>
+      </pc:sldChg>
+      <pc:sldChg chg="addSp delSp modSp new mod">
+        <pc:chgData name="Franco Hung" userId="50f19df39372ef09" providerId="LiveId" clId="{832B5093-1020-4F03-ADE9-295C2E8D988C}" dt="2021-09-23T05:02:44.363" v="2197" actId="27636"/>
+        <pc:sldMkLst>
+          <pc:docMk/>
+          <pc:sldMk cId="3646647884" sldId="295"/>
+        </pc:sldMkLst>
+        <pc:spChg chg="mod">
+          <ac:chgData name="Franco Hung" userId="50f19df39372ef09" providerId="LiveId" clId="{832B5093-1020-4F03-ADE9-295C2E8D988C}" dt="2021-09-23T05:02:44.363" v="2197" actId="27636"/>
+          <ac:spMkLst>
+            <pc:docMk/>
+            <pc:sldMk cId="3646647884" sldId="295"/>
+            <ac:spMk id="2" creationId="{F4141B15-682D-40E8-832A-6A140132BAEA}"/>
+          </ac:spMkLst>
+        </pc:spChg>
+        <pc:spChg chg="del">
+          <ac:chgData name="Franco Hung" userId="50f19df39372ef09" providerId="LiveId" clId="{832B5093-1020-4F03-ADE9-295C2E8D988C}" dt="2021-09-23T05:01:38.653" v="2182"/>
+          <ac:spMkLst>
+            <pc:docMk/>
+            <pc:sldMk cId="3646647884" sldId="295"/>
+            <ac:spMk id="3" creationId="{3BEFF288-23B8-48D8-A9D5-DA5ECF9361EA}"/>
+          </ac:spMkLst>
+        </pc:spChg>
+        <pc:spChg chg="mod">
+          <ac:chgData name="Franco Hung" userId="50f19df39372ef09" providerId="LiveId" clId="{832B5093-1020-4F03-ADE9-295C2E8D988C}" dt="2021-09-23T05:01:52.220" v="2190"/>
+          <ac:spMkLst>
+            <pc:docMk/>
+            <pc:sldMk cId="3646647884" sldId="295"/>
+            <ac:spMk id="4" creationId="{FC64C914-4086-4A0E-9055-9286370E9DAD}"/>
+          </ac:spMkLst>
+        </pc:spChg>
+        <pc:picChg chg="add mod">
+          <ac:chgData name="Franco Hung" userId="50f19df39372ef09" providerId="LiveId" clId="{832B5093-1020-4F03-ADE9-295C2E8D988C}" dt="2021-09-23T05:01:38.653" v="2182"/>
+          <ac:picMkLst>
+            <pc:docMk/>
+            <pc:sldMk cId="3646647884" sldId="295"/>
+            <ac:picMk id="5" creationId="{44D576D2-518C-4F23-BD79-DBD3E4530FD8}"/>
+          </ac:picMkLst>
+        </pc:picChg>
+      </pc:sldChg>
+      <pc:sldChg chg="delSp modSp new mod">
+        <pc:chgData name="Franco Hung" userId="50f19df39372ef09" providerId="LiveId" clId="{832B5093-1020-4F03-ADE9-295C2E8D988C}" dt="2021-09-23T05:07:14.745" v="2327" actId="20577"/>
+        <pc:sldMkLst>
+          <pc:docMk/>
+          <pc:sldMk cId="705019105" sldId="296"/>
+        </pc:sldMkLst>
+        <pc:spChg chg="mod">
+          <ac:chgData name="Franco Hung" userId="50f19df39372ef09" providerId="LiveId" clId="{832B5093-1020-4F03-ADE9-295C2E8D988C}" dt="2021-09-23T05:03:40.246" v="2203" actId="20577"/>
+          <ac:spMkLst>
+            <pc:docMk/>
+            <pc:sldMk cId="705019105" sldId="296"/>
+            <ac:spMk id="2" creationId="{B80C9307-D21F-478C-A752-053E023C171C}"/>
+          </ac:spMkLst>
+        </pc:spChg>
+        <pc:spChg chg="mod">
+          <ac:chgData name="Franco Hung" userId="50f19df39372ef09" providerId="LiveId" clId="{832B5093-1020-4F03-ADE9-295C2E8D988C}" dt="2021-09-23T05:07:14.745" v="2327" actId="20577"/>
+          <ac:spMkLst>
+            <pc:docMk/>
+            <pc:sldMk cId="705019105" sldId="296"/>
+            <ac:spMk id="3" creationId="{633BEC18-A7AB-4682-9568-A45ABF0B12B8}"/>
+          </ac:spMkLst>
+        </pc:spChg>
+        <pc:spChg chg="del mod">
+          <ac:chgData name="Franco Hung" userId="50f19df39372ef09" providerId="LiveId" clId="{832B5093-1020-4F03-ADE9-295C2E8D988C}" dt="2021-09-23T05:05:41.456" v="2234" actId="478"/>
+          <ac:spMkLst>
+            <pc:docMk/>
+            <pc:sldMk cId="705019105" sldId="296"/>
+            <ac:spMk id="4" creationId="{49BF0094-5DD5-4524-A9AA-8C9DA8B81280}"/>
+          </ac:spMkLst>
+        </pc:spChg>
+      </pc:sldChg>
+      <pc:sldChg chg="addSp delSp modSp new mod modClrScheme chgLayout">
+        <pc:chgData name="Franco Hung" userId="50f19df39372ef09" providerId="LiveId" clId="{832B5093-1020-4F03-ADE9-295C2E8D988C}" dt="2021-09-23T05:16:15.097" v="2443" actId="20577"/>
+        <pc:sldMkLst>
+          <pc:docMk/>
+          <pc:sldMk cId="278247034" sldId="297"/>
+        </pc:sldMkLst>
+        <pc:spChg chg="del">
+          <ac:chgData name="Franco Hung" userId="50f19df39372ef09" providerId="LiveId" clId="{832B5093-1020-4F03-ADE9-295C2E8D988C}" dt="2021-09-23T05:10:08.416" v="2329" actId="478"/>
+          <ac:spMkLst>
+            <pc:docMk/>
+            <pc:sldMk cId="278247034" sldId="297"/>
+            <ac:spMk id="2" creationId="{51A1349F-A5D9-4992-8999-A78BF9C10910}"/>
+          </ac:spMkLst>
+        </pc:spChg>
+        <pc:spChg chg="add del">
+          <ac:chgData name="Franco Hung" userId="50f19df39372ef09" providerId="LiveId" clId="{832B5093-1020-4F03-ADE9-295C2E8D988C}" dt="2021-09-23T05:11:20.679" v="2342" actId="26606"/>
+          <ac:spMkLst>
+            <pc:docMk/>
+            <pc:sldMk cId="278247034" sldId="297"/>
+            <ac:spMk id="3" creationId="{438A2152-897D-4D6E-824F-F3D5E5B359D8}"/>
+          </ac:spMkLst>
+        </pc:spChg>
+        <pc:spChg chg="add del">
+          <ac:chgData name="Franco Hung" userId="50f19df39372ef09" providerId="LiveId" clId="{832B5093-1020-4F03-ADE9-295C2E8D988C}" dt="2021-09-23T05:11:20.679" v="2342" actId="26606"/>
+          <ac:spMkLst>
+            <pc:docMk/>
+            <pc:sldMk cId="278247034" sldId="297"/>
+            <ac:spMk id="4" creationId="{CBDFC5FD-6BCE-4596-B332-4A7FE01D7001}"/>
+          </ac:spMkLst>
+        </pc:spChg>
+        <pc:spChg chg="add del mod">
+          <ac:chgData name="Franco Hung" userId="50f19df39372ef09" providerId="LiveId" clId="{832B5093-1020-4F03-ADE9-295C2E8D988C}" dt="2021-09-23T05:11:18.797" v="2337" actId="26606"/>
+          <ac:spMkLst>
+            <pc:docMk/>
+            <pc:sldMk cId="278247034" sldId="297"/>
+            <ac:spMk id="73" creationId="{902A8DC2-4192-4E2E-AB73-090943B950D7}"/>
+          </ac:spMkLst>
+        </pc:spChg>
+        <pc:spChg chg="add del mod">
+          <ac:chgData name="Franco Hung" userId="50f19df39372ef09" providerId="LiveId" clId="{832B5093-1020-4F03-ADE9-295C2E8D988C}" dt="2021-09-23T05:11:18.797" v="2337" actId="26606"/>
+          <ac:spMkLst>
+            <pc:docMk/>
+            <pc:sldMk cId="278247034" sldId="297"/>
+            <ac:spMk id="75" creationId="{D5978B58-BE68-48DB-9E4A-520FA584289B}"/>
+          </ac:spMkLst>
+        </pc:spChg>
+        <pc:spChg chg="add del">
+          <ac:chgData name="Franco Hung" userId="50f19df39372ef09" providerId="LiveId" clId="{832B5093-1020-4F03-ADE9-295C2E8D988C}" dt="2021-09-23T05:11:19.835" v="2339" actId="26606"/>
+          <ac:spMkLst>
+            <pc:docMk/>
+            <pc:sldMk cId="278247034" sldId="297"/>
+            <ac:spMk id="3078" creationId="{FFCE371A-442A-46BE-BF7D-26AE1D7B7494}"/>
+          </ac:spMkLst>
+        </pc:spChg>
+        <pc:spChg chg="add del">
+          <ac:chgData name="Franco Hung" userId="50f19df39372ef09" providerId="LiveId" clId="{832B5093-1020-4F03-ADE9-295C2E8D988C}" dt="2021-09-23T05:11:19.835" v="2339" actId="26606"/>
+          <ac:spMkLst>
+            <pc:docMk/>
+            <pc:sldMk cId="278247034" sldId="297"/>
+            <ac:spMk id="3079" creationId="{773D5016-B7A3-4356-8BC3-570CFC6F7C93}"/>
+          </ac:spMkLst>
+        </pc:spChg>
+        <pc:spChg chg="add del mod">
+          <ac:chgData name="Franco Hung" userId="50f19df39372ef09" providerId="LiveId" clId="{832B5093-1020-4F03-ADE9-295C2E8D988C}" dt="2021-09-23T05:11:20.677" v="2341" actId="26606"/>
+          <ac:spMkLst>
+            <pc:docMk/>
+            <pc:sldMk cId="278247034" sldId="297"/>
+            <ac:spMk id="3081" creationId="{902A8DC2-4192-4E2E-AB73-090943B950D7}"/>
+          </ac:spMkLst>
+        </pc:spChg>
+        <pc:spChg chg="add del mod">
+          <ac:chgData name="Franco Hung" userId="50f19df39372ef09" providerId="LiveId" clId="{832B5093-1020-4F03-ADE9-295C2E8D988C}" dt="2021-09-23T05:11:20.677" v="2341" actId="26606"/>
+          <ac:spMkLst>
+            <pc:docMk/>
+            <pc:sldMk cId="278247034" sldId="297"/>
+            <ac:spMk id="3082" creationId="{D5978B58-BE68-48DB-9E4A-520FA584289B}"/>
+          </ac:spMkLst>
+        </pc:spChg>
+        <pc:spChg chg="add mod">
+          <ac:chgData name="Franco Hung" userId="50f19df39372ef09" providerId="LiveId" clId="{832B5093-1020-4F03-ADE9-295C2E8D988C}" dt="2021-09-23T05:15:44.471" v="2413" actId="255"/>
+          <ac:spMkLst>
+            <pc:docMk/>
+            <pc:sldMk cId="278247034" sldId="297"/>
+            <ac:spMk id="3084" creationId="{FFCE371A-442A-46BE-BF7D-26AE1D7B7494}"/>
+          </ac:spMkLst>
+        </pc:spChg>
+        <pc:spChg chg="add mod">
+          <ac:chgData name="Franco Hung" userId="50f19df39372ef09" providerId="LiveId" clId="{832B5093-1020-4F03-ADE9-295C2E8D988C}" dt="2021-09-23T05:16:15.097" v="2443" actId="20577"/>
+          <ac:spMkLst>
+            <pc:docMk/>
+            <pc:sldMk cId="278247034" sldId="297"/>
+            <ac:spMk id="3085" creationId="{773D5016-B7A3-4356-8BC3-570CFC6F7C93}"/>
+          </ac:spMkLst>
+        </pc:spChg>
+        <pc:picChg chg="add mod">
+          <ac:chgData name="Franco Hung" userId="50f19df39372ef09" providerId="LiveId" clId="{832B5093-1020-4F03-ADE9-295C2E8D988C}" dt="2021-09-23T05:15:20.704" v="2403" actId="732"/>
+          <ac:picMkLst>
+            <pc:docMk/>
+            <pc:sldMk cId="278247034" sldId="297"/>
+            <ac:picMk id="5" creationId="{01FF4A68-F660-49F4-B1B1-6060D3831BD5}"/>
+          </ac:picMkLst>
+        </pc:picChg>
+        <pc:picChg chg="add del mod">
+          <ac:chgData name="Franco Hung" userId="50f19df39372ef09" providerId="LiveId" clId="{832B5093-1020-4F03-ADE9-295C2E8D988C}" dt="2021-09-23T05:10:20.790" v="2331" actId="478"/>
+          <ac:picMkLst>
+            <pc:docMk/>
+            <pc:sldMk cId="278247034" sldId="297"/>
+            <ac:picMk id="3074" creationId="{C66D4545-C086-4124-B38D-657A413E82C1}"/>
+          </ac:picMkLst>
+        </pc:picChg>
+        <pc:picChg chg="add del mod">
+          <ac:chgData name="Franco Hung" userId="50f19df39372ef09" providerId="LiveId" clId="{832B5093-1020-4F03-ADE9-295C2E8D988C}" dt="2021-09-23T05:14:35.615" v="2398" actId="478"/>
+          <ac:picMkLst>
+            <pc:docMk/>
+            <pc:sldMk cId="278247034" sldId="297"/>
+            <ac:picMk id="3076" creationId="{B9E4CF7D-B778-4A65-A776-A690A35797FE}"/>
+          </ac:picMkLst>
+        </pc:picChg>
+      </pc:sldChg>
+      <pc:sldChg chg="addSp delSp modSp new mod ord">
+        <pc:chgData name="Franco Hung" userId="50f19df39372ef09" providerId="LiveId" clId="{832B5093-1020-4F03-ADE9-295C2E8D988C}" dt="2021-09-23T05:20:41.410" v="2475" actId="27636"/>
+        <pc:sldMkLst>
+          <pc:docMk/>
+          <pc:sldMk cId="1591721182" sldId="298"/>
+        </pc:sldMkLst>
+        <pc:spChg chg="mod">
+          <ac:chgData name="Franco Hung" userId="50f19df39372ef09" providerId="LiveId" clId="{832B5093-1020-4F03-ADE9-295C2E8D988C}" dt="2021-09-23T05:20:41.410" v="2475" actId="27636"/>
+          <ac:spMkLst>
+            <pc:docMk/>
+            <pc:sldMk cId="1591721182" sldId="298"/>
+            <ac:spMk id="2" creationId="{F04C167C-69CE-45D5-9ED0-D796A7B1EF26}"/>
+          </ac:spMkLst>
+        </pc:spChg>
+        <pc:spChg chg="del">
+          <ac:chgData name="Franco Hung" userId="50f19df39372ef09" providerId="LiveId" clId="{832B5093-1020-4F03-ADE9-295C2E8D988C}" dt="2021-09-23T05:19:23.851" v="2456"/>
+          <ac:spMkLst>
+            <pc:docMk/>
+            <pc:sldMk cId="1591721182" sldId="298"/>
+            <ac:spMk id="3" creationId="{8E85A00E-C42F-4C1B-9097-28232301187A}"/>
+          </ac:spMkLst>
+        </pc:spChg>
+        <pc:spChg chg="del">
+          <ac:chgData name="Franco Hung" userId="50f19df39372ef09" providerId="LiveId" clId="{832B5093-1020-4F03-ADE9-295C2E8D988C}" dt="2021-09-23T05:19:27.079" v="2457"/>
+          <ac:spMkLst>
+            <pc:docMk/>
+            <pc:sldMk cId="1591721182" sldId="298"/>
+            <ac:spMk id="4" creationId="{C44F77AC-A9AF-415B-BF27-5BD3A282416F}"/>
+          </ac:spMkLst>
+        </pc:spChg>
+        <pc:picChg chg="add mod">
+          <ac:chgData name="Franco Hung" userId="50f19df39372ef09" providerId="LiveId" clId="{832B5093-1020-4F03-ADE9-295C2E8D988C}" dt="2021-09-23T05:19:32.485" v="2458" actId="14100"/>
+          <ac:picMkLst>
+            <pc:docMk/>
+            <pc:sldMk cId="1591721182" sldId="298"/>
+            <ac:picMk id="5" creationId="{88D450A0-F80E-4904-804A-93762321852D}"/>
+          </ac:picMkLst>
+        </pc:picChg>
+        <pc:picChg chg="add mod">
+          <ac:chgData name="Franco Hung" userId="50f19df39372ef09" providerId="LiveId" clId="{832B5093-1020-4F03-ADE9-295C2E8D988C}" dt="2021-09-23T05:19:37.405" v="2459" actId="14100"/>
+          <ac:picMkLst>
+            <pc:docMk/>
+            <pc:sldMk cId="1591721182" sldId="298"/>
+            <ac:picMk id="6" creationId="{275B83DF-4C55-433D-BE06-BC4C6B5A8A12}"/>
+          </ac:picMkLst>
+        </pc:picChg>
+        <pc:picChg chg="add del mod">
+          <ac:chgData name="Franco Hung" userId="50f19df39372ef09" providerId="LiveId" clId="{832B5093-1020-4F03-ADE9-295C2E8D988C}" dt="2021-09-23T05:19:47.191" v="2461"/>
+          <ac:picMkLst>
+            <pc:docMk/>
+            <pc:sldMk cId="1591721182" sldId="298"/>
+            <ac:picMk id="7" creationId="{6440B1C7-983A-40FD-906B-63CAB21E5ADD}"/>
+          </ac:picMkLst>
+        </pc:picChg>
+      </pc:sldChg>
+      <pc:sldChg chg="addSp delSp modSp new mod">
+        <pc:chgData name="Franco Hung" userId="50f19df39372ef09" providerId="LiveId" clId="{832B5093-1020-4F03-ADE9-295C2E8D988C}" dt="2021-09-23T05:23:51.343" v="2481" actId="14100"/>
+        <pc:sldMkLst>
+          <pc:docMk/>
+          <pc:sldMk cId="1020550395" sldId="299"/>
+        </pc:sldMkLst>
+        <pc:spChg chg="mod">
+          <ac:chgData name="Franco Hung" userId="50f19df39372ef09" providerId="LiveId" clId="{832B5093-1020-4F03-ADE9-295C2E8D988C}" dt="2021-09-23T05:23:32.060" v="2478" actId="27636"/>
+          <ac:spMkLst>
+            <pc:docMk/>
+            <pc:sldMk cId="1020550395" sldId="299"/>
+            <ac:spMk id="2" creationId="{FA9E030C-B723-4801-A17B-B8A8D937A2B2}"/>
+          </ac:spMkLst>
+        </pc:spChg>
+        <pc:spChg chg="del">
+          <ac:chgData name="Franco Hung" userId="50f19df39372ef09" providerId="LiveId" clId="{832B5093-1020-4F03-ADE9-295C2E8D988C}" dt="2021-09-23T05:23:41.794" v="2479"/>
+          <ac:spMkLst>
+            <pc:docMk/>
+            <pc:sldMk cId="1020550395" sldId="299"/>
+            <ac:spMk id="3" creationId="{A93C35C3-5714-4F7D-8408-1B4F3023CB7A}"/>
+          </ac:spMkLst>
+        </pc:spChg>
+        <pc:spChg chg="del">
+          <ac:chgData name="Franco Hung" userId="50f19df39372ef09" providerId="LiveId" clId="{832B5093-1020-4F03-ADE9-295C2E8D988C}" dt="2021-09-23T05:23:47.004" v="2480"/>
+          <ac:spMkLst>
+            <pc:docMk/>
+            <pc:sldMk cId="1020550395" sldId="299"/>
+            <ac:spMk id="4" creationId="{C1D0259A-E525-4AEF-B50A-43BB5BEB6B8A}"/>
+          </ac:spMkLst>
+        </pc:spChg>
+        <pc:picChg chg="add mod">
+          <ac:chgData name="Franco Hung" userId="50f19df39372ef09" providerId="LiveId" clId="{832B5093-1020-4F03-ADE9-295C2E8D988C}" dt="2021-09-23T05:23:41.794" v="2479"/>
+          <ac:picMkLst>
+            <pc:docMk/>
+            <pc:sldMk cId="1020550395" sldId="299"/>
+            <ac:picMk id="5" creationId="{A1C6BD00-4A0D-4F77-BC2A-0582E89DB881}"/>
+          </ac:picMkLst>
+        </pc:picChg>
+        <pc:picChg chg="add mod">
+          <ac:chgData name="Franco Hung" userId="50f19df39372ef09" providerId="LiveId" clId="{832B5093-1020-4F03-ADE9-295C2E8D988C}" dt="2021-09-23T05:23:51.343" v="2481" actId="14100"/>
+          <ac:picMkLst>
+            <pc:docMk/>
+            <pc:sldMk cId="1020550395" sldId="299"/>
+            <ac:picMk id="6" creationId="{43975293-2A89-40BF-98D1-B67643F9AEF3}"/>
+          </ac:picMkLst>
+        </pc:picChg>
+      </pc:sldChg>
+    </pc:docChg>
+  </pc:docChgLst>
   <pc:docChgLst>
     <pc:chgData name="LiNee" userId="fa1b0d3d2ca7b729" providerId="LiveId" clId="{D63D7899-0D9D-45FA-8C94-833CBD731201}"/>
     <pc:docChg chg="undo custSel addSld delSld modSld sldOrd">
@@ -4639,6 +5892,805 @@
 </dgm:styleDef>
 </file>
 
+<file path=ppt/notesMasters/notesMaster1.xml><?xml version="1.0" encoding="utf-8"?>
+<p:notesMaster xmlns:a="http://schemas.openxmlformats.org/drawingml/2006/main" xmlns:r="http://schemas.openxmlformats.org/officeDocument/2006/relationships" xmlns:p="http://schemas.openxmlformats.org/presentationml/2006/main">
+  <p:cSld>
+    <p:bg>
+      <p:bgRef idx="1001">
+        <a:schemeClr val="bg1"/>
+      </p:bgRef>
+    </p:bg>
+    <p:spTree>
+      <p:nvGrpSpPr>
+        <p:cNvPr id="1" name=""/>
+        <p:cNvGrpSpPr/>
+        <p:nvPr/>
+      </p:nvGrpSpPr>
+      <p:grpSpPr>
+        <a:xfrm>
+          <a:off x="0" y="0"/>
+          <a:ext cx="0" cy="0"/>
+          <a:chOff x="0" y="0"/>
+          <a:chExt cx="0" cy="0"/>
+        </a:xfrm>
+      </p:grpSpPr>
+      <p:sp>
+        <p:nvSpPr>
+          <p:cNvPr id="2" name="Header Placeholder 1"/>
+          <p:cNvSpPr>
+            <a:spLocks noGrp="1"/>
+          </p:cNvSpPr>
+          <p:nvPr>
+            <p:ph type="hdr" sz="quarter"/>
+          </p:nvPr>
+        </p:nvSpPr>
+        <p:spPr>
+          <a:xfrm>
+            <a:off x="0" y="0"/>
+            <a:ext cx="2971800" cy="458788"/>
+          </a:xfrm>
+          <a:prstGeom prst="rect">
+            <a:avLst/>
+          </a:prstGeom>
+        </p:spPr>
+        <p:txBody>
+          <a:bodyPr vert="horz" lIns="91440" tIns="45720" rIns="91440" bIns="45720" rtlCol="0"/>
+          <a:lstStyle>
+            <a:lvl1pPr algn="l">
+              <a:defRPr sz="1200"/>
+            </a:lvl1pPr>
+          </a:lstStyle>
+          <a:p>
+            <a:endParaRPr lang="en-AU"/>
+          </a:p>
+        </p:txBody>
+      </p:sp>
+      <p:sp>
+        <p:nvSpPr>
+          <p:cNvPr id="3" name="Date Placeholder 2"/>
+          <p:cNvSpPr>
+            <a:spLocks noGrp="1"/>
+          </p:cNvSpPr>
+          <p:nvPr>
+            <p:ph type="dt" idx="1"/>
+          </p:nvPr>
+        </p:nvSpPr>
+        <p:spPr>
+          <a:xfrm>
+            <a:off x="3884613" y="0"/>
+            <a:ext cx="2971800" cy="458788"/>
+          </a:xfrm>
+          <a:prstGeom prst="rect">
+            <a:avLst/>
+          </a:prstGeom>
+        </p:spPr>
+        <p:txBody>
+          <a:bodyPr vert="horz" lIns="91440" tIns="45720" rIns="91440" bIns="45720" rtlCol="0"/>
+          <a:lstStyle>
+            <a:lvl1pPr algn="r">
+              <a:defRPr sz="1200"/>
+            </a:lvl1pPr>
+          </a:lstStyle>
+          <a:p>
+            <a:fld id="{8710995F-D919-4CAC-8EA2-3687E32EDB99}" type="datetimeFigureOut">
+              <a:rPr lang="en-AU" smtClean="0"/>
+              <a:t>23/09/2021</a:t>
+            </a:fld>
+            <a:endParaRPr lang="en-AU"/>
+          </a:p>
+        </p:txBody>
+      </p:sp>
+      <p:sp>
+        <p:nvSpPr>
+          <p:cNvPr id="4" name="Slide Image Placeholder 3"/>
+          <p:cNvSpPr>
+            <a:spLocks noGrp="1" noRot="1" noChangeAspect="1"/>
+          </p:cNvSpPr>
+          <p:nvPr>
+            <p:ph type="sldImg" idx="2"/>
+          </p:nvPr>
+        </p:nvSpPr>
+        <p:spPr>
+          <a:xfrm>
+            <a:off x="685800" y="1143000"/>
+            <a:ext cx="5486400" cy="3086100"/>
+          </a:xfrm>
+          <a:prstGeom prst="rect">
+            <a:avLst/>
+          </a:prstGeom>
+          <a:noFill/>
+          <a:ln w="12700">
+            <a:solidFill>
+              <a:prstClr val="black"/>
+            </a:solidFill>
+          </a:ln>
+        </p:spPr>
+        <p:txBody>
+          <a:bodyPr vert="horz" lIns="91440" tIns="45720" rIns="91440" bIns="45720" rtlCol="0" anchor="ctr"/>
+          <a:lstStyle/>
+          <a:p>
+            <a:endParaRPr lang="en-AU"/>
+          </a:p>
+        </p:txBody>
+      </p:sp>
+      <p:sp>
+        <p:nvSpPr>
+          <p:cNvPr id="5" name="Notes Placeholder 4"/>
+          <p:cNvSpPr>
+            <a:spLocks noGrp="1"/>
+          </p:cNvSpPr>
+          <p:nvPr>
+            <p:ph type="body" sz="quarter" idx="3"/>
+          </p:nvPr>
+        </p:nvSpPr>
+        <p:spPr>
+          <a:xfrm>
+            <a:off x="685800" y="4400550"/>
+            <a:ext cx="5486400" cy="3600450"/>
+          </a:xfrm>
+          <a:prstGeom prst="rect">
+            <a:avLst/>
+          </a:prstGeom>
+        </p:spPr>
+        <p:txBody>
+          <a:bodyPr vert="horz" lIns="91440" tIns="45720" rIns="91440" bIns="45720" rtlCol="0"/>
+          <a:lstStyle/>
+          <a:p>
+            <a:pPr lvl="0"/>
+            <a:r>
+              <a:rPr lang="en-US"/>
+              <a:t>Click to edit Master text styles</a:t>
+            </a:r>
+          </a:p>
+          <a:p>
+            <a:pPr lvl="1"/>
+            <a:r>
+              <a:rPr lang="en-US"/>
+              <a:t>Second level</a:t>
+            </a:r>
+          </a:p>
+          <a:p>
+            <a:pPr lvl="2"/>
+            <a:r>
+              <a:rPr lang="en-US"/>
+              <a:t>Third level</a:t>
+            </a:r>
+          </a:p>
+          <a:p>
+            <a:pPr lvl="3"/>
+            <a:r>
+              <a:rPr lang="en-US"/>
+              <a:t>Fourth level</a:t>
+            </a:r>
+          </a:p>
+          <a:p>
+            <a:pPr lvl="4"/>
+            <a:r>
+              <a:rPr lang="en-US"/>
+              <a:t>Fifth level</a:t>
+            </a:r>
+            <a:endParaRPr lang="en-AU"/>
+          </a:p>
+        </p:txBody>
+      </p:sp>
+      <p:sp>
+        <p:nvSpPr>
+          <p:cNvPr id="6" name="Footer Placeholder 5"/>
+          <p:cNvSpPr>
+            <a:spLocks noGrp="1"/>
+          </p:cNvSpPr>
+          <p:nvPr>
+            <p:ph type="ftr" sz="quarter" idx="4"/>
+          </p:nvPr>
+        </p:nvSpPr>
+        <p:spPr>
+          <a:xfrm>
+            <a:off x="0" y="8685213"/>
+            <a:ext cx="2971800" cy="458787"/>
+          </a:xfrm>
+          <a:prstGeom prst="rect">
+            <a:avLst/>
+          </a:prstGeom>
+        </p:spPr>
+        <p:txBody>
+          <a:bodyPr vert="horz" lIns="91440" tIns="45720" rIns="91440" bIns="45720" rtlCol="0" anchor="b"/>
+          <a:lstStyle>
+            <a:lvl1pPr algn="l">
+              <a:defRPr sz="1200"/>
+            </a:lvl1pPr>
+          </a:lstStyle>
+          <a:p>
+            <a:endParaRPr lang="en-AU"/>
+          </a:p>
+        </p:txBody>
+      </p:sp>
+      <p:sp>
+        <p:nvSpPr>
+          <p:cNvPr id="7" name="Slide Number Placeholder 6"/>
+          <p:cNvSpPr>
+            <a:spLocks noGrp="1"/>
+          </p:cNvSpPr>
+          <p:nvPr>
+            <p:ph type="sldNum" sz="quarter" idx="5"/>
+          </p:nvPr>
+        </p:nvSpPr>
+        <p:spPr>
+          <a:xfrm>
+            <a:off x="3884613" y="8685213"/>
+            <a:ext cx="2971800" cy="458787"/>
+          </a:xfrm>
+          <a:prstGeom prst="rect">
+            <a:avLst/>
+          </a:prstGeom>
+        </p:spPr>
+        <p:txBody>
+          <a:bodyPr vert="horz" lIns="91440" tIns="45720" rIns="91440" bIns="45720" rtlCol="0" anchor="b"/>
+          <a:lstStyle>
+            <a:lvl1pPr algn="r">
+              <a:defRPr sz="1200"/>
+            </a:lvl1pPr>
+          </a:lstStyle>
+          <a:p>
+            <a:fld id="{F1BFF43B-341D-42C8-B633-A7F1B87DFB3D}" type="slidenum">
+              <a:rPr lang="en-AU" smtClean="0"/>
+              <a:t>‹#›</a:t>
+            </a:fld>
+            <a:endParaRPr lang="en-AU"/>
+          </a:p>
+        </p:txBody>
+      </p:sp>
+    </p:spTree>
+    <p:extLst>
+      <p:ext uri="{BB962C8B-B14F-4D97-AF65-F5344CB8AC3E}">
+        <p14:creationId xmlns:p14="http://schemas.microsoft.com/office/powerpoint/2010/main" val="1231099078"/>
+      </p:ext>
+    </p:extLst>
+  </p:cSld>
+  <p:clrMap bg1="lt1" tx1="dk1" bg2="lt2" tx2="dk2" accent1="accent1" accent2="accent2" accent3="accent3" accent4="accent4" accent5="accent5" accent6="accent6" hlink="hlink" folHlink="folHlink"/>
+  <p:notesStyle>
+    <a:lvl1pPr marL="0" algn="l" defTabSz="914400" rtl="0" eaLnBrk="1" latinLnBrk="0" hangingPunct="1">
+      <a:defRPr sz="1200" kern="1200">
+        <a:solidFill>
+          <a:schemeClr val="tx1"/>
+        </a:solidFill>
+        <a:latin typeface="+mn-lt"/>
+        <a:ea typeface="+mn-ea"/>
+        <a:cs typeface="+mn-cs"/>
+      </a:defRPr>
+    </a:lvl1pPr>
+    <a:lvl2pPr marL="457200" algn="l" defTabSz="914400" rtl="0" eaLnBrk="1" latinLnBrk="0" hangingPunct="1">
+      <a:defRPr sz="1200" kern="1200">
+        <a:solidFill>
+          <a:schemeClr val="tx1"/>
+        </a:solidFill>
+        <a:latin typeface="+mn-lt"/>
+        <a:ea typeface="+mn-ea"/>
+        <a:cs typeface="+mn-cs"/>
+      </a:defRPr>
+    </a:lvl2pPr>
+    <a:lvl3pPr marL="914400" algn="l" defTabSz="914400" rtl="0" eaLnBrk="1" latinLnBrk="0" hangingPunct="1">
+      <a:defRPr sz="1200" kern="1200">
+        <a:solidFill>
+          <a:schemeClr val="tx1"/>
+        </a:solidFill>
+        <a:latin typeface="+mn-lt"/>
+        <a:ea typeface="+mn-ea"/>
+        <a:cs typeface="+mn-cs"/>
+      </a:defRPr>
+    </a:lvl3pPr>
+    <a:lvl4pPr marL="1371600" algn="l" defTabSz="914400" rtl="0" eaLnBrk="1" latinLnBrk="0" hangingPunct="1">
+      <a:defRPr sz="1200" kern="1200">
+        <a:solidFill>
+          <a:schemeClr val="tx1"/>
+        </a:solidFill>
+        <a:latin typeface="+mn-lt"/>
+        <a:ea typeface="+mn-ea"/>
+        <a:cs typeface="+mn-cs"/>
+      </a:defRPr>
+    </a:lvl4pPr>
+    <a:lvl5pPr marL="1828800" algn="l" defTabSz="914400" rtl="0" eaLnBrk="1" latinLnBrk="0" hangingPunct="1">
+      <a:defRPr sz="1200" kern="1200">
+        <a:solidFill>
+          <a:schemeClr val="tx1"/>
+        </a:solidFill>
+        <a:latin typeface="+mn-lt"/>
+        <a:ea typeface="+mn-ea"/>
+        <a:cs typeface="+mn-cs"/>
+      </a:defRPr>
+    </a:lvl5pPr>
+    <a:lvl6pPr marL="2286000" algn="l" defTabSz="914400" rtl="0" eaLnBrk="1" latinLnBrk="0" hangingPunct="1">
+      <a:defRPr sz="1200" kern="1200">
+        <a:solidFill>
+          <a:schemeClr val="tx1"/>
+        </a:solidFill>
+        <a:latin typeface="+mn-lt"/>
+        <a:ea typeface="+mn-ea"/>
+        <a:cs typeface="+mn-cs"/>
+      </a:defRPr>
+    </a:lvl6pPr>
+    <a:lvl7pPr marL="2743200" algn="l" defTabSz="914400" rtl="0" eaLnBrk="1" latinLnBrk="0" hangingPunct="1">
+      <a:defRPr sz="1200" kern="1200">
+        <a:solidFill>
+          <a:schemeClr val="tx1"/>
+        </a:solidFill>
+        <a:latin typeface="+mn-lt"/>
+        <a:ea typeface="+mn-ea"/>
+        <a:cs typeface="+mn-cs"/>
+      </a:defRPr>
+    </a:lvl7pPr>
+    <a:lvl8pPr marL="3200400" algn="l" defTabSz="914400" rtl="0" eaLnBrk="1" latinLnBrk="0" hangingPunct="1">
+      <a:defRPr sz="1200" kern="1200">
+        <a:solidFill>
+          <a:schemeClr val="tx1"/>
+        </a:solidFill>
+        <a:latin typeface="+mn-lt"/>
+        <a:ea typeface="+mn-ea"/>
+        <a:cs typeface="+mn-cs"/>
+      </a:defRPr>
+    </a:lvl8pPr>
+    <a:lvl9pPr marL="3657600" algn="l" defTabSz="914400" rtl="0" eaLnBrk="1" latinLnBrk="0" hangingPunct="1">
+      <a:defRPr sz="1200" kern="1200">
+        <a:solidFill>
+          <a:schemeClr val="tx1"/>
+        </a:solidFill>
+        <a:latin typeface="+mn-lt"/>
+        <a:ea typeface="+mn-ea"/>
+        <a:cs typeface="+mn-cs"/>
+      </a:defRPr>
+    </a:lvl9pPr>
+  </p:notesStyle>
+</p:notesMaster>
+</file>
+
+<file path=ppt/notesSlides/notesSlide1.xml><?xml version="1.0" encoding="utf-8"?>
+<p:notes xmlns:a="http://schemas.openxmlformats.org/drawingml/2006/main" xmlns:r="http://schemas.openxmlformats.org/officeDocument/2006/relationships" xmlns:p="http://schemas.openxmlformats.org/presentationml/2006/main">
+  <p:cSld>
+    <p:spTree>
+      <p:nvGrpSpPr>
+        <p:cNvPr id="1" name=""/>
+        <p:cNvGrpSpPr/>
+        <p:nvPr/>
+      </p:nvGrpSpPr>
+      <p:grpSpPr>
+        <a:xfrm>
+          <a:off x="0" y="0"/>
+          <a:ext cx="0" cy="0"/>
+          <a:chOff x="0" y="0"/>
+          <a:chExt cx="0" cy="0"/>
+        </a:xfrm>
+      </p:grpSpPr>
+      <p:sp>
+        <p:nvSpPr>
+          <p:cNvPr id="2" name="Slide Image Placeholder 1"/>
+          <p:cNvSpPr>
+            <a:spLocks noGrp="1" noRot="1" noChangeAspect="1"/>
+          </p:cNvSpPr>
+          <p:nvPr>
+            <p:ph type="sldImg"/>
+          </p:nvPr>
+        </p:nvSpPr>
+        <p:spPr/>
+      </p:sp>
+      <p:sp>
+        <p:nvSpPr>
+          <p:cNvPr id="3" name="Notes Placeholder 2"/>
+          <p:cNvSpPr>
+            <a:spLocks noGrp="1"/>
+          </p:cNvSpPr>
+          <p:nvPr>
+            <p:ph type="body" idx="1"/>
+          </p:nvPr>
+        </p:nvSpPr>
+        <p:spPr/>
+        <p:txBody>
+          <a:bodyPr/>
+          <a:lstStyle/>
+          <a:p>
+            <a:endParaRPr lang="en-AU" dirty="0"/>
+          </a:p>
+        </p:txBody>
+      </p:sp>
+      <p:sp>
+        <p:nvSpPr>
+          <p:cNvPr id="4" name="Slide Number Placeholder 3"/>
+          <p:cNvSpPr>
+            <a:spLocks noGrp="1"/>
+          </p:cNvSpPr>
+          <p:nvPr>
+            <p:ph type="sldNum" sz="quarter" idx="5"/>
+          </p:nvPr>
+        </p:nvSpPr>
+        <p:spPr/>
+        <p:txBody>
+          <a:bodyPr/>
+          <a:lstStyle/>
+          <a:p>
+            <a:fld id="{F1BFF43B-341D-42C8-B633-A7F1B87DFB3D}" type="slidenum">
+              <a:rPr lang="en-AU" smtClean="0"/>
+              <a:t>1</a:t>
+            </a:fld>
+            <a:endParaRPr lang="en-AU"/>
+          </a:p>
+        </p:txBody>
+      </p:sp>
+    </p:spTree>
+    <p:extLst>
+      <p:ext uri="{BB962C8B-B14F-4D97-AF65-F5344CB8AC3E}">
+        <p14:creationId xmlns:p14="http://schemas.microsoft.com/office/powerpoint/2010/main" val="2430599825"/>
+      </p:ext>
+    </p:extLst>
+  </p:cSld>
+  <p:clrMapOvr>
+    <a:masterClrMapping/>
+  </p:clrMapOvr>
+</p:notes>
+</file>
+
+<file path=ppt/notesSlides/notesSlide2.xml><?xml version="1.0" encoding="utf-8"?>
+<p:notes xmlns:a="http://schemas.openxmlformats.org/drawingml/2006/main" xmlns:r="http://schemas.openxmlformats.org/officeDocument/2006/relationships" xmlns:p="http://schemas.openxmlformats.org/presentationml/2006/main">
+  <p:cSld>
+    <p:spTree>
+      <p:nvGrpSpPr>
+        <p:cNvPr id="1" name=""/>
+        <p:cNvGrpSpPr/>
+        <p:nvPr/>
+      </p:nvGrpSpPr>
+      <p:grpSpPr>
+        <a:xfrm>
+          <a:off x="0" y="0"/>
+          <a:ext cx="0" cy="0"/>
+          <a:chOff x="0" y="0"/>
+          <a:chExt cx="0" cy="0"/>
+        </a:xfrm>
+      </p:grpSpPr>
+      <p:sp>
+        <p:nvSpPr>
+          <p:cNvPr id="2" name="Slide Image Placeholder 1"/>
+          <p:cNvSpPr>
+            <a:spLocks noGrp="1" noRot="1" noChangeAspect="1"/>
+          </p:cNvSpPr>
+          <p:nvPr>
+            <p:ph type="sldImg"/>
+          </p:nvPr>
+        </p:nvSpPr>
+        <p:spPr/>
+      </p:sp>
+      <p:sp>
+        <p:nvSpPr>
+          <p:cNvPr id="3" name="Notes Placeholder 2"/>
+          <p:cNvSpPr>
+            <a:spLocks noGrp="1"/>
+          </p:cNvSpPr>
+          <p:nvPr>
+            <p:ph type="body" idx="1"/>
+          </p:nvPr>
+        </p:nvSpPr>
+        <p:spPr/>
+        <p:txBody>
+          <a:bodyPr/>
+          <a:lstStyle/>
+          <a:p>
+            <a:pPr marL="0" marR="0" lvl="0" indent="0" algn="l" defTabSz="914400" rtl="0" eaLnBrk="1" fontAlgn="auto" latinLnBrk="0" hangingPunct="1">
+              <a:lnSpc>
+                <a:spcPct val="100000"/>
+              </a:lnSpc>
+              <a:spcBef>
+                <a:spcPts val="0"/>
+              </a:spcBef>
+              <a:spcAft>
+                <a:spcPts val="0"/>
+              </a:spcAft>
+              <a:buClrTx/>
+              <a:buSzTx/>
+              <a:buFontTx/>
+              <a:buNone/>
+              <a:tabLst/>
+              <a:defRPr/>
+            </a:pPr>
+            <a:r>
+              <a:rPr lang="en-US" dirty="0"/>
+              <a:t>Obtain the sold property record in all Melbourne Region from 2016-2018</a:t>
+            </a:r>
+          </a:p>
+          <a:p>
+            <a:pPr marL="0" marR="0" lvl="0" indent="0" algn="l" defTabSz="914400" rtl="0" eaLnBrk="1" fontAlgn="auto" latinLnBrk="0" hangingPunct="1">
+              <a:lnSpc>
+                <a:spcPct val="100000"/>
+              </a:lnSpc>
+              <a:spcBef>
+                <a:spcPts val="0"/>
+              </a:spcBef>
+              <a:spcAft>
+                <a:spcPts val="0"/>
+              </a:spcAft>
+              <a:buClrTx/>
+              <a:buSzTx/>
+              <a:buFontTx/>
+              <a:buNone/>
+              <a:tabLst/>
+              <a:defRPr/>
+            </a:pPr>
+            <a:endParaRPr lang="en-US" dirty="0"/>
+          </a:p>
+          <a:p>
+            <a:pPr marL="0" marR="0" lvl="0" indent="0" algn="l" defTabSz="914400" rtl="0" eaLnBrk="1" fontAlgn="auto" latinLnBrk="0" hangingPunct="1">
+              <a:lnSpc>
+                <a:spcPct val="100000"/>
+              </a:lnSpc>
+              <a:spcBef>
+                <a:spcPts val="0"/>
+              </a:spcBef>
+              <a:spcAft>
+                <a:spcPts val="0"/>
+              </a:spcAft>
+              <a:buClrTx/>
+              <a:buSzTx/>
+              <a:buFontTx/>
+              <a:buNone/>
+              <a:tabLst/>
+              <a:defRPr/>
+            </a:pPr>
+            <a:r>
+              <a:rPr lang="en-US" dirty="0"/>
+              <a:t>The neighborhood quality and amenities impact</a:t>
+            </a:r>
+          </a:p>
+          <a:p>
+            <a:pPr marL="0" marR="0" lvl="0" indent="0" algn="l" defTabSz="914400" rtl="0" eaLnBrk="1" fontAlgn="auto" latinLnBrk="0" hangingPunct="1">
+              <a:lnSpc>
+                <a:spcPct val="100000"/>
+              </a:lnSpc>
+              <a:spcBef>
+                <a:spcPts val="0"/>
+              </a:spcBef>
+              <a:spcAft>
+                <a:spcPts val="0"/>
+              </a:spcAft>
+              <a:buClrTx/>
+              <a:buSzTx/>
+              <a:buFontTx/>
+              <a:buNone/>
+              <a:tabLst/>
+              <a:defRPr/>
+            </a:pPr>
+            <a:endParaRPr lang="en-US" dirty="0"/>
+          </a:p>
+          <a:p>
+            <a:pPr marL="0" marR="0" lvl="0" indent="0" algn="l" defTabSz="914400" rtl="0" eaLnBrk="1" fontAlgn="auto" latinLnBrk="0" hangingPunct="1">
+              <a:lnSpc>
+                <a:spcPct val="100000"/>
+              </a:lnSpc>
+              <a:spcBef>
+                <a:spcPts val="0"/>
+              </a:spcBef>
+              <a:spcAft>
+                <a:spcPts val="0"/>
+              </a:spcAft>
+              <a:buClrTx/>
+              <a:buSzTx/>
+              <a:buFontTx/>
+              <a:buNone/>
+              <a:tabLst/>
+              <a:defRPr/>
+            </a:pPr>
+            <a:r>
+              <a:rPr lang="en-US" dirty="0"/>
+              <a:t>Fine tune the analysis to find the correlation between the factors</a:t>
+            </a:r>
+          </a:p>
+          <a:p>
+            <a:endParaRPr lang="en-AU" dirty="0"/>
+          </a:p>
+        </p:txBody>
+      </p:sp>
+      <p:sp>
+        <p:nvSpPr>
+          <p:cNvPr id="4" name="Slide Number Placeholder 3"/>
+          <p:cNvSpPr>
+            <a:spLocks noGrp="1"/>
+          </p:cNvSpPr>
+          <p:nvPr>
+            <p:ph type="sldNum" sz="quarter" idx="5"/>
+          </p:nvPr>
+        </p:nvSpPr>
+        <p:spPr/>
+        <p:txBody>
+          <a:bodyPr/>
+          <a:lstStyle/>
+          <a:p>
+            <a:fld id="{F1BFF43B-341D-42C8-B633-A7F1B87DFB3D}" type="slidenum">
+              <a:rPr lang="en-AU" smtClean="0"/>
+              <a:t>4</a:t>
+            </a:fld>
+            <a:endParaRPr lang="en-AU"/>
+          </a:p>
+        </p:txBody>
+      </p:sp>
+    </p:spTree>
+    <p:extLst>
+      <p:ext uri="{BB962C8B-B14F-4D97-AF65-F5344CB8AC3E}">
+        <p14:creationId xmlns:p14="http://schemas.microsoft.com/office/powerpoint/2010/main" val="3395743980"/>
+      </p:ext>
+    </p:extLst>
+  </p:cSld>
+  <p:clrMapOvr>
+    <a:masterClrMapping/>
+  </p:clrMapOvr>
+</p:notes>
+</file>
+
+<file path=ppt/notesSlides/notesSlide3.xml><?xml version="1.0" encoding="utf-8"?>
+<p:notes xmlns:a="http://schemas.openxmlformats.org/drawingml/2006/main" xmlns:r="http://schemas.openxmlformats.org/officeDocument/2006/relationships" xmlns:p="http://schemas.openxmlformats.org/presentationml/2006/main">
+  <p:cSld>
+    <p:spTree>
+      <p:nvGrpSpPr>
+        <p:cNvPr id="1" name=""/>
+        <p:cNvGrpSpPr/>
+        <p:nvPr/>
+      </p:nvGrpSpPr>
+      <p:grpSpPr>
+        <a:xfrm>
+          <a:off x="0" y="0"/>
+          <a:ext cx="0" cy="0"/>
+          <a:chOff x="0" y="0"/>
+          <a:chExt cx="0" cy="0"/>
+        </a:xfrm>
+      </p:grpSpPr>
+      <p:sp>
+        <p:nvSpPr>
+          <p:cNvPr id="2" name="Slide Image Placeholder 1"/>
+          <p:cNvSpPr>
+            <a:spLocks noGrp="1" noRot="1" noChangeAspect="1"/>
+          </p:cNvSpPr>
+          <p:nvPr>
+            <p:ph type="sldImg"/>
+          </p:nvPr>
+        </p:nvSpPr>
+        <p:spPr/>
+      </p:sp>
+      <p:sp>
+        <p:nvSpPr>
+          <p:cNvPr id="3" name="Notes Placeholder 2"/>
+          <p:cNvSpPr>
+            <a:spLocks noGrp="1"/>
+          </p:cNvSpPr>
+          <p:nvPr>
+            <p:ph type="body" idx="1"/>
+          </p:nvPr>
+        </p:nvSpPr>
+        <p:spPr/>
+        <p:txBody>
+          <a:bodyPr/>
+          <a:lstStyle/>
+          <a:p>
+            <a:endParaRPr lang="en-AU" dirty="0"/>
+          </a:p>
+        </p:txBody>
+      </p:sp>
+      <p:sp>
+        <p:nvSpPr>
+          <p:cNvPr id="4" name="Slide Number Placeholder 3"/>
+          <p:cNvSpPr>
+            <a:spLocks noGrp="1"/>
+          </p:cNvSpPr>
+          <p:nvPr>
+            <p:ph type="sldNum" sz="quarter" idx="5"/>
+          </p:nvPr>
+        </p:nvSpPr>
+        <p:spPr/>
+        <p:txBody>
+          <a:bodyPr/>
+          <a:lstStyle/>
+          <a:p>
+            <a:fld id="{F1BFF43B-341D-42C8-B633-A7F1B87DFB3D}" type="slidenum">
+              <a:rPr lang="en-AU" smtClean="0"/>
+              <a:t>7</a:t>
+            </a:fld>
+            <a:endParaRPr lang="en-AU"/>
+          </a:p>
+        </p:txBody>
+      </p:sp>
+    </p:spTree>
+    <p:extLst>
+      <p:ext uri="{BB962C8B-B14F-4D97-AF65-F5344CB8AC3E}">
+        <p14:creationId xmlns:p14="http://schemas.microsoft.com/office/powerpoint/2010/main" val="3557504777"/>
+      </p:ext>
+    </p:extLst>
+  </p:cSld>
+  <p:clrMapOvr>
+    <a:masterClrMapping/>
+  </p:clrMapOvr>
+</p:notes>
+</file>
+
+<file path=ppt/notesSlides/notesSlide4.xml><?xml version="1.0" encoding="utf-8"?>
+<p:notes xmlns:a="http://schemas.openxmlformats.org/drawingml/2006/main" xmlns:r="http://schemas.openxmlformats.org/officeDocument/2006/relationships" xmlns:p="http://schemas.openxmlformats.org/presentationml/2006/main">
+  <p:cSld>
+    <p:spTree>
+      <p:nvGrpSpPr>
+        <p:cNvPr id="1" name=""/>
+        <p:cNvGrpSpPr/>
+        <p:nvPr/>
+      </p:nvGrpSpPr>
+      <p:grpSpPr>
+        <a:xfrm>
+          <a:off x="0" y="0"/>
+          <a:ext cx="0" cy="0"/>
+          <a:chOff x="0" y="0"/>
+          <a:chExt cx="0" cy="0"/>
+        </a:xfrm>
+      </p:grpSpPr>
+      <p:sp>
+        <p:nvSpPr>
+          <p:cNvPr id="2" name="Slide Image Placeholder 1"/>
+          <p:cNvSpPr>
+            <a:spLocks noGrp="1" noRot="1" noChangeAspect="1"/>
+          </p:cNvSpPr>
+          <p:nvPr>
+            <p:ph type="sldImg"/>
+          </p:nvPr>
+        </p:nvSpPr>
+        <p:spPr/>
+      </p:sp>
+      <p:sp>
+        <p:nvSpPr>
+          <p:cNvPr id="3" name="Notes Placeholder 2"/>
+          <p:cNvSpPr>
+            <a:spLocks noGrp="1"/>
+          </p:cNvSpPr>
+          <p:nvPr>
+            <p:ph type="body" idx="1"/>
+          </p:nvPr>
+        </p:nvSpPr>
+        <p:spPr/>
+        <p:txBody>
+          <a:bodyPr/>
+          <a:lstStyle/>
+          <a:p>
+            <a:r>
+              <a:rPr lang="en-US" dirty="0"/>
+              <a:t>Nasrin – explain the X-axis and Y-axis</a:t>
+            </a:r>
+            <a:endParaRPr lang="en-AU" dirty="0"/>
+          </a:p>
+        </p:txBody>
+      </p:sp>
+      <p:sp>
+        <p:nvSpPr>
+          <p:cNvPr id="4" name="Slide Number Placeholder 3"/>
+          <p:cNvSpPr>
+            <a:spLocks noGrp="1"/>
+          </p:cNvSpPr>
+          <p:nvPr>
+            <p:ph type="sldNum" sz="quarter" idx="5"/>
+          </p:nvPr>
+        </p:nvSpPr>
+        <p:spPr/>
+        <p:txBody>
+          <a:bodyPr/>
+          <a:lstStyle/>
+          <a:p>
+            <a:fld id="{F1BFF43B-341D-42C8-B633-A7F1B87DFB3D}" type="slidenum">
+              <a:rPr lang="en-AU" smtClean="0"/>
+              <a:t>11</a:t>
+            </a:fld>
+            <a:endParaRPr lang="en-AU"/>
+          </a:p>
+        </p:txBody>
+      </p:sp>
+    </p:spTree>
+    <p:extLst>
+      <p:ext uri="{BB962C8B-B14F-4D97-AF65-F5344CB8AC3E}">
+        <p14:creationId xmlns:p14="http://schemas.microsoft.com/office/powerpoint/2010/main" val="2010902377"/>
+      </p:ext>
+    </p:extLst>
+  </p:cSld>
+  <p:clrMapOvr>
+    <a:masterClrMapping/>
+  </p:clrMapOvr>
+</p:notes>
+</file>
+
 <file path=ppt/slideLayouts/slideLayout1.xml><?xml version="1.0" encoding="utf-8"?>
 <p:sldLayout xmlns:a="http://schemas.openxmlformats.org/drawingml/2006/main" xmlns:r="http://schemas.openxmlformats.org/officeDocument/2006/relationships" xmlns:p="http://schemas.openxmlformats.org/presentationml/2006/main" showMasterSp="0" type="title" preserve="1">
   <p:cSld name="Title Slide">
@@ -5108,7 +7160,7 @@
           <a:p>
             <a:fld id="{EA0C0817-A112-4847-8014-A94B7D2A4EA3}" type="datetime1">
               <a:rPr lang="en-US" smtClean="0"/>
-              <a:t>9/22/2021</a:t>
+              <a:t>9/23/2021</a:t>
             </a:fld>
             <a:endParaRPr lang="en-US" dirty="0"/>
           </a:p>
@@ -5310,7 +7362,7 @@
           <a:p>
             <a:fld id="{7332B432-ACDA-4023-A761-2BAB76577B62}" type="datetime1">
               <a:rPr lang="en-US" smtClean="0"/>
-              <a:t>9/22/2021</a:t>
+              <a:t>9/23/2021</a:t>
             </a:fld>
             <a:endParaRPr lang="en-US" dirty="0"/>
           </a:p>
@@ -5909,7 +7961,7 @@
           <a:p>
             <a:fld id="{D9C646AA-F36E-4540-911D-FFFC0A0EF24A}" type="datetime1">
               <a:rPr lang="en-US" smtClean="0"/>
-              <a:t>9/22/2021</a:t>
+              <a:t>9/23/2021</a:t>
             </a:fld>
             <a:endParaRPr lang="en-US" dirty="0"/>
           </a:p>
@@ -6229,7 +8281,7 @@
           <a:p>
             <a:fld id="{69186D26-FA5F-4637-B602-B7C2DC34CFD4}" type="datetime1">
               <a:rPr lang="en-US" smtClean="0"/>
-              <a:t>9/22/2021</a:t>
+              <a:t>9/23/2021</a:t>
             </a:fld>
             <a:endParaRPr lang="en-US" dirty="0"/>
           </a:p>
@@ -6666,7 +8718,7 @@
           <a:p>
             <a:fld id="{8A7F15D8-96D1-4781-BC50-CA8A088B2FE4}" type="datetime1">
               <a:rPr lang="en-US" smtClean="0"/>
-              <a:t>9/22/2021</a:t>
+              <a:t>9/23/2021</a:t>
             </a:fld>
             <a:endParaRPr lang="en-US" dirty="0"/>
           </a:p>
@@ -6784,7 +8836,7 @@
           <a:p>
             <a:fld id="{F9A96C99-B8F8-4528-BD05-0E16E943DC09}" type="datetime1">
               <a:rPr lang="en-US" smtClean="0"/>
-              <a:t>9/22/2021</a:t>
+              <a:t>9/23/2021</a:t>
             </a:fld>
             <a:endParaRPr lang="en-US" dirty="0"/>
           </a:p>
@@ -6879,7 +8931,7 @@
           <a:p>
             <a:fld id="{03636942-C211-4B28-8DBD-C953E00AF71B}" type="datetime1">
               <a:rPr lang="en-US" smtClean="0"/>
-              <a:t>9/22/2021</a:t>
+              <a:t>9/23/2021</a:t>
             </a:fld>
             <a:endParaRPr lang="en-US" dirty="0"/>
           </a:p>
@@ -7296,7 +9348,7 @@
           <a:p>
             <a:fld id="{7E8D12A6-918A-48BD-8CB9-CA713993B0EA}" type="datetime1">
               <a:rPr lang="en-US" smtClean="0"/>
-              <a:t>9/22/2021</a:t>
+              <a:t>9/23/2021</a:t>
             </a:fld>
             <a:endParaRPr lang="en-US" dirty="0"/>
           </a:p>
@@ -7558,7 +9610,7 @@
             <a:fld id="{E778CE86-875F-4587-BCF6-FA054AFC0D53}" type="datetime1">
               <a:rPr lang="en-US" smtClean="0"/>
               <a:pPr/>
-              <a:t>9/22/2021</a:t>
+              <a:t>9/23/2021</a:t>
             </a:fld>
             <a:endParaRPr lang="en-US" dirty="0"/>
           </a:p>
@@ -8074,7 +10126,7 @@
           <a:p>
             <a:fld id="{F6FA2B21-3FCD-4721-B95C-427943F61125}" type="datetime1">
               <a:rPr lang="en-US" smtClean="0"/>
-              <a:t>9/22/2021</a:t>
+              <a:t>9/23/2021</a:t>
             </a:fld>
             <a:endParaRPr lang="en-US" dirty="0"/>
           </a:p>
@@ -8564,7 +10616,7 @@
           <p:nvPr/>
         </p:nvPicPr>
         <p:blipFill rotWithShape="1">
-          <a:blip r:embed="rId2">
+          <a:blip r:embed="rId3">
             <a:extLst>
               <a:ext uri="{28A0092B-C50C-407E-A947-70E740481C1C}">
                 <a14:useLocalDpi xmlns:a14="http://schemas.microsoft.com/office/drawing/2010/main" val="0"/>
@@ -8697,7 +10749,7 @@
         </p:spPr>
         <p:txBody>
           <a:bodyPr>
-            <a:normAutofit fontScale="90000"/>
+            <a:normAutofit/>
           </a:bodyPr>
           <a:lstStyle/>
           <a:p>
@@ -8707,7 +10759,7 @@
                   <a:schemeClr val="tx1"/>
                 </a:solidFill>
               </a:rPr>
-              <a:t>Crime Rate VS House Price ANALYSIS</a:t>
+              <a:t>House Price ANALYSIS</a:t>
             </a:r>
           </a:p>
         </p:txBody>
@@ -8788,7 +10840,7 @@
           <p:cNvPr id="2" name="Title 1">
             <a:extLst>
               <a:ext uri="{FF2B5EF4-FFF2-40B4-BE49-F238E27FC236}">
-                <a16:creationId xmlns:a16="http://schemas.microsoft.com/office/drawing/2014/main" id="{9084FC0E-5AAA-4A5B-BF4B-4403CCDA9512}"/>
+                <a16:creationId xmlns:a16="http://schemas.microsoft.com/office/drawing/2014/main" id="{C9A64C64-25F2-4151-8E36-FCCF0ADF5AF0}"/>
               </a:ext>
             </a:extLst>
           </p:cNvPr>
@@ -8799,194 +10851,370 @@
             <p:ph type="title"/>
           </p:nvPr>
         </p:nvSpPr>
-        <p:spPr/>
+        <p:spPr>
+          <a:xfrm>
+            <a:off x="1635252" y="1413859"/>
+            <a:ext cx="8933688" cy="2406895"/>
+          </a:xfrm>
+        </p:spPr>
         <p:txBody>
           <a:bodyPr/>
           <a:lstStyle/>
           <a:p>
             <a:r>
               <a:rPr lang="en-AU" dirty="0"/>
-              <a:t>Data Exploration </a:t>
-            </a:r>
-            <a:br>
-              <a:rPr lang="en-AU" dirty="0"/>
-            </a:br>
-            <a:r>
-              <a:rPr lang="en-AU" sz="3000" dirty="0"/>
-              <a:t>Scatter plot for each year</a:t>
+              <a:t>hypothesis 2:</a:t>
             </a:r>
           </a:p>
         </p:txBody>
       </p:sp>
-      <p:pic>
-        <p:nvPicPr>
-          <p:cNvPr id="3" name="Picture 2">
+      <p:sp>
+        <p:nvSpPr>
+          <p:cNvPr id="4" name="Content Placeholder 2">
             <a:extLst>
               <a:ext uri="{FF2B5EF4-FFF2-40B4-BE49-F238E27FC236}">
-                <a16:creationId xmlns:a16="http://schemas.microsoft.com/office/drawing/2014/main" id="{CF06C864-CE73-4B25-B2B9-9ABA2FD926B6}"/>
+                <a16:creationId xmlns:a16="http://schemas.microsoft.com/office/drawing/2014/main" id="{8B33DC3C-FA15-4F90-985F-117C1C53D3EE}"/>
               </a:ext>
             </a:extLst>
           </p:cNvPr>
-          <p:cNvPicPr>
-            <a:picLocks noChangeAspect="1"/>
-          </p:cNvPicPr>
+          <p:cNvSpPr txBox="1">
+            <a:spLocks/>
+          </p:cNvSpPr>
           <p:nvPr/>
-        </p:nvPicPr>
-        <p:blipFill>
-          <a:blip r:embed="rId2"/>
-          <a:stretch>
-            <a:fillRect/>
-          </a:stretch>
-        </p:blipFill>
+        </p:nvSpPr>
         <p:spPr>
           <a:xfrm>
-            <a:off x="947143" y="2249431"/>
-            <a:ext cx="3356293" cy="2476679"/>
+            <a:off x="1629156" y="3325091"/>
+            <a:ext cx="8939784" cy="640419"/>
           </a:xfrm>
           <a:prstGeom prst="rect">
             <a:avLst/>
           </a:prstGeom>
         </p:spPr>
-      </p:pic>
-      <p:pic>
-        <p:nvPicPr>
-          <p:cNvPr id="4" name="Picture 3">
-            <a:extLst>
-              <a:ext uri="{FF2B5EF4-FFF2-40B4-BE49-F238E27FC236}">
-                <a16:creationId xmlns:a16="http://schemas.microsoft.com/office/drawing/2014/main" id="{337D64B2-3EF6-4E5D-907D-515FEBFF4C6D}"/>
-              </a:ext>
-            </a:extLst>
-          </p:cNvPr>
-          <p:cNvPicPr>
-            <a:picLocks noChangeAspect="1"/>
-          </p:cNvPicPr>
-          <p:nvPr/>
-        </p:nvPicPr>
-        <p:blipFill>
-          <a:blip r:embed="rId3"/>
-          <a:stretch>
-            <a:fillRect/>
-          </a:stretch>
-        </p:blipFill>
-        <p:spPr>
-          <a:xfrm>
-            <a:off x="4417853" y="2249431"/>
-            <a:ext cx="3356293" cy="2476679"/>
-          </a:xfrm>
-          <a:prstGeom prst="rect">
-            <a:avLst/>
-          </a:prstGeom>
-        </p:spPr>
-      </p:pic>
-      <p:pic>
-        <p:nvPicPr>
-          <p:cNvPr id="5" name="Picture 4">
-            <a:extLst>
-              <a:ext uri="{FF2B5EF4-FFF2-40B4-BE49-F238E27FC236}">
-                <a16:creationId xmlns:a16="http://schemas.microsoft.com/office/drawing/2014/main" id="{0C0192A5-54E5-4251-9B81-9F088BA2ED2F}"/>
-              </a:ext>
-            </a:extLst>
-          </p:cNvPr>
-          <p:cNvPicPr>
-            <a:picLocks noChangeAspect="1"/>
-          </p:cNvPicPr>
-          <p:nvPr/>
-        </p:nvPicPr>
-        <p:blipFill>
-          <a:blip r:embed="rId4"/>
-          <a:stretch>
-            <a:fillRect/>
-          </a:stretch>
-        </p:blipFill>
-        <p:spPr>
-          <a:xfrm>
-            <a:off x="7888563" y="2249432"/>
-            <a:ext cx="3402451" cy="2476679"/>
-          </a:xfrm>
-          <a:prstGeom prst="rect">
-            <a:avLst/>
-          </a:prstGeom>
-        </p:spPr>
-      </p:pic>
-      <p:sp>
-        <p:nvSpPr>
-          <p:cNvPr id="8" name="TextBox 7">
-            <a:extLst>
-              <a:ext uri="{FF2B5EF4-FFF2-40B4-BE49-F238E27FC236}">
-                <a16:creationId xmlns:a16="http://schemas.microsoft.com/office/drawing/2014/main" id="{FED4703C-2027-408C-9472-564B7FF57470}"/>
-              </a:ext>
-            </a:extLst>
-          </p:cNvPr>
-          <p:cNvSpPr txBox="1"/>
-          <p:nvPr/>
-        </p:nvSpPr>
-        <p:spPr>
-          <a:xfrm>
-            <a:off x="3199729" y="4961347"/>
-            <a:ext cx="6098240" cy="369332"/>
-          </a:xfrm>
-          <a:prstGeom prst="rect">
-            <a:avLst/>
-          </a:prstGeom>
-          <a:noFill/>
-        </p:spPr>
         <p:txBody>
-          <a:bodyPr wrap="square">
-            <a:spAutoFit/>
+          <a:bodyPr vert="horz" lIns="91440" tIns="45720" rIns="91440" bIns="45720" rtlCol="0" anchor="t">
+            <a:noAutofit/>
           </a:bodyPr>
-          <a:lstStyle/>
-          <a:p>
-            <a:pPr>
+          <a:lstStyle>
+            <a:lvl1pPr marL="0" indent="0" algn="ctr" defTabSz="914400" rtl="0" eaLnBrk="1" latinLnBrk="0" hangingPunct="1">
+              <a:lnSpc>
+                <a:spcPct val="110000"/>
+              </a:lnSpc>
+              <a:spcBef>
+                <a:spcPts val="900"/>
+              </a:spcBef>
               <a:spcAft>
-                <a:spcPts val="600"/>
+                <a:spcPts val="0"/>
               </a:spcAft>
+              <a:buClr>
+                <a:schemeClr val="tx1">
+                  <a:lumMod val="85000"/>
+                  <a:lumOff val="15000"/>
+                </a:schemeClr>
+              </a:buClr>
+              <a:buFont typeface="Garamond" pitchFamily="18" charset="0"/>
+              <a:buNone/>
+              <a:tabLst>
+                <a:tab pos="2633663" algn="l"/>
+              </a:tabLst>
+              <a:defRPr sz="1800" kern="1200">
+                <a:solidFill>
+                  <a:schemeClr val="tx1">
+                    <a:lumMod val="95000"/>
+                    <a:lumOff val="5000"/>
+                  </a:schemeClr>
+                </a:solidFill>
+                <a:effectLst/>
+                <a:latin typeface="+mn-lt"/>
+                <a:ea typeface="+mn-ea"/>
+                <a:cs typeface="+mn-cs"/>
+              </a:defRPr>
+            </a:lvl1pPr>
+            <a:lvl2pPr marL="457200" indent="0" algn="l" defTabSz="914400" rtl="0" eaLnBrk="1" latinLnBrk="0" hangingPunct="1">
+              <a:lnSpc>
+                <a:spcPct val="100000"/>
+              </a:lnSpc>
+              <a:spcBef>
+                <a:spcPts val="500"/>
+              </a:spcBef>
+              <a:buClr>
+                <a:schemeClr val="tx1">
+                  <a:lumMod val="85000"/>
+                  <a:lumOff val="15000"/>
+                </a:schemeClr>
+              </a:buClr>
+              <a:buFont typeface="Garamond" pitchFamily="18" charset="0"/>
+              <a:buNone/>
+              <a:defRPr sz="1600" kern="1200">
+                <a:solidFill>
+                  <a:schemeClr val="tx1">
+                    <a:tint val="75000"/>
+                  </a:schemeClr>
+                </a:solidFill>
+                <a:latin typeface="+mn-lt"/>
+                <a:ea typeface="+mn-ea"/>
+                <a:cs typeface="+mn-cs"/>
+              </a:defRPr>
+            </a:lvl2pPr>
+            <a:lvl3pPr marL="914400" indent="0" algn="l" defTabSz="914400" rtl="0" eaLnBrk="1" latinLnBrk="0" hangingPunct="1">
+              <a:lnSpc>
+                <a:spcPct val="100000"/>
+              </a:lnSpc>
+              <a:spcBef>
+                <a:spcPts val="500"/>
+              </a:spcBef>
+              <a:buClr>
+                <a:schemeClr val="tx1">
+                  <a:lumMod val="85000"/>
+                  <a:lumOff val="15000"/>
+                </a:schemeClr>
+              </a:buClr>
+              <a:buFont typeface="Garamond" pitchFamily="18" charset="0"/>
+              <a:buNone/>
+              <a:defRPr sz="1600" kern="1200">
+                <a:solidFill>
+                  <a:schemeClr val="tx1">
+                    <a:tint val="75000"/>
+                  </a:schemeClr>
+                </a:solidFill>
+                <a:latin typeface="+mn-lt"/>
+                <a:ea typeface="+mn-ea"/>
+                <a:cs typeface="+mn-cs"/>
+              </a:defRPr>
+            </a:lvl3pPr>
+            <a:lvl4pPr marL="1371600" indent="0" algn="l" defTabSz="914400" rtl="0" eaLnBrk="1" latinLnBrk="0" hangingPunct="1">
+              <a:lnSpc>
+                <a:spcPct val="100000"/>
+              </a:lnSpc>
+              <a:spcBef>
+                <a:spcPts val="500"/>
+              </a:spcBef>
+              <a:buClr>
+                <a:schemeClr val="tx1">
+                  <a:lumMod val="85000"/>
+                  <a:lumOff val="15000"/>
+                </a:schemeClr>
+              </a:buClr>
+              <a:buFont typeface="Garamond" pitchFamily="18" charset="0"/>
+              <a:buNone/>
+              <a:defRPr sz="1400" kern="1200">
+                <a:solidFill>
+                  <a:schemeClr val="tx1">
+                    <a:tint val="75000"/>
+                  </a:schemeClr>
+                </a:solidFill>
+                <a:latin typeface="+mn-lt"/>
+                <a:ea typeface="+mn-ea"/>
+                <a:cs typeface="+mn-cs"/>
+              </a:defRPr>
+            </a:lvl4pPr>
+            <a:lvl5pPr marL="1828800" indent="0" algn="l" defTabSz="914400" rtl="0" eaLnBrk="1" latinLnBrk="0" hangingPunct="1">
+              <a:lnSpc>
+                <a:spcPct val="100000"/>
+              </a:lnSpc>
+              <a:spcBef>
+                <a:spcPts val="500"/>
+              </a:spcBef>
+              <a:buClr>
+                <a:schemeClr val="tx1">
+                  <a:lumMod val="85000"/>
+                  <a:lumOff val="15000"/>
+                </a:schemeClr>
+              </a:buClr>
+              <a:buFont typeface="Garamond" pitchFamily="18" charset="0"/>
+              <a:buNone/>
+              <a:defRPr sz="1400" kern="1200">
+                <a:solidFill>
+                  <a:schemeClr val="tx1">
+                    <a:tint val="75000"/>
+                  </a:schemeClr>
+                </a:solidFill>
+                <a:latin typeface="+mn-lt"/>
+                <a:ea typeface="+mn-ea"/>
+                <a:cs typeface="+mn-cs"/>
+              </a:defRPr>
+            </a:lvl5pPr>
+            <a:lvl6pPr marL="2286000" indent="0" algn="l" defTabSz="914400" rtl="0" eaLnBrk="1" latinLnBrk="0" hangingPunct="1">
+              <a:lnSpc>
+                <a:spcPct val="100000"/>
+              </a:lnSpc>
+              <a:spcBef>
+                <a:spcPts val="500"/>
+              </a:spcBef>
+              <a:buClr>
+                <a:schemeClr val="tx1">
+                  <a:lumMod val="85000"/>
+                  <a:lumOff val="15000"/>
+                </a:schemeClr>
+              </a:buClr>
+              <a:buFont typeface="Garamond" pitchFamily="18" charset="0"/>
+              <a:buNone/>
+              <a:defRPr sz="1400" kern="1200">
+                <a:solidFill>
+                  <a:schemeClr val="tx1">
+                    <a:tint val="75000"/>
+                  </a:schemeClr>
+                </a:solidFill>
+                <a:latin typeface="+mn-lt"/>
+                <a:ea typeface="+mn-ea"/>
+                <a:cs typeface="+mn-cs"/>
+              </a:defRPr>
+            </a:lvl6pPr>
+            <a:lvl7pPr marL="2743200" indent="0" algn="l" defTabSz="914400" rtl="0" eaLnBrk="1" latinLnBrk="0" hangingPunct="1">
+              <a:lnSpc>
+                <a:spcPct val="100000"/>
+              </a:lnSpc>
+              <a:spcBef>
+                <a:spcPts val="500"/>
+              </a:spcBef>
+              <a:buClr>
+                <a:schemeClr val="tx1">
+                  <a:lumMod val="85000"/>
+                  <a:lumOff val="15000"/>
+                </a:schemeClr>
+              </a:buClr>
+              <a:buFont typeface="Garamond" pitchFamily="18" charset="0"/>
+              <a:buNone/>
+              <a:defRPr sz="1400" kern="1200">
+                <a:solidFill>
+                  <a:schemeClr val="tx1">
+                    <a:tint val="75000"/>
+                  </a:schemeClr>
+                </a:solidFill>
+                <a:latin typeface="+mn-lt"/>
+                <a:ea typeface="+mn-ea"/>
+                <a:cs typeface="+mn-cs"/>
+              </a:defRPr>
+            </a:lvl7pPr>
+            <a:lvl8pPr marL="3200400" indent="0" algn="l" defTabSz="914400" rtl="0" eaLnBrk="1" latinLnBrk="0" hangingPunct="1">
+              <a:lnSpc>
+                <a:spcPct val="100000"/>
+              </a:lnSpc>
+              <a:spcBef>
+                <a:spcPts val="500"/>
+              </a:spcBef>
+              <a:buClr>
+                <a:schemeClr val="tx1">
+                  <a:lumMod val="85000"/>
+                  <a:lumOff val="15000"/>
+                </a:schemeClr>
+              </a:buClr>
+              <a:buFont typeface="Garamond" pitchFamily="18" charset="0"/>
+              <a:buNone/>
+              <a:defRPr sz="1400" kern="1200">
+                <a:solidFill>
+                  <a:schemeClr val="tx1">
+                    <a:tint val="75000"/>
+                  </a:schemeClr>
+                </a:solidFill>
+                <a:latin typeface="+mn-lt"/>
+                <a:ea typeface="+mn-ea"/>
+                <a:cs typeface="+mn-cs"/>
+              </a:defRPr>
+            </a:lvl8pPr>
+            <a:lvl9pPr marL="3657600" indent="0" algn="l" defTabSz="914400" rtl="0" eaLnBrk="1" latinLnBrk="0" hangingPunct="1">
+              <a:lnSpc>
+                <a:spcPct val="100000"/>
+              </a:lnSpc>
+              <a:spcBef>
+                <a:spcPts val="500"/>
+              </a:spcBef>
+              <a:buClr>
+                <a:schemeClr val="tx1">
+                  <a:lumMod val="85000"/>
+                  <a:lumOff val="15000"/>
+                </a:schemeClr>
+              </a:buClr>
+              <a:buFont typeface="Garamond" pitchFamily="18" charset="0"/>
+              <a:buNone/>
+              <a:defRPr sz="1400" kern="1200">
+                <a:solidFill>
+                  <a:schemeClr val="tx1">
+                    <a:tint val="75000"/>
+                  </a:schemeClr>
+                </a:solidFill>
+                <a:latin typeface="+mn-lt"/>
+                <a:ea typeface="+mn-ea"/>
+                <a:cs typeface="+mn-cs"/>
+              </a:defRPr>
+            </a:lvl9pPr>
+          </a:lstStyle>
+          <a:p>
+            <a:pPr marR="0" lvl="1" algn="ctr" fontAlgn="base">
+              <a:spcBef>
+                <a:spcPts val="0"/>
+              </a:spcBef>
+              <a:spcAft>
+                <a:spcPts val="0"/>
+              </a:spcAft>
+              <a:buSzPts val="1000"/>
+              <a:tabLst>
+                <a:tab pos="914400" algn="l"/>
+              </a:tabLst>
             </a:pPr>
             <a:r>
-              <a:rPr lang="en-US" dirty="0"/>
-              <a:t>Crime rate vs Avg House Price (by the suburbs)</a:t>
-            </a:r>
-          </a:p>
-        </p:txBody>
-      </p:sp>
-      <p:sp>
-        <p:nvSpPr>
-          <p:cNvPr id="9" name="TextBox 8">
-            <a:extLst>
-              <a:ext uri="{FF2B5EF4-FFF2-40B4-BE49-F238E27FC236}">
-                <a16:creationId xmlns:a16="http://schemas.microsoft.com/office/drawing/2014/main" id="{41AC4E0F-8A5C-4A39-9397-093357022E68}"/>
-              </a:ext>
-            </a:extLst>
-          </p:cNvPr>
-          <p:cNvSpPr txBox="1"/>
-          <p:nvPr/>
-        </p:nvSpPr>
-        <p:spPr>
-          <a:xfrm>
-            <a:off x="4023360" y="5272284"/>
-            <a:ext cx="3750786" cy="369332"/>
-          </a:xfrm>
-          <a:prstGeom prst="rect">
-            <a:avLst/>
-          </a:prstGeom>
-          <a:noFill/>
-        </p:spPr>
-        <p:txBody>
-          <a:bodyPr wrap="square" rtlCol="0">
-            <a:spAutoFit/>
-          </a:bodyPr>
-          <a:lstStyle/>
-          <a:p>
-            <a:r>
-              <a:rPr lang="en-AU" dirty="0"/>
-              <a:t>- Negative correlation…?</a:t>
-            </a:r>
+              <a:rPr lang="en-AU" sz="3000" dirty="0">
+                <a:solidFill>
+                  <a:srgbClr val="000000"/>
+                </a:solidFill>
+                <a:effectLst/>
+                <a:latin typeface="Century Gothic (Body)"/>
+                <a:ea typeface="Times New Roman" panose="02020603050405020304" pitchFamily="18" charset="0"/>
+                <a:cs typeface="Times New Roman" panose="02020603050405020304" pitchFamily="18" charset="0"/>
+              </a:rPr>
+              <a:t>The distance from CBD has direct correlation to the house pricing. </a:t>
+            </a:r>
+          </a:p>
+          <a:p>
+            <a:pPr marR="0" lvl="1" algn="ctr" fontAlgn="base">
+              <a:spcBef>
+                <a:spcPts val="0"/>
+              </a:spcBef>
+              <a:spcAft>
+                <a:spcPts val="0"/>
+              </a:spcAft>
+              <a:buSzPts val="1000"/>
+              <a:tabLst>
+                <a:tab pos="914400" algn="l"/>
+              </a:tabLst>
+            </a:pPr>
+            <a:r>
+              <a:rPr lang="en-AU" sz="3000" dirty="0">
+                <a:solidFill>
+                  <a:srgbClr val="000000"/>
+                </a:solidFill>
+                <a:effectLst/>
+                <a:latin typeface="Century Gothic (Body)"/>
+                <a:ea typeface="Times New Roman" panose="02020603050405020304" pitchFamily="18" charset="0"/>
+                <a:cs typeface="Times New Roman" panose="02020603050405020304" pitchFamily="18" charset="0"/>
+              </a:rPr>
+              <a:t>The closer to the CBD, the higher the house price</a:t>
+            </a:r>
+            <a:endParaRPr lang="en-AU" sz="3000" dirty="0">
+              <a:latin typeface="Century Gothic (Body)"/>
+            </a:endParaRPr>
+          </a:p>
+          <a:p>
+            <a:pPr marR="0" lvl="1" algn="just" fontAlgn="base">
+              <a:spcBef>
+                <a:spcPts val="0"/>
+              </a:spcBef>
+              <a:spcAft>
+                <a:spcPts val="0"/>
+              </a:spcAft>
+              <a:buSzPts val="1000"/>
+              <a:tabLst>
+                <a:tab pos="914400" algn="l"/>
+              </a:tabLst>
+            </a:pPr>
+            <a:endParaRPr lang="en-AU" sz="3000" dirty="0"/>
           </a:p>
         </p:txBody>
       </p:sp>
     </p:spTree>
     <p:extLst>
       <p:ext uri="{BB962C8B-B14F-4D97-AF65-F5344CB8AC3E}">
-        <p14:creationId xmlns:p14="http://schemas.microsoft.com/office/powerpoint/2010/main" val="1204627158"/>
+        <p14:creationId xmlns:p14="http://schemas.microsoft.com/office/powerpoint/2010/main" val="3223906642"/>
       </p:ext>
     </p:extLst>
   </p:cSld>
@@ -9013,45 +11241,12 @@
           <a:chExt cx="0" cy="0"/>
         </a:xfrm>
       </p:grpSpPr>
-      <p:pic>
-        <p:nvPicPr>
-          <p:cNvPr id="4" name="Picture 3">
+      <p:sp>
+        <p:nvSpPr>
+          <p:cNvPr id="2" name="Title 1">
             <a:extLst>
               <a:ext uri="{FF2B5EF4-FFF2-40B4-BE49-F238E27FC236}">
-                <a16:creationId xmlns:a16="http://schemas.microsoft.com/office/drawing/2014/main" id="{C3D18BA8-00F9-4F22-A5FF-AE2A806621AF}"/>
-              </a:ext>
-            </a:extLst>
-          </p:cNvPr>
-          <p:cNvPicPr>
-            <a:picLocks noChangeAspect="1"/>
-          </p:cNvPicPr>
-          <p:nvPr/>
-        </p:nvPicPr>
-        <p:blipFill rotWithShape="1">
-          <a:blip r:embed="rId2"/>
-          <a:srcRect l="9563"/>
-          <a:stretch/>
-        </p:blipFill>
-        <p:spPr>
-          <a:xfrm>
-            <a:off x="228599" y="237744"/>
-            <a:ext cx="7696201" cy="6382512"/>
-          </a:xfrm>
-          <a:prstGeom prst="rect">
-            <a:avLst/>
-          </a:prstGeom>
-          <a:noFill/>
-          <a:ln>
-            <a:noFill/>
-          </a:ln>
-        </p:spPr>
-      </p:pic>
-      <p:sp>
-        <p:nvSpPr>
-          <p:cNvPr id="8" name="Title 2">
-            <a:extLst>
-              <a:ext uri="{FF2B5EF4-FFF2-40B4-BE49-F238E27FC236}">
-                <a16:creationId xmlns:a16="http://schemas.microsoft.com/office/drawing/2014/main" id="{49B21D8B-0E4F-4689-81A7-3CD7742EDFA1}"/>
+                <a16:creationId xmlns:a16="http://schemas.microsoft.com/office/drawing/2014/main" id="{CB7E4E96-4AFC-4DA9-A8A2-D7A0CEE1DF73}"/>
               </a:ext>
             </a:extLst>
           </p:cNvPr>
@@ -9062,64 +11257,27 @@
             <p:ph type="title"/>
           </p:nvPr>
         </p:nvSpPr>
-        <p:spPr>
-          <a:xfrm>
-            <a:off x="8477250" y="603504"/>
-            <a:ext cx="3144774" cy="1645920"/>
-          </a:xfrm>
-        </p:spPr>
+        <p:spPr/>
         <p:txBody>
-          <a:bodyPr/>
+          <a:bodyPr>
+            <a:normAutofit/>
+          </a:bodyPr>
           <a:lstStyle/>
           <a:p>
             <a:r>
-              <a:rPr lang="en-US" sz="2000" b="1" dirty="0">
-                <a:solidFill>
-                  <a:srgbClr val="000000"/>
-                </a:solidFill>
-                <a:latin typeface="Helvetica Neue"/>
-              </a:rPr>
-              <a:t>C</a:t>
-            </a:r>
-            <a:r>
-              <a:rPr lang="en-US" sz="2000" b="1" i="0" dirty="0">
-                <a:solidFill>
-                  <a:srgbClr val="000000"/>
-                </a:solidFill>
-                <a:effectLst/>
-                <a:latin typeface="Helvetica Neue"/>
-              </a:rPr>
-              <a:t>orrelation </a:t>
-            </a:r>
-            <a:r>
-              <a:rPr lang="en-US" sz="2000" b="1" dirty="0">
-                <a:solidFill>
-                  <a:srgbClr val="000000"/>
-                </a:solidFill>
-                <a:latin typeface="Helvetica Neue"/>
-              </a:rPr>
-              <a:t>A</a:t>
-            </a:r>
-            <a:r>
-              <a:rPr lang="en-US" sz="2000" b="1" i="0" dirty="0">
-                <a:solidFill>
-                  <a:srgbClr val="000000"/>
-                </a:solidFill>
-                <a:effectLst/>
-                <a:latin typeface="Helvetica Neue"/>
-              </a:rPr>
-              <a:t>nalysis for Top Expensive Suburbs</a:t>
-            </a:r>
-            <a:endParaRPr lang="en-US" sz="2000" dirty="0"/>
+              <a:rPr lang="en-US" dirty="0"/>
+              <a:t>All house prices in all suburbs</a:t>
+            </a:r>
+            <a:endParaRPr lang="en-AU" dirty="0"/>
           </a:p>
         </p:txBody>
       </p:sp>
       <p:sp>
         <p:nvSpPr>
-          <p:cNvPr id="10" name="Text Placeholder 3">
+          <p:cNvPr id="4" name="Content Placeholder 3">
             <a:extLst>
               <a:ext uri="{FF2B5EF4-FFF2-40B4-BE49-F238E27FC236}">
-                <a16:creationId xmlns:a16="http://schemas.microsoft.com/office/drawing/2014/main" id="{55822EFD-30D0-4631-B732-2F68A25427C4}"/>
+                <a16:creationId xmlns:a16="http://schemas.microsoft.com/office/drawing/2014/main" id="{DF241462-1BE0-4A94-B3CC-44A210968350}"/>
               </a:ext>
             </a:extLst>
           </p:cNvPr>
@@ -9127,61 +11285,91 @@
             <a:spLocks noGrp="1"/>
           </p:cNvSpPr>
           <p:nvPr>
-            <p:ph type="body" sz="half" idx="2"/>
+            <p:ph sz="half" idx="2"/>
           </p:nvPr>
         </p:nvSpPr>
-        <p:spPr>
-          <a:xfrm>
-            <a:off x="8477250" y="2386584"/>
-            <a:ext cx="3144774" cy="3511296"/>
-          </a:xfrm>
-        </p:spPr>
+        <p:spPr/>
         <p:txBody>
           <a:bodyPr/>
           <a:lstStyle/>
           <a:p>
-            <a:pPr marL="285750" indent="-285750">
-              <a:buFontTx/>
-              <a:buChar char="-"/>
-            </a:pPr>
-            <a:r>
-              <a:rPr lang="en-US" dirty="0"/>
-              <a:t>Negative correlation between the two factors </a:t>
-            </a:r>
-          </a:p>
-          <a:p>
-            <a:pPr marL="285750" indent="-285750">
-              <a:buFontTx/>
-              <a:buChar char="-"/>
-            </a:pPr>
-            <a:endParaRPr lang="en-US" dirty="0"/>
+            <a:r>
+              <a:rPr lang="en-US" sz="1800" b="1" dirty="0">
+                <a:solidFill>
+                  <a:srgbClr val="002060"/>
+                </a:solidFill>
+                <a:latin typeface="Times New Roman" panose="02020603050405020304" pitchFamily="18" charset="0"/>
+                <a:cs typeface="Times New Roman" panose="02020603050405020304" pitchFamily="18" charset="0"/>
+              </a:rPr>
+              <a:t>C</a:t>
+            </a:r>
+            <a:r>
+              <a:rPr lang="en-US" sz="1800" b="1" dirty="0">
+                <a:solidFill>
+                  <a:srgbClr val="002060"/>
+                </a:solidFill>
+                <a:effectLst/>
+                <a:latin typeface="Times New Roman" panose="02020603050405020304" pitchFamily="18" charset="0"/>
+                <a:cs typeface="Times New Roman" panose="02020603050405020304" pitchFamily="18" charset="0"/>
+              </a:rPr>
+              <a:t>orrelation Coefficient : -0.46</a:t>
+            </a:r>
+            <a:br>
+              <a:rPr lang="en-US" sz="1800" b="1" dirty="0">
+                <a:solidFill>
+                  <a:srgbClr val="002060"/>
+                </a:solidFill>
+                <a:effectLst/>
+                <a:latin typeface="Times New Roman" panose="02020603050405020304" pitchFamily="18" charset="0"/>
+                <a:cs typeface="Times New Roman" panose="02020603050405020304" pitchFamily="18" charset="0"/>
+              </a:rPr>
+            </a:br>
+            <a:r>
+              <a:rPr lang="en-US" sz="1800" b="1" dirty="0">
+                <a:solidFill>
+                  <a:srgbClr val="002060"/>
+                </a:solidFill>
+                <a:latin typeface="Times New Roman" panose="02020603050405020304" pitchFamily="18" charset="0"/>
+                <a:cs typeface="Times New Roman" panose="02020603050405020304" pitchFamily="18" charset="0"/>
+              </a:rPr>
+              <a:t>0.3 &lt;r &lt;0.5 =&gt;  Weak Relationship</a:t>
+            </a:r>
+            <a:endParaRPr lang="en-AU" dirty="0"/>
           </a:p>
         </p:txBody>
       </p:sp>
       <p:pic>
         <p:nvPicPr>
-          <p:cNvPr id="5" name="Picture 4">
+          <p:cNvPr id="5" name="Content Placeholder 4">
             <a:extLst>
               <a:ext uri="{FF2B5EF4-FFF2-40B4-BE49-F238E27FC236}">
-                <a16:creationId xmlns:a16="http://schemas.microsoft.com/office/drawing/2014/main" id="{960A6909-CFEA-4AB2-99BA-B334D7686A75}"/>
+                <a16:creationId xmlns:a16="http://schemas.microsoft.com/office/drawing/2014/main" id="{612E4B36-8553-451B-A3AE-3EFA9ADB7EEE}"/>
               </a:ext>
             </a:extLst>
           </p:cNvPr>
           <p:cNvPicPr>
-            <a:picLocks noChangeAspect="1"/>
+            <a:picLocks noGrp="1" noChangeAspect="1"/>
           </p:cNvPicPr>
-          <p:nvPr/>
+          <p:nvPr>
+            <p:ph sz="half" idx="1"/>
+          </p:nvPr>
         </p:nvPicPr>
         <p:blipFill>
-          <a:blip r:embed="rId3"/>
+          <a:blip r:embed="rId3">
+            <a:extLst>
+              <a:ext uri="{28A0092B-C50C-407E-A947-70E740481C1C}">
+                <a14:useLocalDpi xmlns:a14="http://schemas.microsoft.com/office/drawing/2010/main" val="0"/>
+              </a:ext>
+            </a:extLst>
+          </a:blip>
           <a:stretch>
             <a:fillRect/>
           </a:stretch>
         </p:blipFill>
         <p:spPr>
           <a:xfrm>
-            <a:off x="885824" y="899246"/>
-            <a:ext cx="6381750" cy="4810125"/>
+            <a:off x="992821" y="1925141"/>
+            <a:ext cx="5326874" cy="3749040"/>
           </a:xfrm>
           <a:prstGeom prst="rect">
             <a:avLst/>
@@ -9191,7 +11379,7 @@
     </p:spTree>
     <p:extLst>
       <p:ext uri="{BB962C8B-B14F-4D97-AF65-F5344CB8AC3E}">
-        <p14:creationId xmlns:p14="http://schemas.microsoft.com/office/powerpoint/2010/main" val="4288476070"/>
+        <p14:creationId xmlns:p14="http://schemas.microsoft.com/office/powerpoint/2010/main" val="1624840862"/>
       </p:ext>
     </p:extLst>
   </p:cSld>
@@ -9220,10 +11408,10 @@
       </p:grpSpPr>
       <p:sp>
         <p:nvSpPr>
-          <p:cNvPr id="14" name="Title 2">
+          <p:cNvPr id="2" name="Title 1">
             <a:extLst>
               <a:ext uri="{FF2B5EF4-FFF2-40B4-BE49-F238E27FC236}">
-                <a16:creationId xmlns:a16="http://schemas.microsoft.com/office/drawing/2014/main" id="{AD822B44-27A3-4111-B917-2089455AF685}"/>
+                <a16:creationId xmlns:a16="http://schemas.microsoft.com/office/drawing/2014/main" id="{37D063F4-871C-4CD1-8A6A-AA5E0E15D0A8}"/>
               </a:ext>
             </a:extLst>
           </p:cNvPr>
@@ -9234,36 +11422,37 @@
             <p:ph type="title"/>
           </p:nvPr>
         </p:nvSpPr>
-        <p:spPr>
-          <a:xfrm>
-            <a:off x="8477250" y="603504"/>
-            <a:ext cx="3144774" cy="1142169"/>
-          </a:xfrm>
-        </p:spPr>
+        <p:spPr/>
         <p:txBody>
-          <a:bodyPr/>
+          <a:bodyPr>
+            <a:normAutofit/>
+          </a:bodyPr>
           <a:lstStyle/>
           <a:p>
             <a:r>
-              <a:rPr lang="en-US" sz="2400" b="1" i="0" dirty="0">
+              <a:rPr lang="en-US" dirty="0"/>
+              <a:t>Top 10 highest house prices by suburbs</a:t>
+            </a:r>
+            <a:br>
+              <a:rPr lang="en-US" sz="4000" b="0" i="1" u="sng" dirty="0">
                 <a:solidFill>
                   <a:srgbClr val="000000"/>
                 </a:solidFill>
                 <a:effectLst/>
-                <a:latin typeface="Helvetica Neue"/>
+                <a:latin typeface="Times New Roman" panose="02020603050405020304" pitchFamily="18" charset="0"/>
+                <a:cs typeface="Times New Roman" panose="02020603050405020304" pitchFamily="18" charset="0"/>
               </a:rPr>
-              <a:t>Correlation Analysis for Top Crime Rate Suburbs</a:t>
-            </a:r>
-            <a:endParaRPr lang="en-US" sz="2400" dirty="0"/>
+            </a:br>
+            <a:endParaRPr lang="en-AU" dirty="0"/>
           </a:p>
         </p:txBody>
       </p:sp>
       <p:sp>
         <p:nvSpPr>
-          <p:cNvPr id="16" name="Text Placeholder 3">
+          <p:cNvPr id="4" name="Content Placeholder 3">
             <a:extLst>
               <a:ext uri="{FF2B5EF4-FFF2-40B4-BE49-F238E27FC236}">
-                <a16:creationId xmlns:a16="http://schemas.microsoft.com/office/drawing/2014/main" id="{41C7B312-70E5-423E-ABFF-449AB278FC7F}"/>
+                <a16:creationId xmlns:a16="http://schemas.microsoft.com/office/drawing/2014/main" id="{6838ABD3-7364-4B64-A3DA-36F161C7D12F}"/>
               </a:ext>
             </a:extLst>
           </p:cNvPr>
@@ -9271,73 +11460,83 @@
             <a:spLocks noGrp="1"/>
           </p:cNvSpPr>
           <p:nvPr>
-            <p:ph type="body" sz="half" idx="2"/>
+            <p:ph sz="half" idx="2"/>
           </p:nvPr>
         </p:nvSpPr>
-        <p:spPr>
-          <a:xfrm>
-            <a:off x="8477250" y="1828800"/>
-            <a:ext cx="3144774" cy="4069080"/>
-          </a:xfrm>
-        </p:spPr>
+        <p:spPr/>
         <p:txBody>
           <a:bodyPr>
             <a:normAutofit/>
           </a:bodyPr>
           <a:lstStyle/>
           <a:p>
-            <a:pPr marL="285750" indent="-285750">
-              <a:buFont typeface="Arial" panose="020B0604020202020204" pitchFamily="34" charset="0"/>
-              <a:buChar char="•"/>
-            </a:pPr>
-            <a:r>
-              <a:rPr lang="en-US" sz="1400" dirty="0"/>
-              <a:t>Top crime rate suburbs for each year, with their average house price</a:t>
-            </a:r>
-          </a:p>
-          <a:p>
-            <a:pPr marL="285750" indent="-285750">
-              <a:buFont typeface="Arial" panose="020B0604020202020204" pitchFamily="34" charset="0"/>
-              <a:buChar char="•"/>
-            </a:pPr>
-            <a:r>
-              <a:rPr lang="en-US" sz="1400" dirty="0"/>
-              <a:t>It seems like there’s a negative correlation between both factors</a:t>
-            </a:r>
-          </a:p>
-          <a:p>
-            <a:pPr marL="285750" indent="-285750">
-              <a:buFont typeface="Arial" panose="020B0604020202020204" pitchFamily="34" charset="0"/>
-              <a:buChar char="•"/>
-            </a:pPr>
-            <a:endParaRPr lang="en-US" sz="1400" dirty="0"/>
+            <a:r>
+              <a:rPr lang="en-US" sz="4500" b="0" dirty="0">
+                <a:solidFill>
+                  <a:srgbClr val="008000"/>
+                </a:solidFill>
+                <a:effectLst/>
+                <a:latin typeface="Times New Roman" panose="02020603050405020304" pitchFamily="18" charset="0"/>
+                <a:cs typeface="Times New Roman" panose="02020603050405020304" pitchFamily="18" charset="0"/>
+              </a:rPr>
+              <a:t>Downward </a:t>
+            </a:r>
+            <a:r>
+              <a:rPr lang="en-US" sz="4500" dirty="0">
+                <a:solidFill>
+                  <a:srgbClr val="008000"/>
+                </a:solidFill>
+                <a:latin typeface="Times New Roman" panose="02020603050405020304" pitchFamily="18" charset="0"/>
+                <a:cs typeface="Times New Roman" panose="02020603050405020304" pitchFamily="18" charset="0"/>
+              </a:rPr>
+              <a:t>T</a:t>
+            </a:r>
+            <a:r>
+              <a:rPr lang="en-US" sz="4500" b="0" dirty="0">
+                <a:solidFill>
+                  <a:srgbClr val="008000"/>
+                </a:solidFill>
+                <a:effectLst/>
+                <a:latin typeface="Times New Roman" panose="02020603050405020304" pitchFamily="18" charset="0"/>
+                <a:cs typeface="Times New Roman" panose="02020603050405020304" pitchFamily="18" charset="0"/>
+              </a:rPr>
+              <a:t>rend</a:t>
+            </a:r>
           </a:p>
         </p:txBody>
       </p:sp>
       <p:pic>
         <p:nvPicPr>
-          <p:cNvPr id="11" name="Picture 10">
+          <p:cNvPr id="6" name="Content Placeholder 5">
             <a:extLst>
               <a:ext uri="{FF2B5EF4-FFF2-40B4-BE49-F238E27FC236}">
-                <a16:creationId xmlns:a16="http://schemas.microsoft.com/office/drawing/2014/main" id="{B73A586E-72B5-4F75-952C-BAFF2FE02225}"/>
+                <a16:creationId xmlns:a16="http://schemas.microsoft.com/office/drawing/2014/main" id="{598E635E-C712-404B-B60D-73F7A1611C9D}"/>
               </a:ext>
             </a:extLst>
           </p:cNvPr>
           <p:cNvPicPr>
-            <a:picLocks noChangeAspect="1"/>
+            <a:picLocks noGrp="1" noChangeAspect="1"/>
           </p:cNvPicPr>
-          <p:nvPr/>
+          <p:nvPr>
+            <p:ph sz="half" idx="1"/>
+          </p:nvPr>
         </p:nvPicPr>
         <p:blipFill>
-          <a:blip r:embed="rId2"/>
+          <a:blip r:embed="rId2">
+            <a:extLst>
+              <a:ext uri="{28A0092B-C50C-407E-A947-70E740481C1C}">
+                <a14:useLocalDpi xmlns:a14="http://schemas.microsoft.com/office/drawing/2010/main" val="0"/>
+              </a:ext>
+            </a:extLst>
+          </a:blip>
           <a:stretch>
             <a:fillRect/>
           </a:stretch>
         </p:blipFill>
         <p:spPr>
           <a:xfrm>
-            <a:off x="799666" y="510921"/>
-            <a:ext cx="7267575" cy="5743575"/>
+            <a:off x="1245919" y="2103438"/>
+            <a:ext cx="4305837" cy="3748087"/>
           </a:xfrm>
           <a:prstGeom prst="rect">
             <a:avLst/>
@@ -9347,7 +11546,7 @@
     </p:spTree>
     <p:extLst>
       <p:ext uri="{BB962C8B-B14F-4D97-AF65-F5344CB8AC3E}">
-        <p14:creationId xmlns:p14="http://schemas.microsoft.com/office/powerpoint/2010/main" val="667082675"/>
+        <p14:creationId xmlns:p14="http://schemas.microsoft.com/office/powerpoint/2010/main" val="3599645948"/>
       </p:ext>
     </p:extLst>
   </p:cSld>
@@ -9376,10 +11575,10 @@
       </p:grpSpPr>
       <p:sp>
         <p:nvSpPr>
-          <p:cNvPr id="15" name="Title 1">
+          <p:cNvPr id="2" name="Title 1">
             <a:extLst>
               <a:ext uri="{FF2B5EF4-FFF2-40B4-BE49-F238E27FC236}">
-                <a16:creationId xmlns:a16="http://schemas.microsoft.com/office/drawing/2014/main" id="{A74E7194-31A6-4297-A890-780360DAF000}"/>
+                <a16:creationId xmlns:a16="http://schemas.microsoft.com/office/drawing/2014/main" id="{89F0CBEE-7DE8-4412-A384-A60A1EF6AC31}"/>
               </a:ext>
             </a:extLst>
           </p:cNvPr>
@@ -9390,60 +11589,1357 @@
             <p:ph type="title"/>
           </p:nvPr>
         </p:nvSpPr>
+        <p:spPr/>
+        <p:txBody>
+          <a:bodyPr>
+            <a:normAutofit fontScale="90000"/>
+          </a:bodyPr>
+          <a:lstStyle/>
+          <a:p>
+            <a:r>
+              <a:rPr lang="en-US" sz="4400" dirty="0"/>
+              <a:t>Top 10 highest house prices by suburbs</a:t>
+            </a:r>
+            <a:br>
+              <a:rPr lang="en-US" sz="4000" b="0" i="1" u="sng" dirty="0">
+                <a:solidFill>
+                  <a:srgbClr val="000000"/>
+                </a:solidFill>
+                <a:effectLst/>
+                <a:latin typeface="Times New Roman" panose="02020603050405020304" pitchFamily="18" charset="0"/>
+                <a:cs typeface="Times New Roman" panose="02020603050405020304" pitchFamily="18" charset="0"/>
+              </a:rPr>
+            </a:br>
+            <a:br>
+              <a:rPr lang="en-US" sz="4000" b="0" dirty="0">
+                <a:solidFill>
+                  <a:srgbClr val="008000"/>
+                </a:solidFill>
+                <a:effectLst/>
+                <a:latin typeface="Times New Roman" panose="02020603050405020304" pitchFamily="18" charset="0"/>
+                <a:cs typeface="Times New Roman" panose="02020603050405020304" pitchFamily="18" charset="0"/>
+              </a:rPr>
+            </a:br>
+            <a:endParaRPr lang="en-AU" dirty="0"/>
+          </a:p>
+        </p:txBody>
+      </p:sp>
+      <p:sp>
+        <p:nvSpPr>
+          <p:cNvPr id="4" name="Content Placeholder 3">
+            <a:extLst>
+              <a:ext uri="{FF2B5EF4-FFF2-40B4-BE49-F238E27FC236}">
+                <a16:creationId xmlns:a16="http://schemas.microsoft.com/office/drawing/2014/main" id="{F2963BD8-772A-4E84-AC4D-A5E55010C5F8}"/>
+              </a:ext>
+            </a:extLst>
+          </p:cNvPr>
+          <p:cNvSpPr>
+            <a:spLocks noGrp="1"/>
+          </p:cNvSpPr>
+          <p:nvPr>
+            <p:ph sz="half" idx="2"/>
+          </p:nvPr>
+        </p:nvSpPr>
+        <p:spPr/>
+        <p:txBody>
+          <a:bodyPr/>
+          <a:lstStyle/>
+          <a:p>
+            <a:r>
+              <a:rPr lang="en-US" sz="1800" b="0" dirty="0">
+                <a:solidFill>
+                  <a:srgbClr val="008000"/>
+                </a:solidFill>
+                <a:effectLst/>
+                <a:latin typeface="Times New Roman" panose="02020603050405020304" pitchFamily="18" charset="0"/>
+                <a:cs typeface="Times New Roman" panose="02020603050405020304" pitchFamily="18" charset="0"/>
+              </a:rPr>
+              <a:t>Y= -0.01 X + 2.05</a:t>
+            </a:r>
+            <a:endParaRPr lang="en-US" sz="1800" b="1" dirty="0">
+              <a:solidFill>
+                <a:srgbClr val="002060"/>
+              </a:solidFill>
+              <a:latin typeface="Times New Roman" panose="02020603050405020304" pitchFamily="18" charset="0"/>
+              <a:cs typeface="Times New Roman" panose="02020603050405020304" pitchFamily="18" charset="0"/>
+            </a:endParaRPr>
+          </a:p>
+          <a:p>
+            <a:r>
+              <a:rPr lang="en-US" sz="1800" b="1" dirty="0">
+                <a:solidFill>
+                  <a:srgbClr val="002060"/>
+                </a:solidFill>
+                <a:latin typeface="Times New Roman" panose="02020603050405020304" pitchFamily="18" charset="0"/>
+                <a:cs typeface="Times New Roman" panose="02020603050405020304" pitchFamily="18" charset="0"/>
+              </a:rPr>
+              <a:t>C</a:t>
+            </a:r>
+            <a:r>
+              <a:rPr lang="en-US" sz="1800" b="1" dirty="0">
+                <a:solidFill>
+                  <a:srgbClr val="002060"/>
+                </a:solidFill>
+                <a:effectLst/>
+                <a:latin typeface="Times New Roman" panose="02020603050405020304" pitchFamily="18" charset="0"/>
+                <a:cs typeface="Times New Roman" panose="02020603050405020304" pitchFamily="18" charset="0"/>
+              </a:rPr>
+              <a:t>orrelation Coefficient : -0.46 </a:t>
+            </a:r>
+            <a:r>
+              <a:rPr lang="en-US" sz="1800" b="1" dirty="0">
+                <a:solidFill>
+                  <a:srgbClr val="002060"/>
+                </a:solidFill>
+                <a:latin typeface="Times New Roman" panose="02020603050405020304" pitchFamily="18" charset="0"/>
+                <a:cs typeface="Times New Roman" panose="02020603050405020304" pitchFamily="18" charset="0"/>
+              </a:rPr>
+              <a:t>&lt;0.5</a:t>
+            </a:r>
+            <a:br>
+              <a:rPr lang="en-US" sz="1800" b="1" dirty="0">
+                <a:solidFill>
+                  <a:srgbClr val="002060"/>
+                </a:solidFill>
+                <a:effectLst/>
+                <a:latin typeface="Times New Roman" panose="02020603050405020304" pitchFamily="18" charset="0"/>
+                <a:cs typeface="Times New Roman" panose="02020603050405020304" pitchFamily="18" charset="0"/>
+              </a:rPr>
+            </a:br>
+            <a:r>
+              <a:rPr lang="en-US" sz="1800" b="1" dirty="0">
+                <a:solidFill>
+                  <a:srgbClr val="002060"/>
+                </a:solidFill>
+                <a:latin typeface="Times New Roman" panose="02020603050405020304" pitchFamily="18" charset="0"/>
+                <a:cs typeface="Times New Roman" panose="02020603050405020304" pitchFamily="18" charset="0"/>
+              </a:rPr>
+              <a:t>P-value: 0.77 &gt;0.05</a:t>
+            </a:r>
+            <a:br>
+              <a:rPr lang="en-US" sz="1800" b="1" dirty="0">
+                <a:solidFill>
+                  <a:srgbClr val="002060"/>
+                </a:solidFill>
+                <a:latin typeface="Times New Roman" panose="02020603050405020304" pitchFamily="18" charset="0"/>
+                <a:cs typeface="Times New Roman" panose="02020603050405020304" pitchFamily="18" charset="0"/>
+              </a:rPr>
+            </a:br>
+            <a:r>
+              <a:rPr lang="en-US" sz="1800" b="1" dirty="0">
+                <a:solidFill>
+                  <a:srgbClr val="002060"/>
+                </a:solidFill>
+                <a:effectLst/>
+                <a:latin typeface="Times New Roman" panose="02020603050405020304" pitchFamily="18" charset="0"/>
+                <a:cs typeface="Times New Roman" panose="02020603050405020304" pitchFamily="18" charset="0"/>
+              </a:rPr>
+              <a:t>(H0) is approved</a:t>
+            </a:r>
+            <a:endParaRPr lang="en-AU" dirty="0"/>
+          </a:p>
+        </p:txBody>
+      </p:sp>
+      <p:pic>
+        <p:nvPicPr>
+          <p:cNvPr id="5" name="Content Placeholder 4">
+            <a:extLst>
+              <a:ext uri="{FF2B5EF4-FFF2-40B4-BE49-F238E27FC236}">
+                <a16:creationId xmlns:a16="http://schemas.microsoft.com/office/drawing/2014/main" id="{65E15771-4B87-4E4A-951E-5A2A0CD0CDBE}"/>
+              </a:ext>
+            </a:extLst>
+          </p:cNvPr>
+          <p:cNvPicPr>
+            <a:picLocks noGrp="1" noChangeAspect="1"/>
+          </p:cNvPicPr>
+          <p:nvPr>
+            <p:ph sz="half" idx="1"/>
+          </p:nvPr>
+        </p:nvPicPr>
+        <p:blipFill>
+          <a:blip r:embed="rId2">
+            <a:extLst>
+              <a:ext uri="{28A0092B-C50C-407E-A947-70E740481C1C}">
+                <a14:useLocalDpi xmlns:a14="http://schemas.microsoft.com/office/drawing/2010/main" val="0"/>
+              </a:ext>
+            </a:extLst>
+          </a:blip>
+          <a:stretch>
+            <a:fillRect/>
+          </a:stretch>
+        </p:blipFill>
         <p:spPr>
           <a:xfrm>
-            <a:off x="1066800" y="642594"/>
-            <a:ext cx="10058400" cy="1371600"/>
+            <a:off x="1524794" y="2103438"/>
+            <a:ext cx="3748087" cy="3748087"/>
           </a:xfrm>
+          <a:prstGeom prst="rect">
+            <a:avLst/>
+          </a:prstGeom>
         </p:spPr>
+      </p:pic>
+    </p:spTree>
+    <p:extLst>
+      <p:ext uri="{BB962C8B-B14F-4D97-AF65-F5344CB8AC3E}">
+        <p14:creationId xmlns:p14="http://schemas.microsoft.com/office/powerpoint/2010/main" val="3982819442"/>
+      </p:ext>
+    </p:extLst>
+  </p:cSld>
+  <p:clrMapOvr>
+    <a:masterClrMapping/>
+  </p:clrMapOvr>
+</p:sld>
+</file>
+
+<file path=ppt/slides/slide14.xml><?xml version="1.0" encoding="utf-8"?>
+<p:sld xmlns:a="http://schemas.openxmlformats.org/drawingml/2006/main" xmlns:r="http://schemas.openxmlformats.org/officeDocument/2006/relationships" xmlns:p="http://schemas.openxmlformats.org/presentationml/2006/main">
+  <p:cSld>
+    <p:spTree>
+      <p:nvGrpSpPr>
+        <p:cNvPr id="1" name=""/>
+        <p:cNvGrpSpPr/>
+        <p:nvPr/>
+      </p:nvGrpSpPr>
+      <p:grpSpPr>
+        <a:xfrm>
+          <a:off x="0" y="0"/>
+          <a:ext cx="0" cy="0"/>
+          <a:chOff x="0" y="0"/>
+          <a:chExt cx="0" cy="0"/>
+        </a:xfrm>
+      </p:grpSpPr>
+      <p:sp>
+        <p:nvSpPr>
+          <p:cNvPr id="2" name="Title 1">
+            <a:extLst>
+              <a:ext uri="{FF2B5EF4-FFF2-40B4-BE49-F238E27FC236}">
+                <a16:creationId xmlns:a16="http://schemas.microsoft.com/office/drawing/2014/main" id="{A307EA7A-9767-47F3-96F7-F418FFD779AF}"/>
+              </a:ext>
+            </a:extLst>
+          </p:cNvPr>
+          <p:cNvSpPr>
+            <a:spLocks noGrp="1"/>
+          </p:cNvSpPr>
+          <p:nvPr>
+            <p:ph type="title"/>
+          </p:nvPr>
+        </p:nvSpPr>
+        <p:spPr/>
         <p:txBody>
-          <a:bodyPr anchor="ctr">
+          <a:bodyPr>
+            <a:normAutofit fontScale="90000"/>
+          </a:bodyPr>
+          <a:lstStyle/>
+          <a:p>
+            <a:r>
+              <a:rPr lang="en-US" dirty="0"/>
+              <a:t>Top 20 highest house prices by suburb &amp; type</a:t>
+            </a:r>
+            <a:br>
+              <a:rPr lang="en-US" sz="4000" b="0" i="1" u="sng" dirty="0">
+                <a:solidFill>
+                  <a:srgbClr val="000000"/>
+                </a:solidFill>
+                <a:effectLst/>
+                <a:latin typeface="Times New Roman" panose="02020603050405020304" pitchFamily="18" charset="0"/>
+                <a:cs typeface="Times New Roman" panose="02020603050405020304" pitchFamily="18" charset="0"/>
+              </a:rPr>
+            </a:br>
+            <a:endParaRPr lang="en-AU" dirty="0"/>
+          </a:p>
+        </p:txBody>
+      </p:sp>
+      <p:sp>
+        <p:nvSpPr>
+          <p:cNvPr id="4" name="Content Placeholder 3">
+            <a:extLst>
+              <a:ext uri="{FF2B5EF4-FFF2-40B4-BE49-F238E27FC236}">
+                <a16:creationId xmlns:a16="http://schemas.microsoft.com/office/drawing/2014/main" id="{A9C72457-4C7B-45E6-AFE5-AEE915BBFCFB}"/>
+              </a:ext>
+            </a:extLst>
+          </p:cNvPr>
+          <p:cNvSpPr>
+            <a:spLocks noGrp="1"/>
+          </p:cNvSpPr>
+          <p:nvPr>
+            <p:ph sz="half" idx="2"/>
+          </p:nvPr>
+        </p:nvSpPr>
+        <p:spPr/>
+        <p:txBody>
+          <a:bodyPr/>
+          <a:lstStyle/>
+          <a:p>
+            <a:r>
+              <a:rPr lang="en-US" sz="4500" dirty="0">
+                <a:solidFill>
+                  <a:srgbClr val="008000"/>
+                </a:solidFill>
+                <a:latin typeface="Times New Roman" panose="02020603050405020304" pitchFamily="18" charset="0"/>
+                <a:cs typeface="Times New Roman" panose="02020603050405020304" pitchFamily="18" charset="0"/>
+              </a:rPr>
+              <a:t>Downward Trend</a:t>
+            </a:r>
+            <a:br>
+              <a:rPr lang="en-US" sz="1800" b="0" dirty="0">
+                <a:solidFill>
+                  <a:srgbClr val="008000"/>
+                </a:solidFill>
+                <a:effectLst/>
+                <a:latin typeface="Times New Roman" panose="02020603050405020304" pitchFamily="18" charset="0"/>
+                <a:cs typeface="Times New Roman" panose="02020603050405020304" pitchFamily="18" charset="0"/>
+              </a:rPr>
+            </a:br>
+            <a:r>
+              <a:rPr lang="en-US" b="0" dirty="0">
+                <a:solidFill>
+                  <a:srgbClr val="008000"/>
+                </a:solidFill>
+                <a:effectLst/>
+                <a:latin typeface="Times New Roman" panose="02020603050405020304" pitchFamily="18" charset="0"/>
+                <a:cs typeface="Times New Roman" panose="02020603050405020304" pitchFamily="18" charset="0"/>
+              </a:rPr>
+              <a:t>(House Type: House)</a:t>
+            </a:r>
+          </a:p>
+          <a:p>
+            <a:endParaRPr lang="en-AU" dirty="0"/>
+          </a:p>
+        </p:txBody>
+      </p:sp>
+      <p:pic>
+        <p:nvPicPr>
+          <p:cNvPr id="6" name="Content Placeholder 5">
+            <a:extLst>
+              <a:ext uri="{FF2B5EF4-FFF2-40B4-BE49-F238E27FC236}">
+                <a16:creationId xmlns:a16="http://schemas.microsoft.com/office/drawing/2014/main" id="{E82E2B3A-4FED-460F-9BA6-5485A32E03C5}"/>
+              </a:ext>
+            </a:extLst>
+          </p:cNvPr>
+          <p:cNvPicPr>
+            <a:picLocks noGrp="1" noChangeAspect="1"/>
+          </p:cNvPicPr>
+          <p:nvPr>
+            <p:ph sz="half" idx="1"/>
+          </p:nvPr>
+        </p:nvPicPr>
+        <p:blipFill>
+          <a:blip r:embed="rId2">
+            <a:extLst>
+              <a:ext uri="{28A0092B-C50C-407E-A947-70E740481C1C}">
+                <a14:useLocalDpi xmlns:a14="http://schemas.microsoft.com/office/drawing/2010/main" val="0"/>
+              </a:ext>
+            </a:extLst>
+          </a:blip>
+          <a:stretch>
+            <a:fillRect/>
+          </a:stretch>
+        </p:blipFill>
+        <p:spPr>
+          <a:xfrm>
+            <a:off x="1422387" y="2103438"/>
+            <a:ext cx="3952900" cy="3748087"/>
+          </a:xfrm>
+          <a:prstGeom prst="rect">
+            <a:avLst/>
+          </a:prstGeom>
+        </p:spPr>
+      </p:pic>
+    </p:spTree>
+    <p:extLst>
+      <p:ext uri="{BB962C8B-B14F-4D97-AF65-F5344CB8AC3E}">
+        <p14:creationId xmlns:p14="http://schemas.microsoft.com/office/powerpoint/2010/main" val="2537821750"/>
+      </p:ext>
+    </p:extLst>
+  </p:cSld>
+  <p:clrMapOvr>
+    <a:masterClrMapping/>
+  </p:clrMapOvr>
+</p:sld>
+</file>
+
+<file path=ppt/slides/slide15.xml><?xml version="1.0" encoding="utf-8"?>
+<p:sld xmlns:a="http://schemas.openxmlformats.org/drawingml/2006/main" xmlns:r="http://schemas.openxmlformats.org/officeDocument/2006/relationships" xmlns:p="http://schemas.openxmlformats.org/presentationml/2006/main">
+  <p:cSld>
+    <p:spTree>
+      <p:nvGrpSpPr>
+        <p:cNvPr id="1" name=""/>
+        <p:cNvGrpSpPr/>
+        <p:nvPr/>
+      </p:nvGrpSpPr>
+      <p:grpSpPr>
+        <a:xfrm>
+          <a:off x="0" y="0"/>
+          <a:ext cx="0" cy="0"/>
+          <a:chOff x="0" y="0"/>
+          <a:chExt cx="0" cy="0"/>
+        </a:xfrm>
+      </p:grpSpPr>
+      <p:sp>
+        <p:nvSpPr>
+          <p:cNvPr id="2" name="Title 1">
+            <a:extLst>
+              <a:ext uri="{FF2B5EF4-FFF2-40B4-BE49-F238E27FC236}">
+                <a16:creationId xmlns:a16="http://schemas.microsoft.com/office/drawing/2014/main" id="{E4B251DA-9632-4C20-9850-37F9386F8935}"/>
+              </a:ext>
+            </a:extLst>
+          </p:cNvPr>
+          <p:cNvSpPr>
+            <a:spLocks noGrp="1"/>
+          </p:cNvSpPr>
+          <p:nvPr>
+            <p:ph type="title"/>
+          </p:nvPr>
+        </p:nvSpPr>
+        <p:spPr/>
+        <p:txBody>
+          <a:bodyPr>
+            <a:normAutofit fontScale="90000"/>
+          </a:bodyPr>
+          <a:lstStyle/>
+          <a:p>
+            <a:r>
+              <a:rPr lang="en-US" dirty="0"/>
+              <a:t>Top 20 highest house prices by suburbs &amp; type</a:t>
+            </a:r>
+            <a:br>
+              <a:rPr lang="en-US" dirty="0"/>
+            </a:br>
+            <a:endParaRPr lang="en-AU" dirty="0"/>
+          </a:p>
+        </p:txBody>
+      </p:sp>
+      <p:sp>
+        <p:nvSpPr>
+          <p:cNvPr id="4" name="Content Placeholder 3">
+            <a:extLst>
+              <a:ext uri="{FF2B5EF4-FFF2-40B4-BE49-F238E27FC236}">
+                <a16:creationId xmlns:a16="http://schemas.microsoft.com/office/drawing/2014/main" id="{87ACD876-EFAC-4040-98B1-1CD4CCDB2646}"/>
+              </a:ext>
+            </a:extLst>
+          </p:cNvPr>
+          <p:cNvSpPr>
+            <a:spLocks noGrp="1"/>
+          </p:cNvSpPr>
+          <p:nvPr>
+            <p:ph sz="half" idx="2"/>
+          </p:nvPr>
+        </p:nvSpPr>
+        <p:spPr/>
+        <p:txBody>
+          <a:bodyPr/>
+          <a:lstStyle/>
+          <a:p>
+            <a:r>
+              <a:rPr lang="en-US" sz="1800" b="0" dirty="0">
+                <a:solidFill>
+                  <a:srgbClr val="008000"/>
+                </a:solidFill>
+                <a:effectLst/>
+                <a:latin typeface="Times New Roman" panose="02020603050405020304" pitchFamily="18" charset="0"/>
+                <a:cs typeface="Times New Roman" panose="02020603050405020304" pitchFamily="18" charset="0"/>
+              </a:rPr>
+              <a:t>Y= -0.04 X + 2.66</a:t>
+            </a:r>
+            <a:br>
+              <a:rPr lang="en-US" sz="1800" b="0" dirty="0">
+                <a:solidFill>
+                  <a:srgbClr val="008000"/>
+                </a:solidFill>
+                <a:effectLst/>
+                <a:latin typeface="Times New Roman" panose="02020603050405020304" pitchFamily="18" charset="0"/>
+                <a:cs typeface="Times New Roman" panose="02020603050405020304" pitchFamily="18" charset="0"/>
+              </a:rPr>
+            </a:br>
+            <a:r>
+              <a:rPr lang="en-US" sz="1800" b="1" dirty="0">
+                <a:solidFill>
+                  <a:srgbClr val="002060"/>
+                </a:solidFill>
+                <a:latin typeface="Times New Roman" panose="02020603050405020304" pitchFamily="18" charset="0"/>
+                <a:cs typeface="Times New Roman" panose="02020603050405020304" pitchFamily="18" charset="0"/>
+              </a:rPr>
+              <a:t>C</a:t>
+            </a:r>
+            <a:r>
+              <a:rPr lang="en-US" sz="1800" b="1" dirty="0">
+                <a:solidFill>
+                  <a:srgbClr val="002060"/>
+                </a:solidFill>
+                <a:effectLst/>
+                <a:latin typeface="Times New Roman" panose="02020603050405020304" pitchFamily="18" charset="0"/>
+                <a:cs typeface="Times New Roman" panose="02020603050405020304" pitchFamily="18" charset="0"/>
+              </a:rPr>
+              <a:t>orrelation Coefficient : -0.31 </a:t>
+            </a:r>
+            <a:r>
+              <a:rPr lang="en-US" sz="1800" b="1" dirty="0">
+                <a:solidFill>
+                  <a:srgbClr val="002060"/>
+                </a:solidFill>
+                <a:latin typeface="Times New Roman" panose="02020603050405020304" pitchFamily="18" charset="0"/>
+                <a:cs typeface="Times New Roman" panose="02020603050405020304" pitchFamily="18" charset="0"/>
+              </a:rPr>
+              <a:t>&lt;0.5</a:t>
+            </a:r>
+            <a:br>
+              <a:rPr lang="en-US" sz="1800" b="1" dirty="0">
+                <a:solidFill>
+                  <a:srgbClr val="002060"/>
+                </a:solidFill>
+                <a:effectLst/>
+                <a:latin typeface="Times New Roman" panose="02020603050405020304" pitchFamily="18" charset="0"/>
+                <a:cs typeface="Times New Roman" panose="02020603050405020304" pitchFamily="18" charset="0"/>
+              </a:rPr>
+            </a:br>
+            <a:r>
+              <a:rPr lang="en-US" sz="1800" b="1" dirty="0">
+                <a:solidFill>
+                  <a:srgbClr val="002060"/>
+                </a:solidFill>
+                <a:latin typeface="Times New Roman" panose="02020603050405020304" pitchFamily="18" charset="0"/>
+                <a:cs typeface="Times New Roman" panose="02020603050405020304" pitchFamily="18" charset="0"/>
+              </a:rPr>
+              <a:t>P-value: 0.17 &gt;0.05</a:t>
+            </a:r>
+            <a:br>
+              <a:rPr lang="en-US" sz="1800" b="1" dirty="0">
+                <a:solidFill>
+                  <a:srgbClr val="002060"/>
+                </a:solidFill>
+                <a:latin typeface="Times New Roman" panose="02020603050405020304" pitchFamily="18" charset="0"/>
+                <a:cs typeface="Times New Roman" panose="02020603050405020304" pitchFamily="18" charset="0"/>
+              </a:rPr>
+            </a:br>
+            <a:r>
+              <a:rPr lang="en-US" sz="1800" b="1" dirty="0">
+                <a:solidFill>
+                  <a:srgbClr val="002060"/>
+                </a:solidFill>
+                <a:effectLst/>
+                <a:latin typeface="Times New Roman" panose="02020603050405020304" pitchFamily="18" charset="0"/>
+                <a:cs typeface="Times New Roman" panose="02020603050405020304" pitchFamily="18" charset="0"/>
+              </a:rPr>
+              <a:t>(H0) is approved</a:t>
+            </a:r>
+            <a:endParaRPr lang="en-AU" dirty="0"/>
+          </a:p>
+        </p:txBody>
+      </p:sp>
+      <p:pic>
+        <p:nvPicPr>
+          <p:cNvPr id="5" name="Content Placeholder 4">
+            <a:extLst>
+              <a:ext uri="{FF2B5EF4-FFF2-40B4-BE49-F238E27FC236}">
+                <a16:creationId xmlns:a16="http://schemas.microsoft.com/office/drawing/2014/main" id="{0A3EB2B8-6CED-436A-A12B-5CFA6895C68C}"/>
+              </a:ext>
+            </a:extLst>
+          </p:cNvPr>
+          <p:cNvPicPr>
+            <a:picLocks noGrp="1" noChangeAspect="1"/>
+          </p:cNvPicPr>
+          <p:nvPr>
+            <p:ph sz="half" idx="1"/>
+          </p:nvPr>
+        </p:nvPicPr>
+        <p:blipFill>
+          <a:blip r:embed="rId2">
+            <a:extLst>
+              <a:ext uri="{28A0092B-C50C-407E-A947-70E740481C1C}">
+                <a14:useLocalDpi xmlns:a14="http://schemas.microsoft.com/office/drawing/2010/main" val="0"/>
+              </a:ext>
+            </a:extLst>
+          </a:blip>
+          <a:stretch>
+            <a:fillRect/>
+          </a:stretch>
+        </p:blipFill>
+        <p:spPr>
+          <a:xfrm>
+            <a:off x="1520545" y="2103438"/>
+            <a:ext cx="3756585" cy="3748087"/>
+          </a:xfrm>
+          <a:prstGeom prst="rect">
+            <a:avLst/>
+          </a:prstGeom>
+        </p:spPr>
+      </p:pic>
+    </p:spTree>
+    <p:extLst>
+      <p:ext uri="{BB962C8B-B14F-4D97-AF65-F5344CB8AC3E}">
+        <p14:creationId xmlns:p14="http://schemas.microsoft.com/office/powerpoint/2010/main" val="4269727779"/>
+      </p:ext>
+    </p:extLst>
+  </p:cSld>
+  <p:clrMapOvr>
+    <a:masterClrMapping/>
+  </p:clrMapOvr>
+</p:sld>
+</file>
+
+<file path=ppt/slides/slide16.xml><?xml version="1.0" encoding="utf-8"?>
+<p:sld xmlns:a="http://schemas.openxmlformats.org/drawingml/2006/main" xmlns:r="http://schemas.openxmlformats.org/officeDocument/2006/relationships" xmlns:p="http://schemas.openxmlformats.org/presentationml/2006/main">
+  <p:cSld>
+    <p:spTree>
+      <p:nvGrpSpPr>
+        <p:cNvPr id="1" name=""/>
+        <p:cNvGrpSpPr/>
+        <p:nvPr/>
+      </p:nvGrpSpPr>
+      <p:grpSpPr>
+        <a:xfrm>
+          <a:off x="0" y="0"/>
+          <a:ext cx="0" cy="0"/>
+          <a:chOff x="0" y="0"/>
+          <a:chExt cx="0" cy="0"/>
+        </a:xfrm>
+      </p:grpSpPr>
+      <p:sp>
+        <p:nvSpPr>
+          <p:cNvPr id="2" name="Title 1">
+            <a:extLst>
+              <a:ext uri="{FF2B5EF4-FFF2-40B4-BE49-F238E27FC236}">
+                <a16:creationId xmlns:a16="http://schemas.microsoft.com/office/drawing/2014/main" id="{4D947DF1-5EB2-40C1-B713-4518F618555B}"/>
+              </a:ext>
+            </a:extLst>
+          </p:cNvPr>
+          <p:cNvSpPr>
+            <a:spLocks noGrp="1"/>
+          </p:cNvSpPr>
+          <p:nvPr>
+            <p:ph type="title"/>
+          </p:nvPr>
+        </p:nvSpPr>
+        <p:spPr/>
+        <p:txBody>
+          <a:bodyPr>
             <a:normAutofit/>
           </a:bodyPr>
           <a:lstStyle/>
           <a:p>
             <a:r>
-              <a:rPr lang="en-US" dirty="0"/>
-              <a:t>Summary of findings</a:t>
-            </a:r>
+              <a:rPr lang="en-US" sz="3600" dirty="0"/>
+              <a:t>20 lowest house prices by suburb&amp; type</a:t>
+            </a:r>
+            <a:br>
+              <a:rPr lang="en-US" sz="3200" b="0" i="1" u="sng" dirty="0">
+                <a:solidFill>
+                  <a:srgbClr val="000000"/>
+                </a:solidFill>
+                <a:effectLst/>
+                <a:latin typeface="Times New Roman" panose="02020603050405020304" pitchFamily="18" charset="0"/>
+                <a:cs typeface="Times New Roman" panose="02020603050405020304" pitchFamily="18" charset="0"/>
+              </a:rPr>
+            </a:br>
+            <a:endParaRPr lang="en-AU" dirty="0"/>
           </a:p>
         </p:txBody>
       </p:sp>
-      <p:graphicFrame>
-        <p:nvGraphicFramePr>
-          <p:cNvPr id="25" name="Content Placeholder 2">
+      <p:sp>
+        <p:nvSpPr>
+          <p:cNvPr id="4" name="Content Placeholder 3">
             <a:extLst>
               <a:ext uri="{FF2B5EF4-FFF2-40B4-BE49-F238E27FC236}">
-                <a16:creationId xmlns:a16="http://schemas.microsoft.com/office/drawing/2014/main" id="{FA7BF121-5C1B-4C0C-BDD8-0EAB7F920DB2}"/>
+                <a16:creationId xmlns:a16="http://schemas.microsoft.com/office/drawing/2014/main" id="{C38FD47B-C486-4229-9D3C-A68983F84E6A}"/>
               </a:ext>
             </a:extLst>
           </p:cNvPr>
-          <p:cNvGraphicFramePr>
-            <a:graphicFrameLocks noGrp="1"/>
-          </p:cNvGraphicFramePr>
+          <p:cNvSpPr>
+            <a:spLocks noGrp="1"/>
+          </p:cNvSpPr>
           <p:nvPr>
-            <p:ph idx="1"/>
-            <p:extLst>
-              <p:ext uri="{D42A27DB-BD31-4B8C-83A1-F6EECF244321}">
-                <p14:modId xmlns:p14="http://schemas.microsoft.com/office/powerpoint/2010/main" val="1598614611"/>
-              </p:ext>
-            </p:extLst>
+            <p:ph sz="half" idx="2"/>
           </p:nvPr>
-        </p:nvGraphicFramePr>
-        <p:xfrm>
-          <a:off x="1066800" y="2103120"/>
-          <a:ext cx="10058400" cy="3849624"/>
-        </p:xfrm>
-        <a:graphic>
-          <a:graphicData uri="http://schemas.openxmlformats.org/drawingml/2006/diagram">
-            <dgm:relIds xmlns:dgm="http://schemas.openxmlformats.org/drawingml/2006/diagram" xmlns:r="http://schemas.openxmlformats.org/officeDocument/2006/relationships" r:dm="rId2" r:lo="rId3" r:qs="rId4" r:cs="rId5"/>
-          </a:graphicData>
-        </a:graphic>
-      </p:graphicFrame>
+        </p:nvSpPr>
+        <p:spPr/>
+        <p:txBody>
+          <a:bodyPr/>
+          <a:lstStyle/>
+          <a:p>
+            <a:r>
+              <a:rPr lang="en-US" sz="4500" dirty="0">
+                <a:solidFill>
+                  <a:srgbClr val="008000"/>
+                </a:solidFill>
+                <a:latin typeface="Times New Roman" panose="02020603050405020304" pitchFamily="18" charset="0"/>
+                <a:cs typeface="Times New Roman" panose="02020603050405020304" pitchFamily="18" charset="0"/>
+              </a:rPr>
+              <a:t>Upward</a:t>
+            </a:r>
+            <a:r>
+              <a:rPr lang="en-US" sz="1800" b="0" dirty="0">
+                <a:solidFill>
+                  <a:srgbClr val="008000"/>
+                </a:solidFill>
+                <a:effectLst/>
+                <a:latin typeface="Times New Roman" panose="02020603050405020304" pitchFamily="18" charset="0"/>
+                <a:cs typeface="Times New Roman" panose="02020603050405020304" pitchFamily="18" charset="0"/>
+              </a:rPr>
+              <a:t> </a:t>
+            </a:r>
+            <a:r>
+              <a:rPr lang="en-US" sz="4500" dirty="0">
+                <a:solidFill>
+                  <a:srgbClr val="008000"/>
+                </a:solidFill>
+                <a:latin typeface="Times New Roman" panose="02020603050405020304" pitchFamily="18" charset="0"/>
+                <a:cs typeface="Times New Roman" panose="02020603050405020304" pitchFamily="18" charset="0"/>
+              </a:rPr>
+              <a:t>Trend</a:t>
+            </a:r>
+            <a:br>
+              <a:rPr lang="en-US" sz="1800" b="0" dirty="0">
+                <a:solidFill>
+                  <a:srgbClr val="008000"/>
+                </a:solidFill>
+                <a:effectLst/>
+                <a:latin typeface="Times New Roman" panose="02020603050405020304" pitchFamily="18" charset="0"/>
+                <a:cs typeface="Times New Roman" panose="02020603050405020304" pitchFamily="18" charset="0"/>
+              </a:rPr>
+            </a:br>
+            <a:r>
+              <a:rPr lang="en-US" sz="1800" dirty="0">
+                <a:solidFill>
+                  <a:srgbClr val="008000"/>
+                </a:solidFill>
+                <a:latin typeface="Times New Roman" panose="02020603050405020304" pitchFamily="18" charset="0"/>
+                <a:cs typeface="Times New Roman" panose="02020603050405020304" pitchFamily="18" charset="0"/>
+              </a:rPr>
+              <a:t>Majority townhouse and unit type</a:t>
+            </a:r>
+            <a:endParaRPr lang="en-AU" dirty="0"/>
+          </a:p>
+        </p:txBody>
+      </p:sp>
+      <p:pic>
+        <p:nvPicPr>
+          <p:cNvPr id="5" name="Content Placeholder 4">
+            <a:extLst>
+              <a:ext uri="{FF2B5EF4-FFF2-40B4-BE49-F238E27FC236}">
+                <a16:creationId xmlns:a16="http://schemas.microsoft.com/office/drawing/2014/main" id="{690A0535-A1CE-4182-A9CF-F99DEF391CF7}"/>
+              </a:ext>
+            </a:extLst>
+          </p:cNvPr>
+          <p:cNvPicPr>
+            <a:picLocks noGrp="1" noChangeAspect="1"/>
+          </p:cNvPicPr>
+          <p:nvPr>
+            <p:ph sz="half" idx="1"/>
+          </p:nvPr>
+        </p:nvPicPr>
+        <p:blipFill>
+          <a:blip r:embed="rId2">
+            <a:extLst>
+              <a:ext uri="{28A0092B-C50C-407E-A947-70E740481C1C}">
+                <a14:useLocalDpi xmlns:a14="http://schemas.microsoft.com/office/drawing/2010/main" val="0"/>
+              </a:ext>
+            </a:extLst>
+          </a:blip>
+          <a:stretch>
+            <a:fillRect/>
+          </a:stretch>
+        </p:blipFill>
+        <p:spPr>
+          <a:xfrm>
+            <a:off x="1370285" y="2103438"/>
+            <a:ext cx="4057104" cy="3748087"/>
+          </a:xfrm>
+          <a:prstGeom prst="rect">
+            <a:avLst/>
+          </a:prstGeom>
+        </p:spPr>
+      </p:pic>
     </p:spTree>
     <p:extLst>
       <p:ext uri="{BB962C8B-B14F-4D97-AF65-F5344CB8AC3E}">
-        <p14:creationId xmlns:p14="http://schemas.microsoft.com/office/powerpoint/2010/main" val="489024890"/>
+        <p14:creationId xmlns:p14="http://schemas.microsoft.com/office/powerpoint/2010/main" val="2019224371"/>
+      </p:ext>
+    </p:extLst>
+  </p:cSld>
+  <p:clrMapOvr>
+    <a:masterClrMapping/>
+  </p:clrMapOvr>
+</p:sld>
+</file>
+
+<file path=ppt/slides/slide17.xml><?xml version="1.0" encoding="utf-8"?>
+<p:sld xmlns:a="http://schemas.openxmlformats.org/drawingml/2006/main" xmlns:r="http://schemas.openxmlformats.org/officeDocument/2006/relationships" xmlns:p="http://schemas.openxmlformats.org/presentationml/2006/main">
+  <p:cSld>
+    <p:spTree>
+      <p:nvGrpSpPr>
+        <p:cNvPr id="1" name=""/>
+        <p:cNvGrpSpPr/>
+        <p:nvPr/>
+      </p:nvGrpSpPr>
+      <p:grpSpPr>
+        <a:xfrm>
+          <a:off x="0" y="0"/>
+          <a:ext cx="0" cy="0"/>
+          <a:chOff x="0" y="0"/>
+          <a:chExt cx="0" cy="0"/>
+        </a:xfrm>
+      </p:grpSpPr>
+      <p:sp>
+        <p:nvSpPr>
+          <p:cNvPr id="2" name="Title 1">
+            <a:extLst>
+              <a:ext uri="{FF2B5EF4-FFF2-40B4-BE49-F238E27FC236}">
+                <a16:creationId xmlns:a16="http://schemas.microsoft.com/office/drawing/2014/main" id="{BBCED276-13BF-4D94-9FE6-CC1DABDF8DB4}"/>
+              </a:ext>
+            </a:extLst>
+          </p:cNvPr>
+          <p:cNvSpPr>
+            <a:spLocks noGrp="1"/>
+          </p:cNvSpPr>
+          <p:nvPr>
+            <p:ph type="title"/>
+          </p:nvPr>
+        </p:nvSpPr>
+        <p:spPr/>
+        <p:txBody>
+          <a:bodyPr>
+            <a:normAutofit/>
+          </a:bodyPr>
+          <a:lstStyle/>
+          <a:p>
+            <a:r>
+              <a:rPr lang="en-US" sz="3600" dirty="0"/>
+              <a:t>Top 10 nearest house to CBD by suburb</a:t>
+            </a:r>
+            <a:endParaRPr lang="en-AU" dirty="0"/>
+          </a:p>
+        </p:txBody>
+      </p:sp>
+      <p:sp>
+        <p:nvSpPr>
+          <p:cNvPr id="4" name="Content Placeholder 3">
+            <a:extLst>
+              <a:ext uri="{FF2B5EF4-FFF2-40B4-BE49-F238E27FC236}">
+                <a16:creationId xmlns:a16="http://schemas.microsoft.com/office/drawing/2014/main" id="{567EEE8E-7995-43E4-9E87-E9D1DFBCEFF9}"/>
+              </a:ext>
+            </a:extLst>
+          </p:cNvPr>
+          <p:cNvSpPr>
+            <a:spLocks noGrp="1"/>
+          </p:cNvSpPr>
+          <p:nvPr>
+            <p:ph sz="half" idx="2"/>
+          </p:nvPr>
+        </p:nvSpPr>
+        <p:spPr/>
+        <p:txBody>
+          <a:bodyPr/>
+          <a:lstStyle/>
+          <a:p>
+            <a:r>
+              <a:rPr lang="en-US" sz="1800" b="0" dirty="0">
+                <a:solidFill>
+                  <a:srgbClr val="008000"/>
+                </a:solidFill>
+                <a:effectLst/>
+                <a:latin typeface="Times New Roman" panose="02020603050405020304" pitchFamily="18" charset="0"/>
+                <a:cs typeface="Times New Roman" panose="02020603050405020304" pitchFamily="18" charset="0"/>
+              </a:rPr>
+              <a:t>Y= 0.25 X + 0.6</a:t>
+            </a:r>
+            <a:br>
+              <a:rPr lang="en-US" sz="1800" b="0" dirty="0">
+                <a:solidFill>
+                  <a:srgbClr val="008000"/>
+                </a:solidFill>
+                <a:effectLst/>
+                <a:latin typeface="Times New Roman" panose="02020603050405020304" pitchFamily="18" charset="0"/>
+                <a:cs typeface="Times New Roman" panose="02020603050405020304" pitchFamily="18" charset="0"/>
+              </a:rPr>
+            </a:br>
+            <a:r>
+              <a:rPr lang="en-US" sz="1800" b="1" dirty="0">
+                <a:solidFill>
+                  <a:srgbClr val="002060"/>
+                </a:solidFill>
+                <a:latin typeface="Times New Roman" panose="02020603050405020304" pitchFamily="18" charset="0"/>
+                <a:cs typeface="Times New Roman" panose="02020603050405020304" pitchFamily="18" charset="0"/>
+              </a:rPr>
+              <a:t>C</a:t>
+            </a:r>
+            <a:r>
+              <a:rPr lang="en-US" sz="1800" b="1" dirty="0">
+                <a:solidFill>
+                  <a:srgbClr val="002060"/>
+                </a:solidFill>
+                <a:effectLst/>
+                <a:latin typeface="Times New Roman" panose="02020603050405020304" pitchFamily="18" charset="0"/>
+                <a:cs typeface="Times New Roman" panose="02020603050405020304" pitchFamily="18" charset="0"/>
+              </a:rPr>
+              <a:t>orrelation Coefficient : 0.53 &gt;</a:t>
+            </a:r>
+            <a:r>
+              <a:rPr lang="en-US" sz="1800" b="1" dirty="0">
+                <a:solidFill>
+                  <a:srgbClr val="002060"/>
+                </a:solidFill>
+                <a:latin typeface="Times New Roman" panose="02020603050405020304" pitchFamily="18" charset="0"/>
+                <a:cs typeface="Times New Roman" panose="02020603050405020304" pitchFamily="18" charset="0"/>
+              </a:rPr>
+              <a:t>0.5</a:t>
+            </a:r>
+            <a:br>
+              <a:rPr lang="en-US" sz="1800" b="1" dirty="0">
+                <a:solidFill>
+                  <a:srgbClr val="002060"/>
+                </a:solidFill>
+                <a:effectLst/>
+                <a:latin typeface="Times New Roman" panose="02020603050405020304" pitchFamily="18" charset="0"/>
+                <a:cs typeface="Times New Roman" panose="02020603050405020304" pitchFamily="18" charset="0"/>
+              </a:rPr>
+            </a:br>
+            <a:r>
+              <a:rPr lang="en-US" sz="1800" b="1" dirty="0">
+                <a:solidFill>
+                  <a:srgbClr val="002060"/>
+                </a:solidFill>
+                <a:latin typeface="Times New Roman" panose="02020603050405020304" pitchFamily="18" charset="0"/>
+                <a:cs typeface="Times New Roman" panose="02020603050405020304" pitchFamily="18" charset="0"/>
+              </a:rPr>
+              <a:t>P-value: 0.11 &gt;0.05</a:t>
+            </a:r>
+            <a:br>
+              <a:rPr lang="en-US" sz="1800" b="1" dirty="0">
+                <a:solidFill>
+                  <a:srgbClr val="002060"/>
+                </a:solidFill>
+                <a:latin typeface="Times New Roman" panose="02020603050405020304" pitchFamily="18" charset="0"/>
+                <a:cs typeface="Times New Roman" panose="02020603050405020304" pitchFamily="18" charset="0"/>
+              </a:rPr>
+            </a:br>
+            <a:r>
+              <a:rPr lang="en-US" sz="1800" b="1" dirty="0">
+                <a:solidFill>
+                  <a:srgbClr val="002060"/>
+                </a:solidFill>
+                <a:effectLst/>
+                <a:latin typeface="Times New Roman" panose="02020603050405020304" pitchFamily="18" charset="0"/>
+                <a:cs typeface="Times New Roman" panose="02020603050405020304" pitchFamily="18" charset="0"/>
+              </a:rPr>
+              <a:t>(H0) is approved</a:t>
+            </a:r>
+            <a:endParaRPr lang="en-AU" dirty="0"/>
+          </a:p>
+        </p:txBody>
+      </p:sp>
+      <p:pic>
+        <p:nvPicPr>
+          <p:cNvPr id="5" name="Content Placeholder 4">
+            <a:extLst>
+              <a:ext uri="{FF2B5EF4-FFF2-40B4-BE49-F238E27FC236}">
+                <a16:creationId xmlns:a16="http://schemas.microsoft.com/office/drawing/2014/main" id="{FC98E822-EB7B-499D-8F14-4395E18661E7}"/>
+              </a:ext>
+            </a:extLst>
+          </p:cNvPr>
+          <p:cNvPicPr>
+            <a:picLocks noGrp="1" noChangeAspect="1"/>
+          </p:cNvPicPr>
+          <p:nvPr>
+            <p:ph sz="half" idx="1"/>
+          </p:nvPr>
+        </p:nvPicPr>
+        <p:blipFill>
+          <a:blip r:embed="rId2">
+            <a:extLst>
+              <a:ext uri="{28A0092B-C50C-407E-A947-70E740481C1C}">
+                <a14:useLocalDpi xmlns:a14="http://schemas.microsoft.com/office/drawing/2010/main" val="0"/>
+              </a:ext>
+            </a:extLst>
+          </a:blip>
+          <a:stretch>
+            <a:fillRect/>
+          </a:stretch>
+        </p:blipFill>
+        <p:spPr>
+          <a:xfrm>
+            <a:off x="1524794" y="2103438"/>
+            <a:ext cx="3748087" cy="3748087"/>
+          </a:xfrm>
+          <a:prstGeom prst="rect">
+            <a:avLst/>
+          </a:prstGeom>
+        </p:spPr>
+      </p:pic>
+    </p:spTree>
+    <p:extLst>
+      <p:ext uri="{BB962C8B-B14F-4D97-AF65-F5344CB8AC3E}">
+        <p14:creationId xmlns:p14="http://schemas.microsoft.com/office/powerpoint/2010/main" val="3788460989"/>
+      </p:ext>
+    </p:extLst>
+  </p:cSld>
+  <p:clrMapOvr>
+    <a:masterClrMapping/>
+  </p:clrMapOvr>
+</p:sld>
+</file>
+
+<file path=ppt/slides/slide18.xml><?xml version="1.0" encoding="utf-8"?>
+<p:sld xmlns:a="http://schemas.openxmlformats.org/drawingml/2006/main" xmlns:r="http://schemas.openxmlformats.org/officeDocument/2006/relationships" xmlns:p="http://schemas.openxmlformats.org/presentationml/2006/main">
+  <p:cSld>
+    <p:spTree>
+      <p:nvGrpSpPr>
+        <p:cNvPr id="1" name=""/>
+        <p:cNvGrpSpPr/>
+        <p:nvPr/>
+      </p:nvGrpSpPr>
+      <p:grpSpPr>
+        <a:xfrm>
+          <a:off x="0" y="0"/>
+          <a:ext cx="0" cy="0"/>
+          <a:chOff x="0" y="0"/>
+          <a:chExt cx="0" cy="0"/>
+        </a:xfrm>
+      </p:grpSpPr>
+      <p:sp>
+        <p:nvSpPr>
+          <p:cNvPr id="2" name="Title 1">
+            <a:extLst>
+              <a:ext uri="{FF2B5EF4-FFF2-40B4-BE49-F238E27FC236}">
+                <a16:creationId xmlns:a16="http://schemas.microsoft.com/office/drawing/2014/main" id="{53334FBE-80A3-49F1-B492-F27F1D19BF69}"/>
+              </a:ext>
+            </a:extLst>
+          </p:cNvPr>
+          <p:cNvSpPr>
+            <a:spLocks noGrp="1"/>
+          </p:cNvSpPr>
+          <p:nvPr>
+            <p:ph type="title"/>
+          </p:nvPr>
+        </p:nvSpPr>
+        <p:spPr/>
+        <p:txBody>
+          <a:bodyPr>
+            <a:normAutofit/>
+          </a:bodyPr>
+          <a:lstStyle/>
+          <a:p>
+            <a:r>
+              <a:rPr lang="en-US" sz="3600" dirty="0"/>
+              <a:t>Top 20 nearest houses to CBD by suburb &amp; type</a:t>
+            </a:r>
+            <a:endParaRPr lang="en-AU" sz="3600" dirty="0"/>
+          </a:p>
+        </p:txBody>
+      </p:sp>
+      <p:sp>
+        <p:nvSpPr>
+          <p:cNvPr id="4" name="Content Placeholder 3">
+            <a:extLst>
+              <a:ext uri="{FF2B5EF4-FFF2-40B4-BE49-F238E27FC236}">
+                <a16:creationId xmlns:a16="http://schemas.microsoft.com/office/drawing/2014/main" id="{F629E522-6D7D-44E0-97EF-38B872A06CDD}"/>
+              </a:ext>
+            </a:extLst>
+          </p:cNvPr>
+          <p:cNvSpPr>
+            <a:spLocks noGrp="1"/>
+          </p:cNvSpPr>
+          <p:nvPr>
+            <p:ph sz="half" idx="2"/>
+          </p:nvPr>
+        </p:nvSpPr>
+        <p:spPr/>
+        <p:txBody>
+          <a:bodyPr/>
+          <a:lstStyle/>
+          <a:p>
+            <a:r>
+              <a:rPr lang="en-US" sz="4500" dirty="0">
+                <a:solidFill>
+                  <a:srgbClr val="008000"/>
+                </a:solidFill>
+                <a:latin typeface="Times New Roman" panose="02020603050405020304" pitchFamily="18" charset="0"/>
+                <a:cs typeface="Times New Roman" panose="02020603050405020304" pitchFamily="18" charset="0"/>
+              </a:rPr>
+              <a:t>Upward Trend</a:t>
+            </a:r>
+            <a:br>
+              <a:rPr lang="en-US" sz="1800" b="0" dirty="0">
+                <a:solidFill>
+                  <a:srgbClr val="008000"/>
+                </a:solidFill>
+                <a:effectLst/>
+                <a:latin typeface="Times New Roman" panose="02020603050405020304" pitchFamily="18" charset="0"/>
+                <a:cs typeface="Times New Roman" panose="02020603050405020304" pitchFamily="18" charset="0"/>
+              </a:rPr>
+            </a:br>
+            <a:r>
+              <a:rPr lang="en-US" b="0" dirty="0">
+                <a:solidFill>
+                  <a:srgbClr val="008000"/>
+                </a:solidFill>
+                <a:effectLst/>
+                <a:latin typeface="Times New Roman" panose="02020603050405020304" pitchFamily="18" charset="0"/>
+                <a:cs typeface="Times New Roman" panose="02020603050405020304" pitchFamily="18" charset="0"/>
+              </a:rPr>
+              <a:t>All house type</a:t>
+            </a:r>
+            <a:endParaRPr lang="en-AU" dirty="0"/>
+          </a:p>
+        </p:txBody>
+      </p:sp>
+      <p:pic>
+        <p:nvPicPr>
+          <p:cNvPr id="5" name="Content Placeholder 4">
+            <a:extLst>
+              <a:ext uri="{FF2B5EF4-FFF2-40B4-BE49-F238E27FC236}">
+                <a16:creationId xmlns:a16="http://schemas.microsoft.com/office/drawing/2014/main" id="{E432E804-98FC-4336-ABEB-E572F688B862}"/>
+              </a:ext>
+            </a:extLst>
+          </p:cNvPr>
+          <p:cNvPicPr>
+            <a:picLocks noGrp="1" noChangeAspect="1"/>
+          </p:cNvPicPr>
+          <p:nvPr>
+            <p:ph sz="half" idx="1"/>
+          </p:nvPr>
+        </p:nvPicPr>
+        <p:blipFill>
+          <a:blip r:embed="rId2">
+            <a:extLst>
+              <a:ext uri="{28A0092B-C50C-407E-A947-70E740481C1C}">
+                <a14:useLocalDpi xmlns:a14="http://schemas.microsoft.com/office/drawing/2010/main" val="0"/>
+              </a:ext>
+            </a:extLst>
+          </a:blip>
+          <a:stretch>
+            <a:fillRect/>
+          </a:stretch>
+        </p:blipFill>
+        <p:spPr>
+          <a:xfrm>
+            <a:off x="1449024" y="2103438"/>
+            <a:ext cx="3899626" cy="3748087"/>
+          </a:xfrm>
+          <a:prstGeom prst="rect">
+            <a:avLst/>
+          </a:prstGeom>
+        </p:spPr>
+      </p:pic>
+    </p:spTree>
+    <p:extLst>
+      <p:ext uri="{BB962C8B-B14F-4D97-AF65-F5344CB8AC3E}">
+        <p14:creationId xmlns:p14="http://schemas.microsoft.com/office/powerpoint/2010/main" val="3301605028"/>
+      </p:ext>
+    </p:extLst>
+  </p:cSld>
+  <p:clrMapOvr>
+    <a:masterClrMapping/>
+  </p:clrMapOvr>
+</p:sld>
+</file>
+
+<file path=ppt/slides/slide19.xml><?xml version="1.0" encoding="utf-8"?>
+<p:sld xmlns:a="http://schemas.openxmlformats.org/drawingml/2006/main" xmlns:r="http://schemas.openxmlformats.org/officeDocument/2006/relationships" xmlns:p="http://schemas.openxmlformats.org/presentationml/2006/main">
+  <p:cSld>
+    <p:spTree>
+      <p:nvGrpSpPr>
+        <p:cNvPr id="1" name=""/>
+        <p:cNvGrpSpPr/>
+        <p:nvPr/>
+      </p:nvGrpSpPr>
+      <p:grpSpPr>
+        <a:xfrm>
+          <a:off x="0" y="0"/>
+          <a:ext cx="0" cy="0"/>
+          <a:chOff x="0" y="0"/>
+          <a:chExt cx="0" cy="0"/>
+        </a:xfrm>
+      </p:grpSpPr>
+      <p:sp>
+        <p:nvSpPr>
+          <p:cNvPr id="2" name="Title 1">
+            <a:extLst>
+              <a:ext uri="{FF2B5EF4-FFF2-40B4-BE49-F238E27FC236}">
+                <a16:creationId xmlns:a16="http://schemas.microsoft.com/office/drawing/2014/main" id="{86F08C13-24E1-48A7-85AE-1CB1DA34FF1E}"/>
+              </a:ext>
+            </a:extLst>
+          </p:cNvPr>
+          <p:cNvSpPr>
+            <a:spLocks noGrp="1"/>
+          </p:cNvSpPr>
+          <p:nvPr>
+            <p:ph type="title"/>
+          </p:nvPr>
+        </p:nvSpPr>
+        <p:spPr/>
+        <p:txBody>
+          <a:bodyPr>
+            <a:normAutofit/>
+          </a:bodyPr>
+          <a:lstStyle/>
+          <a:p>
+            <a:r>
+              <a:rPr lang="en-US" sz="3600" dirty="0"/>
+              <a:t>Top 20 nearest houses to CBD by suburb &amp; type</a:t>
+            </a:r>
+            <a:endParaRPr lang="en-AU" dirty="0"/>
+          </a:p>
+        </p:txBody>
+      </p:sp>
+      <p:sp>
+        <p:nvSpPr>
+          <p:cNvPr id="4" name="Content Placeholder 3">
+            <a:extLst>
+              <a:ext uri="{FF2B5EF4-FFF2-40B4-BE49-F238E27FC236}">
+                <a16:creationId xmlns:a16="http://schemas.microsoft.com/office/drawing/2014/main" id="{1A1DCBC6-7520-4CBC-A959-DDBBD137E92A}"/>
+              </a:ext>
+            </a:extLst>
+          </p:cNvPr>
+          <p:cNvSpPr>
+            <a:spLocks noGrp="1"/>
+          </p:cNvSpPr>
+          <p:nvPr>
+            <p:ph sz="half" idx="2"/>
+          </p:nvPr>
+        </p:nvSpPr>
+        <p:spPr/>
+        <p:txBody>
+          <a:bodyPr/>
+          <a:lstStyle/>
+          <a:p>
+            <a:r>
+              <a:rPr lang="en-US" sz="1800" b="0" dirty="0">
+                <a:solidFill>
+                  <a:srgbClr val="008000"/>
+                </a:solidFill>
+                <a:effectLst/>
+                <a:latin typeface="Times New Roman" panose="02020603050405020304" pitchFamily="18" charset="0"/>
+                <a:cs typeface="Times New Roman" panose="02020603050405020304" pitchFamily="18" charset="0"/>
+              </a:rPr>
+              <a:t>Y= 0.22 X + 0.76</a:t>
+            </a:r>
+            <a:br>
+              <a:rPr lang="en-US" sz="1800" b="0" dirty="0">
+                <a:solidFill>
+                  <a:srgbClr val="008000"/>
+                </a:solidFill>
+                <a:effectLst/>
+                <a:latin typeface="Times New Roman" panose="02020603050405020304" pitchFamily="18" charset="0"/>
+                <a:cs typeface="Times New Roman" panose="02020603050405020304" pitchFamily="18" charset="0"/>
+              </a:rPr>
+            </a:br>
+            <a:r>
+              <a:rPr lang="en-US" sz="1800" b="1" dirty="0">
+                <a:solidFill>
+                  <a:srgbClr val="002060"/>
+                </a:solidFill>
+                <a:latin typeface="Times New Roman" panose="02020603050405020304" pitchFamily="18" charset="0"/>
+                <a:cs typeface="Times New Roman" panose="02020603050405020304" pitchFamily="18" charset="0"/>
+              </a:rPr>
+              <a:t>C</a:t>
+            </a:r>
+            <a:r>
+              <a:rPr lang="en-US" sz="1800" b="1" dirty="0">
+                <a:solidFill>
+                  <a:srgbClr val="002060"/>
+                </a:solidFill>
+                <a:effectLst/>
+                <a:latin typeface="Times New Roman" panose="02020603050405020304" pitchFamily="18" charset="0"/>
+                <a:cs typeface="Times New Roman" panose="02020603050405020304" pitchFamily="18" charset="0"/>
+              </a:rPr>
+              <a:t>orrelation Coefficient : 0.19 &lt; </a:t>
+            </a:r>
+            <a:r>
+              <a:rPr lang="en-US" sz="1800" b="1" dirty="0">
+                <a:solidFill>
+                  <a:srgbClr val="002060"/>
+                </a:solidFill>
+                <a:latin typeface="Times New Roman" panose="02020603050405020304" pitchFamily="18" charset="0"/>
+                <a:cs typeface="Times New Roman" panose="02020603050405020304" pitchFamily="18" charset="0"/>
+              </a:rPr>
+              <a:t>0.5</a:t>
+            </a:r>
+            <a:br>
+              <a:rPr lang="en-US" sz="1800" b="1" dirty="0">
+                <a:solidFill>
+                  <a:srgbClr val="002060"/>
+                </a:solidFill>
+                <a:effectLst/>
+                <a:latin typeface="Times New Roman" panose="02020603050405020304" pitchFamily="18" charset="0"/>
+                <a:cs typeface="Times New Roman" panose="02020603050405020304" pitchFamily="18" charset="0"/>
+              </a:rPr>
+            </a:br>
+            <a:r>
+              <a:rPr lang="en-US" sz="1800" b="1" dirty="0">
+                <a:solidFill>
+                  <a:srgbClr val="002060"/>
+                </a:solidFill>
+                <a:latin typeface="Times New Roman" panose="02020603050405020304" pitchFamily="18" charset="0"/>
+                <a:cs typeface="Times New Roman" panose="02020603050405020304" pitchFamily="18" charset="0"/>
+              </a:rPr>
+              <a:t>P-value: 0.42 &gt;0.05</a:t>
+            </a:r>
+            <a:br>
+              <a:rPr lang="en-US" sz="1800" b="1" dirty="0">
+                <a:solidFill>
+                  <a:srgbClr val="002060"/>
+                </a:solidFill>
+                <a:latin typeface="Times New Roman" panose="02020603050405020304" pitchFamily="18" charset="0"/>
+                <a:cs typeface="Times New Roman" panose="02020603050405020304" pitchFamily="18" charset="0"/>
+              </a:rPr>
+            </a:br>
+            <a:r>
+              <a:rPr lang="en-US" sz="1800" b="1" dirty="0">
+                <a:solidFill>
+                  <a:srgbClr val="002060"/>
+                </a:solidFill>
+                <a:effectLst/>
+                <a:latin typeface="Times New Roman" panose="02020603050405020304" pitchFamily="18" charset="0"/>
+                <a:cs typeface="Times New Roman" panose="02020603050405020304" pitchFamily="18" charset="0"/>
+              </a:rPr>
+              <a:t>(H0) is approved</a:t>
+            </a:r>
+            <a:endParaRPr lang="en-AU" dirty="0"/>
+          </a:p>
+        </p:txBody>
+      </p:sp>
+      <p:pic>
+        <p:nvPicPr>
+          <p:cNvPr id="5" name="Content Placeholder 4">
+            <a:extLst>
+              <a:ext uri="{FF2B5EF4-FFF2-40B4-BE49-F238E27FC236}">
+                <a16:creationId xmlns:a16="http://schemas.microsoft.com/office/drawing/2014/main" id="{8259E869-CEF4-4D9F-B873-FB2FB53B08FB}"/>
+              </a:ext>
+            </a:extLst>
+          </p:cNvPr>
+          <p:cNvPicPr>
+            <a:picLocks noGrp="1" noChangeAspect="1"/>
+          </p:cNvPicPr>
+          <p:nvPr>
+            <p:ph sz="half" idx="1"/>
+          </p:nvPr>
+        </p:nvPicPr>
+        <p:blipFill>
+          <a:blip r:embed="rId2">
+            <a:extLst>
+              <a:ext uri="{28A0092B-C50C-407E-A947-70E740481C1C}">
+                <a14:useLocalDpi xmlns:a14="http://schemas.microsoft.com/office/drawing/2010/main" val="0"/>
+              </a:ext>
+            </a:extLst>
+          </a:blip>
+          <a:stretch>
+            <a:fillRect/>
+          </a:stretch>
+        </p:blipFill>
+        <p:spPr>
+          <a:xfrm>
+            <a:off x="1520545" y="2103438"/>
+            <a:ext cx="3756585" cy="3748087"/>
+          </a:xfrm>
+          <a:prstGeom prst="rect">
+            <a:avLst/>
+          </a:prstGeom>
+        </p:spPr>
+      </p:pic>
+    </p:spTree>
+    <p:extLst>
+      <p:ext uri="{BB962C8B-B14F-4D97-AF65-F5344CB8AC3E}">
+        <p14:creationId xmlns:p14="http://schemas.microsoft.com/office/powerpoint/2010/main" val="3284554259"/>
       </p:ext>
     </p:extLst>
   </p:cSld>
@@ -9470,12 +12966,63 @@
           <a:chExt cx="0" cy="0"/>
         </a:xfrm>
       </p:grpSpPr>
+      <p:pic>
+        <p:nvPicPr>
+          <p:cNvPr id="1028" name="Picture 4" descr="Why? – design">
+            <a:extLst>
+              <a:ext uri="{FF2B5EF4-FFF2-40B4-BE49-F238E27FC236}">
+                <a16:creationId xmlns:a16="http://schemas.microsoft.com/office/drawing/2014/main" id="{FA7A67E5-676B-447F-B413-91163BAD3EDA}"/>
+              </a:ext>
+            </a:extLst>
+          </p:cNvPr>
+          <p:cNvPicPr>
+            <a:picLocks noChangeAspect="1" noChangeArrowheads="1"/>
+          </p:cNvPicPr>
+          <p:nvPr/>
+        </p:nvPicPr>
+        <p:blipFill>
+          <a:blip r:embed="rId2">
+            <a:extLst>
+              <a:ext uri="{28A0092B-C50C-407E-A947-70E740481C1C}">
+                <a14:useLocalDpi xmlns:a14="http://schemas.microsoft.com/office/drawing/2010/main" val="0"/>
+              </a:ext>
+            </a:extLst>
+          </a:blip>
+          <a:stretch>
+            <a:fillRect/>
+          </a:stretch>
+        </p:blipFill>
+        <p:spPr bwMode="auto">
+          <a:xfrm>
+            <a:off x="228599" y="1418367"/>
+            <a:ext cx="7696201" cy="4021265"/>
+          </a:xfrm>
+          <a:prstGeom prst="rect">
+            <a:avLst/>
+          </a:prstGeom>
+          <a:solidFill>
+            <a:srgbClr val="FFFFFF"/>
+          </a:solidFill>
+          <a:ln>
+            <a:noFill/>
+          </a:ln>
+          <a:extLst>
+            <a:ext uri="{909E8E84-426E-40DD-AFC4-6F175D3DCCD1}">
+              <a14:hiddenFill xmlns:a14="http://schemas.microsoft.com/office/drawing/2010/main">
+                <a:solidFill>
+                  <a:srgbClr val="FFFFFF"/>
+                </a:solidFill>
+              </a14:hiddenFill>
+            </a:ext>
+          </a:extLst>
+        </p:spPr>
+      </p:pic>
       <p:sp>
         <p:nvSpPr>
           <p:cNvPr id="2" name="Title 1">
             <a:extLst>
               <a:ext uri="{FF2B5EF4-FFF2-40B4-BE49-F238E27FC236}">
-                <a16:creationId xmlns:a16="http://schemas.microsoft.com/office/drawing/2014/main" id="{7591929A-4E77-4EC4-BC25-A02DD40EC5CA}"/>
+                <a16:creationId xmlns:a16="http://schemas.microsoft.com/office/drawing/2014/main" id="{D3E2D524-66E4-4B3A-876D-42EAEA5689FB}"/>
               </a:ext>
             </a:extLst>
           </p:cNvPr>
@@ -9488,20 +13035,21 @@
         </p:nvSpPr>
         <p:spPr>
           <a:xfrm>
-            <a:off x="1629156" y="2275165"/>
-            <a:ext cx="8933688" cy="1153835"/>
+            <a:off x="8477250" y="603504"/>
+            <a:ext cx="3144774" cy="1645920"/>
           </a:xfrm>
         </p:spPr>
         <p:txBody>
-          <a:bodyPr anchor="ctr">
+          <a:bodyPr anchor="b">
             <a:normAutofit/>
           </a:bodyPr>
           <a:lstStyle/>
           <a:p>
             <a:r>
-              <a:rPr lang="en-AU" dirty="0"/>
-              <a:t>Hypotheses: </a:t>
-            </a:r>
+              <a:rPr lang="en-US" dirty="0"/>
+              <a:t>Why this topic</a:t>
+            </a:r>
+            <a:endParaRPr lang="en-AU" dirty="0"/>
           </a:p>
         </p:txBody>
       </p:sp>
@@ -9510,7 +13058,7 @@
           <p:cNvPr id="3" name="Content Placeholder 2">
             <a:extLst>
               <a:ext uri="{FF2B5EF4-FFF2-40B4-BE49-F238E27FC236}">
-                <a16:creationId xmlns:a16="http://schemas.microsoft.com/office/drawing/2014/main" id="{9A4B7D19-4A71-454B-9FAD-F93D57293189}"/>
+                <a16:creationId xmlns:a16="http://schemas.microsoft.com/office/drawing/2014/main" id="{D4FC96BF-5C76-4A93-91BF-722C066473F6}"/>
               </a:ext>
             </a:extLst>
           </p:cNvPr>
@@ -9518,37 +13066,36 @@
             <a:spLocks noGrp="1"/>
           </p:cNvSpPr>
           <p:nvPr>
-            <p:ph type="body" idx="1"/>
+            <p:ph type="body" sz="half" idx="2"/>
           </p:nvPr>
         </p:nvSpPr>
         <p:spPr>
           <a:xfrm>
-            <a:off x="1629156" y="3325091"/>
-            <a:ext cx="8939784" cy="640419"/>
+            <a:off x="8477250" y="2386584"/>
+            <a:ext cx="3144774" cy="3511296"/>
           </a:xfrm>
         </p:spPr>
         <p:txBody>
-          <a:bodyPr anchor="t">
-            <a:noAutofit/>
+          <a:bodyPr>
+            <a:normAutofit/>
           </a:bodyPr>
           <a:lstStyle/>
           <a:p>
-            <a:pPr>
-              <a:lnSpc>
-                <a:spcPct val="100000"/>
-              </a:lnSpc>
-            </a:pPr>
-            <a:r>
-              <a:rPr lang="en-AU" sz="3000" dirty="0"/>
-              <a:t>Crime rate will affect the house price negatively. The higher the crime rate in the suburb, the less likely the house price will increase</a:t>
-            </a:r>
+            <a:r>
+              <a:rPr lang="en-US" dirty="0"/>
+              <a:t>Majority of the people  would like to settle down at some point of life, eventually we would all need to buy a property. House price could directly affect to the plan of life.</a:t>
+            </a:r>
+            <a:endParaRPr lang="en-AU" dirty="0"/>
+          </a:p>
+          <a:p>
+            <a:endParaRPr lang="en-AU" dirty="0"/>
           </a:p>
         </p:txBody>
       </p:sp>
     </p:spTree>
     <p:extLst>
       <p:ext uri="{BB962C8B-B14F-4D97-AF65-F5344CB8AC3E}">
-        <p14:creationId xmlns:p14="http://schemas.microsoft.com/office/powerpoint/2010/main" val="410048684"/>
+        <p14:creationId xmlns:p14="http://schemas.microsoft.com/office/powerpoint/2010/main" val="615609825"/>
       </p:ext>
     </p:extLst>
   </p:cSld>
@@ -9558,7 +13105,7 @@
 </p:sld>
 </file>
 
-<file path=ppt/slides/slide3.xml><?xml version="1.0" encoding="utf-8"?>
+<file path=ppt/slides/slide20.xml><?xml version="1.0" encoding="utf-8"?>
 <p:sld xmlns:a="http://schemas.openxmlformats.org/drawingml/2006/main" xmlns:r="http://schemas.openxmlformats.org/officeDocument/2006/relationships" xmlns:p="http://schemas.openxmlformats.org/presentationml/2006/main">
   <p:cSld>
     <p:spTree>
@@ -9577,10 +13124,10 @@
       </p:grpSpPr>
       <p:sp>
         <p:nvSpPr>
-          <p:cNvPr id="9" name="Title 2">
+          <p:cNvPr id="2" name="Title 1">
             <a:extLst>
               <a:ext uri="{FF2B5EF4-FFF2-40B4-BE49-F238E27FC236}">
-                <a16:creationId xmlns:a16="http://schemas.microsoft.com/office/drawing/2014/main" id="{A7FF6421-D605-4A42-A7C0-173834FBC576}"/>
+                <a16:creationId xmlns:a16="http://schemas.microsoft.com/office/drawing/2014/main" id="{5144EDDA-AF52-4FD3-89B0-0F7E6BDC8C52}"/>
               </a:ext>
             </a:extLst>
           </p:cNvPr>
@@ -9591,62 +13138,27 @@
             <p:ph type="title"/>
           </p:nvPr>
         </p:nvSpPr>
-        <p:spPr>
-          <a:xfrm>
-            <a:off x="1066800" y="642594"/>
-            <a:ext cx="10058400" cy="1371600"/>
-          </a:xfrm>
-        </p:spPr>
+        <p:spPr/>
         <p:txBody>
-          <a:bodyPr anchor="ctr">
+          <a:bodyPr>
             <a:normAutofit/>
           </a:bodyPr>
           <a:lstStyle/>
           <a:p>
             <a:r>
-              <a:rPr lang="en-US" dirty="0"/>
-              <a:t>Key Step for the analysis</a:t>
-            </a:r>
+              <a:rPr lang="en-US" sz="3600" dirty="0"/>
+              <a:t>Top 20 nearest houses to CBD by suburb &amp; year</a:t>
+            </a:r>
+            <a:endParaRPr lang="en-AU" sz="3600" dirty="0"/>
           </a:p>
         </p:txBody>
       </p:sp>
-      <p:pic>
-        <p:nvPicPr>
-          <p:cNvPr id="6" name="Picture 5">
+      <p:sp>
+        <p:nvSpPr>
+          <p:cNvPr id="4" name="Content Placeholder 3">
             <a:extLst>
               <a:ext uri="{FF2B5EF4-FFF2-40B4-BE49-F238E27FC236}">
-                <a16:creationId xmlns:a16="http://schemas.microsoft.com/office/drawing/2014/main" id="{7881B6B4-DE1E-4524-9EC5-C880015E6F7C}"/>
-              </a:ext>
-            </a:extLst>
-          </p:cNvPr>
-          <p:cNvPicPr>
-            <a:picLocks noChangeAspect="1"/>
-          </p:cNvPicPr>
-          <p:nvPr/>
-        </p:nvPicPr>
-        <p:blipFill>
-          <a:blip r:embed="rId2"/>
-          <a:stretch>
-            <a:fillRect/>
-          </a:stretch>
-        </p:blipFill>
-        <p:spPr>
-          <a:xfrm>
-            <a:off x="1066800" y="2811780"/>
-            <a:ext cx="4663440" cy="2331720"/>
-          </a:xfrm>
-          <a:prstGeom prst="rect">
-            <a:avLst/>
-          </a:prstGeom>
-          <a:noFill/>
-        </p:spPr>
-      </p:pic>
-      <p:sp>
-        <p:nvSpPr>
-          <p:cNvPr id="11" name="Text Placeholder 3">
-            <a:extLst>
-              <a:ext uri="{FF2B5EF4-FFF2-40B4-BE49-F238E27FC236}">
-                <a16:creationId xmlns:a16="http://schemas.microsoft.com/office/drawing/2014/main" id="{1D00AAB8-024F-408F-B475-F1AF2779B0A4}"/>
+                <a16:creationId xmlns:a16="http://schemas.microsoft.com/office/drawing/2014/main" id="{77BD29D6-47D4-4782-B863-27F919F8A07D}"/>
               </a:ext>
             </a:extLst>
           </p:cNvPr>
@@ -9657,85 +13169,87 @@
             <p:ph sz="half" idx="2"/>
           </p:nvPr>
         </p:nvSpPr>
+        <p:spPr/>
+        <p:txBody>
+          <a:bodyPr/>
+          <a:lstStyle/>
+          <a:p>
+            <a:r>
+              <a:rPr lang="en-US" sz="4500" dirty="0">
+                <a:solidFill>
+                  <a:srgbClr val="008000"/>
+                </a:solidFill>
+                <a:latin typeface="Times New Roman" panose="02020603050405020304" pitchFamily="18" charset="0"/>
+                <a:cs typeface="Times New Roman" panose="02020603050405020304" pitchFamily="18" charset="0"/>
+              </a:rPr>
+              <a:t>Upward Trend</a:t>
+            </a:r>
+            <a:br>
+              <a:rPr lang="en-US" sz="1800" b="0" dirty="0">
+                <a:solidFill>
+                  <a:srgbClr val="008000"/>
+                </a:solidFill>
+                <a:effectLst/>
+                <a:latin typeface="Times New Roman" panose="02020603050405020304" pitchFamily="18" charset="0"/>
+                <a:cs typeface="Times New Roman" panose="02020603050405020304" pitchFamily="18" charset="0"/>
+              </a:rPr>
+            </a:br>
+            <a:r>
+              <a:rPr lang="en-US" sz="1800" dirty="0">
+                <a:solidFill>
+                  <a:srgbClr val="008000"/>
+                </a:solidFill>
+                <a:latin typeface="Times New Roman" panose="02020603050405020304" pitchFamily="18" charset="0"/>
+                <a:cs typeface="Times New Roman" panose="02020603050405020304" pitchFamily="18" charset="0"/>
+              </a:rPr>
+              <a:t>Majority from 2018</a:t>
+            </a:r>
+            <a:endParaRPr lang="en-AU" dirty="0"/>
+          </a:p>
+        </p:txBody>
+      </p:sp>
+      <p:pic>
+        <p:nvPicPr>
+          <p:cNvPr id="5" name="Content Placeholder 4">
+            <a:extLst>
+              <a:ext uri="{FF2B5EF4-FFF2-40B4-BE49-F238E27FC236}">
+                <a16:creationId xmlns:a16="http://schemas.microsoft.com/office/drawing/2014/main" id="{38856E8E-7B45-4521-A504-6CE6B4B3FF8C}"/>
+              </a:ext>
+            </a:extLst>
+          </p:cNvPr>
+          <p:cNvPicPr>
+            <a:picLocks noGrp="1" noChangeAspect="1"/>
+          </p:cNvPicPr>
+          <p:nvPr>
+            <p:ph sz="half" idx="1"/>
+          </p:nvPr>
+        </p:nvPicPr>
+        <p:blipFill>
+          <a:blip r:embed="rId2">
+            <a:extLst>
+              <a:ext uri="{28A0092B-C50C-407E-A947-70E740481C1C}">
+                <a14:useLocalDpi xmlns:a14="http://schemas.microsoft.com/office/drawing/2010/main" val="0"/>
+              </a:ext>
+            </a:extLst>
+          </a:blip>
+          <a:stretch>
+            <a:fillRect/>
+          </a:stretch>
+        </p:blipFill>
         <p:spPr>
           <a:xfrm>
-            <a:off x="6461761" y="1882588"/>
-            <a:ext cx="5063129" cy="3969572"/>
+            <a:off x="1548759" y="2103438"/>
+            <a:ext cx="3700157" cy="3748087"/>
           </a:xfrm>
+          <a:prstGeom prst="rect">
+            <a:avLst/>
+          </a:prstGeom>
         </p:spPr>
-        <p:txBody>
-          <a:bodyPr>
-            <a:normAutofit fontScale="92500" lnSpcReduction="10000"/>
-          </a:bodyPr>
-          <a:lstStyle/>
-          <a:p>
-            <a:pPr marL="342900" indent="-342900">
-              <a:buAutoNum type="arabicPeriod"/>
-            </a:pPr>
-            <a:r>
-              <a:rPr lang="en-US" dirty="0"/>
-              <a:t>Looking at historical data first</a:t>
-            </a:r>
-          </a:p>
-          <a:p>
-            <a:pPr lvl="1"/>
-            <a:r>
-              <a:rPr lang="en-US" dirty="0"/>
-              <a:t>Obtain the sold property in all Melbourne Region to 2016-2018</a:t>
-            </a:r>
-          </a:p>
-          <a:p>
-            <a:pPr marL="342900" indent="-342900">
-              <a:buAutoNum type="arabicPeriod"/>
-            </a:pPr>
-            <a:r>
-              <a:rPr lang="en-US" dirty="0"/>
-              <a:t>Determining the factors that will affect the house price, and search for relevant dataset.</a:t>
-            </a:r>
-          </a:p>
-          <a:p>
-            <a:pPr lvl="1"/>
-            <a:r>
-              <a:rPr lang="en-US" dirty="0"/>
-              <a:t>The neighborhood quality and amenities impact</a:t>
-            </a:r>
-          </a:p>
-          <a:p>
-            <a:pPr marL="342900" indent="-342900">
-              <a:buFont typeface="Garamond" pitchFamily="18" charset="0"/>
-              <a:buAutoNum type="arabicPeriod"/>
-            </a:pPr>
-            <a:r>
-              <a:rPr lang="en-US" dirty="0"/>
-              <a:t>Set up hypotheses</a:t>
-            </a:r>
-          </a:p>
-          <a:p>
-            <a:pPr marL="342900" indent="-342900">
-              <a:buAutoNum type="arabicPeriod"/>
-            </a:pPr>
-            <a:r>
-              <a:rPr lang="en-US" dirty="0"/>
-              <a:t>Dig deep into the factors by analyzing the data that we have</a:t>
-            </a:r>
-          </a:p>
-          <a:p>
-            <a:pPr lvl="1"/>
-            <a:r>
-              <a:rPr lang="en-US" dirty="0"/>
-              <a:t>Fine tune the analysis to find the correlation between the factors</a:t>
-            </a:r>
-          </a:p>
-          <a:p>
-            <a:pPr lvl="1"/>
-            <a:endParaRPr lang="en-US" dirty="0"/>
-          </a:p>
-        </p:txBody>
-      </p:sp>
+      </p:pic>
     </p:spTree>
     <p:extLst>
       <p:ext uri="{BB962C8B-B14F-4D97-AF65-F5344CB8AC3E}">
-        <p14:creationId xmlns:p14="http://schemas.microsoft.com/office/powerpoint/2010/main" val="2757353475"/>
+        <p14:creationId xmlns:p14="http://schemas.microsoft.com/office/powerpoint/2010/main" val="3077988739"/>
       </p:ext>
     </p:extLst>
   </p:cSld>
@@ -9745,7 +13259,760 @@
 </p:sld>
 </file>
 
-<file path=ppt/slides/slide4.xml><?xml version="1.0" encoding="utf-8"?>
+<file path=ppt/slides/slide21.xml><?xml version="1.0" encoding="utf-8"?>
+<p:sld xmlns:a="http://schemas.openxmlformats.org/drawingml/2006/main" xmlns:r="http://schemas.openxmlformats.org/officeDocument/2006/relationships" xmlns:p="http://schemas.openxmlformats.org/presentationml/2006/main">
+  <p:cSld>
+    <p:spTree>
+      <p:nvGrpSpPr>
+        <p:cNvPr id="1" name=""/>
+        <p:cNvGrpSpPr/>
+        <p:nvPr/>
+      </p:nvGrpSpPr>
+      <p:grpSpPr>
+        <a:xfrm>
+          <a:off x="0" y="0"/>
+          <a:ext cx="0" cy="0"/>
+          <a:chOff x="0" y="0"/>
+          <a:chExt cx="0" cy="0"/>
+        </a:xfrm>
+      </p:grpSpPr>
+      <p:sp>
+        <p:nvSpPr>
+          <p:cNvPr id="2" name="Title 1">
+            <a:extLst>
+              <a:ext uri="{FF2B5EF4-FFF2-40B4-BE49-F238E27FC236}">
+                <a16:creationId xmlns:a16="http://schemas.microsoft.com/office/drawing/2014/main" id="{4C72A642-930A-44FA-8F8F-72158C4DFD88}"/>
+              </a:ext>
+            </a:extLst>
+          </p:cNvPr>
+          <p:cNvSpPr>
+            <a:spLocks noGrp="1"/>
+          </p:cNvSpPr>
+          <p:nvPr>
+            <p:ph type="title"/>
+          </p:nvPr>
+        </p:nvSpPr>
+        <p:spPr/>
+        <p:txBody>
+          <a:bodyPr>
+            <a:normAutofit/>
+          </a:bodyPr>
+          <a:lstStyle/>
+          <a:p>
+            <a:r>
+              <a:rPr lang="en-US" dirty="0"/>
+              <a:t>Top 20 nearest houses to CBD by suburb &amp; year</a:t>
+            </a:r>
+            <a:endParaRPr lang="en-AU" dirty="0"/>
+          </a:p>
+        </p:txBody>
+      </p:sp>
+      <p:sp>
+        <p:nvSpPr>
+          <p:cNvPr id="4" name="Content Placeholder 3">
+            <a:extLst>
+              <a:ext uri="{FF2B5EF4-FFF2-40B4-BE49-F238E27FC236}">
+                <a16:creationId xmlns:a16="http://schemas.microsoft.com/office/drawing/2014/main" id="{CF8CB348-C46C-4C6E-8698-C26ECDA0E574}"/>
+              </a:ext>
+            </a:extLst>
+          </p:cNvPr>
+          <p:cNvSpPr>
+            <a:spLocks noGrp="1"/>
+          </p:cNvSpPr>
+          <p:nvPr>
+            <p:ph sz="half" idx="2"/>
+          </p:nvPr>
+        </p:nvSpPr>
+        <p:spPr/>
+        <p:txBody>
+          <a:bodyPr/>
+          <a:lstStyle/>
+          <a:p>
+            <a:r>
+              <a:rPr lang="en-US" sz="1800" b="0" dirty="0">
+                <a:solidFill>
+                  <a:srgbClr val="008000"/>
+                </a:solidFill>
+                <a:effectLst/>
+                <a:latin typeface="Times New Roman" panose="02020603050405020304" pitchFamily="18" charset="0"/>
+                <a:cs typeface="Times New Roman" panose="02020603050405020304" pitchFamily="18" charset="0"/>
+              </a:rPr>
+              <a:t>Y= 0.25 X + 0.64</a:t>
+            </a:r>
+            <a:br>
+              <a:rPr lang="en-US" sz="1800" b="0" dirty="0">
+                <a:solidFill>
+                  <a:srgbClr val="008000"/>
+                </a:solidFill>
+                <a:effectLst/>
+                <a:latin typeface="Times New Roman" panose="02020603050405020304" pitchFamily="18" charset="0"/>
+                <a:cs typeface="Times New Roman" panose="02020603050405020304" pitchFamily="18" charset="0"/>
+              </a:rPr>
+            </a:br>
+            <a:r>
+              <a:rPr lang="en-US" sz="1800" b="1" dirty="0">
+                <a:solidFill>
+                  <a:srgbClr val="002060"/>
+                </a:solidFill>
+                <a:latin typeface="Times New Roman" panose="02020603050405020304" pitchFamily="18" charset="0"/>
+                <a:cs typeface="Times New Roman" panose="02020603050405020304" pitchFamily="18" charset="0"/>
+              </a:rPr>
+              <a:t>C</a:t>
+            </a:r>
+            <a:r>
+              <a:rPr lang="en-US" sz="1800" b="1" dirty="0">
+                <a:solidFill>
+                  <a:srgbClr val="002060"/>
+                </a:solidFill>
+                <a:effectLst/>
+                <a:latin typeface="Times New Roman" panose="02020603050405020304" pitchFamily="18" charset="0"/>
+                <a:cs typeface="Times New Roman" panose="02020603050405020304" pitchFamily="18" charset="0"/>
+              </a:rPr>
+              <a:t>orrelation Coefficient : 0.47 &lt; </a:t>
+            </a:r>
+            <a:r>
+              <a:rPr lang="en-US" sz="1800" b="1" dirty="0">
+                <a:solidFill>
+                  <a:srgbClr val="002060"/>
+                </a:solidFill>
+                <a:latin typeface="Times New Roman" panose="02020603050405020304" pitchFamily="18" charset="0"/>
+                <a:cs typeface="Times New Roman" panose="02020603050405020304" pitchFamily="18" charset="0"/>
+              </a:rPr>
+              <a:t>0.5</a:t>
+            </a:r>
+            <a:br>
+              <a:rPr lang="en-US" sz="1800" b="1" dirty="0">
+                <a:solidFill>
+                  <a:srgbClr val="002060"/>
+                </a:solidFill>
+                <a:effectLst/>
+                <a:latin typeface="Times New Roman" panose="02020603050405020304" pitchFamily="18" charset="0"/>
+                <a:cs typeface="Times New Roman" panose="02020603050405020304" pitchFamily="18" charset="0"/>
+              </a:rPr>
+            </a:br>
+            <a:r>
+              <a:rPr lang="en-US" sz="1800" b="1" dirty="0">
+                <a:solidFill>
+                  <a:srgbClr val="002060"/>
+                </a:solidFill>
+                <a:latin typeface="Times New Roman" panose="02020603050405020304" pitchFamily="18" charset="0"/>
+                <a:cs typeface="Times New Roman" panose="02020603050405020304" pitchFamily="18" charset="0"/>
+              </a:rPr>
+              <a:t>P-value: 0.03&lt;0.05</a:t>
+            </a:r>
+            <a:br>
+              <a:rPr lang="en-US" sz="1800" b="1" dirty="0">
+                <a:solidFill>
+                  <a:srgbClr val="002060"/>
+                </a:solidFill>
+                <a:latin typeface="Times New Roman" panose="02020603050405020304" pitchFamily="18" charset="0"/>
+                <a:cs typeface="Times New Roman" panose="02020603050405020304" pitchFamily="18" charset="0"/>
+              </a:rPr>
+            </a:br>
+            <a:r>
+              <a:rPr lang="en-US" sz="1800" b="1" dirty="0">
+                <a:solidFill>
+                  <a:srgbClr val="002060"/>
+                </a:solidFill>
+                <a:effectLst/>
+                <a:latin typeface="Times New Roman" panose="02020603050405020304" pitchFamily="18" charset="0"/>
+                <a:cs typeface="Times New Roman" panose="02020603050405020304" pitchFamily="18" charset="0"/>
+              </a:rPr>
+              <a:t>(H0) is </a:t>
+            </a:r>
+            <a:r>
+              <a:rPr lang="en-US" sz="1800" b="1" dirty="0">
+                <a:solidFill>
+                  <a:srgbClr val="002060"/>
+                </a:solidFill>
+                <a:latin typeface="Times New Roman" panose="02020603050405020304" pitchFamily="18" charset="0"/>
+                <a:cs typeface="Times New Roman" panose="02020603050405020304" pitchFamily="18" charset="0"/>
+              </a:rPr>
+              <a:t>reject</a:t>
+            </a:r>
+            <a:r>
+              <a:rPr lang="en-US" sz="1800" b="1" dirty="0">
+                <a:solidFill>
+                  <a:srgbClr val="002060"/>
+                </a:solidFill>
+                <a:effectLst/>
+                <a:latin typeface="Times New Roman" panose="02020603050405020304" pitchFamily="18" charset="0"/>
+                <a:cs typeface="Times New Roman" panose="02020603050405020304" pitchFamily="18" charset="0"/>
+              </a:rPr>
+              <a:t>ed</a:t>
+            </a:r>
+          </a:p>
+          <a:p>
+            <a:endParaRPr lang="en-AU" dirty="0"/>
+          </a:p>
+        </p:txBody>
+      </p:sp>
+      <p:pic>
+        <p:nvPicPr>
+          <p:cNvPr id="5" name="Content Placeholder 4">
+            <a:extLst>
+              <a:ext uri="{FF2B5EF4-FFF2-40B4-BE49-F238E27FC236}">
+                <a16:creationId xmlns:a16="http://schemas.microsoft.com/office/drawing/2014/main" id="{F65BD5B6-4DEB-4971-A8D3-989584228696}"/>
+              </a:ext>
+            </a:extLst>
+          </p:cNvPr>
+          <p:cNvPicPr>
+            <a:picLocks noGrp="1" noChangeAspect="1"/>
+          </p:cNvPicPr>
+          <p:nvPr>
+            <p:ph sz="half" idx="1"/>
+          </p:nvPr>
+        </p:nvPicPr>
+        <p:blipFill>
+          <a:blip r:embed="rId2">
+            <a:extLst>
+              <a:ext uri="{28A0092B-C50C-407E-A947-70E740481C1C}">
+                <a14:useLocalDpi xmlns:a14="http://schemas.microsoft.com/office/drawing/2010/main" val="0"/>
+              </a:ext>
+            </a:extLst>
+          </a:blip>
+          <a:stretch>
+            <a:fillRect/>
+          </a:stretch>
+        </p:blipFill>
+        <p:spPr>
+          <a:xfrm>
+            <a:off x="1524794" y="2103438"/>
+            <a:ext cx="3748087" cy="3748087"/>
+          </a:xfrm>
+          <a:prstGeom prst="rect">
+            <a:avLst/>
+          </a:prstGeom>
+        </p:spPr>
+      </p:pic>
+    </p:spTree>
+    <p:extLst>
+      <p:ext uri="{BB962C8B-B14F-4D97-AF65-F5344CB8AC3E}">
+        <p14:creationId xmlns:p14="http://schemas.microsoft.com/office/powerpoint/2010/main" val="2220479178"/>
+      </p:ext>
+    </p:extLst>
+  </p:cSld>
+  <p:clrMapOvr>
+    <a:masterClrMapping/>
+  </p:clrMapOvr>
+</p:sld>
+</file>
+
+<file path=ppt/slides/slide22.xml><?xml version="1.0" encoding="utf-8"?>
+<p:sld xmlns:a="http://schemas.openxmlformats.org/drawingml/2006/main" xmlns:r="http://schemas.openxmlformats.org/officeDocument/2006/relationships" xmlns:p="http://schemas.openxmlformats.org/presentationml/2006/main">
+  <p:cSld>
+    <p:spTree>
+      <p:nvGrpSpPr>
+        <p:cNvPr id="1" name=""/>
+        <p:cNvGrpSpPr/>
+        <p:nvPr/>
+      </p:nvGrpSpPr>
+      <p:grpSpPr>
+        <a:xfrm>
+          <a:off x="0" y="0"/>
+          <a:ext cx="0" cy="0"/>
+          <a:chOff x="0" y="0"/>
+          <a:chExt cx="0" cy="0"/>
+        </a:xfrm>
+      </p:grpSpPr>
+      <p:sp>
+        <p:nvSpPr>
+          <p:cNvPr id="2" name="Title 1">
+            <a:extLst>
+              <a:ext uri="{FF2B5EF4-FFF2-40B4-BE49-F238E27FC236}">
+                <a16:creationId xmlns:a16="http://schemas.microsoft.com/office/drawing/2014/main" id="{545D6934-4024-49C0-9DC4-4EA75AACCBD1}"/>
+              </a:ext>
+            </a:extLst>
+          </p:cNvPr>
+          <p:cNvSpPr>
+            <a:spLocks noGrp="1"/>
+          </p:cNvSpPr>
+          <p:nvPr>
+            <p:ph type="title"/>
+          </p:nvPr>
+        </p:nvSpPr>
+        <p:spPr/>
+        <p:txBody>
+          <a:bodyPr>
+            <a:normAutofit/>
+          </a:bodyPr>
+          <a:lstStyle/>
+          <a:p>
+            <a:r>
+              <a:rPr lang="en-US" dirty="0"/>
+              <a:t>Average of house prices in different distance groups (bins)</a:t>
+            </a:r>
+            <a:endParaRPr lang="en-AU" dirty="0"/>
+          </a:p>
+        </p:txBody>
+      </p:sp>
+      <p:sp>
+        <p:nvSpPr>
+          <p:cNvPr id="4" name="Content Placeholder 3">
+            <a:extLst>
+              <a:ext uri="{FF2B5EF4-FFF2-40B4-BE49-F238E27FC236}">
+                <a16:creationId xmlns:a16="http://schemas.microsoft.com/office/drawing/2014/main" id="{E5012FCB-15EC-4316-BAEF-8737E85FFCD9}"/>
+              </a:ext>
+            </a:extLst>
+          </p:cNvPr>
+          <p:cNvSpPr>
+            <a:spLocks noGrp="1"/>
+          </p:cNvSpPr>
+          <p:nvPr>
+            <p:ph sz="half" idx="2"/>
+          </p:nvPr>
+        </p:nvSpPr>
+        <p:spPr/>
+        <p:txBody>
+          <a:bodyPr/>
+          <a:lstStyle/>
+          <a:p>
+            <a:r>
+              <a:rPr lang="en-US" sz="4500" dirty="0">
+                <a:solidFill>
+                  <a:srgbClr val="008000"/>
+                </a:solidFill>
+                <a:latin typeface="Times New Roman" panose="02020603050405020304" pitchFamily="18" charset="0"/>
+                <a:cs typeface="Times New Roman" panose="02020603050405020304" pitchFamily="18" charset="0"/>
+              </a:rPr>
+              <a:t>Downward Trend</a:t>
+            </a:r>
+            <a:endParaRPr lang="en-AU" sz="4500" dirty="0">
+              <a:solidFill>
+                <a:srgbClr val="008000"/>
+              </a:solidFill>
+              <a:latin typeface="Times New Roman" panose="02020603050405020304" pitchFamily="18" charset="0"/>
+              <a:cs typeface="Times New Roman" panose="02020603050405020304" pitchFamily="18" charset="0"/>
+            </a:endParaRPr>
+          </a:p>
+        </p:txBody>
+      </p:sp>
+      <p:pic>
+        <p:nvPicPr>
+          <p:cNvPr id="5" name="Content Placeholder 4">
+            <a:extLst>
+              <a:ext uri="{FF2B5EF4-FFF2-40B4-BE49-F238E27FC236}">
+                <a16:creationId xmlns:a16="http://schemas.microsoft.com/office/drawing/2014/main" id="{A776FC7D-B6F2-415F-9336-446F359D8160}"/>
+              </a:ext>
+            </a:extLst>
+          </p:cNvPr>
+          <p:cNvPicPr>
+            <a:picLocks noGrp="1" noChangeAspect="1"/>
+          </p:cNvPicPr>
+          <p:nvPr>
+            <p:ph sz="half" idx="1"/>
+          </p:nvPr>
+        </p:nvPicPr>
+        <p:blipFill>
+          <a:blip r:embed="rId2">
+            <a:extLst>
+              <a:ext uri="{28A0092B-C50C-407E-A947-70E740481C1C}">
+                <a14:useLocalDpi xmlns:a14="http://schemas.microsoft.com/office/drawing/2010/main" val="0"/>
+              </a:ext>
+            </a:extLst>
+          </a:blip>
+          <a:stretch>
+            <a:fillRect/>
+          </a:stretch>
+        </p:blipFill>
+        <p:spPr>
+          <a:xfrm>
+            <a:off x="1066800" y="2183142"/>
+            <a:ext cx="4664075" cy="3588679"/>
+          </a:xfrm>
+          <a:prstGeom prst="rect">
+            <a:avLst/>
+          </a:prstGeom>
+        </p:spPr>
+      </p:pic>
+    </p:spTree>
+    <p:extLst>
+      <p:ext uri="{BB962C8B-B14F-4D97-AF65-F5344CB8AC3E}">
+        <p14:creationId xmlns:p14="http://schemas.microsoft.com/office/powerpoint/2010/main" val="1159778972"/>
+      </p:ext>
+    </p:extLst>
+  </p:cSld>
+  <p:clrMapOvr>
+    <a:masterClrMapping/>
+  </p:clrMapOvr>
+</p:sld>
+</file>
+
+<file path=ppt/slides/slide23.xml><?xml version="1.0" encoding="utf-8"?>
+<p:sld xmlns:a="http://schemas.openxmlformats.org/drawingml/2006/main" xmlns:r="http://schemas.openxmlformats.org/officeDocument/2006/relationships" xmlns:p="http://schemas.openxmlformats.org/presentationml/2006/main">
+  <p:cSld>
+    <p:spTree>
+      <p:nvGrpSpPr>
+        <p:cNvPr id="1" name=""/>
+        <p:cNvGrpSpPr/>
+        <p:nvPr/>
+      </p:nvGrpSpPr>
+      <p:grpSpPr>
+        <a:xfrm>
+          <a:off x="0" y="0"/>
+          <a:ext cx="0" cy="0"/>
+          <a:chOff x="0" y="0"/>
+          <a:chExt cx="0" cy="0"/>
+        </a:xfrm>
+      </p:grpSpPr>
+      <p:sp>
+        <p:nvSpPr>
+          <p:cNvPr id="2" name="Title 1">
+            <a:extLst>
+              <a:ext uri="{FF2B5EF4-FFF2-40B4-BE49-F238E27FC236}">
+                <a16:creationId xmlns:a16="http://schemas.microsoft.com/office/drawing/2014/main" id="{F4141B15-682D-40E8-832A-6A140132BAEA}"/>
+              </a:ext>
+            </a:extLst>
+          </p:cNvPr>
+          <p:cNvSpPr>
+            <a:spLocks noGrp="1"/>
+          </p:cNvSpPr>
+          <p:nvPr>
+            <p:ph type="title"/>
+          </p:nvPr>
+        </p:nvSpPr>
+        <p:spPr/>
+        <p:txBody>
+          <a:bodyPr>
+            <a:normAutofit/>
+          </a:bodyPr>
+          <a:lstStyle/>
+          <a:p>
+            <a:r>
+              <a:rPr lang="en-US" dirty="0"/>
+              <a:t>Average of house prices in different distance groups (bins)</a:t>
+            </a:r>
+            <a:endParaRPr lang="en-AU" dirty="0"/>
+          </a:p>
+        </p:txBody>
+      </p:sp>
+      <p:sp>
+        <p:nvSpPr>
+          <p:cNvPr id="4" name="Content Placeholder 3">
+            <a:extLst>
+              <a:ext uri="{FF2B5EF4-FFF2-40B4-BE49-F238E27FC236}">
+                <a16:creationId xmlns:a16="http://schemas.microsoft.com/office/drawing/2014/main" id="{FC64C914-4086-4A0E-9055-9286370E9DAD}"/>
+              </a:ext>
+            </a:extLst>
+          </p:cNvPr>
+          <p:cNvSpPr>
+            <a:spLocks noGrp="1"/>
+          </p:cNvSpPr>
+          <p:nvPr>
+            <p:ph sz="half" idx="2"/>
+          </p:nvPr>
+        </p:nvSpPr>
+        <p:spPr/>
+        <p:txBody>
+          <a:bodyPr/>
+          <a:lstStyle/>
+          <a:p>
+            <a:r>
+              <a:rPr lang="en-US" sz="1800" b="0" dirty="0">
+                <a:solidFill>
+                  <a:srgbClr val="008000"/>
+                </a:solidFill>
+                <a:effectLst/>
+                <a:latin typeface="Times New Roman" panose="02020603050405020304" pitchFamily="18" charset="0"/>
+                <a:cs typeface="Times New Roman" panose="02020603050405020304" pitchFamily="18" charset="0"/>
+              </a:rPr>
+              <a:t>Y= -0.01 X + 1.18</a:t>
+            </a:r>
+            <a:br>
+              <a:rPr lang="en-US" sz="1800" b="0" dirty="0">
+                <a:solidFill>
+                  <a:srgbClr val="008000"/>
+                </a:solidFill>
+                <a:effectLst/>
+                <a:latin typeface="Times New Roman" panose="02020603050405020304" pitchFamily="18" charset="0"/>
+                <a:cs typeface="Times New Roman" panose="02020603050405020304" pitchFamily="18" charset="0"/>
+              </a:rPr>
+            </a:br>
+            <a:r>
+              <a:rPr lang="en-US" sz="1800" b="1" dirty="0">
+                <a:solidFill>
+                  <a:srgbClr val="002060"/>
+                </a:solidFill>
+                <a:latin typeface="Times New Roman" panose="02020603050405020304" pitchFamily="18" charset="0"/>
+                <a:cs typeface="Times New Roman" panose="02020603050405020304" pitchFamily="18" charset="0"/>
+              </a:rPr>
+              <a:t>C</a:t>
+            </a:r>
+            <a:r>
+              <a:rPr lang="en-US" sz="1800" b="1" dirty="0">
+                <a:solidFill>
+                  <a:srgbClr val="002060"/>
+                </a:solidFill>
+                <a:effectLst/>
+                <a:latin typeface="Times New Roman" panose="02020603050405020304" pitchFamily="18" charset="0"/>
+                <a:cs typeface="Times New Roman" panose="02020603050405020304" pitchFamily="18" charset="0"/>
+              </a:rPr>
+              <a:t>orrelation Coefficient : -0.93 &gt; </a:t>
+            </a:r>
+            <a:r>
+              <a:rPr lang="en-US" sz="1800" b="1" dirty="0">
+                <a:solidFill>
+                  <a:srgbClr val="002060"/>
+                </a:solidFill>
+                <a:latin typeface="Times New Roman" panose="02020603050405020304" pitchFamily="18" charset="0"/>
+                <a:cs typeface="Times New Roman" panose="02020603050405020304" pitchFamily="18" charset="0"/>
+              </a:rPr>
+              <a:t>0.5</a:t>
+            </a:r>
+            <a:br>
+              <a:rPr lang="en-US" sz="1800" b="1" dirty="0">
+                <a:solidFill>
+                  <a:srgbClr val="002060"/>
+                </a:solidFill>
+                <a:effectLst/>
+                <a:latin typeface="Times New Roman" panose="02020603050405020304" pitchFamily="18" charset="0"/>
+                <a:cs typeface="Times New Roman" panose="02020603050405020304" pitchFamily="18" charset="0"/>
+              </a:rPr>
+            </a:br>
+            <a:r>
+              <a:rPr lang="en-US" sz="1800" b="1" dirty="0">
+                <a:solidFill>
+                  <a:srgbClr val="002060"/>
+                </a:solidFill>
+                <a:latin typeface="Times New Roman" panose="02020603050405020304" pitchFamily="18" charset="0"/>
+                <a:cs typeface="Times New Roman" panose="02020603050405020304" pitchFamily="18" charset="0"/>
+              </a:rPr>
+              <a:t>P-value: 0.02&lt;0.05</a:t>
+            </a:r>
+            <a:br>
+              <a:rPr lang="en-US" sz="1800" b="1" dirty="0">
+                <a:solidFill>
+                  <a:srgbClr val="002060"/>
+                </a:solidFill>
+                <a:latin typeface="Times New Roman" panose="02020603050405020304" pitchFamily="18" charset="0"/>
+                <a:cs typeface="Times New Roman" panose="02020603050405020304" pitchFamily="18" charset="0"/>
+              </a:rPr>
+            </a:br>
+            <a:r>
+              <a:rPr lang="en-US" sz="1800" b="1" dirty="0">
+                <a:solidFill>
+                  <a:srgbClr val="002060"/>
+                </a:solidFill>
+                <a:effectLst/>
+                <a:latin typeface="Times New Roman" panose="02020603050405020304" pitchFamily="18" charset="0"/>
+                <a:cs typeface="Times New Roman" panose="02020603050405020304" pitchFamily="18" charset="0"/>
+              </a:rPr>
+              <a:t>(H0) is </a:t>
+            </a:r>
+            <a:r>
+              <a:rPr lang="en-US" sz="1800" b="1" dirty="0">
+                <a:solidFill>
+                  <a:srgbClr val="002060"/>
+                </a:solidFill>
+                <a:latin typeface="Times New Roman" panose="02020603050405020304" pitchFamily="18" charset="0"/>
+                <a:cs typeface="Times New Roman" panose="02020603050405020304" pitchFamily="18" charset="0"/>
+              </a:rPr>
+              <a:t>reject</a:t>
+            </a:r>
+            <a:r>
+              <a:rPr lang="en-US" sz="1800" b="1" dirty="0">
+                <a:solidFill>
+                  <a:srgbClr val="002060"/>
+                </a:solidFill>
+                <a:effectLst/>
+                <a:latin typeface="Times New Roman" panose="02020603050405020304" pitchFamily="18" charset="0"/>
+                <a:cs typeface="Times New Roman" panose="02020603050405020304" pitchFamily="18" charset="0"/>
+              </a:rPr>
+              <a:t>ed</a:t>
+            </a:r>
+            <a:endParaRPr lang="en-AU" dirty="0"/>
+          </a:p>
+        </p:txBody>
+      </p:sp>
+      <p:pic>
+        <p:nvPicPr>
+          <p:cNvPr id="5" name="Content Placeholder 4">
+            <a:extLst>
+              <a:ext uri="{FF2B5EF4-FFF2-40B4-BE49-F238E27FC236}">
+                <a16:creationId xmlns:a16="http://schemas.microsoft.com/office/drawing/2014/main" id="{44D576D2-518C-4F23-BD79-DBD3E4530FD8}"/>
+              </a:ext>
+            </a:extLst>
+          </p:cNvPr>
+          <p:cNvPicPr>
+            <a:picLocks noGrp="1" noChangeAspect="1"/>
+          </p:cNvPicPr>
+          <p:nvPr>
+            <p:ph sz="half" idx="1"/>
+          </p:nvPr>
+        </p:nvPicPr>
+        <p:blipFill>
+          <a:blip r:embed="rId2">
+            <a:extLst>
+              <a:ext uri="{28A0092B-C50C-407E-A947-70E740481C1C}">
+                <a14:useLocalDpi xmlns:a14="http://schemas.microsoft.com/office/drawing/2010/main" val="0"/>
+              </a:ext>
+            </a:extLst>
+          </a:blip>
+          <a:stretch>
+            <a:fillRect/>
+          </a:stretch>
+        </p:blipFill>
+        <p:spPr>
+          <a:xfrm>
+            <a:off x="1524794" y="2103438"/>
+            <a:ext cx="3748087" cy="3748087"/>
+          </a:xfrm>
+          <a:prstGeom prst="rect">
+            <a:avLst/>
+          </a:prstGeom>
+        </p:spPr>
+      </p:pic>
+    </p:spTree>
+    <p:extLst>
+      <p:ext uri="{BB962C8B-B14F-4D97-AF65-F5344CB8AC3E}">
+        <p14:creationId xmlns:p14="http://schemas.microsoft.com/office/powerpoint/2010/main" val="3646647884"/>
+      </p:ext>
+    </p:extLst>
+  </p:cSld>
+  <p:clrMapOvr>
+    <a:masterClrMapping/>
+  </p:clrMapOvr>
+</p:sld>
+</file>
+
+<file path=ppt/slides/slide24.xml><?xml version="1.0" encoding="utf-8"?>
+<p:sld xmlns:a="http://schemas.openxmlformats.org/drawingml/2006/main" xmlns:r="http://schemas.openxmlformats.org/officeDocument/2006/relationships" xmlns:p="http://schemas.openxmlformats.org/presentationml/2006/main">
+  <p:cSld>
+    <p:spTree>
+      <p:nvGrpSpPr>
+        <p:cNvPr id="1" name=""/>
+        <p:cNvGrpSpPr/>
+        <p:nvPr/>
+      </p:nvGrpSpPr>
+      <p:grpSpPr>
+        <a:xfrm>
+          <a:off x="0" y="0"/>
+          <a:ext cx="0" cy="0"/>
+          <a:chOff x="0" y="0"/>
+          <a:chExt cx="0" cy="0"/>
+        </a:xfrm>
+      </p:grpSpPr>
+      <p:sp>
+        <p:nvSpPr>
+          <p:cNvPr id="2" name="Title 1">
+            <a:extLst>
+              <a:ext uri="{FF2B5EF4-FFF2-40B4-BE49-F238E27FC236}">
+                <a16:creationId xmlns:a16="http://schemas.microsoft.com/office/drawing/2014/main" id="{B80C9307-D21F-478C-A752-053E023C171C}"/>
+              </a:ext>
+            </a:extLst>
+          </p:cNvPr>
+          <p:cNvSpPr>
+            <a:spLocks noGrp="1"/>
+          </p:cNvSpPr>
+          <p:nvPr>
+            <p:ph type="title"/>
+          </p:nvPr>
+        </p:nvSpPr>
+        <p:spPr/>
+        <p:txBody>
+          <a:bodyPr/>
+          <a:lstStyle/>
+          <a:p>
+            <a:r>
+              <a:rPr lang="en-US" dirty="0"/>
+              <a:t>Conclusion</a:t>
+            </a:r>
+            <a:r>
+              <a:rPr lang="en-US" b="1" dirty="0">
+                <a:latin typeface="Times New Roman" panose="02020603050405020304" pitchFamily="18" charset="0"/>
+                <a:cs typeface="Times New Roman" panose="02020603050405020304" pitchFamily="18" charset="0"/>
+              </a:rPr>
+              <a:t> </a:t>
+            </a:r>
+            <a:br>
+              <a:rPr lang="en-US" b="1" dirty="0">
+                <a:latin typeface="Times New Roman" panose="02020603050405020304" pitchFamily="18" charset="0"/>
+                <a:cs typeface="Times New Roman" panose="02020603050405020304" pitchFamily="18" charset="0"/>
+              </a:rPr>
+            </a:br>
+            <a:r>
+              <a:rPr lang="en-US" dirty="0"/>
+              <a:t>for Hypothesis 2:</a:t>
+            </a:r>
+            <a:endParaRPr lang="en-AU" dirty="0"/>
+          </a:p>
+        </p:txBody>
+      </p:sp>
+      <p:sp>
+        <p:nvSpPr>
+          <p:cNvPr id="3" name="Content Placeholder 2">
+            <a:extLst>
+              <a:ext uri="{FF2B5EF4-FFF2-40B4-BE49-F238E27FC236}">
+                <a16:creationId xmlns:a16="http://schemas.microsoft.com/office/drawing/2014/main" id="{633BEC18-A7AB-4682-9568-A45ABF0B12B8}"/>
+              </a:ext>
+            </a:extLst>
+          </p:cNvPr>
+          <p:cNvSpPr>
+            <a:spLocks noGrp="1"/>
+          </p:cNvSpPr>
+          <p:nvPr>
+            <p:ph sz="half" idx="1"/>
+          </p:nvPr>
+        </p:nvSpPr>
+        <p:spPr>
+          <a:xfrm>
+            <a:off x="1066799" y="2777836"/>
+            <a:ext cx="10058399" cy="3074324"/>
+          </a:xfrm>
+        </p:spPr>
+        <p:txBody>
+          <a:bodyPr>
+            <a:normAutofit fontScale="92500"/>
+          </a:bodyPr>
+          <a:lstStyle/>
+          <a:p>
+            <a:pPr marL="0" indent="0" algn="ctr">
+              <a:buNone/>
+            </a:pPr>
+            <a:r>
+              <a:rPr lang="en-US" sz="4000" b="0" dirty="0">
+                <a:solidFill>
+                  <a:srgbClr val="002060"/>
+                </a:solidFill>
+                <a:effectLst/>
+                <a:latin typeface="Times New Roman" panose="02020603050405020304" pitchFamily="18" charset="0"/>
+                <a:cs typeface="Times New Roman" panose="02020603050405020304" pitchFamily="18" charset="0"/>
+              </a:rPr>
+              <a:t>Negative relationship between average of house price and distance to Melbourne CBD</a:t>
+            </a:r>
+          </a:p>
+          <a:p>
+            <a:pPr marL="0" indent="0" algn="ctr">
+              <a:buNone/>
+            </a:pPr>
+            <a:r>
+              <a:rPr lang="en-US" sz="4000" dirty="0">
+                <a:solidFill>
+                  <a:srgbClr val="002060"/>
+                </a:solidFill>
+                <a:latin typeface="Times New Roman" panose="02020603050405020304" pitchFamily="18" charset="0"/>
+                <a:cs typeface="Times New Roman" panose="02020603050405020304" pitchFamily="18" charset="0"/>
+              </a:rPr>
+              <a:t>(The closer to the CBD the higher the house price)</a:t>
+            </a:r>
+            <a:endParaRPr lang="en-AU" dirty="0"/>
+          </a:p>
+        </p:txBody>
+      </p:sp>
+    </p:spTree>
+    <p:extLst>
+      <p:ext uri="{BB962C8B-B14F-4D97-AF65-F5344CB8AC3E}">
+        <p14:creationId xmlns:p14="http://schemas.microsoft.com/office/powerpoint/2010/main" val="705019105"/>
+      </p:ext>
+    </p:extLst>
+  </p:cSld>
+  <p:clrMapOvr>
+    <a:masterClrMapping/>
+  </p:clrMapOvr>
+</p:sld>
+</file>
+
+<file path=ppt/slides/slide25.xml><?xml version="1.0" encoding="utf-8"?>
 <p:sld xmlns:a="http://schemas.openxmlformats.org/drawingml/2006/main" xmlns:r="http://schemas.openxmlformats.org/officeDocument/2006/relationships" xmlns:p="http://schemas.openxmlformats.org/presentationml/2006/main">
   <p:cSld>
     <p:spTree>
@@ -9845,7 +14112,7 @@
             </a:pPr>
             <a:r>
               <a:rPr lang="en-AU" sz="1400" dirty="0"/>
-              <a:t>Drop unwanted columns to make my readings easier</a:t>
+              <a:t>Drop unwanted columns to make readings easier</a:t>
             </a:r>
           </a:p>
           <a:p>
@@ -9885,7 +14152,7 @@
             </a:pPr>
             <a:r>
               <a:rPr lang="en-AU" sz="1400" dirty="0"/>
-              <a:t>Rename column name – easier to recognise</a:t>
+              <a:t>Rename column names for easier understanding</a:t>
             </a:r>
           </a:p>
           <a:p>
@@ -10006,7 +14273,7 @@
 </p:sld>
 </file>
 
-<file path=ppt/slides/slide5.xml><?xml version="1.0" encoding="utf-8"?>
+<file path=ppt/slides/slide26.xml><?xml version="1.0" encoding="utf-8"?>
 <p:sld xmlns:a="http://schemas.openxmlformats.org/drawingml/2006/main" xmlns:r="http://schemas.openxmlformats.org/officeDocument/2006/relationships" xmlns:p="http://schemas.openxmlformats.org/presentationml/2006/main">
   <p:cSld>
     <p:spTree>
@@ -10186,7 +14453,7 @@
 </p:sld>
 </file>
 
-<file path=ppt/slides/slide6.xml><?xml version="1.0" encoding="utf-8"?>
+<file path=ppt/slides/slide27.xml><?xml version="1.0" encoding="utf-8"?>
 <p:sld xmlns:a="http://schemas.openxmlformats.org/drawingml/2006/main" xmlns:r="http://schemas.openxmlformats.org/officeDocument/2006/relationships" xmlns:p="http://schemas.openxmlformats.org/presentationml/2006/main">
   <p:cSld>
     <p:spTree>
@@ -10323,7 +14590,7 @@
 </p:sld>
 </file>
 
-<file path=ppt/slides/slide7.xml><?xml version="1.0" encoding="utf-8"?>
+<file path=ppt/slides/slide28.xml><?xml version="1.0" encoding="utf-8"?>
 <p:sld xmlns:a="http://schemas.openxmlformats.org/drawingml/2006/main" xmlns:r="http://schemas.openxmlformats.org/officeDocument/2006/relationships" xmlns:p="http://schemas.openxmlformats.org/presentationml/2006/main">
   <p:cSld>
     <p:spTree>
@@ -10544,7 +14811,7 @@
 </p:sld>
 </file>
 
-<file path=ppt/slides/slide8.xml><?xml version="1.0" encoding="utf-8"?>
+<file path=ppt/slides/slide29.xml><?xml version="1.0" encoding="utf-8"?>
 <p:sld xmlns:a="http://schemas.openxmlformats.org/drawingml/2006/main" xmlns:r="http://schemas.openxmlformats.org/officeDocument/2006/relationships" xmlns:p="http://schemas.openxmlformats.org/presentationml/2006/main">
   <p:cSld>
     <p:spTree>
@@ -10676,7 +14943,166 @@
 </p:sld>
 </file>
 
-<file path=ppt/slides/slide9.xml><?xml version="1.0" encoding="utf-8"?>
+<file path=ppt/slides/slide3.xml><?xml version="1.0" encoding="utf-8"?>
+<p:sld xmlns:a="http://schemas.openxmlformats.org/drawingml/2006/main" xmlns:r="http://schemas.openxmlformats.org/officeDocument/2006/relationships" xmlns:p="http://schemas.openxmlformats.org/presentationml/2006/main">
+  <p:cSld>
+    <p:spTree>
+      <p:nvGrpSpPr>
+        <p:cNvPr id="1" name=""/>
+        <p:cNvGrpSpPr/>
+        <p:nvPr/>
+      </p:nvGrpSpPr>
+      <p:grpSpPr>
+        <a:xfrm>
+          <a:off x="0" y="0"/>
+          <a:ext cx="0" cy="0"/>
+          <a:chOff x="0" y="0"/>
+          <a:chExt cx="0" cy="0"/>
+        </a:xfrm>
+      </p:grpSpPr>
+      <p:sp>
+        <p:nvSpPr>
+          <p:cNvPr id="3084" name="Title 2">
+            <a:extLst>
+              <a:ext uri="{FF2B5EF4-FFF2-40B4-BE49-F238E27FC236}">
+                <a16:creationId xmlns:a16="http://schemas.microsoft.com/office/drawing/2014/main" id="{FFCE371A-442A-46BE-BF7D-26AE1D7B7494}"/>
+              </a:ext>
+            </a:extLst>
+          </p:cNvPr>
+          <p:cNvSpPr>
+            <a:spLocks noGrp="1"/>
+          </p:cNvSpPr>
+          <p:nvPr>
+            <p:ph type="title"/>
+          </p:nvPr>
+        </p:nvSpPr>
+        <p:spPr>
+          <a:xfrm>
+            <a:off x="8477250" y="603504"/>
+            <a:ext cx="3144774" cy="1645920"/>
+          </a:xfrm>
+        </p:spPr>
+        <p:txBody>
+          <a:bodyPr/>
+          <a:lstStyle/>
+          <a:p>
+            <a:r>
+              <a:rPr lang="en-US" sz="5500" dirty="0"/>
+              <a:t>Group 3</a:t>
+            </a:r>
+          </a:p>
+        </p:txBody>
+      </p:sp>
+      <p:sp>
+        <p:nvSpPr>
+          <p:cNvPr id="3085" name="Text Placeholder 3">
+            <a:extLst>
+              <a:ext uri="{FF2B5EF4-FFF2-40B4-BE49-F238E27FC236}">
+                <a16:creationId xmlns:a16="http://schemas.microsoft.com/office/drawing/2014/main" id="{773D5016-B7A3-4356-8BC3-570CFC6F7C93}"/>
+              </a:ext>
+            </a:extLst>
+          </p:cNvPr>
+          <p:cNvSpPr>
+            <a:spLocks noGrp="1"/>
+          </p:cNvSpPr>
+          <p:nvPr>
+            <p:ph type="body" sz="half" idx="2"/>
+          </p:nvPr>
+        </p:nvSpPr>
+        <p:spPr>
+          <a:xfrm>
+            <a:off x="8477250" y="2386584"/>
+            <a:ext cx="3144774" cy="3511296"/>
+          </a:xfrm>
+        </p:spPr>
+        <p:txBody>
+          <a:bodyPr/>
+          <a:lstStyle/>
+          <a:p>
+            <a:r>
+              <a:rPr lang="en-US" dirty="0"/>
+              <a:t>Franco</a:t>
+            </a:r>
+          </a:p>
+          <a:p>
+            <a:r>
+              <a:rPr lang="en-US" dirty="0"/>
+              <a:t>Nasrin</a:t>
+            </a:r>
+          </a:p>
+          <a:p>
+            <a:r>
+              <a:rPr lang="en-US" dirty="0"/>
+              <a:t>Catherine</a:t>
+            </a:r>
+          </a:p>
+          <a:p>
+            <a:r>
+              <a:rPr lang="en-US" dirty="0"/>
+              <a:t>Joseph</a:t>
+            </a:r>
+          </a:p>
+        </p:txBody>
+      </p:sp>
+      <p:pic>
+        <p:nvPicPr>
+          <p:cNvPr id="5" name="Picture 6" descr="Joining forces. It has been a while since we blogged on… | by Community  manager | PayAccept | Medium">
+            <a:extLst>
+              <a:ext uri="{FF2B5EF4-FFF2-40B4-BE49-F238E27FC236}">
+                <a16:creationId xmlns:a16="http://schemas.microsoft.com/office/drawing/2014/main" id="{01FF4A68-F660-49F4-B1B1-6060D3831BD5}"/>
+              </a:ext>
+            </a:extLst>
+          </p:cNvPr>
+          <p:cNvPicPr>
+            <a:picLocks noChangeAspect="1" noChangeArrowheads="1"/>
+          </p:cNvPicPr>
+          <p:nvPr/>
+        </p:nvPicPr>
+        <p:blipFill rotWithShape="1">
+          <a:blip r:embed="rId2">
+            <a:extLst>
+              <a:ext uri="{28A0092B-C50C-407E-A947-70E740481C1C}">
+                <a14:useLocalDpi xmlns:a14="http://schemas.microsoft.com/office/drawing/2010/main" val="0"/>
+              </a:ext>
+            </a:extLst>
+          </a:blip>
+          <a:srcRect t="15510" r="742" b="12910"/>
+          <a:stretch/>
+        </p:blipFill>
+        <p:spPr bwMode="auto">
+          <a:xfrm>
+            <a:off x="143165" y="1420091"/>
+            <a:ext cx="7857836" cy="3768436"/>
+          </a:xfrm>
+          <a:prstGeom prst="rect">
+            <a:avLst/>
+          </a:prstGeom>
+          <a:noFill/>
+          <a:extLst>
+            <a:ext uri="{909E8E84-426E-40DD-AFC4-6F175D3DCCD1}">
+              <a14:hiddenFill xmlns:a14="http://schemas.microsoft.com/office/drawing/2010/main">
+                <a:solidFill>
+                  <a:srgbClr val="FFFFFF"/>
+                </a:solidFill>
+              </a14:hiddenFill>
+            </a:ext>
+          </a:extLst>
+        </p:spPr>
+      </p:pic>
+    </p:spTree>
+    <p:extLst>
+      <p:ext uri="{BB962C8B-B14F-4D97-AF65-F5344CB8AC3E}">
+        <p14:creationId xmlns:p14="http://schemas.microsoft.com/office/powerpoint/2010/main" val="278247034"/>
+      </p:ext>
+    </p:extLst>
+  </p:cSld>
+  <p:clrMapOvr>
+    <a:masterClrMapping/>
+  </p:clrMapOvr>
+</p:sld>
+</file>
+
+<file path=ppt/slides/slide30.xml><?xml version="1.0" encoding="utf-8"?>
 <p:sld xmlns:a="http://schemas.openxmlformats.org/drawingml/2006/main" xmlns:r="http://schemas.openxmlformats.org/officeDocument/2006/relationships" xmlns:p="http://schemas.openxmlformats.org/presentationml/2006/main">
   <p:cSld>
     <p:spTree>
@@ -11159,6 +15585,2476 @@
     <p:extLst>
       <p:ext uri="{BB962C8B-B14F-4D97-AF65-F5344CB8AC3E}">
         <p14:creationId xmlns:p14="http://schemas.microsoft.com/office/powerpoint/2010/main" val="2377943459"/>
+      </p:ext>
+    </p:extLst>
+  </p:cSld>
+  <p:clrMapOvr>
+    <a:masterClrMapping/>
+  </p:clrMapOvr>
+</p:sld>
+</file>
+
+<file path=ppt/slides/slide31.xml><?xml version="1.0" encoding="utf-8"?>
+<p:sld xmlns:a="http://schemas.openxmlformats.org/drawingml/2006/main" xmlns:r="http://schemas.openxmlformats.org/officeDocument/2006/relationships" xmlns:p="http://schemas.openxmlformats.org/presentationml/2006/main">
+  <p:cSld>
+    <p:spTree>
+      <p:nvGrpSpPr>
+        <p:cNvPr id="1" name=""/>
+        <p:cNvGrpSpPr/>
+        <p:nvPr/>
+      </p:nvGrpSpPr>
+      <p:grpSpPr>
+        <a:xfrm>
+          <a:off x="0" y="0"/>
+          <a:ext cx="0" cy="0"/>
+          <a:chOff x="0" y="0"/>
+          <a:chExt cx="0" cy="0"/>
+        </a:xfrm>
+      </p:grpSpPr>
+      <p:sp>
+        <p:nvSpPr>
+          <p:cNvPr id="2" name="Title 1">
+            <a:extLst>
+              <a:ext uri="{FF2B5EF4-FFF2-40B4-BE49-F238E27FC236}">
+                <a16:creationId xmlns:a16="http://schemas.microsoft.com/office/drawing/2014/main" id="{9084FC0E-5AAA-4A5B-BF4B-4403CCDA9512}"/>
+              </a:ext>
+            </a:extLst>
+          </p:cNvPr>
+          <p:cNvSpPr>
+            <a:spLocks noGrp="1"/>
+          </p:cNvSpPr>
+          <p:nvPr>
+            <p:ph type="title"/>
+          </p:nvPr>
+        </p:nvSpPr>
+        <p:spPr/>
+        <p:txBody>
+          <a:bodyPr/>
+          <a:lstStyle/>
+          <a:p>
+            <a:r>
+              <a:rPr lang="en-AU" dirty="0"/>
+              <a:t>Data Exploration </a:t>
+            </a:r>
+            <a:br>
+              <a:rPr lang="en-AU" dirty="0"/>
+            </a:br>
+            <a:r>
+              <a:rPr lang="en-AU" sz="3000" dirty="0"/>
+              <a:t>Scatter plot for each year</a:t>
+            </a:r>
+          </a:p>
+        </p:txBody>
+      </p:sp>
+      <p:pic>
+        <p:nvPicPr>
+          <p:cNvPr id="3" name="Picture 2">
+            <a:extLst>
+              <a:ext uri="{FF2B5EF4-FFF2-40B4-BE49-F238E27FC236}">
+                <a16:creationId xmlns:a16="http://schemas.microsoft.com/office/drawing/2014/main" id="{CF06C864-CE73-4B25-B2B9-9ABA2FD926B6}"/>
+              </a:ext>
+            </a:extLst>
+          </p:cNvPr>
+          <p:cNvPicPr>
+            <a:picLocks noChangeAspect="1"/>
+          </p:cNvPicPr>
+          <p:nvPr/>
+        </p:nvPicPr>
+        <p:blipFill>
+          <a:blip r:embed="rId2"/>
+          <a:stretch>
+            <a:fillRect/>
+          </a:stretch>
+        </p:blipFill>
+        <p:spPr>
+          <a:xfrm>
+            <a:off x="947143" y="2249431"/>
+            <a:ext cx="3356293" cy="2476679"/>
+          </a:xfrm>
+          <a:prstGeom prst="rect">
+            <a:avLst/>
+          </a:prstGeom>
+        </p:spPr>
+      </p:pic>
+      <p:pic>
+        <p:nvPicPr>
+          <p:cNvPr id="4" name="Picture 3">
+            <a:extLst>
+              <a:ext uri="{FF2B5EF4-FFF2-40B4-BE49-F238E27FC236}">
+                <a16:creationId xmlns:a16="http://schemas.microsoft.com/office/drawing/2014/main" id="{337D64B2-3EF6-4E5D-907D-515FEBFF4C6D}"/>
+              </a:ext>
+            </a:extLst>
+          </p:cNvPr>
+          <p:cNvPicPr>
+            <a:picLocks noChangeAspect="1"/>
+          </p:cNvPicPr>
+          <p:nvPr/>
+        </p:nvPicPr>
+        <p:blipFill>
+          <a:blip r:embed="rId3"/>
+          <a:stretch>
+            <a:fillRect/>
+          </a:stretch>
+        </p:blipFill>
+        <p:spPr>
+          <a:xfrm>
+            <a:off x="4417853" y="2249431"/>
+            <a:ext cx="3356293" cy="2476679"/>
+          </a:xfrm>
+          <a:prstGeom prst="rect">
+            <a:avLst/>
+          </a:prstGeom>
+        </p:spPr>
+      </p:pic>
+      <p:pic>
+        <p:nvPicPr>
+          <p:cNvPr id="5" name="Picture 4">
+            <a:extLst>
+              <a:ext uri="{FF2B5EF4-FFF2-40B4-BE49-F238E27FC236}">
+                <a16:creationId xmlns:a16="http://schemas.microsoft.com/office/drawing/2014/main" id="{0C0192A5-54E5-4251-9B81-9F088BA2ED2F}"/>
+              </a:ext>
+            </a:extLst>
+          </p:cNvPr>
+          <p:cNvPicPr>
+            <a:picLocks noChangeAspect="1"/>
+          </p:cNvPicPr>
+          <p:nvPr/>
+        </p:nvPicPr>
+        <p:blipFill>
+          <a:blip r:embed="rId4"/>
+          <a:stretch>
+            <a:fillRect/>
+          </a:stretch>
+        </p:blipFill>
+        <p:spPr>
+          <a:xfrm>
+            <a:off x="7888563" y="2249432"/>
+            <a:ext cx="3402451" cy="2476679"/>
+          </a:xfrm>
+          <a:prstGeom prst="rect">
+            <a:avLst/>
+          </a:prstGeom>
+        </p:spPr>
+      </p:pic>
+      <p:sp>
+        <p:nvSpPr>
+          <p:cNvPr id="8" name="TextBox 7">
+            <a:extLst>
+              <a:ext uri="{FF2B5EF4-FFF2-40B4-BE49-F238E27FC236}">
+                <a16:creationId xmlns:a16="http://schemas.microsoft.com/office/drawing/2014/main" id="{FED4703C-2027-408C-9472-564B7FF57470}"/>
+              </a:ext>
+            </a:extLst>
+          </p:cNvPr>
+          <p:cNvSpPr txBox="1"/>
+          <p:nvPr/>
+        </p:nvSpPr>
+        <p:spPr>
+          <a:xfrm>
+            <a:off x="3199729" y="4961347"/>
+            <a:ext cx="6098240" cy="369332"/>
+          </a:xfrm>
+          <a:prstGeom prst="rect">
+            <a:avLst/>
+          </a:prstGeom>
+          <a:noFill/>
+        </p:spPr>
+        <p:txBody>
+          <a:bodyPr wrap="square">
+            <a:spAutoFit/>
+          </a:bodyPr>
+          <a:lstStyle/>
+          <a:p>
+            <a:pPr>
+              <a:spcAft>
+                <a:spcPts val="600"/>
+              </a:spcAft>
+            </a:pPr>
+            <a:r>
+              <a:rPr lang="en-US" dirty="0"/>
+              <a:t>Crime rate vs Avg House Price (by the suburbs)</a:t>
+            </a:r>
+          </a:p>
+        </p:txBody>
+      </p:sp>
+      <p:sp>
+        <p:nvSpPr>
+          <p:cNvPr id="9" name="TextBox 8">
+            <a:extLst>
+              <a:ext uri="{FF2B5EF4-FFF2-40B4-BE49-F238E27FC236}">
+                <a16:creationId xmlns:a16="http://schemas.microsoft.com/office/drawing/2014/main" id="{41AC4E0F-8A5C-4A39-9397-093357022E68}"/>
+              </a:ext>
+            </a:extLst>
+          </p:cNvPr>
+          <p:cNvSpPr txBox="1"/>
+          <p:nvPr/>
+        </p:nvSpPr>
+        <p:spPr>
+          <a:xfrm>
+            <a:off x="4023360" y="5272284"/>
+            <a:ext cx="3750786" cy="369332"/>
+          </a:xfrm>
+          <a:prstGeom prst="rect">
+            <a:avLst/>
+          </a:prstGeom>
+          <a:noFill/>
+        </p:spPr>
+        <p:txBody>
+          <a:bodyPr wrap="square" rtlCol="0">
+            <a:spAutoFit/>
+          </a:bodyPr>
+          <a:lstStyle/>
+          <a:p>
+            <a:r>
+              <a:rPr lang="en-AU" dirty="0"/>
+              <a:t>- Negative correlation…?</a:t>
+            </a:r>
+          </a:p>
+        </p:txBody>
+      </p:sp>
+    </p:spTree>
+    <p:extLst>
+      <p:ext uri="{BB962C8B-B14F-4D97-AF65-F5344CB8AC3E}">
+        <p14:creationId xmlns:p14="http://schemas.microsoft.com/office/powerpoint/2010/main" val="1204627158"/>
+      </p:ext>
+    </p:extLst>
+  </p:cSld>
+  <p:clrMapOvr>
+    <a:masterClrMapping/>
+  </p:clrMapOvr>
+</p:sld>
+</file>
+
+<file path=ppt/slides/slide32.xml><?xml version="1.0" encoding="utf-8"?>
+<p:sld xmlns:a="http://schemas.openxmlformats.org/drawingml/2006/main" xmlns:r="http://schemas.openxmlformats.org/officeDocument/2006/relationships" xmlns:p="http://schemas.openxmlformats.org/presentationml/2006/main">
+  <p:cSld>
+    <p:spTree>
+      <p:nvGrpSpPr>
+        <p:cNvPr id="1" name=""/>
+        <p:cNvGrpSpPr/>
+        <p:nvPr/>
+      </p:nvGrpSpPr>
+      <p:grpSpPr>
+        <a:xfrm>
+          <a:off x="0" y="0"/>
+          <a:ext cx="0" cy="0"/>
+          <a:chOff x="0" y="0"/>
+          <a:chExt cx="0" cy="0"/>
+        </a:xfrm>
+      </p:grpSpPr>
+      <p:pic>
+        <p:nvPicPr>
+          <p:cNvPr id="4" name="Picture 3">
+            <a:extLst>
+              <a:ext uri="{FF2B5EF4-FFF2-40B4-BE49-F238E27FC236}">
+                <a16:creationId xmlns:a16="http://schemas.microsoft.com/office/drawing/2014/main" id="{C3D18BA8-00F9-4F22-A5FF-AE2A806621AF}"/>
+              </a:ext>
+            </a:extLst>
+          </p:cNvPr>
+          <p:cNvPicPr>
+            <a:picLocks noChangeAspect="1"/>
+          </p:cNvPicPr>
+          <p:nvPr/>
+        </p:nvPicPr>
+        <p:blipFill rotWithShape="1">
+          <a:blip r:embed="rId2"/>
+          <a:srcRect l="9563"/>
+          <a:stretch/>
+        </p:blipFill>
+        <p:spPr>
+          <a:xfrm>
+            <a:off x="228599" y="237744"/>
+            <a:ext cx="7696201" cy="6382512"/>
+          </a:xfrm>
+          <a:prstGeom prst="rect">
+            <a:avLst/>
+          </a:prstGeom>
+          <a:noFill/>
+          <a:ln>
+            <a:noFill/>
+          </a:ln>
+        </p:spPr>
+      </p:pic>
+      <p:sp>
+        <p:nvSpPr>
+          <p:cNvPr id="8" name="Title 2">
+            <a:extLst>
+              <a:ext uri="{FF2B5EF4-FFF2-40B4-BE49-F238E27FC236}">
+                <a16:creationId xmlns:a16="http://schemas.microsoft.com/office/drawing/2014/main" id="{49B21D8B-0E4F-4689-81A7-3CD7742EDFA1}"/>
+              </a:ext>
+            </a:extLst>
+          </p:cNvPr>
+          <p:cNvSpPr>
+            <a:spLocks noGrp="1"/>
+          </p:cNvSpPr>
+          <p:nvPr>
+            <p:ph type="title"/>
+          </p:nvPr>
+        </p:nvSpPr>
+        <p:spPr>
+          <a:xfrm>
+            <a:off x="8477250" y="603504"/>
+            <a:ext cx="3144774" cy="1645920"/>
+          </a:xfrm>
+        </p:spPr>
+        <p:txBody>
+          <a:bodyPr/>
+          <a:lstStyle/>
+          <a:p>
+            <a:r>
+              <a:rPr lang="en-US" sz="2000" b="1" dirty="0">
+                <a:solidFill>
+                  <a:srgbClr val="000000"/>
+                </a:solidFill>
+                <a:latin typeface="Helvetica Neue"/>
+              </a:rPr>
+              <a:t>C</a:t>
+            </a:r>
+            <a:r>
+              <a:rPr lang="en-US" sz="2000" b="1" i="0" dirty="0">
+                <a:solidFill>
+                  <a:srgbClr val="000000"/>
+                </a:solidFill>
+                <a:effectLst/>
+                <a:latin typeface="Helvetica Neue"/>
+              </a:rPr>
+              <a:t>orrelation </a:t>
+            </a:r>
+            <a:r>
+              <a:rPr lang="en-US" sz="2000" b="1" dirty="0">
+                <a:solidFill>
+                  <a:srgbClr val="000000"/>
+                </a:solidFill>
+                <a:latin typeface="Helvetica Neue"/>
+              </a:rPr>
+              <a:t>A</a:t>
+            </a:r>
+            <a:r>
+              <a:rPr lang="en-US" sz="2000" b="1" i="0" dirty="0">
+                <a:solidFill>
+                  <a:srgbClr val="000000"/>
+                </a:solidFill>
+                <a:effectLst/>
+                <a:latin typeface="Helvetica Neue"/>
+              </a:rPr>
+              <a:t>nalysis for Top Expensive Suburbs</a:t>
+            </a:r>
+            <a:endParaRPr lang="en-US" sz="2000" dirty="0"/>
+          </a:p>
+        </p:txBody>
+      </p:sp>
+      <p:sp>
+        <p:nvSpPr>
+          <p:cNvPr id="10" name="Text Placeholder 3">
+            <a:extLst>
+              <a:ext uri="{FF2B5EF4-FFF2-40B4-BE49-F238E27FC236}">
+                <a16:creationId xmlns:a16="http://schemas.microsoft.com/office/drawing/2014/main" id="{55822EFD-30D0-4631-B732-2F68A25427C4}"/>
+              </a:ext>
+            </a:extLst>
+          </p:cNvPr>
+          <p:cNvSpPr>
+            <a:spLocks noGrp="1"/>
+          </p:cNvSpPr>
+          <p:nvPr>
+            <p:ph type="body" sz="half" idx="2"/>
+          </p:nvPr>
+        </p:nvSpPr>
+        <p:spPr>
+          <a:xfrm>
+            <a:off x="8477250" y="2386584"/>
+            <a:ext cx="3144774" cy="3511296"/>
+          </a:xfrm>
+        </p:spPr>
+        <p:txBody>
+          <a:bodyPr/>
+          <a:lstStyle/>
+          <a:p>
+            <a:pPr marL="285750" indent="-285750">
+              <a:buFontTx/>
+              <a:buChar char="-"/>
+            </a:pPr>
+            <a:r>
+              <a:rPr lang="en-US" dirty="0"/>
+              <a:t>Negative correlation between the two factors </a:t>
+            </a:r>
+          </a:p>
+          <a:p>
+            <a:pPr marL="285750" indent="-285750">
+              <a:buFontTx/>
+              <a:buChar char="-"/>
+            </a:pPr>
+            <a:endParaRPr lang="en-US" dirty="0"/>
+          </a:p>
+        </p:txBody>
+      </p:sp>
+      <p:pic>
+        <p:nvPicPr>
+          <p:cNvPr id="5" name="Picture 4">
+            <a:extLst>
+              <a:ext uri="{FF2B5EF4-FFF2-40B4-BE49-F238E27FC236}">
+                <a16:creationId xmlns:a16="http://schemas.microsoft.com/office/drawing/2014/main" id="{960A6909-CFEA-4AB2-99BA-B334D7686A75}"/>
+              </a:ext>
+            </a:extLst>
+          </p:cNvPr>
+          <p:cNvPicPr>
+            <a:picLocks noChangeAspect="1"/>
+          </p:cNvPicPr>
+          <p:nvPr/>
+        </p:nvPicPr>
+        <p:blipFill>
+          <a:blip r:embed="rId3"/>
+          <a:stretch>
+            <a:fillRect/>
+          </a:stretch>
+        </p:blipFill>
+        <p:spPr>
+          <a:xfrm>
+            <a:off x="885824" y="899246"/>
+            <a:ext cx="6381750" cy="4810125"/>
+          </a:xfrm>
+          <a:prstGeom prst="rect">
+            <a:avLst/>
+          </a:prstGeom>
+        </p:spPr>
+      </p:pic>
+    </p:spTree>
+    <p:extLst>
+      <p:ext uri="{BB962C8B-B14F-4D97-AF65-F5344CB8AC3E}">
+        <p14:creationId xmlns:p14="http://schemas.microsoft.com/office/powerpoint/2010/main" val="4288476070"/>
+      </p:ext>
+    </p:extLst>
+  </p:cSld>
+  <p:clrMapOvr>
+    <a:masterClrMapping/>
+  </p:clrMapOvr>
+</p:sld>
+</file>
+
+<file path=ppt/slides/slide33.xml><?xml version="1.0" encoding="utf-8"?>
+<p:sld xmlns:a="http://schemas.openxmlformats.org/drawingml/2006/main" xmlns:r="http://schemas.openxmlformats.org/officeDocument/2006/relationships" xmlns:p="http://schemas.openxmlformats.org/presentationml/2006/main">
+  <p:cSld>
+    <p:spTree>
+      <p:nvGrpSpPr>
+        <p:cNvPr id="1" name=""/>
+        <p:cNvGrpSpPr/>
+        <p:nvPr/>
+      </p:nvGrpSpPr>
+      <p:grpSpPr>
+        <a:xfrm>
+          <a:off x="0" y="0"/>
+          <a:ext cx="0" cy="0"/>
+          <a:chOff x="0" y="0"/>
+          <a:chExt cx="0" cy="0"/>
+        </a:xfrm>
+      </p:grpSpPr>
+      <p:sp>
+        <p:nvSpPr>
+          <p:cNvPr id="14" name="Title 2">
+            <a:extLst>
+              <a:ext uri="{FF2B5EF4-FFF2-40B4-BE49-F238E27FC236}">
+                <a16:creationId xmlns:a16="http://schemas.microsoft.com/office/drawing/2014/main" id="{AD822B44-27A3-4111-B917-2089455AF685}"/>
+              </a:ext>
+            </a:extLst>
+          </p:cNvPr>
+          <p:cNvSpPr>
+            <a:spLocks noGrp="1"/>
+          </p:cNvSpPr>
+          <p:nvPr>
+            <p:ph type="title"/>
+          </p:nvPr>
+        </p:nvSpPr>
+        <p:spPr>
+          <a:xfrm>
+            <a:off x="8477250" y="603504"/>
+            <a:ext cx="3144774" cy="1142169"/>
+          </a:xfrm>
+        </p:spPr>
+        <p:txBody>
+          <a:bodyPr/>
+          <a:lstStyle/>
+          <a:p>
+            <a:r>
+              <a:rPr lang="en-US" sz="2400" b="1" i="0" dirty="0">
+                <a:solidFill>
+                  <a:srgbClr val="000000"/>
+                </a:solidFill>
+                <a:effectLst/>
+                <a:latin typeface="Helvetica Neue"/>
+              </a:rPr>
+              <a:t>Correlation Analysis for Top Crime Rate Suburbs</a:t>
+            </a:r>
+            <a:endParaRPr lang="en-US" sz="2400" dirty="0"/>
+          </a:p>
+        </p:txBody>
+      </p:sp>
+      <p:sp>
+        <p:nvSpPr>
+          <p:cNvPr id="16" name="Text Placeholder 3">
+            <a:extLst>
+              <a:ext uri="{FF2B5EF4-FFF2-40B4-BE49-F238E27FC236}">
+                <a16:creationId xmlns:a16="http://schemas.microsoft.com/office/drawing/2014/main" id="{41C7B312-70E5-423E-ABFF-449AB278FC7F}"/>
+              </a:ext>
+            </a:extLst>
+          </p:cNvPr>
+          <p:cNvSpPr>
+            <a:spLocks noGrp="1"/>
+          </p:cNvSpPr>
+          <p:nvPr>
+            <p:ph type="body" sz="half" idx="2"/>
+          </p:nvPr>
+        </p:nvSpPr>
+        <p:spPr>
+          <a:xfrm>
+            <a:off x="8477250" y="1828800"/>
+            <a:ext cx="3144774" cy="4069080"/>
+          </a:xfrm>
+        </p:spPr>
+        <p:txBody>
+          <a:bodyPr>
+            <a:normAutofit/>
+          </a:bodyPr>
+          <a:lstStyle/>
+          <a:p>
+            <a:pPr marL="285750" indent="-285750">
+              <a:buFont typeface="Arial" panose="020B0604020202020204" pitchFamily="34" charset="0"/>
+              <a:buChar char="•"/>
+            </a:pPr>
+            <a:r>
+              <a:rPr lang="en-US" sz="1400" dirty="0"/>
+              <a:t>Top crime rate suburbs for each year, with their average house price</a:t>
+            </a:r>
+          </a:p>
+          <a:p>
+            <a:pPr marL="285750" indent="-285750">
+              <a:buFont typeface="Arial" panose="020B0604020202020204" pitchFamily="34" charset="0"/>
+              <a:buChar char="•"/>
+            </a:pPr>
+            <a:r>
+              <a:rPr lang="en-US" sz="1400" dirty="0"/>
+              <a:t>It seems like there’s a negative correlation between both factors</a:t>
+            </a:r>
+          </a:p>
+          <a:p>
+            <a:pPr marL="285750" indent="-285750">
+              <a:buFont typeface="Arial" panose="020B0604020202020204" pitchFamily="34" charset="0"/>
+              <a:buChar char="•"/>
+            </a:pPr>
+            <a:endParaRPr lang="en-US" sz="1400" dirty="0"/>
+          </a:p>
+        </p:txBody>
+      </p:sp>
+      <p:pic>
+        <p:nvPicPr>
+          <p:cNvPr id="11" name="Picture 10">
+            <a:extLst>
+              <a:ext uri="{FF2B5EF4-FFF2-40B4-BE49-F238E27FC236}">
+                <a16:creationId xmlns:a16="http://schemas.microsoft.com/office/drawing/2014/main" id="{B73A586E-72B5-4F75-952C-BAFF2FE02225}"/>
+              </a:ext>
+            </a:extLst>
+          </p:cNvPr>
+          <p:cNvPicPr>
+            <a:picLocks noChangeAspect="1"/>
+          </p:cNvPicPr>
+          <p:nvPr/>
+        </p:nvPicPr>
+        <p:blipFill>
+          <a:blip r:embed="rId2"/>
+          <a:stretch>
+            <a:fillRect/>
+          </a:stretch>
+        </p:blipFill>
+        <p:spPr>
+          <a:xfrm>
+            <a:off x="799666" y="510921"/>
+            <a:ext cx="7267575" cy="5743575"/>
+          </a:xfrm>
+          <a:prstGeom prst="rect">
+            <a:avLst/>
+          </a:prstGeom>
+        </p:spPr>
+      </p:pic>
+    </p:spTree>
+    <p:extLst>
+      <p:ext uri="{BB962C8B-B14F-4D97-AF65-F5344CB8AC3E}">
+        <p14:creationId xmlns:p14="http://schemas.microsoft.com/office/powerpoint/2010/main" val="667082675"/>
+      </p:ext>
+    </p:extLst>
+  </p:cSld>
+  <p:clrMapOvr>
+    <a:masterClrMapping/>
+  </p:clrMapOvr>
+</p:sld>
+</file>
+
+<file path=ppt/slides/slide34.xml><?xml version="1.0" encoding="utf-8"?>
+<p:sld xmlns:a="http://schemas.openxmlformats.org/drawingml/2006/main" xmlns:r="http://schemas.openxmlformats.org/officeDocument/2006/relationships" xmlns:p="http://schemas.openxmlformats.org/presentationml/2006/main">
+  <p:cSld>
+    <p:spTree>
+      <p:nvGrpSpPr>
+        <p:cNvPr id="1" name=""/>
+        <p:cNvGrpSpPr/>
+        <p:nvPr/>
+      </p:nvGrpSpPr>
+      <p:grpSpPr>
+        <a:xfrm>
+          <a:off x="0" y="0"/>
+          <a:ext cx="0" cy="0"/>
+          <a:chOff x="0" y="0"/>
+          <a:chExt cx="0" cy="0"/>
+        </a:xfrm>
+      </p:grpSpPr>
+      <p:sp>
+        <p:nvSpPr>
+          <p:cNvPr id="15" name="Title 1">
+            <a:extLst>
+              <a:ext uri="{FF2B5EF4-FFF2-40B4-BE49-F238E27FC236}">
+                <a16:creationId xmlns:a16="http://schemas.microsoft.com/office/drawing/2014/main" id="{A74E7194-31A6-4297-A890-780360DAF000}"/>
+              </a:ext>
+            </a:extLst>
+          </p:cNvPr>
+          <p:cNvSpPr>
+            <a:spLocks noGrp="1"/>
+          </p:cNvSpPr>
+          <p:nvPr>
+            <p:ph type="title"/>
+          </p:nvPr>
+        </p:nvSpPr>
+        <p:spPr>
+          <a:xfrm>
+            <a:off x="1066800" y="642594"/>
+            <a:ext cx="10058400" cy="1371600"/>
+          </a:xfrm>
+        </p:spPr>
+        <p:txBody>
+          <a:bodyPr anchor="ctr">
+            <a:normAutofit/>
+          </a:bodyPr>
+          <a:lstStyle/>
+          <a:p>
+            <a:r>
+              <a:rPr lang="en-US" dirty="0"/>
+              <a:t>Summary of findings</a:t>
+            </a:r>
+          </a:p>
+        </p:txBody>
+      </p:sp>
+      <p:graphicFrame>
+        <p:nvGraphicFramePr>
+          <p:cNvPr id="25" name="Content Placeholder 2">
+            <a:extLst>
+              <a:ext uri="{FF2B5EF4-FFF2-40B4-BE49-F238E27FC236}">
+                <a16:creationId xmlns:a16="http://schemas.microsoft.com/office/drawing/2014/main" id="{FA7BF121-5C1B-4C0C-BDD8-0EAB7F920DB2}"/>
+              </a:ext>
+            </a:extLst>
+          </p:cNvPr>
+          <p:cNvGraphicFramePr>
+            <a:graphicFrameLocks noGrp="1"/>
+          </p:cNvGraphicFramePr>
+          <p:nvPr>
+            <p:ph idx="1"/>
+            <p:extLst>
+              <p:ext uri="{D42A27DB-BD31-4B8C-83A1-F6EECF244321}">
+                <p14:modId xmlns:p14="http://schemas.microsoft.com/office/powerpoint/2010/main" val="1598614611"/>
+              </p:ext>
+            </p:extLst>
+          </p:nvPr>
+        </p:nvGraphicFramePr>
+        <p:xfrm>
+          <a:off x="1066800" y="2103120"/>
+          <a:ext cx="10058400" cy="3849624"/>
+        </p:xfrm>
+        <a:graphic>
+          <a:graphicData uri="http://schemas.openxmlformats.org/drawingml/2006/diagram">
+            <dgm:relIds xmlns:dgm="http://schemas.openxmlformats.org/drawingml/2006/diagram" xmlns:r="http://schemas.openxmlformats.org/officeDocument/2006/relationships" r:dm="rId2" r:lo="rId3" r:qs="rId4" r:cs="rId5"/>
+          </a:graphicData>
+        </a:graphic>
+      </p:graphicFrame>
+    </p:spTree>
+    <p:extLst>
+      <p:ext uri="{BB962C8B-B14F-4D97-AF65-F5344CB8AC3E}">
+        <p14:creationId xmlns:p14="http://schemas.microsoft.com/office/powerpoint/2010/main" val="489024890"/>
+      </p:ext>
+    </p:extLst>
+  </p:cSld>
+  <p:clrMapOvr>
+    <a:masterClrMapping/>
+  </p:clrMapOvr>
+</p:sld>
+</file>
+
+<file path=ppt/slides/slide35.xml><?xml version="1.0" encoding="utf-8"?>
+<p:sld xmlns:a="http://schemas.openxmlformats.org/drawingml/2006/main" xmlns:r="http://schemas.openxmlformats.org/officeDocument/2006/relationships" xmlns:p="http://schemas.openxmlformats.org/presentationml/2006/main">
+  <p:cSld>
+    <p:spTree>
+      <p:nvGrpSpPr>
+        <p:cNvPr id="1" name=""/>
+        <p:cNvGrpSpPr/>
+        <p:nvPr/>
+      </p:nvGrpSpPr>
+      <p:grpSpPr>
+        <a:xfrm>
+          <a:off x="0" y="0"/>
+          <a:ext cx="0" cy="0"/>
+          <a:chOff x="0" y="0"/>
+          <a:chExt cx="0" cy="0"/>
+        </a:xfrm>
+      </p:grpSpPr>
+      <p:sp>
+        <p:nvSpPr>
+          <p:cNvPr id="3" name="Content Placeholder 2">
+            <a:extLst>
+              <a:ext uri="{FF2B5EF4-FFF2-40B4-BE49-F238E27FC236}">
+                <a16:creationId xmlns:a16="http://schemas.microsoft.com/office/drawing/2014/main" id="{9A4B7D19-4A71-454B-9FAD-F93D57293189}"/>
+              </a:ext>
+            </a:extLst>
+          </p:cNvPr>
+          <p:cNvSpPr>
+            <a:spLocks noGrp="1"/>
+          </p:cNvSpPr>
+          <p:nvPr>
+            <p:ph type="body" idx="1"/>
+          </p:nvPr>
+        </p:nvSpPr>
+        <p:spPr>
+          <a:xfrm>
+            <a:off x="1629156" y="3325091"/>
+            <a:ext cx="8939784" cy="640419"/>
+          </a:xfrm>
+        </p:spPr>
+        <p:txBody>
+          <a:bodyPr anchor="t">
+            <a:noAutofit/>
+          </a:bodyPr>
+          <a:lstStyle/>
+          <a:p>
+            <a:pPr>
+              <a:lnSpc>
+                <a:spcPct val="100000"/>
+              </a:lnSpc>
+            </a:pPr>
+            <a:r>
+              <a:rPr lang="en-AU" sz="3000" dirty="0"/>
+              <a:t>Crime rate will affect the house price negatively. The higher the crime rate in the suburb, the less likely the house price will increase</a:t>
+            </a:r>
+          </a:p>
+        </p:txBody>
+      </p:sp>
+      <p:sp>
+        <p:nvSpPr>
+          <p:cNvPr id="6" name="Title 1">
+            <a:extLst>
+              <a:ext uri="{FF2B5EF4-FFF2-40B4-BE49-F238E27FC236}">
+                <a16:creationId xmlns:a16="http://schemas.microsoft.com/office/drawing/2014/main" id="{EF5F4E01-4FF5-4D8D-94B7-937E52836F70}"/>
+              </a:ext>
+            </a:extLst>
+          </p:cNvPr>
+          <p:cNvSpPr txBox="1">
+            <a:spLocks/>
+          </p:cNvSpPr>
+          <p:nvPr/>
+        </p:nvSpPr>
+        <p:spPr>
+          <a:xfrm>
+            <a:off x="1629156" y="1413864"/>
+            <a:ext cx="8933688" cy="2406895"/>
+          </a:xfrm>
+          <a:prstGeom prst="rect">
+            <a:avLst/>
+          </a:prstGeom>
+        </p:spPr>
+        <p:txBody>
+          <a:bodyPr vert="horz" lIns="91440" tIns="45720" rIns="91440" bIns="45720" rtlCol="0" anchor="ctr">
+            <a:normAutofit/>
+          </a:bodyPr>
+          <a:lstStyle>
+            <a:lvl1pPr algn="ctr" defTabSz="914400" rtl="0" eaLnBrk="1" latinLnBrk="0" hangingPunct="1">
+              <a:lnSpc>
+                <a:spcPct val="83000"/>
+              </a:lnSpc>
+              <a:spcBef>
+                <a:spcPct val="0"/>
+              </a:spcBef>
+              <a:buNone/>
+              <a:defRPr lang="en-US" sz="6800" i="0" kern="1200" cap="all" spc="-100" baseline="0" dirty="0">
+                <a:solidFill>
+                  <a:schemeClr val="tx1">
+                    <a:lumMod val="85000"/>
+                    <a:lumOff val="15000"/>
+                  </a:schemeClr>
+                </a:solidFill>
+                <a:effectLst/>
+                <a:latin typeface="+mj-lt"/>
+                <a:ea typeface="+mn-ea"/>
+                <a:cs typeface="+mn-cs"/>
+              </a:defRPr>
+            </a:lvl1pPr>
+          </a:lstStyle>
+          <a:p>
+            <a:r>
+              <a:rPr lang="en-AU" dirty="0" err="1"/>
+              <a:t>HypothesIs</a:t>
+            </a:r>
+            <a:r>
+              <a:rPr lang="en-AU" dirty="0"/>
+              <a:t> 3:</a:t>
+            </a:r>
+          </a:p>
+        </p:txBody>
+      </p:sp>
+    </p:spTree>
+    <p:extLst>
+      <p:ext uri="{BB962C8B-B14F-4D97-AF65-F5344CB8AC3E}">
+        <p14:creationId xmlns:p14="http://schemas.microsoft.com/office/powerpoint/2010/main" val="2817077212"/>
+      </p:ext>
+    </p:extLst>
+  </p:cSld>
+  <p:clrMapOvr>
+    <a:masterClrMapping/>
+  </p:clrMapOvr>
+</p:sld>
+</file>
+
+<file path=ppt/slides/slide36.xml><?xml version="1.0" encoding="utf-8"?>
+<p:sld xmlns:a="http://schemas.openxmlformats.org/drawingml/2006/main" xmlns:r="http://schemas.openxmlformats.org/officeDocument/2006/relationships" xmlns:p="http://schemas.openxmlformats.org/presentationml/2006/main">
+  <p:cSld>
+    <p:spTree>
+      <p:nvGrpSpPr>
+        <p:cNvPr id="1" name=""/>
+        <p:cNvGrpSpPr/>
+        <p:nvPr/>
+      </p:nvGrpSpPr>
+      <p:grpSpPr>
+        <a:xfrm>
+          <a:off x="0" y="0"/>
+          <a:ext cx="0" cy="0"/>
+          <a:chOff x="0" y="0"/>
+          <a:chExt cx="0" cy="0"/>
+        </a:xfrm>
+      </p:grpSpPr>
+      <p:sp>
+        <p:nvSpPr>
+          <p:cNvPr id="4" name="Title 1">
+            <a:extLst>
+              <a:ext uri="{FF2B5EF4-FFF2-40B4-BE49-F238E27FC236}">
+                <a16:creationId xmlns:a16="http://schemas.microsoft.com/office/drawing/2014/main" id="{03E62CCD-F9F9-474C-94AC-071C7C8F80B3}"/>
+              </a:ext>
+            </a:extLst>
+          </p:cNvPr>
+          <p:cNvSpPr txBox="1">
+            <a:spLocks/>
+          </p:cNvSpPr>
+          <p:nvPr/>
+        </p:nvSpPr>
+        <p:spPr>
+          <a:xfrm>
+            <a:off x="1635252" y="1413859"/>
+            <a:ext cx="8933688" cy="2406895"/>
+          </a:xfrm>
+          <a:prstGeom prst="rect">
+            <a:avLst/>
+          </a:prstGeom>
+        </p:spPr>
+        <p:txBody>
+          <a:bodyPr vert="horz" lIns="91440" tIns="45720" rIns="91440" bIns="45720" rtlCol="0" anchor="ctr">
+            <a:normAutofit/>
+          </a:bodyPr>
+          <a:lstStyle>
+            <a:lvl1pPr algn="ctr" defTabSz="914400" rtl="0" eaLnBrk="1" latinLnBrk="0" hangingPunct="1">
+              <a:lnSpc>
+                <a:spcPct val="83000"/>
+              </a:lnSpc>
+              <a:spcBef>
+                <a:spcPct val="0"/>
+              </a:spcBef>
+              <a:buNone/>
+              <a:defRPr lang="en-US" sz="6800" i="0" kern="1200" cap="all" spc="-100" baseline="0" dirty="0">
+                <a:solidFill>
+                  <a:schemeClr val="tx1">
+                    <a:lumMod val="85000"/>
+                    <a:lumOff val="15000"/>
+                  </a:schemeClr>
+                </a:solidFill>
+                <a:effectLst/>
+                <a:latin typeface="+mj-lt"/>
+                <a:ea typeface="+mn-ea"/>
+                <a:cs typeface="+mn-cs"/>
+              </a:defRPr>
+            </a:lvl1pPr>
+          </a:lstStyle>
+          <a:p>
+            <a:r>
+              <a:rPr lang="en-AU" dirty="0"/>
+              <a:t>hypothesis 4:</a:t>
+            </a:r>
+          </a:p>
+        </p:txBody>
+      </p:sp>
+      <p:sp>
+        <p:nvSpPr>
+          <p:cNvPr id="5" name="Content Placeholder 2">
+            <a:extLst>
+              <a:ext uri="{FF2B5EF4-FFF2-40B4-BE49-F238E27FC236}">
+                <a16:creationId xmlns:a16="http://schemas.microsoft.com/office/drawing/2014/main" id="{CE0E0483-0432-47E1-BD1C-95450F0AAF60}"/>
+              </a:ext>
+            </a:extLst>
+          </p:cNvPr>
+          <p:cNvSpPr txBox="1">
+            <a:spLocks/>
+          </p:cNvSpPr>
+          <p:nvPr/>
+        </p:nvSpPr>
+        <p:spPr>
+          <a:xfrm>
+            <a:off x="1635252" y="3041922"/>
+            <a:ext cx="8939784" cy="640419"/>
+          </a:xfrm>
+          <a:prstGeom prst="rect">
+            <a:avLst/>
+          </a:prstGeom>
+        </p:spPr>
+        <p:txBody>
+          <a:bodyPr vert="horz" lIns="91440" tIns="45720" rIns="91440" bIns="45720" rtlCol="0" anchor="t">
+            <a:noAutofit/>
+          </a:bodyPr>
+          <a:lstStyle>
+            <a:lvl1pPr marL="0" indent="0" algn="ctr" defTabSz="914400" rtl="0" eaLnBrk="1" latinLnBrk="0" hangingPunct="1">
+              <a:lnSpc>
+                <a:spcPct val="110000"/>
+              </a:lnSpc>
+              <a:spcBef>
+                <a:spcPts val="900"/>
+              </a:spcBef>
+              <a:spcAft>
+                <a:spcPts val="0"/>
+              </a:spcAft>
+              <a:buClr>
+                <a:schemeClr val="tx1">
+                  <a:lumMod val="85000"/>
+                  <a:lumOff val="15000"/>
+                </a:schemeClr>
+              </a:buClr>
+              <a:buFont typeface="Garamond" pitchFamily="18" charset="0"/>
+              <a:buNone/>
+              <a:tabLst>
+                <a:tab pos="2633663" algn="l"/>
+              </a:tabLst>
+              <a:defRPr sz="1800" kern="1200">
+                <a:solidFill>
+                  <a:schemeClr val="tx1">
+                    <a:lumMod val="95000"/>
+                    <a:lumOff val="5000"/>
+                  </a:schemeClr>
+                </a:solidFill>
+                <a:effectLst/>
+                <a:latin typeface="+mn-lt"/>
+                <a:ea typeface="+mn-ea"/>
+                <a:cs typeface="+mn-cs"/>
+              </a:defRPr>
+            </a:lvl1pPr>
+            <a:lvl2pPr marL="457200" indent="0" algn="l" defTabSz="914400" rtl="0" eaLnBrk="1" latinLnBrk="0" hangingPunct="1">
+              <a:lnSpc>
+                <a:spcPct val="100000"/>
+              </a:lnSpc>
+              <a:spcBef>
+                <a:spcPts val="500"/>
+              </a:spcBef>
+              <a:buClr>
+                <a:schemeClr val="tx1">
+                  <a:lumMod val="85000"/>
+                  <a:lumOff val="15000"/>
+                </a:schemeClr>
+              </a:buClr>
+              <a:buFont typeface="Garamond" pitchFamily="18" charset="0"/>
+              <a:buNone/>
+              <a:defRPr sz="1600" kern="1200">
+                <a:solidFill>
+                  <a:schemeClr val="tx1">
+                    <a:tint val="75000"/>
+                  </a:schemeClr>
+                </a:solidFill>
+                <a:latin typeface="+mn-lt"/>
+                <a:ea typeface="+mn-ea"/>
+                <a:cs typeface="+mn-cs"/>
+              </a:defRPr>
+            </a:lvl2pPr>
+            <a:lvl3pPr marL="914400" indent="0" algn="l" defTabSz="914400" rtl="0" eaLnBrk="1" latinLnBrk="0" hangingPunct="1">
+              <a:lnSpc>
+                <a:spcPct val="100000"/>
+              </a:lnSpc>
+              <a:spcBef>
+                <a:spcPts val="500"/>
+              </a:spcBef>
+              <a:buClr>
+                <a:schemeClr val="tx1">
+                  <a:lumMod val="85000"/>
+                  <a:lumOff val="15000"/>
+                </a:schemeClr>
+              </a:buClr>
+              <a:buFont typeface="Garamond" pitchFamily="18" charset="0"/>
+              <a:buNone/>
+              <a:defRPr sz="1600" kern="1200">
+                <a:solidFill>
+                  <a:schemeClr val="tx1">
+                    <a:tint val="75000"/>
+                  </a:schemeClr>
+                </a:solidFill>
+                <a:latin typeface="+mn-lt"/>
+                <a:ea typeface="+mn-ea"/>
+                <a:cs typeface="+mn-cs"/>
+              </a:defRPr>
+            </a:lvl3pPr>
+            <a:lvl4pPr marL="1371600" indent="0" algn="l" defTabSz="914400" rtl="0" eaLnBrk="1" latinLnBrk="0" hangingPunct="1">
+              <a:lnSpc>
+                <a:spcPct val="100000"/>
+              </a:lnSpc>
+              <a:spcBef>
+                <a:spcPts val="500"/>
+              </a:spcBef>
+              <a:buClr>
+                <a:schemeClr val="tx1">
+                  <a:lumMod val="85000"/>
+                  <a:lumOff val="15000"/>
+                </a:schemeClr>
+              </a:buClr>
+              <a:buFont typeface="Garamond" pitchFamily="18" charset="0"/>
+              <a:buNone/>
+              <a:defRPr sz="1400" kern="1200">
+                <a:solidFill>
+                  <a:schemeClr val="tx1">
+                    <a:tint val="75000"/>
+                  </a:schemeClr>
+                </a:solidFill>
+                <a:latin typeface="+mn-lt"/>
+                <a:ea typeface="+mn-ea"/>
+                <a:cs typeface="+mn-cs"/>
+              </a:defRPr>
+            </a:lvl4pPr>
+            <a:lvl5pPr marL="1828800" indent="0" algn="l" defTabSz="914400" rtl="0" eaLnBrk="1" latinLnBrk="0" hangingPunct="1">
+              <a:lnSpc>
+                <a:spcPct val="100000"/>
+              </a:lnSpc>
+              <a:spcBef>
+                <a:spcPts val="500"/>
+              </a:spcBef>
+              <a:buClr>
+                <a:schemeClr val="tx1">
+                  <a:lumMod val="85000"/>
+                  <a:lumOff val="15000"/>
+                </a:schemeClr>
+              </a:buClr>
+              <a:buFont typeface="Garamond" pitchFamily="18" charset="0"/>
+              <a:buNone/>
+              <a:defRPr sz="1400" kern="1200">
+                <a:solidFill>
+                  <a:schemeClr val="tx1">
+                    <a:tint val="75000"/>
+                  </a:schemeClr>
+                </a:solidFill>
+                <a:latin typeface="+mn-lt"/>
+                <a:ea typeface="+mn-ea"/>
+                <a:cs typeface="+mn-cs"/>
+              </a:defRPr>
+            </a:lvl5pPr>
+            <a:lvl6pPr marL="2286000" indent="0" algn="l" defTabSz="914400" rtl="0" eaLnBrk="1" latinLnBrk="0" hangingPunct="1">
+              <a:lnSpc>
+                <a:spcPct val="100000"/>
+              </a:lnSpc>
+              <a:spcBef>
+                <a:spcPts val="500"/>
+              </a:spcBef>
+              <a:buClr>
+                <a:schemeClr val="tx1">
+                  <a:lumMod val="85000"/>
+                  <a:lumOff val="15000"/>
+                </a:schemeClr>
+              </a:buClr>
+              <a:buFont typeface="Garamond" pitchFamily="18" charset="0"/>
+              <a:buNone/>
+              <a:defRPr sz="1400" kern="1200">
+                <a:solidFill>
+                  <a:schemeClr val="tx1">
+                    <a:tint val="75000"/>
+                  </a:schemeClr>
+                </a:solidFill>
+                <a:latin typeface="+mn-lt"/>
+                <a:ea typeface="+mn-ea"/>
+                <a:cs typeface="+mn-cs"/>
+              </a:defRPr>
+            </a:lvl6pPr>
+            <a:lvl7pPr marL="2743200" indent="0" algn="l" defTabSz="914400" rtl="0" eaLnBrk="1" latinLnBrk="0" hangingPunct="1">
+              <a:lnSpc>
+                <a:spcPct val="100000"/>
+              </a:lnSpc>
+              <a:spcBef>
+                <a:spcPts val="500"/>
+              </a:spcBef>
+              <a:buClr>
+                <a:schemeClr val="tx1">
+                  <a:lumMod val="85000"/>
+                  <a:lumOff val="15000"/>
+                </a:schemeClr>
+              </a:buClr>
+              <a:buFont typeface="Garamond" pitchFamily="18" charset="0"/>
+              <a:buNone/>
+              <a:defRPr sz="1400" kern="1200">
+                <a:solidFill>
+                  <a:schemeClr val="tx1">
+                    <a:tint val="75000"/>
+                  </a:schemeClr>
+                </a:solidFill>
+                <a:latin typeface="+mn-lt"/>
+                <a:ea typeface="+mn-ea"/>
+                <a:cs typeface="+mn-cs"/>
+              </a:defRPr>
+            </a:lvl7pPr>
+            <a:lvl8pPr marL="3200400" indent="0" algn="l" defTabSz="914400" rtl="0" eaLnBrk="1" latinLnBrk="0" hangingPunct="1">
+              <a:lnSpc>
+                <a:spcPct val="100000"/>
+              </a:lnSpc>
+              <a:spcBef>
+                <a:spcPts val="500"/>
+              </a:spcBef>
+              <a:buClr>
+                <a:schemeClr val="tx1">
+                  <a:lumMod val="85000"/>
+                  <a:lumOff val="15000"/>
+                </a:schemeClr>
+              </a:buClr>
+              <a:buFont typeface="Garamond" pitchFamily="18" charset="0"/>
+              <a:buNone/>
+              <a:defRPr sz="1400" kern="1200">
+                <a:solidFill>
+                  <a:schemeClr val="tx1">
+                    <a:tint val="75000"/>
+                  </a:schemeClr>
+                </a:solidFill>
+                <a:latin typeface="+mn-lt"/>
+                <a:ea typeface="+mn-ea"/>
+                <a:cs typeface="+mn-cs"/>
+              </a:defRPr>
+            </a:lvl8pPr>
+            <a:lvl9pPr marL="3657600" indent="0" algn="l" defTabSz="914400" rtl="0" eaLnBrk="1" latinLnBrk="0" hangingPunct="1">
+              <a:lnSpc>
+                <a:spcPct val="100000"/>
+              </a:lnSpc>
+              <a:spcBef>
+                <a:spcPts val="500"/>
+              </a:spcBef>
+              <a:buClr>
+                <a:schemeClr val="tx1">
+                  <a:lumMod val="85000"/>
+                  <a:lumOff val="15000"/>
+                </a:schemeClr>
+              </a:buClr>
+              <a:buFont typeface="Garamond" pitchFamily="18" charset="0"/>
+              <a:buNone/>
+              <a:defRPr sz="1400" kern="1200">
+                <a:solidFill>
+                  <a:schemeClr val="tx1">
+                    <a:tint val="75000"/>
+                  </a:schemeClr>
+                </a:solidFill>
+                <a:latin typeface="+mn-lt"/>
+                <a:ea typeface="+mn-ea"/>
+                <a:cs typeface="+mn-cs"/>
+              </a:defRPr>
+            </a:lvl9pPr>
+          </a:lstStyle>
+          <a:p>
+            <a:pPr lvl="1" algn="just" fontAlgn="base">
+              <a:spcBef>
+                <a:spcPts val="0"/>
+              </a:spcBef>
+              <a:buSzPts val="1000"/>
+              <a:tabLst>
+                <a:tab pos="914400" algn="l"/>
+              </a:tabLst>
+            </a:pPr>
+            <a:r>
+              <a:rPr lang="en-AU" sz="3000" dirty="0">
+                <a:solidFill>
+                  <a:schemeClr val="tx1">
+                    <a:lumMod val="95000"/>
+                    <a:lumOff val="5000"/>
+                  </a:schemeClr>
+                </a:solidFill>
+              </a:rPr>
+              <a:t>School is one of the main reasons for the surge in house prices of specific suburb. Both private and public school play a big role when it comes to choosing the right suburb to live in.</a:t>
+            </a:r>
+            <a:endParaRPr lang="en-AU" sz="3000" dirty="0"/>
+          </a:p>
+        </p:txBody>
+      </p:sp>
+    </p:spTree>
+    <p:extLst>
+      <p:ext uri="{BB962C8B-B14F-4D97-AF65-F5344CB8AC3E}">
+        <p14:creationId xmlns:p14="http://schemas.microsoft.com/office/powerpoint/2010/main" val="3934855275"/>
+      </p:ext>
+    </p:extLst>
+  </p:cSld>
+  <p:clrMapOvr>
+    <a:masterClrMapping/>
+  </p:clrMapOvr>
+</p:sld>
+</file>
+
+<file path=ppt/slides/slide4.xml><?xml version="1.0" encoding="utf-8"?>
+<p:sld xmlns:a="http://schemas.openxmlformats.org/drawingml/2006/main" xmlns:r="http://schemas.openxmlformats.org/officeDocument/2006/relationships" xmlns:p="http://schemas.openxmlformats.org/presentationml/2006/main">
+  <p:cSld>
+    <p:spTree>
+      <p:nvGrpSpPr>
+        <p:cNvPr id="1" name=""/>
+        <p:cNvGrpSpPr/>
+        <p:nvPr/>
+      </p:nvGrpSpPr>
+      <p:grpSpPr>
+        <a:xfrm>
+          <a:off x="0" y="0"/>
+          <a:ext cx="0" cy="0"/>
+          <a:chOff x="0" y="0"/>
+          <a:chExt cx="0" cy="0"/>
+        </a:xfrm>
+      </p:grpSpPr>
+      <p:sp>
+        <p:nvSpPr>
+          <p:cNvPr id="9" name="Title 2">
+            <a:extLst>
+              <a:ext uri="{FF2B5EF4-FFF2-40B4-BE49-F238E27FC236}">
+                <a16:creationId xmlns:a16="http://schemas.microsoft.com/office/drawing/2014/main" id="{A7FF6421-D605-4A42-A7C0-173834FBC576}"/>
+              </a:ext>
+            </a:extLst>
+          </p:cNvPr>
+          <p:cNvSpPr>
+            <a:spLocks noGrp="1"/>
+          </p:cNvSpPr>
+          <p:nvPr>
+            <p:ph type="title"/>
+          </p:nvPr>
+        </p:nvSpPr>
+        <p:spPr>
+          <a:xfrm>
+            <a:off x="1066800" y="642594"/>
+            <a:ext cx="10058400" cy="1371600"/>
+          </a:xfrm>
+        </p:spPr>
+        <p:txBody>
+          <a:bodyPr anchor="ctr">
+            <a:normAutofit/>
+          </a:bodyPr>
+          <a:lstStyle/>
+          <a:p>
+            <a:r>
+              <a:rPr lang="en-US" dirty="0"/>
+              <a:t>Key Step for the analysis</a:t>
+            </a:r>
+          </a:p>
+        </p:txBody>
+      </p:sp>
+      <p:pic>
+        <p:nvPicPr>
+          <p:cNvPr id="6" name="Picture 5">
+            <a:extLst>
+              <a:ext uri="{FF2B5EF4-FFF2-40B4-BE49-F238E27FC236}">
+                <a16:creationId xmlns:a16="http://schemas.microsoft.com/office/drawing/2014/main" id="{7881B6B4-DE1E-4524-9EC5-C880015E6F7C}"/>
+              </a:ext>
+            </a:extLst>
+          </p:cNvPr>
+          <p:cNvPicPr>
+            <a:picLocks noChangeAspect="1"/>
+          </p:cNvPicPr>
+          <p:nvPr/>
+        </p:nvPicPr>
+        <p:blipFill>
+          <a:blip r:embed="rId3"/>
+          <a:stretch>
+            <a:fillRect/>
+          </a:stretch>
+        </p:blipFill>
+        <p:spPr>
+          <a:xfrm>
+            <a:off x="1066800" y="2811780"/>
+            <a:ext cx="4663440" cy="2331720"/>
+          </a:xfrm>
+          <a:prstGeom prst="rect">
+            <a:avLst/>
+          </a:prstGeom>
+          <a:noFill/>
+        </p:spPr>
+      </p:pic>
+      <p:sp>
+        <p:nvSpPr>
+          <p:cNvPr id="11" name="Text Placeholder 3">
+            <a:extLst>
+              <a:ext uri="{FF2B5EF4-FFF2-40B4-BE49-F238E27FC236}">
+                <a16:creationId xmlns:a16="http://schemas.microsoft.com/office/drawing/2014/main" id="{1D00AAB8-024F-408F-B475-F1AF2779B0A4}"/>
+              </a:ext>
+            </a:extLst>
+          </p:cNvPr>
+          <p:cNvSpPr>
+            <a:spLocks noGrp="1"/>
+          </p:cNvSpPr>
+          <p:nvPr>
+            <p:ph sz="half" idx="2"/>
+          </p:nvPr>
+        </p:nvSpPr>
+        <p:spPr>
+          <a:xfrm>
+            <a:off x="6461761" y="1882588"/>
+            <a:ext cx="5063129" cy="3969572"/>
+          </a:xfrm>
+        </p:spPr>
+        <p:txBody>
+          <a:bodyPr>
+            <a:normAutofit/>
+          </a:bodyPr>
+          <a:lstStyle/>
+          <a:p>
+            <a:pPr marL="342900" indent="-342900">
+              <a:buAutoNum type="arabicPeriod"/>
+            </a:pPr>
+            <a:r>
+              <a:rPr lang="en-US" dirty="0"/>
+              <a:t>Look for historical data</a:t>
+            </a:r>
+          </a:p>
+          <a:p>
+            <a:pPr marL="342900" indent="-342900">
+              <a:buAutoNum type="arabicPeriod"/>
+            </a:pPr>
+            <a:r>
+              <a:rPr lang="en-US" dirty="0"/>
+              <a:t>Determining the factors that will affect the house price and search for relevant dataset.</a:t>
+            </a:r>
+          </a:p>
+          <a:p>
+            <a:pPr marL="342900" indent="-342900">
+              <a:buFont typeface="Garamond" pitchFamily="18" charset="0"/>
+              <a:buAutoNum type="arabicPeriod"/>
+            </a:pPr>
+            <a:r>
+              <a:rPr lang="en-US" dirty="0"/>
+              <a:t>Set up hypotheses</a:t>
+            </a:r>
+          </a:p>
+          <a:p>
+            <a:pPr marL="342900" indent="-342900">
+              <a:buAutoNum type="arabicPeriod"/>
+            </a:pPr>
+            <a:r>
+              <a:rPr lang="en-US" dirty="0"/>
+              <a:t>Dig deep into the factors by analyzing the data that we have</a:t>
+            </a:r>
+          </a:p>
+        </p:txBody>
+      </p:sp>
+    </p:spTree>
+    <p:extLst>
+      <p:ext uri="{BB962C8B-B14F-4D97-AF65-F5344CB8AC3E}">
+        <p14:creationId xmlns:p14="http://schemas.microsoft.com/office/powerpoint/2010/main" val="2757353475"/>
+      </p:ext>
+    </p:extLst>
+  </p:cSld>
+  <p:clrMapOvr>
+    <a:masterClrMapping/>
+  </p:clrMapOvr>
+</p:sld>
+</file>
+
+<file path=ppt/slides/slide5.xml><?xml version="1.0" encoding="utf-8"?>
+<p:sld xmlns:a="http://schemas.openxmlformats.org/drawingml/2006/main" xmlns:r="http://schemas.openxmlformats.org/officeDocument/2006/relationships" xmlns:p="http://schemas.openxmlformats.org/presentationml/2006/main">
+  <p:cSld>
+    <p:spTree>
+      <p:nvGrpSpPr>
+        <p:cNvPr id="1" name=""/>
+        <p:cNvGrpSpPr/>
+        <p:nvPr/>
+      </p:nvGrpSpPr>
+      <p:grpSpPr>
+        <a:xfrm>
+          <a:off x="0" y="0"/>
+          <a:ext cx="0" cy="0"/>
+          <a:chOff x="0" y="0"/>
+          <a:chExt cx="0" cy="0"/>
+        </a:xfrm>
+      </p:grpSpPr>
+      <p:sp>
+        <p:nvSpPr>
+          <p:cNvPr id="3" name="Title 2">
+            <a:extLst>
+              <a:ext uri="{FF2B5EF4-FFF2-40B4-BE49-F238E27FC236}">
+                <a16:creationId xmlns:a16="http://schemas.microsoft.com/office/drawing/2014/main" id="{8D7A46A1-71D5-4012-AA96-436115667E7E}"/>
+              </a:ext>
+            </a:extLst>
+          </p:cNvPr>
+          <p:cNvSpPr>
+            <a:spLocks noGrp="1"/>
+          </p:cNvSpPr>
+          <p:nvPr>
+            <p:ph type="title"/>
+          </p:nvPr>
+        </p:nvSpPr>
+        <p:spPr>
+          <a:xfrm>
+            <a:off x="375628" y="248067"/>
+            <a:ext cx="2215172" cy="2276402"/>
+          </a:xfrm>
+        </p:spPr>
+        <p:txBody>
+          <a:bodyPr>
+            <a:normAutofit/>
+          </a:bodyPr>
+          <a:lstStyle/>
+          <a:p>
+            <a:r>
+              <a:rPr lang="en-US" sz="3500" dirty="0"/>
+              <a:t>General Data Cleaning</a:t>
+            </a:r>
+            <a:endParaRPr lang="en-AU" sz="3500" dirty="0"/>
+          </a:p>
+        </p:txBody>
+      </p:sp>
+      <p:pic>
+        <p:nvPicPr>
+          <p:cNvPr id="10" name="Content Placeholder 12">
+            <a:extLst>
+              <a:ext uri="{FF2B5EF4-FFF2-40B4-BE49-F238E27FC236}">
+                <a16:creationId xmlns:a16="http://schemas.microsoft.com/office/drawing/2014/main" id="{3AE53E47-C998-45CE-ADE1-5249A323E894}"/>
+              </a:ext>
+            </a:extLst>
+          </p:cNvPr>
+          <p:cNvPicPr>
+            <a:picLocks noChangeAspect="1"/>
+          </p:cNvPicPr>
+          <p:nvPr/>
+        </p:nvPicPr>
+        <p:blipFill>
+          <a:blip r:embed="rId2"/>
+          <a:stretch>
+            <a:fillRect/>
+          </a:stretch>
+        </p:blipFill>
+        <p:spPr>
+          <a:xfrm>
+            <a:off x="2531345" y="361799"/>
+            <a:ext cx="8613078" cy="885096"/>
+          </a:xfrm>
+          <a:prstGeom prst="rect">
+            <a:avLst/>
+          </a:prstGeom>
+        </p:spPr>
+      </p:pic>
+      <p:pic>
+        <p:nvPicPr>
+          <p:cNvPr id="11" name="Picture 10">
+            <a:extLst>
+              <a:ext uri="{FF2B5EF4-FFF2-40B4-BE49-F238E27FC236}">
+                <a16:creationId xmlns:a16="http://schemas.microsoft.com/office/drawing/2014/main" id="{4CC2D0F5-4A47-4589-ADEB-E1AC0055AA76}"/>
+              </a:ext>
+            </a:extLst>
+          </p:cNvPr>
+          <p:cNvPicPr>
+            <a:picLocks noChangeAspect="1"/>
+          </p:cNvPicPr>
+          <p:nvPr/>
+        </p:nvPicPr>
+        <p:blipFill>
+          <a:blip r:embed="rId3"/>
+          <a:stretch>
+            <a:fillRect/>
+          </a:stretch>
+        </p:blipFill>
+        <p:spPr>
+          <a:xfrm>
+            <a:off x="2531346" y="1275515"/>
+            <a:ext cx="8613076" cy="885121"/>
+          </a:xfrm>
+          <a:prstGeom prst="rect">
+            <a:avLst/>
+          </a:prstGeom>
+        </p:spPr>
+      </p:pic>
+      <p:pic>
+        <p:nvPicPr>
+          <p:cNvPr id="13" name="Picture 12">
+            <a:extLst>
+              <a:ext uri="{FF2B5EF4-FFF2-40B4-BE49-F238E27FC236}">
+                <a16:creationId xmlns:a16="http://schemas.microsoft.com/office/drawing/2014/main" id="{10C19A11-E41B-459F-9D51-E1E3E05163EA}"/>
+              </a:ext>
+            </a:extLst>
+          </p:cNvPr>
+          <p:cNvPicPr>
+            <a:picLocks noChangeAspect="1"/>
+          </p:cNvPicPr>
+          <p:nvPr/>
+        </p:nvPicPr>
+        <p:blipFill>
+          <a:blip r:embed="rId4"/>
+          <a:stretch>
+            <a:fillRect/>
+          </a:stretch>
+        </p:blipFill>
+        <p:spPr>
+          <a:xfrm>
+            <a:off x="2531345" y="2397971"/>
+            <a:ext cx="8613076" cy="608813"/>
+          </a:xfrm>
+          <a:prstGeom prst="rect">
+            <a:avLst/>
+          </a:prstGeom>
+        </p:spPr>
+      </p:pic>
+      <p:pic>
+        <p:nvPicPr>
+          <p:cNvPr id="15" name="Picture 14">
+            <a:extLst>
+              <a:ext uri="{FF2B5EF4-FFF2-40B4-BE49-F238E27FC236}">
+                <a16:creationId xmlns:a16="http://schemas.microsoft.com/office/drawing/2014/main" id="{B21FBFCA-CBCD-4225-AE26-B17817B78972}"/>
+              </a:ext>
+            </a:extLst>
+          </p:cNvPr>
+          <p:cNvPicPr>
+            <a:picLocks noChangeAspect="1"/>
+          </p:cNvPicPr>
+          <p:nvPr/>
+        </p:nvPicPr>
+        <p:blipFill>
+          <a:blip r:embed="rId5"/>
+          <a:stretch>
+            <a:fillRect/>
+          </a:stretch>
+        </p:blipFill>
+        <p:spPr>
+          <a:xfrm>
+            <a:off x="2531345" y="3037629"/>
+            <a:ext cx="8613076" cy="1003202"/>
+          </a:xfrm>
+          <a:prstGeom prst="rect">
+            <a:avLst/>
+          </a:prstGeom>
+        </p:spPr>
+      </p:pic>
+      <p:pic>
+        <p:nvPicPr>
+          <p:cNvPr id="17" name="Picture 16">
+            <a:extLst>
+              <a:ext uri="{FF2B5EF4-FFF2-40B4-BE49-F238E27FC236}">
+                <a16:creationId xmlns:a16="http://schemas.microsoft.com/office/drawing/2014/main" id="{748D84B1-28E1-4AB6-8CB0-7ED282F2B455}"/>
+              </a:ext>
+            </a:extLst>
+          </p:cNvPr>
+          <p:cNvPicPr>
+            <a:picLocks noChangeAspect="1"/>
+          </p:cNvPicPr>
+          <p:nvPr/>
+        </p:nvPicPr>
+        <p:blipFill>
+          <a:blip r:embed="rId6"/>
+          <a:stretch>
+            <a:fillRect/>
+          </a:stretch>
+        </p:blipFill>
+        <p:spPr>
+          <a:xfrm>
+            <a:off x="2531345" y="4221120"/>
+            <a:ext cx="8613076" cy="1162180"/>
+          </a:xfrm>
+          <a:prstGeom prst="rect">
+            <a:avLst/>
+          </a:prstGeom>
+        </p:spPr>
+      </p:pic>
+      <p:pic>
+        <p:nvPicPr>
+          <p:cNvPr id="18" name="Picture 17">
+            <a:extLst>
+              <a:ext uri="{FF2B5EF4-FFF2-40B4-BE49-F238E27FC236}">
+                <a16:creationId xmlns:a16="http://schemas.microsoft.com/office/drawing/2014/main" id="{77375F53-D94A-4A17-B819-70560E28B12F}"/>
+              </a:ext>
+            </a:extLst>
+          </p:cNvPr>
+          <p:cNvPicPr>
+            <a:picLocks noChangeAspect="1"/>
+          </p:cNvPicPr>
+          <p:nvPr/>
+        </p:nvPicPr>
+        <p:blipFill>
+          <a:blip r:embed="rId7"/>
+          <a:stretch>
+            <a:fillRect/>
+          </a:stretch>
+        </p:blipFill>
+        <p:spPr>
+          <a:xfrm>
+            <a:off x="2531345" y="5423418"/>
+            <a:ext cx="8613076" cy="1091612"/>
+          </a:xfrm>
+          <a:prstGeom prst="rect">
+            <a:avLst/>
+          </a:prstGeom>
+        </p:spPr>
+      </p:pic>
+      <p:sp>
+        <p:nvSpPr>
+          <p:cNvPr id="19" name="TextBox 18">
+            <a:extLst>
+              <a:ext uri="{FF2B5EF4-FFF2-40B4-BE49-F238E27FC236}">
+                <a16:creationId xmlns:a16="http://schemas.microsoft.com/office/drawing/2014/main" id="{12999D15-0A4B-4A1B-8C30-844B1B0CBD02}"/>
+              </a:ext>
+            </a:extLst>
+          </p:cNvPr>
+          <p:cNvSpPr txBox="1"/>
+          <p:nvPr/>
+        </p:nvSpPr>
+        <p:spPr>
+          <a:xfrm>
+            <a:off x="11057268" y="959620"/>
+            <a:ext cx="864637" cy="323165"/>
+          </a:xfrm>
+          <a:prstGeom prst="rect">
+            <a:avLst/>
+          </a:prstGeom>
+          <a:noFill/>
+        </p:spPr>
+        <p:txBody>
+          <a:bodyPr wrap="square" rtlCol="0">
+            <a:spAutoFit/>
+          </a:bodyPr>
+          <a:lstStyle/>
+          <a:p>
+            <a:r>
+              <a:rPr lang="en-US" sz="1500" dirty="0"/>
+              <a:t>Before</a:t>
+            </a:r>
+            <a:endParaRPr lang="en-AU" sz="1500" dirty="0"/>
+          </a:p>
+        </p:txBody>
+      </p:sp>
+      <p:sp>
+        <p:nvSpPr>
+          <p:cNvPr id="20" name="TextBox 19">
+            <a:extLst>
+              <a:ext uri="{FF2B5EF4-FFF2-40B4-BE49-F238E27FC236}">
+                <a16:creationId xmlns:a16="http://schemas.microsoft.com/office/drawing/2014/main" id="{230C31C5-E75C-42E3-8290-A43FA282497E}"/>
+              </a:ext>
+            </a:extLst>
+          </p:cNvPr>
+          <p:cNvSpPr txBox="1"/>
+          <p:nvPr/>
+        </p:nvSpPr>
+        <p:spPr>
+          <a:xfrm>
+            <a:off x="11075152" y="1813958"/>
+            <a:ext cx="814873" cy="323165"/>
+          </a:xfrm>
+          <a:prstGeom prst="rect">
+            <a:avLst/>
+          </a:prstGeom>
+          <a:noFill/>
+        </p:spPr>
+        <p:txBody>
+          <a:bodyPr wrap="square">
+            <a:spAutoFit/>
+          </a:bodyPr>
+          <a:lstStyle/>
+          <a:p>
+            <a:r>
+              <a:rPr lang="en-AU" sz="1500" b="0" dirty="0">
+                <a:effectLst/>
+                <a:latin typeface="Consolas" panose="020B0609020204030204" pitchFamily="49" charset="0"/>
+              </a:rPr>
+              <a:t>After</a:t>
+            </a:r>
+          </a:p>
+        </p:txBody>
+      </p:sp>
+      <p:sp>
+        <p:nvSpPr>
+          <p:cNvPr id="21" name="TextBox 20">
+            <a:extLst>
+              <a:ext uri="{FF2B5EF4-FFF2-40B4-BE49-F238E27FC236}">
+                <a16:creationId xmlns:a16="http://schemas.microsoft.com/office/drawing/2014/main" id="{EDF285DF-A211-4EA1-9554-E627AEC3B18C}"/>
+              </a:ext>
+            </a:extLst>
+          </p:cNvPr>
+          <p:cNvSpPr txBox="1"/>
+          <p:nvPr/>
+        </p:nvSpPr>
+        <p:spPr>
+          <a:xfrm>
+            <a:off x="11057268" y="2734888"/>
+            <a:ext cx="864637" cy="323165"/>
+          </a:xfrm>
+          <a:prstGeom prst="rect">
+            <a:avLst/>
+          </a:prstGeom>
+          <a:noFill/>
+        </p:spPr>
+        <p:txBody>
+          <a:bodyPr wrap="square" rtlCol="0">
+            <a:spAutoFit/>
+          </a:bodyPr>
+          <a:lstStyle/>
+          <a:p>
+            <a:r>
+              <a:rPr lang="en-US" sz="1500" dirty="0"/>
+              <a:t>Before</a:t>
+            </a:r>
+            <a:endParaRPr lang="en-AU" sz="1500" dirty="0"/>
+          </a:p>
+        </p:txBody>
+      </p:sp>
+      <p:sp>
+        <p:nvSpPr>
+          <p:cNvPr id="22" name="TextBox 21">
+            <a:extLst>
+              <a:ext uri="{FF2B5EF4-FFF2-40B4-BE49-F238E27FC236}">
+                <a16:creationId xmlns:a16="http://schemas.microsoft.com/office/drawing/2014/main" id="{0ACFBA57-B00B-4191-B5B5-62490F8A6258}"/>
+              </a:ext>
+            </a:extLst>
+          </p:cNvPr>
+          <p:cNvSpPr txBox="1"/>
+          <p:nvPr/>
+        </p:nvSpPr>
+        <p:spPr>
+          <a:xfrm>
+            <a:off x="11075152" y="3744731"/>
+            <a:ext cx="814873" cy="323165"/>
+          </a:xfrm>
+          <a:prstGeom prst="rect">
+            <a:avLst/>
+          </a:prstGeom>
+          <a:noFill/>
+        </p:spPr>
+        <p:txBody>
+          <a:bodyPr wrap="square">
+            <a:spAutoFit/>
+          </a:bodyPr>
+          <a:lstStyle/>
+          <a:p>
+            <a:r>
+              <a:rPr lang="en-AU" sz="1500" b="0" dirty="0">
+                <a:effectLst/>
+                <a:latin typeface="Consolas" panose="020B0609020204030204" pitchFamily="49" charset="0"/>
+              </a:rPr>
+              <a:t>After</a:t>
+            </a:r>
+          </a:p>
+        </p:txBody>
+      </p:sp>
+      <p:sp>
+        <p:nvSpPr>
+          <p:cNvPr id="23" name="TextBox 22">
+            <a:extLst>
+              <a:ext uri="{FF2B5EF4-FFF2-40B4-BE49-F238E27FC236}">
+                <a16:creationId xmlns:a16="http://schemas.microsoft.com/office/drawing/2014/main" id="{9AA91128-A866-4956-BB1B-CA1A2B01F74F}"/>
+              </a:ext>
+            </a:extLst>
+          </p:cNvPr>
+          <p:cNvSpPr txBox="1"/>
+          <p:nvPr/>
+        </p:nvSpPr>
+        <p:spPr>
+          <a:xfrm>
+            <a:off x="11069922" y="5074420"/>
+            <a:ext cx="864637" cy="323165"/>
+          </a:xfrm>
+          <a:prstGeom prst="rect">
+            <a:avLst/>
+          </a:prstGeom>
+          <a:noFill/>
+        </p:spPr>
+        <p:txBody>
+          <a:bodyPr wrap="square" rtlCol="0">
+            <a:spAutoFit/>
+          </a:bodyPr>
+          <a:lstStyle/>
+          <a:p>
+            <a:r>
+              <a:rPr lang="en-US" sz="1500" dirty="0"/>
+              <a:t>Before</a:t>
+            </a:r>
+            <a:endParaRPr lang="en-AU" sz="1500" dirty="0"/>
+          </a:p>
+        </p:txBody>
+      </p:sp>
+      <p:sp>
+        <p:nvSpPr>
+          <p:cNvPr id="24" name="TextBox 23">
+            <a:extLst>
+              <a:ext uri="{FF2B5EF4-FFF2-40B4-BE49-F238E27FC236}">
+                <a16:creationId xmlns:a16="http://schemas.microsoft.com/office/drawing/2014/main" id="{38CB4437-0D94-49DE-824F-EDD83486BDB8}"/>
+              </a:ext>
+            </a:extLst>
+          </p:cNvPr>
+          <p:cNvSpPr txBox="1"/>
+          <p:nvPr/>
+        </p:nvSpPr>
+        <p:spPr>
+          <a:xfrm>
+            <a:off x="11087806" y="6196232"/>
+            <a:ext cx="814873" cy="323165"/>
+          </a:xfrm>
+          <a:prstGeom prst="rect">
+            <a:avLst/>
+          </a:prstGeom>
+          <a:noFill/>
+        </p:spPr>
+        <p:txBody>
+          <a:bodyPr wrap="square">
+            <a:spAutoFit/>
+          </a:bodyPr>
+          <a:lstStyle/>
+          <a:p>
+            <a:r>
+              <a:rPr lang="en-AU" sz="1500" b="0" dirty="0">
+                <a:effectLst/>
+                <a:latin typeface="Consolas" panose="020B0609020204030204" pitchFamily="49" charset="0"/>
+              </a:rPr>
+              <a:t>After</a:t>
+            </a:r>
+          </a:p>
+        </p:txBody>
+      </p:sp>
+      <p:sp>
+        <p:nvSpPr>
+          <p:cNvPr id="25" name="TextBox 24">
+            <a:extLst>
+              <a:ext uri="{FF2B5EF4-FFF2-40B4-BE49-F238E27FC236}">
+                <a16:creationId xmlns:a16="http://schemas.microsoft.com/office/drawing/2014/main" id="{43AE9E28-B0AA-4397-BD95-059659E61C7A}"/>
+              </a:ext>
+            </a:extLst>
+          </p:cNvPr>
+          <p:cNvSpPr txBox="1"/>
+          <p:nvPr/>
+        </p:nvSpPr>
+        <p:spPr>
+          <a:xfrm>
+            <a:off x="375627" y="2113515"/>
+            <a:ext cx="2014282" cy="1815882"/>
+          </a:xfrm>
+          <a:prstGeom prst="rect">
+            <a:avLst/>
+          </a:prstGeom>
+          <a:noFill/>
+        </p:spPr>
+        <p:txBody>
+          <a:bodyPr wrap="square" rtlCol="0">
+            <a:spAutoFit/>
+          </a:bodyPr>
+          <a:lstStyle/>
+          <a:p>
+            <a:pPr marL="342900" indent="-342900">
+              <a:buFont typeface="+mj-lt"/>
+              <a:buAutoNum type="arabicPeriod"/>
+            </a:pPr>
+            <a:r>
+              <a:rPr lang="en-AU" sz="1400" dirty="0"/>
+              <a:t>Drop rows that contains no sales record</a:t>
+            </a:r>
+          </a:p>
+          <a:p>
+            <a:pPr marL="342900" indent="-342900">
+              <a:buFont typeface="+mj-lt"/>
+              <a:buAutoNum type="arabicPeriod"/>
+            </a:pPr>
+            <a:r>
+              <a:rPr lang="en-AU" sz="1400" dirty="0"/>
+              <a:t>Drop unwanted columns</a:t>
+            </a:r>
+          </a:p>
+          <a:p>
+            <a:pPr marL="342900" indent="-342900">
+              <a:buFont typeface="+mj-lt"/>
+              <a:buAutoNum type="arabicPeriod"/>
+            </a:pPr>
+            <a:r>
+              <a:rPr lang="en-AU" sz="1400" dirty="0"/>
+              <a:t>Rename column names for easier recognition</a:t>
+            </a:r>
+          </a:p>
+        </p:txBody>
+      </p:sp>
+    </p:spTree>
+    <p:extLst>
+      <p:ext uri="{BB962C8B-B14F-4D97-AF65-F5344CB8AC3E}">
+        <p14:creationId xmlns:p14="http://schemas.microsoft.com/office/powerpoint/2010/main" val="381745583"/>
+      </p:ext>
+    </p:extLst>
+  </p:cSld>
+  <p:clrMapOvr>
+    <a:masterClrMapping/>
+  </p:clrMapOvr>
+</p:sld>
+</file>
+
+<file path=ppt/slides/slide6.xml><?xml version="1.0" encoding="utf-8"?>
+<p:sld xmlns:a="http://schemas.openxmlformats.org/drawingml/2006/main" xmlns:r="http://schemas.openxmlformats.org/officeDocument/2006/relationships" xmlns:p="http://schemas.openxmlformats.org/presentationml/2006/main">
+  <p:cSld>
+    <p:spTree>
+      <p:nvGrpSpPr>
+        <p:cNvPr id="1" name=""/>
+        <p:cNvGrpSpPr/>
+        <p:nvPr/>
+      </p:nvGrpSpPr>
+      <p:grpSpPr>
+        <a:xfrm>
+          <a:off x="0" y="0"/>
+          <a:ext cx="0" cy="0"/>
+          <a:chOff x="0" y="0"/>
+          <a:chExt cx="0" cy="0"/>
+        </a:xfrm>
+      </p:grpSpPr>
+      <p:sp>
+        <p:nvSpPr>
+          <p:cNvPr id="2" name="Title 1">
+            <a:extLst>
+              <a:ext uri="{FF2B5EF4-FFF2-40B4-BE49-F238E27FC236}">
+                <a16:creationId xmlns:a16="http://schemas.microsoft.com/office/drawing/2014/main" id="{92FCA26F-32DE-4CEF-BC56-6B26C7EA162A}"/>
+              </a:ext>
+            </a:extLst>
+          </p:cNvPr>
+          <p:cNvSpPr>
+            <a:spLocks noGrp="1"/>
+          </p:cNvSpPr>
+          <p:nvPr>
+            <p:ph type="title"/>
+          </p:nvPr>
+        </p:nvSpPr>
+        <p:spPr>
+          <a:xfrm>
+            <a:off x="1066800" y="642594"/>
+            <a:ext cx="4862945" cy="1371600"/>
+          </a:xfrm>
+        </p:spPr>
+        <p:txBody>
+          <a:bodyPr/>
+          <a:lstStyle/>
+          <a:p>
+            <a:r>
+              <a:rPr lang="en-US" dirty="0"/>
+              <a:t>Data used for analysis</a:t>
+            </a:r>
+            <a:endParaRPr lang="en-AU" dirty="0"/>
+          </a:p>
+        </p:txBody>
+      </p:sp>
+      <p:sp>
+        <p:nvSpPr>
+          <p:cNvPr id="3" name="TextBox 2">
+            <a:extLst>
+              <a:ext uri="{FF2B5EF4-FFF2-40B4-BE49-F238E27FC236}">
+                <a16:creationId xmlns:a16="http://schemas.microsoft.com/office/drawing/2014/main" id="{37CC6B81-93BD-4849-8D9B-F72F76511BE8}"/>
+              </a:ext>
+            </a:extLst>
+          </p:cNvPr>
+          <p:cNvSpPr txBox="1"/>
+          <p:nvPr/>
+        </p:nvSpPr>
+        <p:spPr>
+          <a:xfrm>
+            <a:off x="954579" y="2657123"/>
+            <a:ext cx="10133214" cy="1169551"/>
+          </a:xfrm>
+          <a:prstGeom prst="rect">
+            <a:avLst/>
+          </a:prstGeom>
+          <a:noFill/>
+        </p:spPr>
+        <p:txBody>
+          <a:bodyPr wrap="square" rtlCol="0">
+            <a:spAutoFit/>
+          </a:bodyPr>
+          <a:lstStyle/>
+          <a:p>
+            <a:pPr marL="342900" indent="-342900">
+              <a:buFont typeface="+mj-lt"/>
+              <a:buAutoNum type="arabicPeriod"/>
+            </a:pPr>
+            <a:endParaRPr lang="en-AU" sz="1400" dirty="0"/>
+          </a:p>
+          <a:p>
+            <a:pPr marL="342900" indent="-342900">
+              <a:buAutoNum type="arabicPeriod"/>
+            </a:pPr>
+            <a:r>
+              <a:rPr lang="en-AU" sz="1400" dirty="0"/>
+              <a:t>House sales record from 2016 – 2018 that covers over 30,000 record and 345 suburbs – from Kaggle</a:t>
+            </a:r>
+          </a:p>
+          <a:p>
+            <a:pPr marL="342900" indent="-342900">
+              <a:buFontTx/>
+              <a:buAutoNum type="arabicPeriod"/>
+            </a:pPr>
+            <a:r>
+              <a:rPr lang="en-AU" sz="1400" dirty="0"/>
+              <a:t>List of all the schools in Melbourne – no school rating – from Victoria Government website </a:t>
+            </a:r>
+          </a:p>
+          <a:p>
+            <a:pPr marL="342900" indent="-342900">
+              <a:buFontTx/>
+              <a:buAutoNum type="arabicPeriod"/>
+            </a:pPr>
+            <a:r>
+              <a:rPr lang="en-AU" sz="1400" dirty="0"/>
+              <a:t>Crime rate data – Victoria Government website </a:t>
+            </a:r>
+          </a:p>
+          <a:p>
+            <a:pPr marL="342900" indent="-342900">
+              <a:buAutoNum type="arabicPeriod"/>
+            </a:pPr>
+            <a:r>
+              <a:rPr lang="en-AU" sz="1400" dirty="0"/>
+              <a:t>Latitude, Longitude of </a:t>
+            </a:r>
+            <a:r>
+              <a:rPr lang="en-AU" sz="1400" dirty="0" err="1"/>
+              <a:t>center</a:t>
+            </a:r>
+            <a:r>
+              <a:rPr lang="en-AU" sz="1400" dirty="0"/>
+              <a:t> of suburbs and surrounding train stations – Google API call</a:t>
+            </a:r>
+          </a:p>
+        </p:txBody>
+      </p:sp>
+      <p:pic>
+        <p:nvPicPr>
+          <p:cNvPr id="2052" name="Picture 4" descr="Useful Business Information Provided through Production Data  ReportsProduction Data">
+            <a:extLst>
+              <a:ext uri="{FF2B5EF4-FFF2-40B4-BE49-F238E27FC236}">
+                <a16:creationId xmlns:a16="http://schemas.microsoft.com/office/drawing/2014/main" id="{ACE9E91F-0D05-43E8-9431-DBAFF8020216}"/>
+              </a:ext>
+            </a:extLst>
+          </p:cNvPr>
+          <p:cNvPicPr>
+            <a:picLocks noChangeAspect="1" noChangeArrowheads="1"/>
+          </p:cNvPicPr>
+          <p:nvPr/>
+        </p:nvPicPr>
+        <p:blipFill>
+          <a:blip r:embed="rId2">
+            <a:extLst>
+              <a:ext uri="{28A0092B-C50C-407E-A947-70E740481C1C}">
+                <a14:useLocalDpi xmlns:a14="http://schemas.microsoft.com/office/drawing/2010/main" val="0"/>
+              </a:ext>
+            </a:extLst>
+          </a:blip>
+          <a:srcRect/>
+          <a:stretch>
+            <a:fillRect/>
+          </a:stretch>
+        </p:blipFill>
+        <p:spPr bwMode="auto">
+          <a:xfrm>
+            <a:off x="6038895" y="642594"/>
+            <a:ext cx="5467392" cy="2114461"/>
+          </a:xfrm>
+          <a:prstGeom prst="rect">
+            <a:avLst/>
+          </a:prstGeom>
+          <a:noFill/>
+          <a:extLst>
+            <a:ext uri="{909E8E84-426E-40DD-AFC4-6F175D3DCCD1}">
+              <a14:hiddenFill xmlns:a14="http://schemas.microsoft.com/office/drawing/2010/main">
+                <a:solidFill>
+                  <a:srgbClr val="FFFFFF"/>
+                </a:solidFill>
+              </a14:hiddenFill>
+            </a:ext>
+          </a:extLst>
+        </p:spPr>
+      </p:pic>
+    </p:spTree>
+    <p:extLst>
+      <p:ext uri="{BB962C8B-B14F-4D97-AF65-F5344CB8AC3E}">
+        <p14:creationId xmlns:p14="http://schemas.microsoft.com/office/powerpoint/2010/main" val="2692899491"/>
+      </p:ext>
+    </p:extLst>
+  </p:cSld>
+  <p:clrMapOvr>
+    <a:masterClrMapping/>
+  </p:clrMapOvr>
+</p:sld>
+</file>
+
+<file path=ppt/slides/slide7.xml><?xml version="1.0" encoding="utf-8"?>
+<p:sld xmlns:a="http://schemas.openxmlformats.org/drawingml/2006/main" xmlns:r="http://schemas.openxmlformats.org/officeDocument/2006/relationships" xmlns:p="http://schemas.openxmlformats.org/presentationml/2006/main">
+  <p:cSld>
+    <p:spTree>
+      <p:nvGrpSpPr>
+        <p:cNvPr id="1" name=""/>
+        <p:cNvGrpSpPr/>
+        <p:nvPr/>
+      </p:nvGrpSpPr>
+      <p:grpSpPr>
+        <a:xfrm>
+          <a:off x="0" y="0"/>
+          <a:ext cx="0" cy="0"/>
+          <a:chOff x="0" y="0"/>
+          <a:chExt cx="0" cy="0"/>
+        </a:xfrm>
+      </p:grpSpPr>
+      <p:sp>
+        <p:nvSpPr>
+          <p:cNvPr id="2" name="Title 1">
+            <a:extLst>
+              <a:ext uri="{FF2B5EF4-FFF2-40B4-BE49-F238E27FC236}">
+                <a16:creationId xmlns:a16="http://schemas.microsoft.com/office/drawing/2014/main" id="{9BDB6C41-5248-4287-B42B-C3EAC5E82658}"/>
+              </a:ext>
+            </a:extLst>
+          </p:cNvPr>
+          <p:cNvSpPr>
+            <a:spLocks noGrp="1"/>
+          </p:cNvSpPr>
+          <p:nvPr>
+            <p:ph type="title"/>
+          </p:nvPr>
+        </p:nvSpPr>
+        <p:spPr>
+          <a:xfrm>
+            <a:off x="1629156" y="1413864"/>
+            <a:ext cx="8933688" cy="2406895"/>
+          </a:xfrm>
+        </p:spPr>
+        <p:txBody>
+          <a:bodyPr/>
+          <a:lstStyle/>
+          <a:p>
+            <a:r>
+              <a:rPr lang="en-AU" dirty="0" err="1"/>
+              <a:t>HypothesIs</a:t>
+            </a:r>
+            <a:r>
+              <a:rPr lang="en-AU" dirty="0"/>
+              <a:t> 1:</a:t>
+            </a:r>
+          </a:p>
+        </p:txBody>
+      </p:sp>
+      <p:sp>
+        <p:nvSpPr>
+          <p:cNvPr id="3" name="Text Placeholder 2">
+            <a:extLst>
+              <a:ext uri="{FF2B5EF4-FFF2-40B4-BE49-F238E27FC236}">
+                <a16:creationId xmlns:a16="http://schemas.microsoft.com/office/drawing/2014/main" id="{8E1A89B5-B78D-4EEE-B5BB-E07AE435DF87}"/>
+              </a:ext>
+            </a:extLst>
+          </p:cNvPr>
+          <p:cNvSpPr>
+            <a:spLocks noGrp="1"/>
+          </p:cNvSpPr>
+          <p:nvPr>
+            <p:ph type="body" idx="1"/>
+          </p:nvPr>
+        </p:nvSpPr>
+        <p:spPr>
+          <a:xfrm>
+            <a:off x="1623060" y="3071537"/>
+            <a:ext cx="8939784" cy="457200"/>
+          </a:xfrm>
+        </p:spPr>
+        <p:txBody>
+          <a:bodyPr>
+            <a:noAutofit/>
+          </a:bodyPr>
+          <a:lstStyle/>
+          <a:p>
+            <a:pPr marL="0" indent="0">
+              <a:buNone/>
+            </a:pPr>
+            <a:r>
+              <a:rPr lang="en-US" sz="3200" dirty="0"/>
+              <a:t>A</a:t>
+            </a:r>
+            <a:r>
+              <a:rPr lang="en-US" sz="3200" b="0" i="0" dirty="0">
+                <a:effectLst/>
+              </a:rPr>
+              <a:t> positive relationship between the house price and the number of train station surrounding the suburb</a:t>
+            </a:r>
+          </a:p>
+        </p:txBody>
+      </p:sp>
+    </p:spTree>
+    <p:extLst>
+      <p:ext uri="{BB962C8B-B14F-4D97-AF65-F5344CB8AC3E}">
+        <p14:creationId xmlns:p14="http://schemas.microsoft.com/office/powerpoint/2010/main" val="3154856830"/>
+      </p:ext>
+    </p:extLst>
+  </p:cSld>
+  <p:clrMapOvr>
+    <a:masterClrMapping/>
+  </p:clrMapOvr>
+</p:sld>
+</file>
+
+<file path=ppt/slides/slide8.xml><?xml version="1.0" encoding="utf-8"?>
+<p:sld xmlns:a="http://schemas.openxmlformats.org/drawingml/2006/main" xmlns:r="http://schemas.openxmlformats.org/officeDocument/2006/relationships" xmlns:p="http://schemas.openxmlformats.org/presentationml/2006/main">
+  <p:cSld>
+    <p:spTree>
+      <p:nvGrpSpPr>
+        <p:cNvPr id="1" name=""/>
+        <p:cNvGrpSpPr/>
+        <p:nvPr/>
+      </p:nvGrpSpPr>
+      <p:grpSpPr>
+        <a:xfrm>
+          <a:off x="0" y="0"/>
+          <a:ext cx="0" cy="0"/>
+          <a:chOff x="0" y="0"/>
+          <a:chExt cx="0" cy="0"/>
+        </a:xfrm>
+      </p:grpSpPr>
+      <p:sp>
+        <p:nvSpPr>
+          <p:cNvPr id="2" name="Title 1">
+            <a:extLst>
+              <a:ext uri="{FF2B5EF4-FFF2-40B4-BE49-F238E27FC236}">
+                <a16:creationId xmlns:a16="http://schemas.microsoft.com/office/drawing/2014/main" id="{F04C167C-69CE-45D5-9ED0-D796A7B1EF26}"/>
+              </a:ext>
+            </a:extLst>
+          </p:cNvPr>
+          <p:cNvSpPr>
+            <a:spLocks noGrp="1"/>
+          </p:cNvSpPr>
+          <p:nvPr>
+            <p:ph type="title"/>
+          </p:nvPr>
+        </p:nvSpPr>
+        <p:spPr/>
+        <p:txBody>
+          <a:bodyPr>
+            <a:normAutofit/>
+          </a:bodyPr>
+          <a:lstStyle/>
+          <a:p>
+            <a:r>
+              <a:rPr lang="en-US" dirty="0"/>
+              <a:t>Collect Data via Google API call</a:t>
+            </a:r>
+            <a:endParaRPr lang="en-AU" dirty="0"/>
+          </a:p>
+        </p:txBody>
+      </p:sp>
+      <p:pic>
+        <p:nvPicPr>
+          <p:cNvPr id="5" name="Content Placeholder 4">
+            <a:extLst>
+              <a:ext uri="{FF2B5EF4-FFF2-40B4-BE49-F238E27FC236}">
+                <a16:creationId xmlns:a16="http://schemas.microsoft.com/office/drawing/2014/main" id="{88D450A0-F80E-4904-804A-93762321852D}"/>
+              </a:ext>
+            </a:extLst>
+          </p:cNvPr>
+          <p:cNvPicPr>
+            <a:picLocks noGrp="1" noChangeAspect="1"/>
+          </p:cNvPicPr>
+          <p:nvPr>
+            <p:ph sz="half" idx="1"/>
+          </p:nvPr>
+        </p:nvPicPr>
+        <p:blipFill>
+          <a:blip r:embed="rId2"/>
+          <a:stretch>
+            <a:fillRect/>
+          </a:stretch>
+        </p:blipFill>
+        <p:spPr>
+          <a:xfrm>
+            <a:off x="1392383" y="2103438"/>
+            <a:ext cx="3633684" cy="4184834"/>
+          </a:xfrm>
+          <a:prstGeom prst="rect">
+            <a:avLst/>
+          </a:prstGeom>
+        </p:spPr>
+      </p:pic>
+      <p:pic>
+        <p:nvPicPr>
+          <p:cNvPr id="6" name="Content Placeholder 5">
+            <a:extLst>
+              <a:ext uri="{FF2B5EF4-FFF2-40B4-BE49-F238E27FC236}">
+                <a16:creationId xmlns:a16="http://schemas.microsoft.com/office/drawing/2014/main" id="{275B83DF-4C55-433D-BE06-BC4C6B5A8A12}"/>
+              </a:ext>
+            </a:extLst>
+          </p:cNvPr>
+          <p:cNvPicPr>
+            <a:picLocks noGrp="1" noChangeAspect="1"/>
+          </p:cNvPicPr>
+          <p:nvPr>
+            <p:ph sz="half" idx="2"/>
+          </p:nvPr>
+        </p:nvPicPr>
+        <p:blipFill>
+          <a:blip r:embed="rId3"/>
+          <a:stretch>
+            <a:fillRect/>
+          </a:stretch>
+        </p:blipFill>
+        <p:spPr>
+          <a:xfrm>
+            <a:off x="7062117" y="2103438"/>
+            <a:ext cx="3918261" cy="4241944"/>
+          </a:xfrm>
+          <a:prstGeom prst="rect">
+            <a:avLst/>
+          </a:prstGeom>
+        </p:spPr>
+      </p:pic>
+    </p:spTree>
+    <p:extLst>
+      <p:ext uri="{BB962C8B-B14F-4D97-AF65-F5344CB8AC3E}">
+        <p14:creationId xmlns:p14="http://schemas.microsoft.com/office/powerpoint/2010/main" val="1591721182"/>
+      </p:ext>
+    </p:extLst>
+  </p:cSld>
+  <p:clrMapOvr>
+    <a:masterClrMapping/>
+  </p:clrMapOvr>
+</p:sld>
+</file>
+
+<file path=ppt/slides/slide9.xml><?xml version="1.0" encoding="utf-8"?>
+<p:sld xmlns:a="http://schemas.openxmlformats.org/drawingml/2006/main" xmlns:r="http://schemas.openxmlformats.org/officeDocument/2006/relationships" xmlns:p="http://schemas.openxmlformats.org/presentationml/2006/main">
+  <p:cSld>
+    <p:spTree>
+      <p:nvGrpSpPr>
+        <p:cNvPr id="1" name=""/>
+        <p:cNvGrpSpPr/>
+        <p:nvPr/>
+      </p:nvGrpSpPr>
+      <p:grpSpPr>
+        <a:xfrm>
+          <a:off x="0" y="0"/>
+          <a:ext cx="0" cy="0"/>
+          <a:chOff x="0" y="0"/>
+          <a:chExt cx="0" cy="0"/>
+        </a:xfrm>
+      </p:grpSpPr>
+      <p:sp>
+        <p:nvSpPr>
+          <p:cNvPr id="2" name="Title 1">
+            <a:extLst>
+              <a:ext uri="{FF2B5EF4-FFF2-40B4-BE49-F238E27FC236}">
+                <a16:creationId xmlns:a16="http://schemas.microsoft.com/office/drawing/2014/main" id="{FA9E030C-B723-4801-A17B-B8A8D937A2B2}"/>
+              </a:ext>
+            </a:extLst>
+          </p:cNvPr>
+          <p:cNvSpPr>
+            <a:spLocks noGrp="1"/>
+          </p:cNvSpPr>
+          <p:nvPr>
+            <p:ph type="title"/>
+          </p:nvPr>
+        </p:nvSpPr>
+        <p:spPr/>
+        <p:txBody>
+          <a:bodyPr>
+            <a:normAutofit fontScale="90000"/>
+          </a:bodyPr>
+          <a:lstStyle/>
+          <a:p>
+            <a:r>
+              <a:rPr lang="en-US" dirty="0">
+                <a:latin typeface="Amasis MT Pro Black" panose="020B0604020202020204" pitchFamily="18" charset="0"/>
+              </a:rPr>
+              <a:t>Conclusion based on this analysis</a:t>
+            </a:r>
+            <a:r>
+              <a:rPr lang="en-US" dirty="0"/>
+              <a:t>: </a:t>
+            </a:r>
+            <a:br>
+              <a:rPr lang="en-US" dirty="0"/>
+            </a:br>
+            <a:r>
+              <a:rPr lang="en-US" dirty="0"/>
+              <a:t>House price and number of train stations surrounding have a </a:t>
+            </a:r>
+            <a:r>
+              <a:rPr lang="en-US" b="1" dirty="0"/>
+              <a:t>positive</a:t>
+            </a:r>
+            <a:r>
+              <a:rPr lang="en-US" dirty="0"/>
+              <a:t> relationship</a:t>
+            </a:r>
+            <a:endParaRPr lang="en-AU" dirty="0"/>
+          </a:p>
+        </p:txBody>
+      </p:sp>
+      <p:pic>
+        <p:nvPicPr>
+          <p:cNvPr id="5" name="Content Placeholder 4" descr="Chart, scatter chart&#10;&#10;Description automatically generated">
+            <a:extLst>
+              <a:ext uri="{FF2B5EF4-FFF2-40B4-BE49-F238E27FC236}">
+                <a16:creationId xmlns:a16="http://schemas.microsoft.com/office/drawing/2014/main" id="{A1C6BD00-4A0D-4F77-BC2A-0582E89DB881}"/>
+              </a:ext>
+            </a:extLst>
+          </p:cNvPr>
+          <p:cNvPicPr>
+            <a:picLocks noGrp="1" noChangeAspect="1"/>
+          </p:cNvPicPr>
+          <p:nvPr>
+            <p:ph sz="half" idx="1"/>
+          </p:nvPr>
+        </p:nvPicPr>
+        <p:blipFill>
+          <a:blip r:embed="rId2">
+            <a:extLst>
+              <a:ext uri="{28A0092B-C50C-407E-A947-70E740481C1C}">
+                <a14:useLocalDpi xmlns:a14="http://schemas.microsoft.com/office/drawing/2010/main" val="0"/>
+              </a:ext>
+            </a:extLst>
+          </a:blip>
+          <a:stretch>
+            <a:fillRect/>
+          </a:stretch>
+        </p:blipFill>
+        <p:spPr>
+          <a:xfrm>
+            <a:off x="1066800" y="2422790"/>
+            <a:ext cx="4664075" cy="3109383"/>
+          </a:xfrm>
+        </p:spPr>
+      </p:pic>
+      <p:pic>
+        <p:nvPicPr>
+          <p:cNvPr id="6" name="Content Placeholder 5">
+            <a:extLst>
+              <a:ext uri="{FF2B5EF4-FFF2-40B4-BE49-F238E27FC236}">
+                <a16:creationId xmlns:a16="http://schemas.microsoft.com/office/drawing/2014/main" id="{43975293-2A89-40BF-98D1-B67643F9AEF3}"/>
+              </a:ext>
+            </a:extLst>
+          </p:cNvPr>
+          <p:cNvPicPr>
+            <a:picLocks noGrp="1" noChangeAspect="1"/>
+          </p:cNvPicPr>
+          <p:nvPr>
+            <p:ph sz="half" idx="2"/>
+          </p:nvPr>
+        </p:nvPicPr>
+        <p:blipFill>
+          <a:blip r:embed="rId3"/>
+          <a:stretch>
+            <a:fillRect/>
+          </a:stretch>
+        </p:blipFill>
+        <p:spPr>
+          <a:xfrm>
+            <a:off x="5884185" y="3491345"/>
+            <a:ext cx="5241016" cy="875857"/>
+          </a:xfrm>
+          <a:prstGeom prst="rect">
+            <a:avLst/>
+          </a:prstGeom>
+        </p:spPr>
+      </p:pic>
+    </p:spTree>
+    <p:extLst>
+      <p:ext uri="{BB962C8B-B14F-4D97-AF65-F5344CB8AC3E}">
+        <p14:creationId xmlns:p14="http://schemas.microsoft.com/office/powerpoint/2010/main" val="1020550395"/>
       </p:ext>
     </p:extLst>
   </p:cSld>
@@ -11444,25 +18340,302 @@
 </a:theme>
 </file>
 
-<file path=customXml/item1.xml><?xml version="1.0" encoding="utf-8"?>
-<p:properties xmlns:p="http://schemas.microsoft.com/office/2006/metadata/properties" xmlns:xsi="http://www.w3.org/2001/XMLSchema-instance" xmlns:pc="http://schemas.microsoft.com/office/infopath/2007/PartnerControls">
-  <documentManagement>
-    <Status xmlns="71af3243-3dd4-4a8d-8c0d-dd76da1f02a5">Not started</Status>
-    <MediaServiceKeyPoints xmlns="71af3243-3dd4-4a8d-8c0d-dd76da1f02a5" xsi:nil="true"/>
-  </documentManagement>
-</p:properties>
+<file path=ppt/theme/theme2.xml><?xml version="1.0" encoding="utf-8"?>
+<a:theme xmlns:a="http://schemas.openxmlformats.org/drawingml/2006/main" name="Office Theme">
+  <a:themeElements>
+    <a:clrScheme name="Office">
+      <a:dk1>
+        <a:sysClr val="windowText" lastClr="000000"/>
+      </a:dk1>
+      <a:lt1>
+        <a:sysClr val="window" lastClr="FFFFFF"/>
+      </a:lt1>
+      <a:dk2>
+        <a:srgbClr val="44546A"/>
+      </a:dk2>
+      <a:lt2>
+        <a:srgbClr val="E7E6E6"/>
+      </a:lt2>
+      <a:accent1>
+        <a:srgbClr val="4472C4"/>
+      </a:accent1>
+      <a:accent2>
+        <a:srgbClr val="ED7D31"/>
+      </a:accent2>
+      <a:accent3>
+        <a:srgbClr val="A5A5A5"/>
+      </a:accent3>
+      <a:accent4>
+        <a:srgbClr val="FFC000"/>
+      </a:accent4>
+      <a:accent5>
+        <a:srgbClr val="5B9BD5"/>
+      </a:accent5>
+      <a:accent6>
+        <a:srgbClr val="70AD47"/>
+      </a:accent6>
+      <a:hlink>
+        <a:srgbClr val="0563C1"/>
+      </a:hlink>
+      <a:folHlink>
+        <a:srgbClr val="954F72"/>
+      </a:folHlink>
+    </a:clrScheme>
+    <a:fontScheme name="Office">
+      <a:majorFont>
+        <a:latin typeface="Calibri Light" panose="020F0302020204030204"/>
+        <a:ea typeface=""/>
+        <a:cs typeface=""/>
+        <a:font script="Jpan" typeface="游ゴシック Light"/>
+        <a:font script="Hang" typeface="맑은 고딕"/>
+        <a:font script="Hans" typeface="等线 Light"/>
+        <a:font script="Hant" typeface="新細明體"/>
+        <a:font script="Arab" typeface="Times New Roman"/>
+        <a:font script="Hebr" typeface="Times New Roman"/>
+        <a:font script="Thai" typeface="Angsana New"/>
+        <a:font script="Ethi" typeface="Nyala"/>
+        <a:font script="Beng" typeface="Vrinda"/>
+        <a:font script="Gujr" typeface="Shruti"/>
+        <a:font script="Khmr" typeface="MoolBoran"/>
+        <a:font script="Knda" typeface="Tunga"/>
+        <a:font script="Guru" typeface="Raavi"/>
+        <a:font script="Cans" typeface="Euphemia"/>
+        <a:font script="Cher" typeface="Plantagenet Cherokee"/>
+        <a:font script="Yiii" typeface="Microsoft Yi Baiti"/>
+        <a:font script="Tibt" typeface="Microsoft Himalaya"/>
+        <a:font script="Thaa" typeface="MV Boli"/>
+        <a:font script="Deva" typeface="Mangal"/>
+        <a:font script="Telu" typeface="Gautami"/>
+        <a:font script="Taml" typeface="Latha"/>
+        <a:font script="Syrc" typeface="Estrangelo Edessa"/>
+        <a:font script="Orya" typeface="Kalinga"/>
+        <a:font script="Mlym" typeface="Kartika"/>
+        <a:font script="Laoo" typeface="DokChampa"/>
+        <a:font script="Sinh" typeface="Iskoola Pota"/>
+        <a:font script="Mong" typeface="Mongolian Baiti"/>
+        <a:font script="Viet" typeface="Times New Roman"/>
+        <a:font script="Uigh" typeface="Microsoft Uighur"/>
+        <a:font script="Geor" typeface="Sylfaen"/>
+        <a:font script="Armn" typeface="Arial"/>
+        <a:font script="Bugi" typeface="Leelawadee UI"/>
+        <a:font script="Bopo" typeface="Microsoft JhengHei"/>
+        <a:font script="Java" typeface="Javanese Text"/>
+        <a:font script="Lisu" typeface="Segoe UI"/>
+        <a:font script="Mymr" typeface="Myanmar Text"/>
+        <a:font script="Nkoo" typeface="Ebrima"/>
+        <a:font script="Olck" typeface="Nirmala UI"/>
+        <a:font script="Osma" typeface="Ebrima"/>
+        <a:font script="Phag" typeface="Phagspa"/>
+        <a:font script="Syrn" typeface="Estrangelo Edessa"/>
+        <a:font script="Syrj" typeface="Estrangelo Edessa"/>
+        <a:font script="Syre" typeface="Estrangelo Edessa"/>
+        <a:font script="Sora" typeface="Nirmala UI"/>
+        <a:font script="Tale" typeface="Microsoft Tai Le"/>
+        <a:font script="Talu" typeface="Microsoft New Tai Lue"/>
+        <a:font script="Tfng" typeface="Ebrima"/>
+      </a:majorFont>
+      <a:minorFont>
+        <a:latin typeface="Calibri" panose="020F0502020204030204"/>
+        <a:ea typeface=""/>
+        <a:cs typeface=""/>
+        <a:font script="Jpan" typeface="游ゴシック"/>
+        <a:font script="Hang" typeface="맑은 고딕"/>
+        <a:font script="Hans" typeface="等线"/>
+        <a:font script="Hant" typeface="新細明體"/>
+        <a:font script="Arab" typeface="Arial"/>
+        <a:font script="Hebr" typeface="Arial"/>
+        <a:font script="Thai" typeface="Cordia New"/>
+        <a:font script="Ethi" typeface="Nyala"/>
+        <a:font script="Beng" typeface="Vrinda"/>
+        <a:font script="Gujr" typeface="Shruti"/>
+        <a:font script="Khmr" typeface="DaunPenh"/>
+        <a:font script="Knda" typeface="Tunga"/>
+        <a:font script="Guru" typeface="Raavi"/>
+        <a:font script="Cans" typeface="Euphemia"/>
+        <a:font script="Cher" typeface="Plantagenet Cherokee"/>
+        <a:font script="Yiii" typeface="Microsoft Yi Baiti"/>
+        <a:font script="Tibt" typeface="Microsoft Himalaya"/>
+        <a:font script="Thaa" typeface="MV Boli"/>
+        <a:font script="Deva" typeface="Mangal"/>
+        <a:font script="Telu" typeface="Gautami"/>
+        <a:font script="Taml" typeface="Latha"/>
+        <a:font script="Syrc" typeface="Estrangelo Edessa"/>
+        <a:font script="Orya" typeface="Kalinga"/>
+        <a:font script="Mlym" typeface="Kartika"/>
+        <a:font script="Laoo" typeface="DokChampa"/>
+        <a:font script="Sinh" typeface="Iskoola Pota"/>
+        <a:font script="Mong" typeface="Mongolian Baiti"/>
+        <a:font script="Viet" typeface="Arial"/>
+        <a:font script="Uigh" typeface="Microsoft Uighur"/>
+        <a:font script="Geor" typeface="Sylfaen"/>
+        <a:font script="Armn" typeface="Arial"/>
+        <a:font script="Bugi" typeface="Leelawadee UI"/>
+        <a:font script="Bopo" typeface="Microsoft JhengHei"/>
+        <a:font script="Java" typeface="Javanese Text"/>
+        <a:font script="Lisu" typeface="Segoe UI"/>
+        <a:font script="Mymr" typeface="Myanmar Text"/>
+        <a:font script="Nkoo" typeface="Ebrima"/>
+        <a:font script="Olck" typeface="Nirmala UI"/>
+        <a:font script="Osma" typeface="Ebrima"/>
+        <a:font script="Phag" typeface="Phagspa"/>
+        <a:font script="Syrn" typeface="Estrangelo Edessa"/>
+        <a:font script="Syrj" typeface="Estrangelo Edessa"/>
+        <a:font script="Syre" typeface="Estrangelo Edessa"/>
+        <a:font script="Sora" typeface="Nirmala UI"/>
+        <a:font script="Tale" typeface="Microsoft Tai Le"/>
+        <a:font script="Talu" typeface="Microsoft New Tai Lue"/>
+        <a:font script="Tfng" typeface="Ebrima"/>
+      </a:minorFont>
+    </a:fontScheme>
+    <a:fmtScheme name="Office">
+      <a:fillStyleLst>
+        <a:solidFill>
+          <a:schemeClr val="phClr"/>
+        </a:solidFill>
+        <a:gradFill rotWithShape="1">
+          <a:gsLst>
+            <a:gs pos="0">
+              <a:schemeClr val="phClr">
+                <a:lumMod val="110000"/>
+                <a:satMod val="105000"/>
+                <a:tint val="67000"/>
+              </a:schemeClr>
+            </a:gs>
+            <a:gs pos="50000">
+              <a:schemeClr val="phClr">
+                <a:lumMod val="105000"/>
+                <a:satMod val="103000"/>
+                <a:tint val="73000"/>
+              </a:schemeClr>
+            </a:gs>
+            <a:gs pos="100000">
+              <a:schemeClr val="phClr">
+                <a:lumMod val="105000"/>
+                <a:satMod val="109000"/>
+                <a:tint val="81000"/>
+              </a:schemeClr>
+            </a:gs>
+          </a:gsLst>
+          <a:lin ang="5400000" scaled="0"/>
+        </a:gradFill>
+        <a:gradFill rotWithShape="1">
+          <a:gsLst>
+            <a:gs pos="0">
+              <a:schemeClr val="phClr">
+                <a:satMod val="103000"/>
+                <a:lumMod val="102000"/>
+                <a:tint val="94000"/>
+              </a:schemeClr>
+            </a:gs>
+            <a:gs pos="50000">
+              <a:schemeClr val="phClr">
+                <a:satMod val="110000"/>
+                <a:lumMod val="100000"/>
+                <a:shade val="100000"/>
+              </a:schemeClr>
+            </a:gs>
+            <a:gs pos="100000">
+              <a:schemeClr val="phClr">
+                <a:lumMod val="99000"/>
+                <a:satMod val="120000"/>
+                <a:shade val="78000"/>
+              </a:schemeClr>
+            </a:gs>
+          </a:gsLst>
+          <a:lin ang="5400000" scaled="0"/>
+        </a:gradFill>
+      </a:fillStyleLst>
+      <a:lnStyleLst>
+        <a:ln w="6350" cap="flat" cmpd="sng" algn="ctr">
+          <a:solidFill>
+            <a:schemeClr val="phClr"/>
+          </a:solidFill>
+          <a:prstDash val="solid"/>
+          <a:miter lim="800000"/>
+        </a:ln>
+        <a:ln w="12700" cap="flat" cmpd="sng" algn="ctr">
+          <a:solidFill>
+            <a:schemeClr val="phClr"/>
+          </a:solidFill>
+          <a:prstDash val="solid"/>
+          <a:miter lim="800000"/>
+        </a:ln>
+        <a:ln w="19050" cap="flat" cmpd="sng" algn="ctr">
+          <a:solidFill>
+            <a:schemeClr val="phClr"/>
+          </a:solidFill>
+          <a:prstDash val="solid"/>
+          <a:miter lim="800000"/>
+        </a:ln>
+      </a:lnStyleLst>
+      <a:effectStyleLst>
+        <a:effectStyle>
+          <a:effectLst/>
+        </a:effectStyle>
+        <a:effectStyle>
+          <a:effectLst/>
+        </a:effectStyle>
+        <a:effectStyle>
+          <a:effectLst>
+            <a:outerShdw blurRad="57150" dist="19050" dir="5400000" algn="ctr" rotWithShape="0">
+              <a:srgbClr val="000000">
+                <a:alpha val="63000"/>
+              </a:srgbClr>
+            </a:outerShdw>
+          </a:effectLst>
+        </a:effectStyle>
+      </a:effectStyleLst>
+      <a:bgFillStyleLst>
+        <a:solidFill>
+          <a:schemeClr val="phClr"/>
+        </a:solidFill>
+        <a:solidFill>
+          <a:schemeClr val="phClr">
+            <a:tint val="95000"/>
+            <a:satMod val="170000"/>
+          </a:schemeClr>
+        </a:solidFill>
+        <a:gradFill rotWithShape="1">
+          <a:gsLst>
+            <a:gs pos="0">
+              <a:schemeClr val="phClr">
+                <a:tint val="93000"/>
+                <a:satMod val="150000"/>
+                <a:shade val="98000"/>
+                <a:lumMod val="102000"/>
+              </a:schemeClr>
+            </a:gs>
+            <a:gs pos="50000">
+              <a:schemeClr val="phClr">
+                <a:tint val="98000"/>
+                <a:satMod val="130000"/>
+                <a:shade val="90000"/>
+                <a:lumMod val="103000"/>
+              </a:schemeClr>
+            </a:gs>
+            <a:gs pos="100000">
+              <a:schemeClr val="phClr">
+                <a:shade val="63000"/>
+                <a:satMod val="120000"/>
+              </a:schemeClr>
+            </a:gs>
+          </a:gsLst>
+          <a:lin ang="5400000" scaled="0"/>
+        </a:gradFill>
+      </a:bgFillStyleLst>
+    </a:fmtScheme>
+  </a:themeElements>
+  <a:objectDefaults/>
+  <a:extraClrSchemeLst/>
+  <a:extLst>
+    <a:ext uri="{05A4C25C-085E-4340-85A3-A5531E510DB2}">
+      <thm15:themeFamily xmlns:thm15="http://schemas.microsoft.com/office/thememl/2012/main" name="Office Theme" id="{62F939B6-93AF-4DB8-9C6B-D6C7DFDC589F}" vid="{4A3C46E8-61CC-4603-A589-7422A47A8E4A}"/>
+    </a:ext>
+  </a:extLst>
+</a:theme>
 </file>
 
-<file path=customXml/item2.xml><?xml version="1.0" encoding="utf-8"?>
-<?mso-contentType ?>
-<FormTemplates xmlns="http://schemas.microsoft.com/sharepoint/v3/contenttype/forms">
-  <Display>DocumentLibraryForm</Display>
-  <Edit>DocumentLibraryForm</Edit>
-  <New>DocumentLibraryForm</New>
-</FormTemplates>
-</file>
-
-<file path=customXml/item3.xml><?xml version="1.0" encoding="utf-8"?>
+<file path=customXml/item1.xml><?xml version="1.0" encoding="utf-8"?>
 <ct:contentTypeSchema xmlns:ct="http://schemas.microsoft.com/office/2006/metadata/contentType" xmlns:ma="http://schemas.microsoft.com/office/2006/metadata/properties/metaAttributes" ct:_="" ma:_="" ma:contentTypeName="Document" ma:contentTypeID="0x01010079F111ED35F8CC479449609E8A0923A6" ma:contentTypeVersion="12" ma:contentTypeDescription="Create a new document." ma:contentTypeScope="" ma:versionID="a410dd7f93c95333ffa1b60ed6adedd1">
   <xsd:schema xmlns:xsd="http://www.w3.org/2001/XMLSchema" xmlns:xs="http://www.w3.org/2001/XMLSchema" xmlns:p="http://schemas.microsoft.com/office/2006/metadata/properties" xmlns:ns2="71af3243-3dd4-4a8d-8c0d-dd76da1f02a5" xmlns:ns3="16c05727-aa75-4e4a-9b5f-8a80a1165891" targetNamespace="http://schemas.microsoft.com/office/2006/metadata/properties" ma:root="true" ma:fieldsID="a936d9baba76aa3866493feff160faab" ns2:_="" ns3:_="">
     <xsd:import namespace="71af3243-3dd4-4a8d-8c0d-dd76da1f02a5"/>
@@ -11683,25 +18856,25 @@
 </ct:contentTypeSchema>
 </file>
 
-<file path=customXml/itemProps1.xml><?xml version="1.0" encoding="utf-8"?>
-<ds:datastoreItem xmlns:ds="http://schemas.openxmlformats.org/officeDocument/2006/customXml" ds:itemID="{137651BA-F45C-4845-9AB3-E0A65B39F5E1}">
-  <ds:schemaRefs>
-    <ds:schemaRef ds:uri="http://schemas.microsoft.com/office/2006/metadata/properties"/>
-    <ds:schemaRef ds:uri="http://schemas.microsoft.com/office/infopath/2007/PartnerControls"/>
-    <ds:schemaRef ds:uri="71af3243-3dd4-4a8d-8c0d-dd76da1f02a5"/>
-  </ds:schemaRefs>
-</ds:datastoreItem>
+<file path=customXml/item2.xml><?xml version="1.0" encoding="utf-8"?>
+<?mso-contentType ?>
+<FormTemplates xmlns="http://schemas.microsoft.com/sharepoint/v3/contenttype/forms">
+  <Display>DocumentLibraryForm</Display>
+  <Edit>DocumentLibraryForm</Edit>
+  <New>DocumentLibraryForm</New>
+</FormTemplates>
 </file>
 
-<file path=customXml/itemProps2.xml><?xml version="1.0" encoding="utf-8"?>
-<ds:datastoreItem xmlns:ds="http://schemas.openxmlformats.org/officeDocument/2006/customXml" ds:itemID="{CDB58277-F8DF-46FF-84EC-EF41B835E69F}">
-  <ds:schemaRefs>
-    <ds:schemaRef ds:uri="http://schemas.microsoft.com/sharepoint/v3/contenttype/forms"/>
-  </ds:schemaRefs>
-</ds:datastoreItem>
+<file path=customXml/item3.xml><?xml version="1.0" encoding="utf-8"?>
+<p:properties xmlns:p="http://schemas.microsoft.com/office/2006/metadata/properties" xmlns:xsi="http://www.w3.org/2001/XMLSchema-instance" xmlns:pc="http://schemas.microsoft.com/office/infopath/2007/PartnerControls">
+  <documentManagement>
+    <Status xmlns="71af3243-3dd4-4a8d-8c0d-dd76da1f02a5">Not started</Status>
+    <MediaServiceKeyPoints xmlns="71af3243-3dd4-4a8d-8c0d-dd76da1f02a5" xsi:nil="true"/>
+  </documentManagement>
+</p:properties>
 </file>
 
-<file path=customXml/itemProps3.xml><?xml version="1.0" encoding="utf-8"?>
+<file path=customXml/itemProps1.xml><?xml version="1.0" encoding="utf-8"?>
 <ds:datastoreItem xmlns:ds="http://schemas.openxmlformats.org/officeDocument/2006/customXml" ds:itemID="{2D276E62-80A3-44DD-9BCC-97ED2B99B57F}">
   <ds:schemaRefs>
     <ds:schemaRef ds:uri="http://schemas.microsoft.com/office/2006/metadata/contentType"/>
@@ -11718,4 +18891,22 @@
     <ds:schemaRef ds:uri="http://schemas.microsoft.com/internal/obd"/>
   </ds:schemaRefs>
 </ds:datastoreItem>
+</file>
+
+<file path=customXml/itemProps2.xml><?xml version="1.0" encoding="utf-8"?>
+<ds:datastoreItem xmlns:ds="http://schemas.openxmlformats.org/officeDocument/2006/customXml" ds:itemID="{CDB58277-F8DF-46FF-84EC-EF41B835E69F}">
+  <ds:schemaRefs>
+    <ds:schemaRef ds:uri="http://schemas.microsoft.com/sharepoint/v3/contenttype/forms"/>
+  </ds:schemaRefs>
+</ds:datastoreItem>
+</file>
+
+<file path=customXml/itemProps3.xml><?xml version="1.0" encoding="utf-8"?>
+<ds:datastoreItem xmlns:ds="http://schemas.openxmlformats.org/officeDocument/2006/customXml" ds:itemID="{137651BA-F45C-4845-9AB3-E0A65B39F5E1}">
+  <ds:schemaRefs>
+    <ds:schemaRef ds:uri="http://schemas.microsoft.com/office/2006/metadata/properties"/>
+    <ds:schemaRef ds:uri="http://schemas.microsoft.com/office/infopath/2007/PartnerControls"/>
+    <ds:schemaRef ds:uri="71af3243-3dd4-4a8d-8c0d-dd76da1f02a5"/>
+  </ds:schemaRefs>
+</ds:datastoreItem>
 </file>